--- a/Graduation Proposal/Cyberbullypresentation_Final.pptx
+++ b/Graduation Proposal/Cyberbullypresentation_Final.pptx
@@ -1,37 +1,457 @@
 
 <file path=ppt/presentation.xml><?xml version="1.0" encoding="utf-8"?>
-<p:presentation xmlns:a="http://schemas.openxmlformats.org/drawingml/2006/main" xmlns:p="http://schemas.openxmlformats.org/presentationml/2006/main" xmlns:r="http://schemas.openxmlformats.org/officeDocument/2006/relationships" xmlns:p14="http://schemas.microsoft.com/office/powerpoint/2010/main" xmlns:p15="http://schemas.microsoft.com/office/powerpoint/2012/main" xmlns:mc="http://schemas.openxmlformats.org/markup-compatibility/2006">
+<p:presentation xmlns:a="http://schemas.openxmlformats.org/drawingml/2006/main" xmlns:r="http://schemas.openxmlformats.org/officeDocument/2006/relationships" xmlns:p="http://schemas.openxmlformats.org/presentationml/2006/main">
   <p:sldMasterIdLst>
-    <p:sldMasterId id="2147483648" r:id="rId2"/>
-    <p:sldMasterId id="2147483661" r:id="rId3"/>
-    <p:sldMasterId id="2147483674" r:id="rId4"/>
+    <p:sldMasterId id="2147483648" r:id="rId1"/>
+    <p:sldMasterId id="2147483661" r:id="rId2"/>
+    <p:sldMasterId id="2147483674" r:id="rId3"/>
   </p:sldMasterIdLst>
   <p:notesMasterIdLst>
-    <p:notesMasterId r:id="rId5"/>
+    <p:notesMasterId r:id="rId18"/>
   </p:notesMasterIdLst>
   <p:sldIdLst>
-    <p:sldId id="256" r:id="rId6"/>
-    <p:sldId id="257" r:id="rId7"/>
-    <p:sldId id="258" r:id="rId8"/>
-    <p:sldId id="259" r:id="rId9"/>
-    <p:sldId id="260" r:id="rId10"/>
-    <p:sldId id="261" r:id="rId11"/>
-    <p:sldId id="262" r:id="rId12"/>
-    <p:sldId id="263" r:id="rId13"/>
-    <p:sldId id="264" r:id="rId14"/>
-    <p:sldId id="265" r:id="rId15"/>
-    <p:sldId id="266" r:id="rId16"/>
-    <p:sldId id="267" r:id="rId17"/>
-    <p:sldId id="268" r:id="rId18"/>
-    <p:sldId id="269" r:id="rId19"/>
+    <p:sldId id="256" r:id="rId4"/>
+    <p:sldId id="257" r:id="rId5"/>
+    <p:sldId id="258" r:id="rId6"/>
+    <p:sldId id="259" r:id="rId7"/>
+    <p:sldId id="260" r:id="rId8"/>
+    <p:sldId id="261" r:id="rId9"/>
+    <p:sldId id="262" r:id="rId10"/>
+    <p:sldId id="263" r:id="rId11"/>
+    <p:sldId id="264" r:id="rId12"/>
+    <p:sldId id="265" r:id="rId13"/>
+    <p:sldId id="266" r:id="rId14"/>
+    <p:sldId id="267" r:id="rId15"/>
+    <p:sldId id="268" r:id="rId16"/>
+    <p:sldId id="269" r:id="rId17"/>
   </p:sldIdLst>
   <p:sldSz cx="10080625" cy="5670550"/>
   <p:notesSz cx="7772400" cy="10058400"/>
+  <p:defaultTextStyle>
+    <a:defPPr>
+      <a:defRPr lang="en-US"/>
+    </a:defPPr>
+    <a:lvl1pPr marL="0" algn="l" defTabSz="914400" rtl="0" eaLnBrk="1" latinLnBrk="0" hangingPunct="1">
+      <a:defRPr sz="1800" kern="1200">
+        <a:solidFill>
+          <a:schemeClr val="tx1"/>
+        </a:solidFill>
+        <a:latin typeface="+mn-lt"/>
+        <a:ea typeface="+mn-ea"/>
+        <a:cs typeface="+mn-cs"/>
+      </a:defRPr>
+    </a:lvl1pPr>
+    <a:lvl2pPr marL="457200" algn="l" defTabSz="914400" rtl="0" eaLnBrk="1" latinLnBrk="0" hangingPunct="1">
+      <a:defRPr sz="1800" kern="1200">
+        <a:solidFill>
+          <a:schemeClr val="tx1"/>
+        </a:solidFill>
+        <a:latin typeface="+mn-lt"/>
+        <a:ea typeface="+mn-ea"/>
+        <a:cs typeface="+mn-cs"/>
+      </a:defRPr>
+    </a:lvl2pPr>
+    <a:lvl3pPr marL="914400" algn="l" defTabSz="914400" rtl="0" eaLnBrk="1" latinLnBrk="0" hangingPunct="1">
+      <a:defRPr sz="1800" kern="1200">
+        <a:solidFill>
+          <a:schemeClr val="tx1"/>
+        </a:solidFill>
+        <a:latin typeface="+mn-lt"/>
+        <a:ea typeface="+mn-ea"/>
+        <a:cs typeface="+mn-cs"/>
+      </a:defRPr>
+    </a:lvl3pPr>
+    <a:lvl4pPr marL="1371600" algn="l" defTabSz="914400" rtl="0" eaLnBrk="1" latinLnBrk="0" hangingPunct="1">
+      <a:defRPr sz="1800" kern="1200">
+        <a:solidFill>
+          <a:schemeClr val="tx1"/>
+        </a:solidFill>
+        <a:latin typeface="+mn-lt"/>
+        <a:ea typeface="+mn-ea"/>
+        <a:cs typeface="+mn-cs"/>
+      </a:defRPr>
+    </a:lvl4pPr>
+    <a:lvl5pPr marL="1828800" algn="l" defTabSz="914400" rtl="0" eaLnBrk="1" latinLnBrk="0" hangingPunct="1">
+      <a:defRPr sz="1800" kern="1200">
+        <a:solidFill>
+          <a:schemeClr val="tx1"/>
+        </a:solidFill>
+        <a:latin typeface="+mn-lt"/>
+        <a:ea typeface="+mn-ea"/>
+        <a:cs typeface="+mn-cs"/>
+      </a:defRPr>
+    </a:lvl5pPr>
+    <a:lvl6pPr marL="2286000" algn="l" defTabSz="914400" rtl="0" eaLnBrk="1" latinLnBrk="0" hangingPunct="1">
+      <a:defRPr sz="1800" kern="1200">
+        <a:solidFill>
+          <a:schemeClr val="tx1"/>
+        </a:solidFill>
+        <a:latin typeface="+mn-lt"/>
+        <a:ea typeface="+mn-ea"/>
+        <a:cs typeface="+mn-cs"/>
+      </a:defRPr>
+    </a:lvl6pPr>
+    <a:lvl7pPr marL="2743200" algn="l" defTabSz="914400" rtl="0" eaLnBrk="1" latinLnBrk="0" hangingPunct="1">
+      <a:defRPr sz="1800" kern="1200">
+        <a:solidFill>
+          <a:schemeClr val="tx1"/>
+        </a:solidFill>
+        <a:latin typeface="+mn-lt"/>
+        <a:ea typeface="+mn-ea"/>
+        <a:cs typeface="+mn-cs"/>
+      </a:defRPr>
+    </a:lvl7pPr>
+    <a:lvl8pPr marL="3200400" algn="l" defTabSz="914400" rtl="0" eaLnBrk="1" latinLnBrk="0" hangingPunct="1">
+      <a:defRPr sz="1800" kern="1200">
+        <a:solidFill>
+          <a:schemeClr val="tx1"/>
+        </a:solidFill>
+        <a:latin typeface="+mn-lt"/>
+        <a:ea typeface="+mn-ea"/>
+        <a:cs typeface="+mn-cs"/>
+      </a:defRPr>
+    </a:lvl8pPr>
+    <a:lvl9pPr marL="3657600" algn="l" defTabSz="914400" rtl="0" eaLnBrk="1" latinLnBrk="0" hangingPunct="1">
+      <a:defRPr sz="1800" kern="1200">
+        <a:solidFill>
+          <a:schemeClr val="tx1"/>
+        </a:solidFill>
+        <a:latin typeface="+mn-lt"/>
+        <a:ea typeface="+mn-ea"/>
+        <a:cs typeface="+mn-cs"/>
+      </a:defRPr>
+    </a:lvl9pPr>
+  </p:defaultTextStyle>
 </p:presentation>
 </file>
 
 <file path=ppt/notesMasters/notesMaster1.xml><?xml version="1.0" encoding="utf-8"?>
-<p:notesMaster xmlns:a="http://schemas.openxmlformats.org/drawingml/2006/main" xmlns:p="http://schemas.openxmlformats.org/presentationml/2006/main" xmlns:r="http://schemas.openxmlformats.org/officeDocument/2006/relationships" xmlns:p14="http://schemas.microsoft.com/office/powerpoint/2010/main" xmlns:p15="http://schemas.microsoft.com/office/powerpoint/2012/main" xmlns:mc="http://schemas.openxmlformats.org/markup-compatibility/2006">
+<p:notesMaster xmlns:a="http://schemas.openxmlformats.org/drawingml/2006/main" xmlns:r="http://schemas.openxmlformats.org/officeDocument/2006/relationships" xmlns:p="http://schemas.openxmlformats.org/presentationml/2006/main">
+  <p:cSld>
+    <p:bg>
+      <p:bgRef idx="1001">
+        <a:schemeClr val="bg1"/>
+      </p:bgRef>
+    </p:bg>
+    <p:spTree>
+      <p:nvGrpSpPr>
+        <p:cNvPr id="1" name=""/>
+        <p:cNvGrpSpPr/>
+        <p:nvPr/>
+      </p:nvGrpSpPr>
+      <p:grpSpPr>
+        <a:xfrm>
+          <a:off x="0" y="0"/>
+          <a:ext cx="0" cy="0"/>
+          <a:chOff x="0" y="0"/>
+          <a:chExt cx="0" cy="0"/>
+        </a:xfrm>
+      </p:grpSpPr>
+      <p:sp>
+        <p:nvSpPr>
+          <p:cNvPr id="158" name="PlaceHolder 1"/>
+          <p:cNvSpPr>
+            <a:spLocks noGrp="1" noRot="1" noChangeAspect="1"/>
+          </p:cNvSpPr>
+          <p:nvPr>
+            <p:ph type="sldImg"/>
+          </p:nvPr>
+        </p:nvSpPr>
+        <p:spPr>
+          <a:xfrm>
+            <a:off x="533520" y="764280"/>
+            <a:ext cx="6704640" cy="3771360"/>
+          </a:xfrm>
+          <a:prstGeom prst="rect">
+            <a:avLst/>
+          </a:prstGeom>
+        </p:spPr>
+        <p:txBody>
+          <a:bodyPr lIns="0" tIns="0" rIns="0" bIns="0" anchor="ctr"/>
+          <a:lstStyle/>
+          <a:p>
+            <a:r>
+              <a:rPr lang="en-US" sz="1800" b="0" strike="noStrike" spc="-1">
+                <a:solidFill>
+                  <a:srgbClr val="000000"/>
+                </a:solidFill>
+                <a:latin typeface="Arial"/>
+              </a:rPr>
+              <a:t>Click to move the slide</a:t>
+            </a:r>
+          </a:p>
+        </p:txBody>
+      </p:sp>
+      <p:sp>
+        <p:nvSpPr>
+          <p:cNvPr id="159" name="PlaceHolder 2"/>
+          <p:cNvSpPr>
+            <a:spLocks noGrp="1"/>
+          </p:cNvSpPr>
+          <p:nvPr>
+            <p:ph type="body"/>
+          </p:nvPr>
+        </p:nvSpPr>
+        <p:spPr>
+          <a:xfrm>
+            <a:off x="777240" y="4777560"/>
+            <a:ext cx="6217560" cy="4525920"/>
+          </a:xfrm>
+          <a:prstGeom prst="rect">
+            <a:avLst/>
+          </a:prstGeom>
+        </p:spPr>
+        <p:txBody>
+          <a:bodyPr lIns="0" tIns="0" rIns="0" bIns="0"/>
+          <a:lstStyle/>
+          <a:p>
+            <a:r>
+              <a:rPr lang="en-US" sz="2000" b="0" strike="noStrike" spc="-1">
+                <a:latin typeface="Arial"/>
+              </a:rPr>
+              <a:t>Click to edit the notes format</a:t>
+            </a:r>
+          </a:p>
+        </p:txBody>
+      </p:sp>
+      <p:sp>
+        <p:nvSpPr>
+          <p:cNvPr id="160" name="PlaceHolder 3"/>
+          <p:cNvSpPr>
+            <a:spLocks noGrp="1"/>
+          </p:cNvSpPr>
+          <p:nvPr>
+            <p:ph type="hdr"/>
+          </p:nvPr>
+        </p:nvSpPr>
+        <p:spPr>
+          <a:xfrm>
+            <a:off x="0" y="0"/>
+            <a:ext cx="3372840" cy="502560"/>
+          </a:xfrm>
+          <a:prstGeom prst="rect">
+            <a:avLst/>
+          </a:prstGeom>
+        </p:spPr>
+        <p:txBody>
+          <a:bodyPr lIns="0" tIns="0" rIns="0" bIns="0"/>
+          <a:lstStyle/>
+          <a:p>
+            <a:r>
+              <a:rPr lang="en-US" sz="1400" b="0" strike="noStrike" spc="-1">
+                <a:latin typeface="Times New Roman"/>
+              </a:rPr>
+              <a:t> </a:t>
+            </a:r>
+          </a:p>
+        </p:txBody>
+      </p:sp>
+      <p:sp>
+        <p:nvSpPr>
+          <p:cNvPr id="161" name="PlaceHolder 4"/>
+          <p:cNvSpPr>
+            <a:spLocks noGrp="1"/>
+          </p:cNvSpPr>
+          <p:nvPr>
+            <p:ph type="dt"/>
+          </p:nvPr>
+        </p:nvSpPr>
+        <p:spPr>
+          <a:xfrm>
+            <a:off x="4399200" y="0"/>
+            <a:ext cx="3372840" cy="502560"/>
+          </a:xfrm>
+          <a:prstGeom prst="rect">
+            <a:avLst/>
+          </a:prstGeom>
+        </p:spPr>
+        <p:txBody>
+          <a:bodyPr lIns="0" tIns="0" rIns="0" bIns="0"/>
+          <a:lstStyle/>
+          <a:p>
+            <a:pPr algn="r"/>
+            <a:r>
+              <a:rPr lang="en-US" sz="1400" b="0" strike="noStrike" spc="-1">
+                <a:latin typeface="Times New Roman"/>
+              </a:rPr>
+              <a:t> </a:t>
+            </a:r>
+          </a:p>
+        </p:txBody>
+      </p:sp>
+      <p:sp>
+        <p:nvSpPr>
+          <p:cNvPr id="162" name="PlaceHolder 5"/>
+          <p:cNvSpPr>
+            <a:spLocks noGrp="1"/>
+          </p:cNvSpPr>
+          <p:nvPr>
+            <p:ph type="ftr"/>
+          </p:nvPr>
+        </p:nvSpPr>
+        <p:spPr>
+          <a:xfrm>
+            <a:off x="0" y="9555480"/>
+            <a:ext cx="3372840" cy="502560"/>
+          </a:xfrm>
+          <a:prstGeom prst="rect">
+            <a:avLst/>
+          </a:prstGeom>
+        </p:spPr>
+        <p:txBody>
+          <a:bodyPr lIns="0" tIns="0" rIns="0" bIns="0" anchor="b"/>
+          <a:lstStyle/>
+          <a:p>
+            <a:r>
+              <a:rPr lang="en-US" sz="1400" b="0" strike="noStrike" spc="-1">
+                <a:latin typeface="Times New Roman"/>
+              </a:rPr>
+              <a:t> </a:t>
+            </a:r>
+          </a:p>
+        </p:txBody>
+      </p:sp>
+      <p:sp>
+        <p:nvSpPr>
+          <p:cNvPr id="163" name="PlaceHolder 6"/>
+          <p:cNvSpPr>
+            <a:spLocks noGrp="1"/>
+          </p:cNvSpPr>
+          <p:nvPr>
+            <p:ph type="sldNum"/>
+          </p:nvPr>
+        </p:nvSpPr>
+        <p:spPr>
+          <a:xfrm>
+            <a:off x="4399200" y="9555480"/>
+            <a:ext cx="3372840" cy="502560"/>
+          </a:xfrm>
+          <a:prstGeom prst="rect">
+            <a:avLst/>
+          </a:prstGeom>
+        </p:spPr>
+        <p:txBody>
+          <a:bodyPr lIns="0" tIns="0" rIns="0" bIns="0" anchor="b"/>
+          <a:lstStyle/>
+          <a:p>
+            <a:pPr algn="r"/>
+            <a:fld id="{C0CD5351-55BF-4E26-8890-C639A32A6EEB}" type="slidenum">
+              <a:rPr lang="en-US" sz="1400" b="0" strike="noStrike" spc="-1">
+                <a:latin typeface="Times New Roman"/>
+              </a:rPr>
+              <a:t>‹#›</a:t>
+            </a:fld>
+            <a:endParaRPr lang="en-US" sz="1400" b="0" strike="noStrike" spc="-1">
+              <a:latin typeface="Times New Roman"/>
+            </a:endParaRPr>
+          </a:p>
+        </p:txBody>
+      </p:sp>
+    </p:spTree>
+    <p:extLst>
+      <p:ext uri="{BB962C8B-B14F-4D97-AF65-F5344CB8AC3E}">
+        <p14:creationId xmlns:p14="http://schemas.microsoft.com/office/powerpoint/2010/main" val="586817921"/>
+      </p:ext>
+    </p:extLst>
+  </p:cSld>
+  <p:clrMap bg1="lt1" tx1="dk1" bg2="lt2" tx2="dk2" accent1="accent1" accent2="accent2" accent3="accent3" accent4="accent4" accent5="accent5" accent6="accent6" hlink="hlink" folHlink="folHlink"/>
+  <p:notesStyle>
+    <a:lvl1pPr marL="0" algn="l" defTabSz="914400" rtl="0" eaLnBrk="1" latinLnBrk="0" hangingPunct="1">
+      <a:defRPr sz="1200" kern="1200">
+        <a:solidFill>
+          <a:schemeClr val="tx1"/>
+        </a:solidFill>
+        <a:latin typeface="+mn-lt"/>
+        <a:ea typeface="+mn-ea"/>
+        <a:cs typeface="+mn-cs"/>
+      </a:defRPr>
+    </a:lvl1pPr>
+    <a:lvl2pPr marL="457200" algn="l" defTabSz="914400" rtl="0" eaLnBrk="1" latinLnBrk="0" hangingPunct="1">
+      <a:defRPr sz="1200" kern="1200">
+        <a:solidFill>
+          <a:schemeClr val="tx1"/>
+        </a:solidFill>
+        <a:latin typeface="+mn-lt"/>
+        <a:ea typeface="+mn-ea"/>
+        <a:cs typeface="+mn-cs"/>
+      </a:defRPr>
+    </a:lvl2pPr>
+    <a:lvl3pPr marL="914400" algn="l" defTabSz="914400" rtl="0" eaLnBrk="1" latinLnBrk="0" hangingPunct="1">
+      <a:defRPr sz="1200" kern="1200">
+        <a:solidFill>
+          <a:schemeClr val="tx1"/>
+        </a:solidFill>
+        <a:latin typeface="+mn-lt"/>
+        <a:ea typeface="+mn-ea"/>
+        <a:cs typeface="+mn-cs"/>
+      </a:defRPr>
+    </a:lvl3pPr>
+    <a:lvl4pPr marL="1371600" algn="l" defTabSz="914400" rtl="0" eaLnBrk="1" latinLnBrk="0" hangingPunct="1">
+      <a:defRPr sz="1200" kern="1200">
+        <a:solidFill>
+          <a:schemeClr val="tx1"/>
+        </a:solidFill>
+        <a:latin typeface="+mn-lt"/>
+        <a:ea typeface="+mn-ea"/>
+        <a:cs typeface="+mn-cs"/>
+      </a:defRPr>
+    </a:lvl4pPr>
+    <a:lvl5pPr marL="1828800" algn="l" defTabSz="914400" rtl="0" eaLnBrk="1" latinLnBrk="0" hangingPunct="1">
+      <a:defRPr sz="1200" kern="1200">
+        <a:solidFill>
+          <a:schemeClr val="tx1"/>
+        </a:solidFill>
+        <a:latin typeface="+mn-lt"/>
+        <a:ea typeface="+mn-ea"/>
+        <a:cs typeface="+mn-cs"/>
+      </a:defRPr>
+    </a:lvl5pPr>
+    <a:lvl6pPr marL="2286000" algn="l" defTabSz="914400" rtl="0" eaLnBrk="1" latinLnBrk="0" hangingPunct="1">
+      <a:defRPr sz="1200" kern="1200">
+        <a:solidFill>
+          <a:schemeClr val="tx1"/>
+        </a:solidFill>
+        <a:latin typeface="+mn-lt"/>
+        <a:ea typeface="+mn-ea"/>
+        <a:cs typeface="+mn-cs"/>
+      </a:defRPr>
+    </a:lvl6pPr>
+    <a:lvl7pPr marL="2743200" algn="l" defTabSz="914400" rtl="0" eaLnBrk="1" latinLnBrk="0" hangingPunct="1">
+      <a:defRPr sz="1200" kern="1200">
+        <a:solidFill>
+          <a:schemeClr val="tx1"/>
+        </a:solidFill>
+        <a:latin typeface="+mn-lt"/>
+        <a:ea typeface="+mn-ea"/>
+        <a:cs typeface="+mn-cs"/>
+      </a:defRPr>
+    </a:lvl7pPr>
+    <a:lvl8pPr marL="3200400" algn="l" defTabSz="914400" rtl="0" eaLnBrk="1" latinLnBrk="0" hangingPunct="1">
+      <a:defRPr sz="1200" kern="1200">
+        <a:solidFill>
+          <a:schemeClr val="tx1"/>
+        </a:solidFill>
+        <a:latin typeface="+mn-lt"/>
+        <a:ea typeface="+mn-ea"/>
+        <a:cs typeface="+mn-cs"/>
+      </a:defRPr>
+    </a:lvl8pPr>
+    <a:lvl9pPr marL="3657600" algn="l" defTabSz="914400" rtl="0" eaLnBrk="1" latinLnBrk="0" hangingPunct="1">
+      <a:defRPr sz="1200" kern="1200">
+        <a:solidFill>
+          <a:schemeClr val="tx1"/>
+        </a:solidFill>
+        <a:latin typeface="+mn-lt"/>
+        <a:ea typeface="+mn-ea"/>
+        <a:cs typeface="+mn-cs"/>
+      </a:defRPr>
+    </a:lvl9pPr>
+  </p:notesStyle>
+</p:notesMaster>
+</file>
+
+<file path=ppt/notesSlides/notesSlide1.xml><?xml version="1.0" encoding="utf-8"?>
+<p:notes xmlns:a="http://schemas.openxmlformats.org/drawingml/2006/main" xmlns:r="http://schemas.openxmlformats.org/officeDocument/2006/relationships" xmlns:p="http://schemas.openxmlformats.org/presentationml/2006/main">
   <p:cSld>
     <p:spTree>
       <p:nvGrpSpPr>
@@ -49,244 +469,9 @@
       </p:grpSpPr>
       <p:sp>
         <p:nvSpPr>
-          <p:cNvPr id="158" name="PlaceHolder 1"/>
-          <p:cNvSpPr>
-            <a:spLocks noGrp="1"/>
-          </p:cNvSpPr>
-          <p:nvPr>
-            <p:ph type="sldImg"/>
-          </p:nvPr>
-        </p:nvSpPr>
-        <p:spPr>
-          <a:xfrm>
-            <a:off x="533520" y="764280"/>
-            <a:ext cx="6704640" cy="3771360"/>
-          </a:xfrm>
-          <a:prstGeom prst="rect">
-            <a:avLst/>
-          </a:prstGeom>
-        </p:spPr>
-        <p:txBody>
-          <a:bodyPr lIns="0" rIns="0" tIns="0" bIns="0" anchor="ctr"/>
-          <a:p>
-            <a:r>
-              <a:rPr b="0" lang="en-US" sz="1800" spc="-1" strike="noStrike">
-                <a:solidFill>
-                  <a:srgbClr val="000000"/>
-                </a:solidFill>
-                <a:latin typeface="Arial"/>
-              </a:rPr>
-              <a:t>Click to move the slide</a:t>
-            </a:r>
-            <a:endParaRPr b="0" lang="en-US" sz="1800" spc="-1" strike="noStrike">
-              <a:solidFill>
-                <a:srgbClr val="000000"/>
-              </a:solidFill>
-              <a:latin typeface="Arial"/>
-            </a:endParaRPr>
-          </a:p>
-        </p:txBody>
-      </p:sp>
-      <p:sp>
-        <p:nvSpPr>
-          <p:cNvPr id="159" name="PlaceHolder 2"/>
-          <p:cNvSpPr>
-            <a:spLocks noGrp="1"/>
-          </p:cNvSpPr>
-          <p:nvPr>
-            <p:ph type="body"/>
-          </p:nvPr>
-        </p:nvSpPr>
-        <p:spPr>
-          <a:xfrm>
-            <a:off x="777240" y="4777560"/>
-            <a:ext cx="6217560" cy="4525920"/>
-          </a:xfrm>
-          <a:prstGeom prst="rect">
-            <a:avLst/>
-          </a:prstGeom>
-        </p:spPr>
-        <p:txBody>
-          <a:bodyPr lIns="0" rIns="0" tIns="0" bIns="0"/>
-          <a:p>
-            <a:r>
-              <a:rPr b="0" lang="en-US" sz="2000" spc="-1" strike="noStrike">
-                <a:latin typeface="Arial"/>
-              </a:rPr>
-              <a:t>Click to edit the notes format</a:t>
-            </a:r>
-            <a:endParaRPr b="0" lang="en-US" sz="2000" spc="-1" strike="noStrike">
-              <a:latin typeface="Arial"/>
-            </a:endParaRPr>
-          </a:p>
-        </p:txBody>
-      </p:sp>
-      <p:sp>
-        <p:nvSpPr>
-          <p:cNvPr id="160" name="PlaceHolder 3"/>
-          <p:cNvSpPr>
-            <a:spLocks noGrp="1"/>
-          </p:cNvSpPr>
-          <p:nvPr>
-            <p:ph type="hdr"/>
-          </p:nvPr>
-        </p:nvSpPr>
-        <p:spPr>
-          <a:xfrm>
-            <a:off x="0" y="0"/>
-            <a:ext cx="3372840" cy="502560"/>
-          </a:xfrm>
-          <a:prstGeom prst="rect">
-            <a:avLst/>
-          </a:prstGeom>
-        </p:spPr>
-        <p:txBody>
-          <a:bodyPr lIns="0" rIns="0" tIns="0" bIns="0"/>
-          <a:p>
-            <a:r>
-              <a:rPr b="0" lang="en-US" sz="1400" spc="-1" strike="noStrike">
-                <a:latin typeface="Times New Roman"/>
-              </a:rPr>
-              <a:t> </a:t>
-            </a:r>
-            <a:endParaRPr b="0" lang="en-US" sz="1400" spc="-1" strike="noStrike">
-              <a:latin typeface="Times New Roman"/>
-            </a:endParaRPr>
-          </a:p>
-        </p:txBody>
-      </p:sp>
-      <p:sp>
-        <p:nvSpPr>
-          <p:cNvPr id="161" name="PlaceHolder 4"/>
-          <p:cNvSpPr>
-            <a:spLocks noGrp="1"/>
-          </p:cNvSpPr>
-          <p:nvPr>
-            <p:ph type="dt"/>
-          </p:nvPr>
-        </p:nvSpPr>
-        <p:spPr>
-          <a:xfrm>
-            <a:off x="4399200" y="0"/>
-            <a:ext cx="3372840" cy="502560"/>
-          </a:xfrm>
-          <a:prstGeom prst="rect">
-            <a:avLst/>
-          </a:prstGeom>
-        </p:spPr>
-        <p:txBody>
-          <a:bodyPr lIns="0" rIns="0" tIns="0" bIns="0"/>
-          <a:p>
-            <a:pPr algn="r"/>
-            <a:r>
-              <a:rPr b="0" lang="en-US" sz="1400" spc="-1" strike="noStrike">
-                <a:latin typeface="Times New Roman"/>
-              </a:rPr>
-              <a:t> </a:t>
-            </a:r>
-            <a:endParaRPr b="0" lang="en-US" sz="1400" spc="-1" strike="noStrike">
-              <a:latin typeface="Times New Roman"/>
-            </a:endParaRPr>
-          </a:p>
-        </p:txBody>
-      </p:sp>
-      <p:sp>
-        <p:nvSpPr>
-          <p:cNvPr id="162" name="PlaceHolder 5"/>
-          <p:cNvSpPr>
-            <a:spLocks noGrp="1"/>
-          </p:cNvSpPr>
-          <p:nvPr>
-            <p:ph type="ftr"/>
-          </p:nvPr>
-        </p:nvSpPr>
-        <p:spPr>
-          <a:xfrm>
-            <a:off x="0" y="9555480"/>
-            <a:ext cx="3372840" cy="502560"/>
-          </a:xfrm>
-          <a:prstGeom prst="rect">
-            <a:avLst/>
-          </a:prstGeom>
-        </p:spPr>
-        <p:txBody>
-          <a:bodyPr lIns="0" rIns="0" tIns="0" bIns="0" anchor="b"/>
-          <a:p>
-            <a:r>
-              <a:rPr b="0" lang="en-US" sz="1400" spc="-1" strike="noStrike">
-                <a:latin typeface="Times New Roman"/>
-              </a:rPr>
-              <a:t> </a:t>
-            </a:r>
-            <a:endParaRPr b="0" lang="en-US" sz="1400" spc="-1" strike="noStrike">
-              <a:latin typeface="Times New Roman"/>
-            </a:endParaRPr>
-          </a:p>
-        </p:txBody>
-      </p:sp>
-      <p:sp>
-        <p:nvSpPr>
-          <p:cNvPr id="163" name="PlaceHolder 6"/>
-          <p:cNvSpPr>
-            <a:spLocks noGrp="1"/>
-          </p:cNvSpPr>
-          <p:nvPr>
-            <p:ph type="sldNum"/>
-          </p:nvPr>
-        </p:nvSpPr>
-        <p:spPr>
-          <a:xfrm>
-            <a:off x="4399200" y="9555480"/>
-            <a:ext cx="3372840" cy="502560"/>
-          </a:xfrm>
-          <a:prstGeom prst="rect">
-            <a:avLst/>
-          </a:prstGeom>
-        </p:spPr>
-        <p:txBody>
-          <a:bodyPr lIns="0" rIns="0" tIns="0" bIns="0" anchor="b"/>
-          <a:p>
-            <a:pPr algn="r"/>
-            <a:fld id="{C0CD5351-55BF-4E26-8890-C639A32A6EEB}" type="slidenum">
-              <a:rPr b="0" lang="en-US" sz="1400" spc="-1" strike="noStrike">
-                <a:latin typeface="Times New Roman"/>
-              </a:rPr>
-              <a:t>1</a:t>
-            </a:fld>
-            <a:endParaRPr b="0" lang="en-US" sz="1400" spc="-1" strike="noStrike">
-              <a:latin typeface="Times New Roman"/>
-            </a:endParaRPr>
-          </a:p>
-        </p:txBody>
-      </p:sp>
-    </p:spTree>
-  </p:cSld>
-  <p:clrMap bg1="lt1" bg2="lt2" tx1="dk1" tx2="dk2" accent1="accent1" accent2="accent2" accent3="accent3" accent4="accent4" accent5="accent5" accent6="accent6" hlink="hlink" folHlink="folHlink"/>
-</p:notesMaster>
-</file>
-
-<file path=ppt/notesSlides/notesSlide9.xml><?xml version="1.0" encoding="utf-8"?>
-<p:notes xmlns:a="http://schemas.openxmlformats.org/drawingml/2006/main" xmlns:p="http://schemas.openxmlformats.org/presentationml/2006/main" xmlns:r="http://schemas.openxmlformats.org/officeDocument/2006/relationships" xmlns:p14="http://schemas.microsoft.com/office/powerpoint/2010/main" xmlns:p15="http://schemas.microsoft.com/office/powerpoint/2012/main" xmlns:mc="http://schemas.openxmlformats.org/markup-compatibility/2006">
-  <p:cSld>
-    <p:spTree>
-      <p:nvGrpSpPr>
-        <p:cNvPr id="1" name=""/>
-        <p:cNvGrpSpPr/>
-        <p:nvPr/>
-      </p:nvGrpSpPr>
-      <p:grpSpPr>
-        <a:xfrm>
-          <a:off x="0" y="0"/>
-          <a:ext cx="0" cy="0"/>
-          <a:chOff x="0" y="0"/>
-          <a:chExt cx="0" cy="0"/>
-        </a:xfrm>
-      </p:grpSpPr>
-      <p:sp>
-        <p:nvSpPr>
           <p:cNvPr id="248" name="PlaceHolder 1"/>
           <p:cNvSpPr>
-            <a:spLocks noGrp="1"/>
+            <a:spLocks noGrp="1" noRot="1" noChangeAspect="1"/>
           </p:cNvSpPr>
           <p:nvPr>
             <p:ph type="sldImg"/>
@@ -323,8 +508,9 @@
         </p:spPr>
         <p:txBody>
           <a:bodyPr/>
-          <a:p>
-            <a:endParaRPr b="0" lang="en-US" sz="2000" spc="-1" strike="noStrike">
+          <a:lstStyle/>
+          <a:p>
+            <a:endParaRPr lang="en-US" sz="2000" b="0" strike="noStrike" spc="-1">
               <a:latin typeface="Arial"/>
             </a:endParaRPr>
           </a:p>
@@ -351,6 +537,7 @@
         </p:spPr>
         <p:txBody>
           <a:bodyPr anchor="b"/>
+          <a:lstStyle/>
           <a:p>
             <a:pPr algn="r">
               <a:lnSpc>
@@ -358,16 +545,16 @@
               </a:lnSpc>
             </a:pPr>
             <a:fld id="{5DE9E3C6-9626-4B8E-AC7A-33D1B3228E63}" type="slidenum">
-              <a:rPr b="0" lang="en-US" sz="1200" spc="-1" strike="noStrike">
+              <a:rPr lang="en-US" sz="1200" b="0" strike="noStrike" spc="-1">
                 <a:solidFill>
                   <a:srgbClr val="000000"/>
                 </a:solidFill>
                 <a:latin typeface="Calibri"/>
                 <a:ea typeface="+mn-ea"/>
               </a:rPr>
-              <a:t>&lt;number&gt;</a:t>
+              <a:t>9</a:t>
             </a:fld>
-            <a:endParaRPr b="0" lang="en-US" sz="1200" spc="-1" strike="noStrike">
+            <a:endParaRPr lang="en-US" sz="1200" b="0" strike="noStrike" spc="-1">
               <a:latin typeface="Times New Roman"/>
             </a:endParaRPr>
           </a:p>
@@ -375,11 +562,14 @@
       </p:sp>
     </p:spTree>
   </p:cSld>
+  <p:clrMapOvr>
+    <a:masterClrMapping/>
+  </p:clrMapOvr>
 </p:notes>
 </file>
 
 <file path=ppt/slideLayouts/slideLayout1.xml><?xml version="1.0" encoding="utf-8"?>
-<p:sldLayout xmlns:a="http://schemas.openxmlformats.org/drawingml/2006/main" xmlns:p="http://schemas.openxmlformats.org/presentationml/2006/main" xmlns:r="http://schemas.openxmlformats.org/officeDocument/2006/relationships" xmlns:p14="http://schemas.microsoft.com/office/powerpoint/2010/main" xmlns:p15="http://schemas.microsoft.com/office/powerpoint/2012/main" xmlns:mc="http://schemas.openxmlformats.org/markup-compatibility/2006" type="blank" preserve="1">
+<p:sldLayout xmlns:a="http://schemas.openxmlformats.org/drawingml/2006/main" xmlns:r="http://schemas.openxmlformats.org/officeDocument/2006/relationships" xmlns:p="http://schemas.openxmlformats.org/presentationml/2006/main" type="blank" preserve="1">
   <p:cSld name="Blank Slide">
     <p:spTree>
       <p:nvGrpSpPr>
@@ -397,11 +587,14 @@
       </p:grpSpPr>
     </p:spTree>
   </p:cSld>
+  <p:clrMapOvr>
+    <a:masterClrMapping/>
+  </p:clrMapOvr>
 </p:sldLayout>
 </file>
 
 <file path=ppt/slideLayouts/slideLayout10.xml><?xml version="1.0" encoding="utf-8"?>
-<p:sldLayout xmlns:a="http://schemas.openxmlformats.org/drawingml/2006/main" xmlns:p="http://schemas.openxmlformats.org/presentationml/2006/main" xmlns:r="http://schemas.openxmlformats.org/officeDocument/2006/relationships" xmlns:p14="http://schemas.microsoft.com/office/powerpoint/2010/main" xmlns:p15="http://schemas.microsoft.com/office/powerpoint/2012/main" xmlns:mc="http://schemas.openxmlformats.org/markup-compatibility/2006" type="objOverTx" preserve="1">
+<p:sldLayout xmlns:a="http://schemas.openxmlformats.org/drawingml/2006/main" xmlns:r="http://schemas.openxmlformats.org/officeDocument/2006/relationships" xmlns:p="http://schemas.openxmlformats.org/presentationml/2006/main" type="objOverTx" preserve="1">
   <p:cSld name="Title, Content over Content">
     <p:spTree>
       <p:nvGrpSpPr>
@@ -437,9 +630,10 @@
           </a:prstGeom>
         </p:spPr>
         <p:txBody>
-          <a:bodyPr lIns="0" rIns="0" tIns="0" bIns="0" anchor="ctr"/>
-          <a:p>
-            <a:endParaRPr b="0" lang="en-US" sz="1800" spc="-1" strike="noStrike">
+          <a:bodyPr lIns="0" tIns="0" rIns="0" bIns="0" anchor="ctr"/>
+          <a:lstStyle/>
+          <a:p>
+            <a:endParaRPr lang="en-US" sz="1800" b="0" strike="noStrike" spc="-1">
               <a:solidFill>
                 <a:srgbClr val="000000"/>
               </a:solidFill>
@@ -468,11 +662,12 @@
           </a:prstGeom>
         </p:spPr>
         <p:txBody>
-          <a:bodyPr lIns="0" rIns="0" tIns="0" bIns="0">
+          <a:bodyPr lIns="0" tIns="0" rIns="0" bIns="0">
             <a:normAutofit/>
           </a:bodyPr>
-          <a:p>
-            <a:endParaRPr b="0" lang="en-US" sz="2800" spc="-1" strike="noStrike">
+          <a:lstStyle/>
+          <a:p>
+            <a:endParaRPr lang="en-US" sz="2800" b="0" strike="noStrike" spc="-1">
               <a:solidFill>
                 <a:srgbClr val="000000"/>
               </a:solidFill>
@@ -501,11 +696,12 @@
           </a:prstGeom>
         </p:spPr>
         <p:txBody>
-          <a:bodyPr lIns="0" rIns="0" tIns="0" bIns="0">
+          <a:bodyPr lIns="0" tIns="0" rIns="0" bIns="0">
             <a:normAutofit/>
           </a:bodyPr>
-          <a:p>
-            <a:endParaRPr b="0" lang="en-US" sz="2800" spc="-1" strike="noStrike">
+          <a:lstStyle/>
+          <a:p>
+            <a:endParaRPr lang="en-US" sz="2800" b="0" strike="noStrike" spc="-1">
               <a:solidFill>
                 <a:srgbClr val="000000"/>
               </a:solidFill>
@@ -516,11 +712,14 @@
       </p:sp>
     </p:spTree>
   </p:cSld>
+  <p:clrMapOvr>
+    <a:masterClrMapping/>
+  </p:clrMapOvr>
 </p:sldLayout>
 </file>
 
 <file path=ppt/slideLayouts/slideLayout11.xml><?xml version="1.0" encoding="utf-8"?>
-<p:sldLayout xmlns:a="http://schemas.openxmlformats.org/drawingml/2006/main" xmlns:p="http://schemas.openxmlformats.org/presentationml/2006/main" xmlns:r="http://schemas.openxmlformats.org/officeDocument/2006/relationships" xmlns:p14="http://schemas.microsoft.com/office/powerpoint/2010/main" xmlns:p15="http://schemas.microsoft.com/office/powerpoint/2012/main" xmlns:mc="http://schemas.openxmlformats.org/markup-compatibility/2006" type="fourObj" preserve="1">
+<p:sldLayout xmlns:a="http://schemas.openxmlformats.org/drawingml/2006/main" xmlns:r="http://schemas.openxmlformats.org/officeDocument/2006/relationships" xmlns:p="http://schemas.openxmlformats.org/presentationml/2006/main" type="fourObj" preserve="1">
   <p:cSld name="Title, 4 Content">
     <p:spTree>
       <p:nvGrpSpPr>
@@ -556,9 +755,10 @@
           </a:prstGeom>
         </p:spPr>
         <p:txBody>
-          <a:bodyPr lIns="0" rIns="0" tIns="0" bIns="0" anchor="ctr"/>
-          <a:p>
-            <a:endParaRPr b="0" lang="en-US" sz="1800" spc="-1" strike="noStrike">
+          <a:bodyPr lIns="0" tIns="0" rIns="0" bIns="0" anchor="ctr"/>
+          <a:lstStyle/>
+          <a:p>
+            <a:endParaRPr lang="en-US" sz="1800" b="0" strike="noStrike" spc="-1">
               <a:solidFill>
                 <a:srgbClr val="000000"/>
               </a:solidFill>
@@ -587,11 +787,12 @@
           </a:prstGeom>
         </p:spPr>
         <p:txBody>
-          <a:bodyPr lIns="0" rIns="0" tIns="0" bIns="0">
+          <a:bodyPr lIns="0" tIns="0" rIns="0" bIns="0">
             <a:normAutofit/>
           </a:bodyPr>
-          <a:p>
-            <a:endParaRPr b="0" lang="en-US" sz="2800" spc="-1" strike="noStrike">
+          <a:lstStyle/>
+          <a:p>
+            <a:endParaRPr lang="en-US" sz="2800" b="0" strike="noStrike" spc="-1">
               <a:solidFill>
                 <a:srgbClr val="000000"/>
               </a:solidFill>
@@ -620,11 +821,12 @@
           </a:prstGeom>
         </p:spPr>
         <p:txBody>
-          <a:bodyPr lIns="0" rIns="0" tIns="0" bIns="0">
+          <a:bodyPr lIns="0" tIns="0" rIns="0" bIns="0">
             <a:normAutofit/>
           </a:bodyPr>
-          <a:p>
-            <a:endParaRPr b="0" lang="en-US" sz="2800" spc="-1" strike="noStrike">
+          <a:lstStyle/>
+          <a:p>
+            <a:endParaRPr lang="en-US" sz="2800" b="0" strike="noStrike" spc="-1">
               <a:solidFill>
                 <a:srgbClr val="000000"/>
               </a:solidFill>
@@ -653,11 +855,12 @@
           </a:prstGeom>
         </p:spPr>
         <p:txBody>
-          <a:bodyPr lIns="0" rIns="0" tIns="0" bIns="0">
+          <a:bodyPr lIns="0" tIns="0" rIns="0" bIns="0">
             <a:normAutofit/>
           </a:bodyPr>
-          <a:p>
-            <a:endParaRPr b="0" lang="en-US" sz="2800" spc="-1" strike="noStrike">
+          <a:lstStyle/>
+          <a:p>
+            <a:endParaRPr lang="en-US" sz="2800" b="0" strike="noStrike" spc="-1">
               <a:solidFill>
                 <a:srgbClr val="000000"/>
               </a:solidFill>
@@ -686,11 +889,12 @@
           </a:prstGeom>
         </p:spPr>
         <p:txBody>
-          <a:bodyPr lIns="0" rIns="0" tIns="0" bIns="0">
+          <a:bodyPr lIns="0" tIns="0" rIns="0" bIns="0">
             <a:normAutofit/>
           </a:bodyPr>
-          <a:p>
-            <a:endParaRPr b="0" lang="en-US" sz="2800" spc="-1" strike="noStrike">
+          <a:lstStyle/>
+          <a:p>
+            <a:endParaRPr lang="en-US" sz="2800" b="0" strike="noStrike" spc="-1">
               <a:solidFill>
                 <a:srgbClr val="000000"/>
               </a:solidFill>
@@ -701,11 +905,14 @@
       </p:sp>
     </p:spTree>
   </p:cSld>
+  <p:clrMapOvr>
+    <a:masterClrMapping/>
+  </p:clrMapOvr>
 </p:sldLayout>
 </file>
 
 <file path=ppt/slideLayouts/slideLayout12.xml><?xml version="1.0" encoding="utf-8"?>
-<p:sldLayout xmlns:a="http://schemas.openxmlformats.org/drawingml/2006/main" xmlns:p="http://schemas.openxmlformats.org/presentationml/2006/main" xmlns:r="http://schemas.openxmlformats.org/officeDocument/2006/relationships" xmlns:p14="http://schemas.microsoft.com/office/powerpoint/2010/main" xmlns:p15="http://schemas.microsoft.com/office/powerpoint/2012/main" xmlns:mc="http://schemas.openxmlformats.org/markup-compatibility/2006" type="blank" preserve="1">
+<p:sldLayout xmlns:a="http://schemas.openxmlformats.org/drawingml/2006/main" xmlns:r="http://schemas.openxmlformats.org/officeDocument/2006/relationships" xmlns:p="http://schemas.openxmlformats.org/presentationml/2006/main" type="blank" preserve="1">
   <p:cSld name="Title, 6 Content">
     <p:spTree>
       <p:nvGrpSpPr>
@@ -741,9 +948,10 @@
           </a:prstGeom>
         </p:spPr>
         <p:txBody>
-          <a:bodyPr lIns="0" rIns="0" tIns="0" bIns="0" anchor="ctr"/>
-          <a:p>
-            <a:endParaRPr b="0" lang="en-US" sz="1800" spc="-1" strike="noStrike">
+          <a:bodyPr lIns="0" tIns="0" rIns="0" bIns="0" anchor="ctr"/>
+          <a:lstStyle/>
+          <a:p>
+            <a:endParaRPr lang="en-US" sz="1800" b="0" strike="noStrike" spc="-1">
               <a:solidFill>
                 <a:srgbClr val="000000"/>
               </a:solidFill>
@@ -772,11 +980,12 @@
           </a:prstGeom>
         </p:spPr>
         <p:txBody>
-          <a:bodyPr lIns="0" rIns="0" tIns="0" bIns="0">
+          <a:bodyPr lIns="0" tIns="0" rIns="0" bIns="0">
             <a:normAutofit/>
           </a:bodyPr>
-          <a:p>
-            <a:endParaRPr b="0" lang="en-US" sz="2800" spc="-1" strike="noStrike">
+          <a:lstStyle/>
+          <a:p>
+            <a:endParaRPr lang="en-US" sz="2800" b="0" strike="noStrike" spc="-1">
               <a:solidFill>
                 <a:srgbClr val="000000"/>
               </a:solidFill>
@@ -805,11 +1014,12 @@
           </a:prstGeom>
         </p:spPr>
         <p:txBody>
-          <a:bodyPr lIns="0" rIns="0" tIns="0" bIns="0">
+          <a:bodyPr lIns="0" tIns="0" rIns="0" bIns="0">
             <a:normAutofit/>
           </a:bodyPr>
-          <a:p>
-            <a:endParaRPr b="0" lang="en-US" sz="2800" spc="-1" strike="noStrike">
+          <a:lstStyle/>
+          <a:p>
+            <a:endParaRPr lang="en-US" sz="2800" b="0" strike="noStrike" spc="-1">
               <a:solidFill>
                 <a:srgbClr val="000000"/>
               </a:solidFill>
@@ -838,11 +1048,12 @@
           </a:prstGeom>
         </p:spPr>
         <p:txBody>
-          <a:bodyPr lIns="0" rIns="0" tIns="0" bIns="0">
+          <a:bodyPr lIns="0" tIns="0" rIns="0" bIns="0">
             <a:normAutofit/>
           </a:bodyPr>
-          <a:p>
-            <a:endParaRPr b="0" lang="en-US" sz="2800" spc="-1" strike="noStrike">
+          <a:lstStyle/>
+          <a:p>
+            <a:endParaRPr lang="en-US" sz="2800" b="0" strike="noStrike" spc="-1">
               <a:solidFill>
                 <a:srgbClr val="000000"/>
               </a:solidFill>
@@ -871,11 +1082,12 @@
           </a:prstGeom>
         </p:spPr>
         <p:txBody>
-          <a:bodyPr lIns="0" rIns="0" tIns="0" bIns="0">
+          <a:bodyPr lIns="0" tIns="0" rIns="0" bIns="0">
             <a:normAutofit/>
           </a:bodyPr>
-          <a:p>
-            <a:endParaRPr b="0" lang="en-US" sz="2800" spc="-1" strike="noStrike">
+          <a:lstStyle/>
+          <a:p>
+            <a:endParaRPr lang="en-US" sz="2800" b="0" strike="noStrike" spc="-1">
               <a:solidFill>
                 <a:srgbClr val="000000"/>
               </a:solidFill>
@@ -904,11 +1116,12 @@
           </a:prstGeom>
         </p:spPr>
         <p:txBody>
-          <a:bodyPr lIns="0" rIns="0" tIns="0" bIns="0">
+          <a:bodyPr lIns="0" tIns="0" rIns="0" bIns="0">
             <a:normAutofit/>
           </a:bodyPr>
-          <a:p>
-            <a:endParaRPr b="0" lang="en-US" sz="2800" spc="-1" strike="noStrike">
+          <a:lstStyle/>
+          <a:p>
+            <a:endParaRPr lang="en-US" sz="2800" b="0" strike="noStrike" spc="-1">
               <a:solidFill>
                 <a:srgbClr val="000000"/>
               </a:solidFill>
@@ -937,11 +1150,12 @@
           </a:prstGeom>
         </p:spPr>
         <p:txBody>
-          <a:bodyPr lIns="0" rIns="0" tIns="0" bIns="0">
+          <a:bodyPr lIns="0" tIns="0" rIns="0" bIns="0">
             <a:normAutofit/>
           </a:bodyPr>
-          <a:p>
-            <a:endParaRPr b="0" lang="en-US" sz="2800" spc="-1" strike="noStrike">
+          <a:lstStyle/>
+          <a:p>
+            <a:endParaRPr lang="en-US" sz="2800" b="0" strike="noStrike" spc="-1">
               <a:solidFill>
                 <a:srgbClr val="000000"/>
               </a:solidFill>
@@ -952,11 +1166,14 @@
       </p:sp>
     </p:spTree>
   </p:cSld>
+  <p:clrMapOvr>
+    <a:masterClrMapping/>
+  </p:clrMapOvr>
 </p:sldLayout>
 </file>
 
 <file path=ppt/slideLayouts/slideLayout13.xml><?xml version="1.0" encoding="utf-8"?>
-<p:sldLayout xmlns:a="http://schemas.openxmlformats.org/drawingml/2006/main" xmlns:p="http://schemas.openxmlformats.org/presentationml/2006/main" xmlns:r="http://schemas.openxmlformats.org/officeDocument/2006/relationships" xmlns:p14="http://schemas.microsoft.com/office/powerpoint/2010/main" xmlns:p15="http://schemas.microsoft.com/office/powerpoint/2012/main" xmlns:mc="http://schemas.openxmlformats.org/markup-compatibility/2006" type="blank" preserve="1">
+<p:sldLayout xmlns:a="http://schemas.openxmlformats.org/drawingml/2006/main" xmlns:r="http://schemas.openxmlformats.org/officeDocument/2006/relationships" xmlns:p="http://schemas.openxmlformats.org/presentationml/2006/main" type="blank" preserve="1">
   <p:cSld name="Blank Slide">
     <p:spTree>
       <p:nvGrpSpPr>
@@ -974,11 +1191,14 @@
       </p:grpSpPr>
     </p:spTree>
   </p:cSld>
+  <p:clrMapOvr>
+    <a:masterClrMapping/>
+  </p:clrMapOvr>
 </p:sldLayout>
 </file>
 
 <file path=ppt/slideLayouts/slideLayout14.xml><?xml version="1.0" encoding="utf-8"?>
-<p:sldLayout xmlns:a="http://schemas.openxmlformats.org/drawingml/2006/main" xmlns:p="http://schemas.openxmlformats.org/presentationml/2006/main" xmlns:r="http://schemas.openxmlformats.org/officeDocument/2006/relationships" xmlns:p14="http://schemas.microsoft.com/office/powerpoint/2010/main" xmlns:p15="http://schemas.microsoft.com/office/powerpoint/2012/main" xmlns:mc="http://schemas.openxmlformats.org/markup-compatibility/2006" type="tx" preserve="1">
+<p:sldLayout xmlns:a="http://schemas.openxmlformats.org/drawingml/2006/main" xmlns:r="http://schemas.openxmlformats.org/officeDocument/2006/relationships" xmlns:p="http://schemas.openxmlformats.org/presentationml/2006/main" type="tx" preserve="1">
   <p:cSld name="Title Slide">
     <p:spTree>
       <p:nvGrpSpPr>
@@ -1014,9 +1234,10 @@
           </a:prstGeom>
         </p:spPr>
         <p:txBody>
-          <a:bodyPr lIns="0" rIns="0" tIns="0" bIns="0" anchor="ctr"/>
-          <a:p>
-            <a:endParaRPr b="0" lang="en-US" sz="1800" spc="-1" strike="noStrike">
+          <a:bodyPr lIns="0" tIns="0" rIns="0" bIns="0" anchor="ctr"/>
+          <a:lstStyle/>
+          <a:p>
+            <a:endParaRPr lang="en-US" sz="1800" b="0" strike="noStrike" spc="-1">
               <a:solidFill>
                 <a:srgbClr val="000000"/>
               </a:solidFill>
@@ -1045,10 +1266,11 @@
           </a:prstGeom>
         </p:spPr>
         <p:txBody>
-          <a:bodyPr lIns="0" rIns="0" tIns="0" bIns="0" anchor="ctr"/>
+          <a:bodyPr lIns="0" tIns="0" rIns="0" bIns="0" anchor="ctr"/>
+          <a:lstStyle/>
           <a:p>
             <a:pPr algn="ctr"/>
-            <a:endParaRPr b="0" lang="en-US" sz="3200" spc="-1" strike="noStrike">
+            <a:endParaRPr lang="en-US" sz="3200" b="0" strike="noStrike" spc="-1">
               <a:latin typeface="Arial"/>
             </a:endParaRPr>
           </a:p>
@@ -1056,11 +1278,14 @@
       </p:sp>
     </p:spTree>
   </p:cSld>
+  <p:clrMapOvr>
+    <a:masterClrMapping/>
+  </p:clrMapOvr>
 </p:sldLayout>
 </file>
 
 <file path=ppt/slideLayouts/slideLayout15.xml><?xml version="1.0" encoding="utf-8"?>
-<p:sldLayout xmlns:a="http://schemas.openxmlformats.org/drawingml/2006/main" xmlns:p="http://schemas.openxmlformats.org/presentationml/2006/main" xmlns:r="http://schemas.openxmlformats.org/officeDocument/2006/relationships" xmlns:p14="http://schemas.microsoft.com/office/powerpoint/2010/main" xmlns:p15="http://schemas.microsoft.com/office/powerpoint/2012/main" xmlns:mc="http://schemas.openxmlformats.org/markup-compatibility/2006" type="obj" preserve="1">
+<p:sldLayout xmlns:a="http://schemas.openxmlformats.org/drawingml/2006/main" xmlns:r="http://schemas.openxmlformats.org/officeDocument/2006/relationships" xmlns:p="http://schemas.openxmlformats.org/presentationml/2006/main" type="obj" preserve="1">
   <p:cSld name="Title, Content">
     <p:spTree>
       <p:nvGrpSpPr>
@@ -1096,9 +1321,10 @@
           </a:prstGeom>
         </p:spPr>
         <p:txBody>
-          <a:bodyPr lIns="0" rIns="0" tIns="0" bIns="0" anchor="ctr"/>
-          <a:p>
-            <a:endParaRPr b="0" lang="en-US" sz="1800" spc="-1" strike="noStrike">
+          <a:bodyPr lIns="0" tIns="0" rIns="0" bIns="0" anchor="ctr"/>
+          <a:lstStyle/>
+          <a:p>
+            <a:endParaRPr lang="en-US" sz="1800" b="0" strike="noStrike" spc="-1">
               <a:solidFill>
                 <a:srgbClr val="000000"/>
               </a:solidFill>
@@ -1127,11 +1353,12 @@
           </a:prstGeom>
         </p:spPr>
         <p:txBody>
-          <a:bodyPr lIns="0" rIns="0" tIns="0" bIns="0">
+          <a:bodyPr lIns="0" tIns="0" rIns="0" bIns="0">
             <a:normAutofit/>
           </a:bodyPr>
-          <a:p>
-            <a:endParaRPr b="0" lang="en-US" sz="2800" spc="-1" strike="noStrike">
+          <a:lstStyle/>
+          <a:p>
+            <a:endParaRPr lang="en-US" sz="2800" b="0" strike="noStrike" spc="-1">
               <a:solidFill>
                 <a:srgbClr val="000000"/>
               </a:solidFill>
@@ -1142,11 +1369,14 @@
       </p:sp>
     </p:spTree>
   </p:cSld>
+  <p:clrMapOvr>
+    <a:masterClrMapping/>
+  </p:clrMapOvr>
 </p:sldLayout>
 </file>
 
 <file path=ppt/slideLayouts/slideLayout16.xml><?xml version="1.0" encoding="utf-8"?>
-<p:sldLayout xmlns:a="http://schemas.openxmlformats.org/drawingml/2006/main" xmlns:p="http://schemas.openxmlformats.org/presentationml/2006/main" xmlns:r="http://schemas.openxmlformats.org/officeDocument/2006/relationships" xmlns:p14="http://schemas.microsoft.com/office/powerpoint/2010/main" xmlns:p15="http://schemas.microsoft.com/office/powerpoint/2012/main" xmlns:mc="http://schemas.openxmlformats.org/markup-compatibility/2006" type="twoObj" preserve="1">
+<p:sldLayout xmlns:a="http://schemas.openxmlformats.org/drawingml/2006/main" xmlns:r="http://schemas.openxmlformats.org/officeDocument/2006/relationships" xmlns:p="http://schemas.openxmlformats.org/presentationml/2006/main" type="twoObj" preserve="1">
   <p:cSld name="Title, 2 Content">
     <p:spTree>
       <p:nvGrpSpPr>
@@ -1182,9 +1412,10 @@
           </a:prstGeom>
         </p:spPr>
         <p:txBody>
-          <a:bodyPr lIns="0" rIns="0" tIns="0" bIns="0" anchor="ctr"/>
-          <a:p>
-            <a:endParaRPr b="0" lang="en-US" sz="1800" spc="-1" strike="noStrike">
+          <a:bodyPr lIns="0" tIns="0" rIns="0" bIns="0" anchor="ctr"/>
+          <a:lstStyle/>
+          <a:p>
+            <a:endParaRPr lang="en-US" sz="1800" b="0" strike="noStrike" spc="-1">
               <a:solidFill>
                 <a:srgbClr val="000000"/>
               </a:solidFill>
@@ -1213,11 +1444,12 @@
           </a:prstGeom>
         </p:spPr>
         <p:txBody>
-          <a:bodyPr lIns="0" rIns="0" tIns="0" bIns="0">
+          <a:bodyPr lIns="0" tIns="0" rIns="0" bIns="0">
             <a:normAutofit/>
           </a:bodyPr>
-          <a:p>
-            <a:endParaRPr b="0" lang="en-US" sz="2800" spc="-1" strike="noStrike">
+          <a:lstStyle/>
+          <a:p>
+            <a:endParaRPr lang="en-US" sz="2800" b="0" strike="noStrike" spc="-1">
               <a:solidFill>
                 <a:srgbClr val="000000"/>
               </a:solidFill>
@@ -1246,11 +1478,12 @@
           </a:prstGeom>
         </p:spPr>
         <p:txBody>
-          <a:bodyPr lIns="0" rIns="0" tIns="0" bIns="0">
+          <a:bodyPr lIns="0" tIns="0" rIns="0" bIns="0">
             <a:normAutofit/>
           </a:bodyPr>
-          <a:p>
-            <a:endParaRPr b="0" lang="en-US" sz="2800" spc="-1" strike="noStrike">
+          <a:lstStyle/>
+          <a:p>
+            <a:endParaRPr lang="en-US" sz="2800" b="0" strike="noStrike" spc="-1">
               <a:solidFill>
                 <a:srgbClr val="000000"/>
               </a:solidFill>
@@ -1261,11 +1494,14 @@
       </p:sp>
     </p:spTree>
   </p:cSld>
+  <p:clrMapOvr>
+    <a:masterClrMapping/>
+  </p:clrMapOvr>
 </p:sldLayout>
 </file>
 
 <file path=ppt/slideLayouts/slideLayout17.xml><?xml version="1.0" encoding="utf-8"?>
-<p:sldLayout xmlns:a="http://schemas.openxmlformats.org/drawingml/2006/main" xmlns:p="http://schemas.openxmlformats.org/presentationml/2006/main" xmlns:r="http://schemas.openxmlformats.org/officeDocument/2006/relationships" xmlns:p14="http://schemas.microsoft.com/office/powerpoint/2010/main" xmlns:p15="http://schemas.microsoft.com/office/powerpoint/2012/main" xmlns:mc="http://schemas.openxmlformats.org/markup-compatibility/2006" type="titleOnly" preserve="1">
+<p:sldLayout xmlns:a="http://schemas.openxmlformats.org/drawingml/2006/main" xmlns:r="http://schemas.openxmlformats.org/officeDocument/2006/relationships" xmlns:p="http://schemas.openxmlformats.org/presentationml/2006/main" type="titleOnly" preserve="1">
   <p:cSld name="Title Only">
     <p:spTree>
       <p:nvGrpSpPr>
@@ -1301,9 +1537,10 @@
           </a:prstGeom>
         </p:spPr>
         <p:txBody>
-          <a:bodyPr lIns="0" rIns="0" tIns="0" bIns="0" anchor="ctr"/>
-          <a:p>
-            <a:endParaRPr b="0" lang="en-US" sz="1800" spc="-1" strike="noStrike">
+          <a:bodyPr lIns="0" tIns="0" rIns="0" bIns="0" anchor="ctr"/>
+          <a:lstStyle/>
+          <a:p>
+            <a:endParaRPr lang="en-US" sz="1800" b="0" strike="noStrike" spc="-1">
               <a:solidFill>
                 <a:srgbClr val="000000"/>
               </a:solidFill>
@@ -1314,11 +1551,14 @@
       </p:sp>
     </p:spTree>
   </p:cSld>
+  <p:clrMapOvr>
+    <a:masterClrMapping/>
+  </p:clrMapOvr>
 </p:sldLayout>
 </file>
 
 <file path=ppt/slideLayouts/slideLayout18.xml><?xml version="1.0" encoding="utf-8"?>
-<p:sldLayout xmlns:a="http://schemas.openxmlformats.org/drawingml/2006/main" xmlns:p="http://schemas.openxmlformats.org/presentationml/2006/main" xmlns:r="http://schemas.openxmlformats.org/officeDocument/2006/relationships" xmlns:p14="http://schemas.microsoft.com/office/powerpoint/2010/main" xmlns:p15="http://schemas.microsoft.com/office/powerpoint/2012/main" xmlns:mc="http://schemas.openxmlformats.org/markup-compatibility/2006" type="objOnly" preserve="1">
+<p:sldLayout xmlns:a="http://schemas.openxmlformats.org/drawingml/2006/main" xmlns:r="http://schemas.openxmlformats.org/officeDocument/2006/relationships" xmlns:p="http://schemas.openxmlformats.org/presentationml/2006/main" type="objOnly" preserve="1">
   <p:cSld name="Centered Text">
     <p:spTree>
       <p:nvGrpSpPr>
@@ -1354,10 +1594,11 @@
           </a:prstGeom>
         </p:spPr>
         <p:txBody>
-          <a:bodyPr lIns="0" rIns="0" tIns="0" bIns="0" anchor="ctr"/>
+          <a:bodyPr lIns="0" tIns="0" rIns="0" bIns="0" anchor="ctr"/>
+          <a:lstStyle/>
           <a:p>
             <a:pPr algn="ctr"/>
-            <a:endParaRPr b="0" lang="en-US" sz="3200" spc="-1" strike="noStrike">
+            <a:endParaRPr lang="en-US" sz="3200" b="0" strike="noStrike" spc="-1">
               <a:latin typeface="Arial"/>
             </a:endParaRPr>
           </a:p>
@@ -1365,11 +1606,14 @@
       </p:sp>
     </p:spTree>
   </p:cSld>
+  <p:clrMapOvr>
+    <a:masterClrMapping/>
+  </p:clrMapOvr>
 </p:sldLayout>
 </file>
 
 <file path=ppt/slideLayouts/slideLayout19.xml><?xml version="1.0" encoding="utf-8"?>
-<p:sldLayout xmlns:a="http://schemas.openxmlformats.org/drawingml/2006/main" xmlns:p="http://schemas.openxmlformats.org/presentationml/2006/main" xmlns:r="http://schemas.openxmlformats.org/officeDocument/2006/relationships" xmlns:p14="http://schemas.microsoft.com/office/powerpoint/2010/main" xmlns:p15="http://schemas.microsoft.com/office/powerpoint/2012/main" xmlns:mc="http://schemas.openxmlformats.org/markup-compatibility/2006" type="twoObjAndObj" preserve="1">
+<p:sldLayout xmlns:a="http://schemas.openxmlformats.org/drawingml/2006/main" xmlns:r="http://schemas.openxmlformats.org/officeDocument/2006/relationships" xmlns:p="http://schemas.openxmlformats.org/presentationml/2006/main" type="twoObjAndObj" preserve="1">
   <p:cSld name="Title, 2 Content and Content">
     <p:spTree>
       <p:nvGrpSpPr>
@@ -1405,9 +1649,10 @@
           </a:prstGeom>
         </p:spPr>
         <p:txBody>
-          <a:bodyPr lIns="0" rIns="0" tIns="0" bIns="0" anchor="ctr"/>
-          <a:p>
-            <a:endParaRPr b="0" lang="en-US" sz="1800" spc="-1" strike="noStrike">
+          <a:bodyPr lIns="0" tIns="0" rIns="0" bIns="0" anchor="ctr"/>
+          <a:lstStyle/>
+          <a:p>
+            <a:endParaRPr lang="en-US" sz="1800" b="0" strike="noStrike" spc="-1">
               <a:solidFill>
                 <a:srgbClr val="000000"/>
               </a:solidFill>
@@ -1436,11 +1681,12 @@
           </a:prstGeom>
         </p:spPr>
         <p:txBody>
-          <a:bodyPr lIns="0" rIns="0" tIns="0" bIns="0">
+          <a:bodyPr lIns="0" tIns="0" rIns="0" bIns="0">
             <a:normAutofit/>
           </a:bodyPr>
-          <a:p>
-            <a:endParaRPr b="0" lang="en-US" sz="2800" spc="-1" strike="noStrike">
+          <a:lstStyle/>
+          <a:p>
+            <a:endParaRPr lang="en-US" sz="2800" b="0" strike="noStrike" spc="-1">
               <a:solidFill>
                 <a:srgbClr val="000000"/>
               </a:solidFill>
@@ -1469,11 +1715,12 @@
           </a:prstGeom>
         </p:spPr>
         <p:txBody>
-          <a:bodyPr lIns="0" rIns="0" tIns="0" bIns="0">
+          <a:bodyPr lIns="0" tIns="0" rIns="0" bIns="0">
             <a:normAutofit/>
           </a:bodyPr>
-          <a:p>
-            <a:endParaRPr b="0" lang="en-US" sz="2800" spc="-1" strike="noStrike">
+          <a:lstStyle/>
+          <a:p>
+            <a:endParaRPr lang="en-US" sz="2800" b="0" strike="noStrike" spc="-1">
               <a:solidFill>
                 <a:srgbClr val="000000"/>
               </a:solidFill>
@@ -1502,11 +1749,12 @@
           </a:prstGeom>
         </p:spPr>
         <p:txBody>
-          <a:bodyPr lIns="0" rIns="0" tIns="0" bIns="0">
+          <a:bodyPr lIns="0" tIns="0" rIns="0" bIns="0">
             <a:normAutofit/>
           </a:bodyPr>
-          <a:p>
-            <a:endParaRPr b="0" lang="en-US" sz="2800" spc="-1" strike="noStrike">
+          <a:lstStyle/>
+          <a:p>
+            <a:endParaRPr lang="en-US" sz="2800" b="0" strike="noStrike" spc="-1">
               <a:solidFill>
                 <a:srgbClr val="000000"/>
               </a:solidFill>
@@ -1517,11 +1765,14 @@
       </p:sp>
     </p:spTree>
   </p:cSld>
+  <p:clrMapOvr>
+    <a:masterClrMapping/>
+  </p:clrMapOvr>
 </p:sldLayout>
 </file>
 
 <file path=ppt/slideLayouts/slideLayout2.xml><?xml version="1.0" encoding="utf-8"?>
-<p:sldLayout xmlns:a="http://schemas.openxmlformats.org/drawingml/2006/main" xmlns:p="http://schemas.openxmlformats.org/presentationml/2006/main" xmlns:r="http://schemas.openxmlformats.org/officeDocument/2006/relationships" xmlns:p14="http://schemas.microsoft.com/office/powerpoint/2010/main" xmlns:p15="http://schemas.microsoft.com/office/powerpoint/2012/main" xmlns:mc="http://schemas.openxmlformats.org/markup-compatibility/2006" type="tx" preserve="1">
+<p:sldLayout xmlns:a="http://schemas.openxmlformats.org/drawingml/2006/main" xmlns:r="http://schemas.openxmlformats.org/officeDocument/2006/relationships" xmlns:p="http://schemas.openxmlformats.org/presentationml/2006/main" type="tx" preserve="1">
   <p:cSld name="Title Slide">
     <p:spTree>
       <p:nvGrpSpPr>
@@ -1557,9 +1808,10 @@
           </a:prstGeom>
         </p:spPr>
         <p:txBody>
-          <a:bodyPr lIns="0" rIns="0" tIns="0" bIns="0" anchor="ctr"/>
-          <a:p>
-            <a:endParaRPr b="0" lang="en-US" sz="1800" spc="-1" strike="noStrike">
+          <a:bodyPr lIns="0" tIns="0" rIns="0" bIns="0" anchor="ctr"/>
+          <a:lstStyle/>
+          <a:p>
+            <a:endParaRPr lang="en-US" sz="1800" b="0" strike="noStrike" spc="-1">
               <a:solidFill>
                 <a:srgbClr val="000000"/>
               </a:solidFill>
@@ -1588,10 +1840,11 @@
           </a:prstGeom>
         </p:spPr>
         <p:txBody>
-          <a:bodyPr lIns="0" rIns="0" tIns="0" bIns="0" anchor="ctr"/>
+          <a:bodyPr lIns="0" tIns="0" rIns="0" bIns="0" anchor="ctr"/>
+          <a:lstStyle/>
           <a:p>
             <a:pPr algn="ctr"/>
-            <a:endParaRPr b="0" lang="en-US" sz="3200" spc="-1" strike="noStrike">
+            <a:endParaRPr lang="en-US" sz="3200" b="0" strike="noStrike" spc="-1">
               <a:latin typeface="Arial"/>
             </a:endParaRPr>
           </a:p>
@@ -1599,11 +1852,14 @@
       </p:sp>
     </p:spTree>
   </p:cSld>
+  <p:clrMapOvr>
+    <a:masterClrMapping/>
+  </p:clrMapOvr>
 </p:sldLayout>
 </file>
 
 <file path=ppt/slideLayouts/slideLayout20.xml><?xml version="1.0" encoding="utf-8"?>
-<p:sldLayout xmlns:a="http://schemas.openxmlformats.org/drawingml/2006/main" xmlns:p="http://schemas.openxmlformats.org/presentationml/2006/main" xmlns:r="http://schemas.openxmlformats.org/officeDocument/2006/relationships" xmlns:p14="http://schemas.microsoft.com/office/powerpoint/2010/main" xmlns:p15="http://schemas.microsoft.com/office/powerpoint/2012/main" xmlns:mc="http://schemas.openxmlformats.org/markup-compatibility/2006" type="objAndTwoObj" preserve="1">
+<p:sldLayout xmlns:a="http://schemas.openxmlformats.org/drawingml/2006/main" xmlns:r="http://schemas.openxmlformats.org/officeDocument/2006/relationships" xmlns:p="http://schemas.openxmlformats.org/presentationml/2006/main" type="objAndTwoObj" preserve="1">
   <p:cSld name="Title Content and 2 Content">
     <p:spTree>
       <p:nvGrpSpPr>
@@ -1639,9 +1895,10 @@
           </a:prstGeom>
         </p:spPr>
         <p:txBody>
-          <a:bodyPr lIns="0" rIns="0" tIns="0" bIns="0" anchor="ctr"/>
-          <a:p>
-            <a:endParaRPr b="0" lang="en-US" sz="1800" spc="-1" strike="noStrike">
+          <a:bodyPr lIns="0" tIns="0" rIns="0" bIns="0" anchor="ctr"/>
+          <a:lstStyle/>
+          <a:p>
+            <a:endParaRPr lang="en-US" sz="1800" b="0" strike="noStrike" spc="-1">
               <a:solidFill>
                 <a:srgbClr val="000000"/>
               </a:solidFill>
@@ -1670,11 +1927,12 @@
           </a:prstGeom>
         </p:spPr>
         <p:txBody>
-          <a:bodyPr lIns="0" rIns="0" tIns="0" bIns="0">
+          <a:bodyPr lIns="0" tIns="0" rIns="0" bIns="0">
             <a:normAutofit/>
           </a:bodyPr>
-          <a:p>
-            <a:endParaRPr b="0" lang="en-US" sz="2800" spc="-1" strike="noStrike">
+          <a:lstStyle/>
+          <a:p>
+            <a:endParaRPr lang="en-US" sz="2800" b="0" strike="noStrike" spc="-1">
               <a:solidFill>
                 <a:srgbClr val="000000"/>
               </a:solidFill>
@@ -1703,11 +1961,12 @@
           </a:prstGeom>
         </p:spPr>
         <p:txBody>
-          <a:bodyPr lIns="0" rIns="0" tIns="0" bIns="0">
+          <a:bodyPr lIns="0" tIns="0" rIns="0" bIns="0">
             <a:normAutofit/>
           </a:bodyPr>
-          <a:p>
-            <a:endParaRPr b="0" lang="en-US" sz="2800" spc="-1" strike="noStrike">
+          <a:lstStyle/>
+          <a:p>
+            <a:endParaRPr lang="en-US" sz="2800" b="0" strike="noStrike" spc="-1">
               <a:solidFill>
                 <a:srgbClr val="000000"/>
               </a:solidFill>
@@ -1736,11 +1995,12 @@
           </a:prstGeom>
         </p:spPr>
         <p:txBody>
-          <a:bodyPr lIns="0" rIns="0" tIns="0" bIns="0">
+          <a:bodyPr lIns="0" tIns="0" rIns="0" bIns="0">
             <a:normAutofit/>
           </a:bodyPr>
-          <a:p>
-            <a:endParaRPr b="0" lang="en-US" sz="2800" spc="-1" strike="noStrike">
+          <a:lstStyle/>
+          <a:p>
+            <a:endParaRPr lang="en-US" sz="2800" b="0" strike="noStrike" spc="-1">
               <a:solidFill>
                 <a:srgbClr val="000000"/>
               </a:solidFill>
@@ -1751,11 +2011,14 @@
       </p:sp>
     </p:spTree>
   </p:cSld>
+  <p:clrMapOvr>
+    <a:masterClrMapping/>
+  </p:clrMapOvr>
 </p:sldLayout>
 </file>
 
 <file path=ppt/slideLayouts/slideLayout21.xml><?xml version="1.0" encoding="utf-8"?>
-<p:sldLayout xmlns:a="http://schemas.openxmlformats.org/drawingml/2006/main" xmlns:p="http://schemas.openxmlformats.org/presentationml/2006/main" xmlns:r="http://schemas.openxmlformats.org/officeDocument/2006/relationships" xmlns:p14="http://schemas.microsoft.com/office/powerpoint/2010/main" xmlns:p15="http://schemas.microsoft.com/office/powerpoint/2012/main" xmlns:mc="http://schemas.openxmlformats.org/markup-compatibility/2006" type="twoObjOverTx" preserve="1">
+<p:sldLayout xmlns:a="http://schemas.openxmlformats.org/drawingml/2006/main" xmlns:r="http://schemas.openxmlformats.org/officeDocument/2006/relationships" xmlns:p="http://schemas.openxmlformats.org/presentationml/2006/main" type="twoObjOverTx" preserve="1">
   <p:cSld name="Title, 2 Content over Content">
     <p:spTree>
       <p:nvGrpSpPr>
@@ -1791,9 +2054,10 @@
           </a:prstGeom>
         </p:spPr>
         <p:txBody>
-          <a:bodyPr lIns="0" rIns="0" tIns="0" bIns="0" anchor="ctr"/>
-          <a:p>
-            <a:endParaRPr b="0" lang="en-US" sz="1800" spc="-1" strike="noStrike">
+          <a:bodyPr lIns="0" tIns="0" rIns="0" bIns="0" anchor="ctr"/>
+          <a:lstStyle/>
+          <a:p>
+            <a:endParaRPr lang="en-US" sz="1800" b="0" strike="noStrike" spc="-1">
               <a:solidFill>
                 <a:srgbClr val="000000"/>
               </a:solidFill>
@@ -1822,11 +2086,12 @@
           </a:prstGeom>
         </p:spPr>
         <p:txBody>
-          <a:bodyPr lIns="0" rIns="0" tIns="0" bIns="0">
+          <a:bodyPr lIns="0" tIns="0" rIns="0" bIns="0">
             <a:normAutofit/>
           </a:bodyPr>
-          <a:p>
-            <a:endParaRPr b="0" lang="en-US" sz="2800" spc="-1" strike="noStrike">
+          <a:lstStyle/>
+          <a:p>
+            <a:endParaRPr lang="en-US" sz="2800" b="0" strike="noStrike" spc="-1">
               <a:solidFill>
                 <a:srgbClr val="000000"/>
               </a:solidFill>
@@ -1855,11 +2120,12 @@
           </a:prstGeom>
         </p:spPr>
         <p:txBody>
-          <a:bodyPr lIns="0" rIns="0" tIns="0" bIns="0">
+          <a:bodyPr lIns="0" tIns="0" rIns="0" bIns="0">
             <a:normAutofit/>
           </a:bodyPr>
-          <a:p>
-            <a:endParaRPr b="0" lang="en-US" sz="2800" spc="-1" strike="noStrike">
+          <a:lstStyle/>
+          <a:p>
+            <a:endParaRPr lang="en-US" sz="2800" b="0" strike="noStrike" spc="-1">
               <a:solidFill>
                 <a:srgbClr val="000000"/>
               </a:solidFill>
@@ -1888,11 +2154,12 @@
           </a:prstGeom>
         </p:spPr>
         <p:txBody>
-          <a:bodyPr lIns="0" rIns="0" tIns="0" bIns="0">
+          <a:bodyPr lIns="0" tIns="0" rIns="0" bIns="0">
             <a:normAutofit/>
           </a:bodyPr>
-          <a:p>
-            <a:endParaRPr b="0" lang="en-US" sz="2800" spc="-1" strike="noStrike">
+          <a:lstStyle/>
+          <a:p>
+            <a:endParaRPr lang="en-US" sz="2800" b="0" strike="noStrike" spc="-1">
               <a:solidFill>
                 <a:srgbClr val="000000"/>
               </a:solidFill>
@@ -1903,11 +2170,14 @@
       </p:sp>
     </p:spTree>
   </p:cSld>
+  <p:clrMapOvr>
+    <a:masterClrMapping/>
+  </p:clrMapOvr>
 </p:sldLayout>
 </file>
 
 <file path=ppt/slideLayouts/slideLayout22.xml><?xml version="1.0" encoding="utf-8"?>
-<p:sldLayout xmlns:a="http://schemas.openxmlformats.org/drawingml/2006/main" xmlns:p="http://schemas.openxmlformats.org/presentationml/2006/main" xmlns:r="http://schemas.openxmlformats.org/officeDocument/2006/relationships" xmlns:p14="http://schemas.microsoft.com/office/powerpoint/2010/main" xmlns:p15="http://schemas.microsoft.com/office/powerpoint/2012/main" xmlns:mc="http://schemas.openxmlformats.org/markup-compatibility/2006" type="objOverTx" preserve="1">
+<p:sldLayout xmlns:a="http://schemas.openxmlformats.org/drawingml/2006/main" xmlns:r="http://schemas.openxmlformats.org/officeDocument/2006/relationships" xmlns:p="http://schemas.openxmlformats.org/presentationml/2006/main" type="objOverTx" preserve="1">
   <p:cSld name="Title, Content over Content">
     <p:spTree>
       <p:nvGrpSpPr>
@@ -1943,9 +2213,10 @@
           </a:prstGeom>
         </p:spPr>
         <p:txBody>
-          <a:bodyPr lIns="0" rIns="0" tIns="0" bIns="0" anchor="ctr"/>
-          <a:p>
-            <a:endParaRPr b="0" lang="en-US" sz="1800" spc="-1" strike="noStrike">
+          <a:bodyPr lIns="0" tIns="0" rIns="0" bIns="0" anchor="ctr"/>
+          <a:lstStyle/>
+          <a:p>
+            <a:endParaRPr lang="en-US" sz="1800" b="0" strike="noStrike" spc="-1">
               <a:solidFill>
                 <a:srgbClr val="000000"/>
               </a:solidFill>
@@ -1974,11 +2245,12 @@
           </a:prstGeom>
         </p:spPr>
         <p:txBody>
-          <a:bodyPr lIns="0" rIns="0" tIns="0" bIns="0">
+          <a:bodyPr lIns="0" tIns="0" rIns="0" bIns="0">
             <a:normAutofit/>
           </a:bodyPr>
-          <a:p>
-            <a:endParaRPr b="0" lang="en-US" sz="2800" spc="-1" strike="noStrike">
+          <a:lstStyle/>
+          <a:p>
+            <a:endParaRPr lang="en-US" sz="2800" b="0" strike="noStrike" spc="-1">
               <a:solidFill>
                 <a:srgbClr val="000000"/>
               </a:solidFill>
@@ -2007,11 +2279,12 @@
           </a:prstGeom>
         </p:spPr>
         <p:txBody>
-          <a:bodyPr lIns="0" rIns="0" tIns="0" bIns="0">
+          <a:bodyPr lIns="0" tIns="0" rIns="0" bIns="0">
             <a:normAutofit/>
           </a:bodyPr>
-          <a:p>
-            <a:endParaRPr b="0" lang="en-US" sz="2800" spc="-1" strike="noStrike">
+          <a:lstStyle/>
+          <a:p>
+            <a:endParaRPr lang="en-US" sz="2800" b="0" strike="noStrike" spc="-1">
               <a:solidFill>
                 <a:srgbClr val="000000"/>
               </a:solidFill>
@@ -2022,11 +2295,14 @@
       </p:sp>
     </p:spTree>
   </p:cSld>
+  <p:clrMapOvr>
+    <a:masterClrMapping/>
+  </p:clrMapOvr>
 </p:sldLayout>
 </file>
 
 <file path=ppt/slideLayouts/slideLayout23.xml><?xml version="1.0" encoding="utf-8"?>
-<p:sldLayout xmlns:a="http://schemas.openxmlformats.org/drawingml/2006/main" xmlns:p="http://schemas.openxmlformats.org/presentationml/2006/main" xmlns:r="http://schemas.openxmlformats.org/officeDocument/2006/relationships" xmlns:p14="http://schemas.microsoft.com/office/powerpoint/2010/main" xmlns:p15="http://schemas.microsoft.com/office/powerpoint/2012/main" xmlns:mc="http://schemas.openxmlformats.org/markup-compatibility/2006" type="fourObj" preserve="1">
+<p:sldLayout xmlns:a="http://schemas.openxmlformats.org/drawingml/2006/main" xmlns:r="http://schemas.openxmlformats.org/officeDocument/2006/relationships" xmlns:p="http://schemas.openxmlformats.org/presentationml/2006/main" type="fourObj" preserve="1">
   <p:cSld name="Title, 4 Content">
     <p:spTree>
       <p:nvGrpSpPr>
@@ -2062,9 +2338,10 @@
           </a:prstGeom>
         </p:spPr>
         <p:txBody>
-          <a:bodyPr lIns="0" rIns="0" tIns="0" bIns="0" anchor="ctr"/>
-          <a:p>
-            <a:endParaRPr b="0" lang="en-US" sz="1800" spc="-1" strike="noStrike">
+          <a:bodyPr lIns="0" tIns="0" rIns="0" bIns="0" anchor="ctr"/>
+          <a:lstStyle/>
+          <a:p>
+            <a:endParaRPr lang="en-US" sz="1800" b="0" strike="noStrike" spc="-1">
               <a:solidFill>
                 <a:srgbClr val="000000"/>
               </a:solidFill>
@@ -2093,11 +2370,12 @@
           </a:prstGeom>
         </p:spPr>
         <p:txBody>
-          <a:bodyPr lIns="0" rIns="0" tIns="0" bIns="0">
+          <a:bodyPr lIns="0" tIns="0" rIns="0" bIns="0">
             <a:normAutofit/>
           </a:bodyPr>
-          <a:p>
-            <a:endParaRPr b="0" lang="en-US" sz="2800" spc="-1" strike="noStrike">
+          <a:lstStyle/>
+          <a:p>
+            <a:endParaRPr lang="en-US" sz="2800" b="0" strike="noStrike" spc="-1">
               <a:solidFill>
                 <a:srgbClr val="000000"/>
               </a:solidFill>
@@ -2126,11 +2404,12 @@
           </a:prstGeom>
         </p:spPr>
         <p:txBody>
-          <a:bodyPr lIns="0" rIns="0" tIns="0" bIns="0">
+          <a:bodyPr lIns="0" tIns="0" rIns="0" bIns="0">
             <a:normAutofit/>
           </a:bodyPr>
-          <a:p>
-            <a:endParaRPr b="0" lang="en-US" sz="2800" spc="-1" strike="noStrike">
+          <a:lstStyle/>
+          <a:p>
+            <a:endParaRPr lang="en-US" sz="2800" b="0" strike="noStrike" spc="-1">
               <a:solidFill>
                 <a:srgbClr val="000000"/>
               </a:solidFill>
@@ -2159,11 +2438,12 @@
           </a:prstGeom>
         </p:spPr>
         <p:txBody>
-          <a:bodyPr lIns="0" rIns="0" tIns="0" bIns="0">
+          <a:bodyPr lIns="0" tIns="0" rIns="0" bIns="0">
             <a:normAutofit/>
           </a:bodyPr>
-          <a:p>
-            <a:endParaRPr b="0" lang="en-US" sz="2800" spc="-1" strike="noStrike">
+          <a:lstStyle/>
+          <a:p>
+            <a:endParaRPr lang="en-US" sz="2800" b="0" strike="noStrike" spc="-1">
               <a:solidFill>
                 <a:srgbClr val="000000"/>
               </a:solidFill>
@@ -2192,11 +2472,12 @@
           </a:prstGeom>
         </p:spPr>
         <p:txBody>
-          <a:bodyPr lIns="0" rIns="0" tIns="0" bIns="0">
+          <a:bodyPr lIns="0" tIns="0" rIns="0" bIns="0">
             <a:normAutofit/>
           </a:bodyPr>
-          <a:p>
-            <a:endParaRPr b="0" lang="en-US" sz="2800" spc="-1" strike="noStrike">
+          <a:lstStyle/>
+          <a:p>
+            <a:endParaRPr lang="en-US" sz="2800" b="0" strike="noStrike" spc="-1">
               <a:solidFill>
                 <a:srgbClr val="000000"/>
               </a:solidFill>
@@ -2207,11 +2488,14 @@
       </p:sp>
     </p:spTree>
   </p:cSld>
+  <p:clrMapOvr>
+    <a:masterClrMapping/>
+  </p:clrMapOvr>
 </p:sldLayout>
 </file>
 
 <file path=ppt/slideLayouts/slideLayout24.xml><?xml version="1.0" encoding="utf-8"?>
-<p:sldLayout xmlns:a="http://schemas.openxmlformats.org/drawingml/2006/main" xmlns:p="http://schemas.openxmlformats.org/presentationml/2006/main" xmlns:r="http://schemas.openxmlformats.org/officeDocument/2006/relationships" xmlns:p14="http://schemas.microsoft.com/office/powerpoint/2010/main" xmlns:p15="http://schemas.microsoft.com/office/powerpoint/2012/main" xmlns:mc="http://schemas.openxmlformats.org/markup-compatibility/2006" type="blank" preserve="1">
+<p:sldLayout xmlns:a="http://schemas.openxmlformats.org/drawingml/2006/main" xmlns:r="http://schemas.openxmlformats.org/officeDocument/2006/relationships" xmlns:p="http://schemas.openxmlformats.org/presentationml/2006/main" type="blank" preserve="1">
   <p:cSld name="Title, 6 Content">
     <p:spTree>
       <p:nvGrpSpPr>
@@ -2247,9 +2531,10 @@
           </a:prstGeom>
         </p:spPr>
         <p:txBody>
-          <a:bodyPr lIns="0" rIns="0" tIns="0" bIns="0" anchor="ctr"/>
-          <a:p>
-            <a:endParaRPr b="0" lang="en-US" sz="1800" spc="-1" strike="noStrike">
+          <a:bodyPr lIns="0" tIns="0" rIns="0" bIns="0" anchor="ctr"/>
+          <a:lstStyle/>
+          <a:p>
+            <a:endParaRPr lang="en-US" sz="1800" b="0" strike="noStrike" spc="-1">
               <a:solidFill>
                 <a:srgbClr val="000000"/>
               </a:solidFill>
@@ -2278,11 +2563,12 @@
           </a:prstGeom>
         </p:spPr>
         <p:txBody>
-          <a:bodyPr lIns="0" rIns="0" tIns="0" bIns="0">
+          <a:bodyPr lIns="0" tIns="0" rIns="0" bIns="0">
             <a:normAutofit/>
           </a:bodyPr>
-          <a:p>
-            <a:endParaRPr b="0" lang="en-US" sz="2800" spc="-1" strike="noStrike">
+          <a:lstStyle/>
+          <a:p>
+            <a:endParaRPr lang="en-US" sz="2800" b="0" strike="noStrike" spc="-1">
               <a:solidFill>
                 <a:srgbClr val="000000"/>
               </a:solidFill>
@@ -2311,11 +2597,12 @@
           </a:prstGeom>
         </p:spPr>
         <p:txBody>
-          <a:bodyPr lIns="0" rIns="0" tIns="0" bIns="0">
+          <a:bodyPr lIns="0" tIns="0" rIns="0" bIns="0">
             <a:normAutofit/>
           </a:bodyPr>
-          <a:p>
-            <a:endParaRPr b="0" lang="en-US" sz="2800" spc="-1" strike="noStrike">
+          <a:lstStyle/>
+          <a:p>
+            <a:endParaRPr lang="en-US" sz="2800" b="0" strike="noStrike" spc="-1">
               <a:solidFill>
                 <a:srgbClr val="000000"/>
               </a:solidFill>
@@ -2344,11 +2631,12 @@
           </a:prstGeom>
         </p:spPr>
         <p:txBody>
-          <a:bodyPr lIns="0" rIns="0" tIns="0" bIns="0">
+          <a:bodyPr lIns="0" tIns="0" rIns="0" bIns="0">
             <a:normAutofit/>
           </a:bodyPr>
-          <a:p>
-            <a:endParaRPr b="0" lang="en-US" sz="2800" spc="-1" strike="noStrike">
+          <a:lstStyle/>
+          <a:p>
+            <a:endParaRPr lang="en-US" sz="2800" b="0" strike="noStrike" spc="-1">
               <a:solidFill>
                 <a:srgbClr val="000000"/>
               </a:solidFill>
@@ -2377,11 +2665,12 @@
           </a:prstGeom>
         </p:spPr>
         <p:txBody>
-          <a:bodyPr lIns="0" rIns="0" tIns="0" bIns="0">
+          <a:bodyPr lIns="0" tIns="0" rIns="0" bIns="0">
             <a:normAutofit/>
           </a:bodyPr>
-          <a:p>
-            <a:endParaRPr b="0" lang="en-US" sz="2800" spc="-1" strike="noStrike">
+          <a:lstStyle/>
+          <a:p>
+            <a:endParaRPr lang="en-US" sz="2800" b="0" strike="noStrike" spc="-1">
               <a:solidFill>
                 <a:srgbClr val="000000"/>
               </a:solidFill>
@@ -2410,11 +2699,12 @@
           </a:prstGeom>
         </p:spPr>
         <p:txBody>
-          <a:bodyPr lIns="0" rIns="0" tIns="0" bIns="0">
+          <a:bodyPr lIns="0" tIns="0" rIns="0" bIns="0">
             <a:normAutofit/>
           </a:bodyPr>
-          <a:p>
-            <a:endParaRPr b="0" lang="en-US" sz="2800" spc="-1" strike="noStrike">
+          <a:lstStyle/>
+          <a:p>
+            <a:endParaRPr lang="en-US" sz="2800" b="0" strike="noStrike" spc="-1">
               <a:solidFill>
                 <a:srgbClr val="000000"/>
               </a:solidFill>
@@ -2443,11 +2733,12 @@
           </a:prstGeom>
         </p:spPr>
         <p:txBody>
-          <a:bodyPr lIns="0" rIns="0" tIns="0" bIns="0">
+          <a:bodyPr lIns="0" tIns="0" rIns="0" bIns="0">
             <a:normAutofit/>
           </a:bodyPr>
-          <a:p>
-            <a:endParaRPr b="0" lang="en-US" sz="2800" spc="-1" strike="noStrike">
+          <a:lstStyle/>
+          <a:p>
+            <a:endParaRPr lang="en-US" sz="2800" b="0" strike="noStrike" spc="-1">
               <a:solidFill>
                 <a:srgbClr val="000000"/>
               </a:solidFill>
@@ -2458,11 +2749,14 @@
       </p:sp>
     </p:spTree>
   </p:cSld>
+  <p:clrMapOvr>
+    <a:masterClrMapping/>
+  </p:clrMapOvr>
 </p:sldLayout>
 </file>
 
 <file path=ppt/slideLayouts/slideLayout25.xml><?xml version="1.0" encoding="utf-8"?>
-<p:sldLayout xmlns:a="http://schemas.openxmlformats.org/drawingml/2006/main" xmlns:p="http://schemas.openxmlformats.org/presentationml/2006/main" xmlns:r="http://schemas.openxmlformats.org/officeDocument/2006/relationships" xmlns:p14="http://schemas.microsoft.com/office/powerpoint/2010/main" xmlns:p15="http://schemas.microsoft.com/office/powerpoint/2012/main" xmlns:mc="http://schemas.openxmlformats.org/markup-compatibility/2006" type="blank" preserve="1">
+<p:sldLayout xmlns:a="http://schemas.openxmlformats.org/drawingml/2006/main" xmlns:r="http://schemas.openxmlformats.org/officeDocument/2006/relationships" xmlns:p="http://schemas.openxmlformats.org/presentationml/2006/main" type="blank" preserve="1">
   <p:cSld name="Blank Slide">
     <p:spTree>
       <p:nvGrpSpPr>
@@ -2480,11 +2774,14 @@
       </p:grpSpPr>
     </p:spTree>
   </p:cSld>
+  <p:clrMapOvr>
+    <a:masterClrMapping/>
+  </p:clrMapOvr>
 </p:sldLayout>
 </file>
 
 <file path=ppt/slideLayouts/slideLayout26.xml><?xml version="1.0" encoding="utf-8"?>
-<p:sldLayout xmlns:a="http://schemas.openxmlformats.org/drawingml/2006/main" xmlns:p="http://schemas.openxmlformats.org/presentationml/2006/main" xmlns:r="http://schemas.openxmlformats.org/officeDocument/2006/relationships" xmlns:p14="http://schemas.microsoft.com/office/powerpoint/2010/main" xmlns:p15="http://schemas.microsoft.com/office/powerpoint/2012/main" xmlns:mc="http://schemas.openxmlformats.org/markup-compatibility/2006" type="tx" preserve="1">
+<p:sldLayout xmlns:a="http://schemas.openxmlformats.org/drawingml/2006/main" xmlns:r="http://schemas.openxmlformats.org/officeDocument/2006/relationships" xmlns:p="http://schemas.openxmlformats.org/presentationml/2006/main" type="tx" preserve="1">
   <p:cSld name="Title Slide">
     <p:spTree>
       <p:nvGrpSpPr>
@@ -2520,9 +2817,10 @@
           </a:prstGeom>
         </p:spPr>
         <p:txBody>
-          <a:bodyPr lIns="0" rIns="0" tIns="0" bIns="0" anchor="ctr"/>
-          <a:p>
-            <a:endParaRPr b="0" lang="en-US" sz="1800" spc="-1" strike="noStrike">
+          <a:bodyPr lIns="0" tIns="0" rIns="0" bIns="0" anchor="ctr"/>
+          <a:lstStyle/>
+          <a:p>
+            <a:endParaRPr lang="en-US" sz="1800" b="0" strike="noStrike" spc="-1">
               <a:solidFill>
                 <a:srgbClr val="000000"/>
               </a:solidFill>
@@ -2551,10 +2849,11 @@
           </a:prstGeom>
         </p:spPr>
         <p:txBody>
-          <a:bodyPr lIns="0" rIns="0" tIns="0" bIns="0" anchor="ctr"/>
+          <a:bodyPr lIns="0" tIns="0" rIns="0" bIns="0" anchor="ctr"/>
+          <a:lstStyle/>
           <a:p>
             <a:pPr algn="ctr"/>
-            <a:endParaRPr b="0" lang="en-US" sz="3200" spc="-1" strike="noStrike">
+            <a:endParaRPr lang="en-US" sz="3200" b="0" strike="noStrike" spc="-1">
               <a:latin typeface="Arial"/>
             </a:endParaRPr>
           </a:p>
@@ -2562,11 +2861,14 @@
       </p:sp>
     </p:spTree>
   </p:cSld>
+  <p:clrMapOvr>
+    <a:masterClrMapping/>
+  </p:clrMapOvr>
 </p:sldLayout>
 </file>
 
 <file path=ppt/slideLayouts/slideLayout27.xml><?xml version="1.0" encoding="utf-8"?>
-<p:sldLayout xmlns:a="http://schemas.openxmlformats.org/drawingml/2006/main" xmlns:p="http://schemas.openxmlformats.org/presentationml/2006/main" xmlns:r="http://schemas.openxmlformats.org/officeDocument/2006/relationships" xmlns:p14="http://schemas.microsoft.com/office/powerpoint/2010/main" xmlns:p15="http://schemas.microsoft.com/office/powerpoint/2012/main" xmlns:mc="http://schemas.openxmlformats.org/markup-compatibility/2006" type="obj" preserve="1">
+<p:sldLayout xmlns:a="http://schemas.openxmlformats.org/drawingml/2006/main" xmlns:r="http://schemas.openxmlformats.org/officeDocument/2006/relationships" xmlns:p="http://schemas.openxmlformats.org/presentationml/2006/main" type="obj" preserve="1">
   <p:cSld name="Title, Content">
     <p:spTree>
       <p:nvGrpSpPr>
@@ -2602,9 +2904,10 @@
           </a:prstGeom>
         </p:spPr>
         <p:txBody>
-          <a:bodyPr lIns="0" rIns="0" tIns="0" bIns="0" anchor="ctr"/>
-          <a:p>
-            <a:endParaRPr b="0" lang="en-US" sz="1800" spc="-1" strike="noStrike">
+          <a:bodyPr lIns="0" tIns="0" rIns="0" bIns="0" anchor="ctr"/>
+          <a:lstStyle/>
+          <a:p>
+            <a:endParaRPr lang="en-US" sz="1800" b="0" strike="noStrike" spc="-1">
               <a:solidFill>
                 <a:srgbClr val="000000"/>
               </a:solidFill>
@@ -2633,11 +2936,12 @@
           </a:prstGeom>
         </p:spPr>
         <p:txBody>
-          <a:bodyPr lIns="0" rIns="0" tIns="0" bIns="0">
+          <a:bodyPr lIns="0" tIns="0" rIns="0" bIns="0">
             <a:normAutofit/>
           </a:bodyPr>
-          <a:p>
-            <a:endParaRPr b="0" lang="en-US" sz="2800" spc="-1" strike="noStrike">
+          <a:lstStyle/>
+          <a:p>
+            <a:endParaRPr lang="en-US" sz="2800" b="0" strike="noStrike" spc="-1">
               <a:solidFill>
                 <a:srgbClr val="000000"/>
               </a:solidFill>
@@ -2648,11 +2952,14 @@
       </p:sp>
     </p:spTree>
   </p:cSld>
+  <p:clrMapOvr>
+    <a:masterClrMapping/>
+  </p:clrMapOvr>
 </p:sldLayout>
 </file>
 
 <file path=ppt/slideLayouts/slideLayout28.xml><?xml version="1.0" encoding="utf-8"?>
-<p:sldLayout xmlns:a="http://schemas.openxmlformats.org/drawingml/2006/main" xmlns:p="http://schemas.openxmlformats.org/presentationml/2006/main" xmlns:r="http://schemas.openxmlformats.org/officeDocument/2006/relationships" xmlns:p14="http://schemas.microsoft.com/office/powerpoint/2010/main" xmlns:p15="http://schemas.microsoft.com/office/powerpoint/2012/main" xmlns:mc="http://schemas.openxmlformats.org/markup-compatibility/2006" type="twoObj" preserve="1">
+<p:sldLayout xmlns:a="http://schemas.openxmlformats.org/drawingml/2006/main" xmlns:r="http://schemas.openxmlformats.org/officeDocument/2006/relationships" xmlns:p="http://schemas.openxmlformats.org/presentationml/2006/main" type="twoObj" preserve="1">
   <p:cSld name="Title, 2 Content">
     <p:spTree>
       <p:nvGrpSpPr>
@@ -2688,9 +2995,10 @@
           </a:prstGeom>
         </p:spPr>
         <p:txBody>
-          <a:bodyPr lIns="0" rIns="0" tIns="0" bIns="0" anchor="ctr"/>
-          <a:p>
-            <a:endParaRPr b="0" lang="en-US" sz="1800" spc="-1" strike="noStrike">
+          <a:bodyPr lIns="0" tIns="0" rIns="0" bIns="0" anchor="ctr"/>
+          <a:lstStyle/>
+          <a:p>
+            <a:endParaRPr lang="en-US" sz="1800" b="0" strike="noStrike" spc="-1">
               <a:solidFill>
                 <a:srgbClr val="000000"/>
               </a:solidFill>
@@ -2719,11 +3027,12 @@
           </a:prstGeom>
         </p:spPr>
         <p:txBody>
-          <a:bodyPr lIns="0" rIns="0" tIns="0" bIns="0">
+          <a:bodyPr lIns="0" tIns="0" rIns="0" bIns="0">
             <a:normAutofit/>
           </a:bodyPr>
-          <a:p>
-            <a:endParaRPr b="0" lang="en-US" sz="2800" spc="-1" strike="noStrike">
+          <a:lstStyle/>
+          <a:p>
+            <a:endParaRPr lang="en-US" sz="2800" b="0" strike="noStrike" spc="-1">
               <a:solidFill>
                 <a:srgbClr val="000000"/>
               </a:solidFill>
@@ -2752,11 +3061,12 @@
           </a:prstGeom>
         </p:spPr>
         <p:txBody>
-          <a:bodyPr lIns="0" rIns="0" tIns="0" bIns="0">
+          <a:bodyPr lIns="0" tIns="0" rIns="0" bIns="0">
             <a:normAutofit/>
           </a:bodyPr>
-          <a:p>
-            <a:endParaRPr b="0" lang="en-US" sz="2800" spc="-1" strike="noStrike">
+          <a:lstStyle/>
+          <a:p>
+            <a:endParaRPr lang="en-US" sz="2800" b="0" strike="noStrike" spc="-1">
               <a:solidFill>
                 <a:srgbClr val="000000"/>
               </a:solidFill>
@@ -2767,11 +3077,14 @@
       </p:sp>
     </p:spTree>
   </p:cSld>
+  <p:clrMapOvr>
+    <a:masterClrMapping/>
+  </p:clrMapOvr>
 </p:sldLayout>
 </file>
 
 <file path=ppt/slideLayouts/slideLayout29.xml><?xml version="1.0" encoding="utf-8"?>
-<p:sldLayout xmlns:a="http://schemas.openxmlformats.org/drawingml/2006/main" xmlns:p="http://schemas.openxmlformats.org/presentationml/2006/main" xmlns:r="http://schemas.openxmlformats.org/officeDocument/2006/relationships" xmlns:p14="http://schemas.microsoft.com/office/powerpoint/2010/main" xmlns:p15="http://schemas.microsoft.com/office/powerpoint/2012/main" xmlns:mc="http://schemas.openxmlformats.org/markup-compatibility/2006" type="titleOnly" preserve="1">
+<p:sldLayout xmlns:a="http://schemas.openxmlformats.org/drawingml/2006/main" xmlns:r="http://schemas.openxmlformats.org/officeDocument/2006/relationships" xmlns:p="http://schemas.openxmlformats.org/presentationml/2006/main" type="titleOnly" preserve="1">
   <p:cSld name="Title Only">
     <p:spTree>
       <p:nvGrpSpPr>
@@ -2807,9 +3120,10 @@
           </a:prstGeom>
         </p:spPr>
         <p:txBody>
-          <a:bodyPr lIns="0" rIns="0" tIns="0" bIns="0" anchor="ctr"/>
-          <a:p>
-            <a:endParaRPr b="0" lang="en-US" sz="1800" spc="-1" strike="noStrike">
+          <a:bodyPr lIns="0" tIns="0" rIns="0" bIns="0" anchor="ctr"/>
+          <a:lstStyle/>
+          <a:p>
+            <a:endParaRPr lang="en-US" sz="1800" b="0" strike="noStrike" spc="-1">
               <a:solidFill>
                 <a:srgbClr val="000000"/>
               </a:solidFill>
@@ -2820,11 +3134,14 @@
       </p:sp>
     </p:spTree>
   </p:cSld>
+  <p:clrMapOvr>
+    <a:masterClrMapping/>
+  </p:clrMapOvr>
 </p:sldLayout>
 </file>
 
 <file path=ppt/slideLayouts/slideLayout3.xml><?xml version="1.0" encoding="utf-8"?>
-<p:sldLayout xmlns:a="http://schemas.openxmlformats.org/drawingml/2006/main" xmlns:p="http://schemas.openxmlformats.org/presentationml/2006/main" xmlns:r="http://schemas.openxmlformats.org/officeDocument/2006/relationships" xmlns:p14="http://schemas.microsoft.com/office/powerpoint/2010/main" xmlns:p15="http://schemas.microsoft.com/office/powerpoint/2012/main" xmlns:mc="http://schemas.openxmlformats.org/markup-compatibility/2006" type="obj" preserve="1">
+<p:sldLayout xmlns:a="http://schemas.openxmlformats.org/drawingml/2006/main" xmlns:r="http://schemas.openxmlformats.org/officeDocument/2006/relationships" xmlns:p="http://schemas.openxmlformats.org/presentationml/2006/main" type="obj" preserve="1">
   <p:cSld name="Title, Content">
     <p:spTree>
       <p:nvGrpSpPr>
@@ -2860,9 +3177,10 @@
           </a:prstGeom>
         </p:spPr>
         <p:txBody>
-          <a:bodyPr lIns="0" rIns="0" tIns="0" bIns="0" anchor="ctr"/>
-          <a:p>
-            <a:endParaRPr b="0" lang="en-US" sz="1800" spc="-1" strike="noStrike">
+          <a:bodyPr lIns="0" tIns="0" rIns="0" bIns="0" anchor="ctr"/>
+          <a:lstStyle/>
+          <a:p>
+            <a:endParaRPr lang="en-US" sz="1800" b="0" strike="noStrike" spc="-1">
               <a:solidFill>
                 <a:srgbClr val="000000"/>
               </a:solidFill>
@@ -2891,11 +3209,12 @@
           </a:prstGeom>
         </p:spPr>
         <p:txBody>
-          <a:bodyPr lIns="0" rIns="0" tIns="0" bIns="0">
+          <a:bodyPr lIns="0" tIns="0" rIns="0" bIns="0">
             <a:normAutofit/>
           </a:bodyPr>
-          <a:p>
-            <a:endParaRPr b="0" lang="en-US" sz="2800" spc="-1" strike="noStrike">
+          <a:lstStyle/>
+          <a:p>
+            <a:endParaRPr lang="en-US" sz="2800" b="0" strike="noStrike" spc="-1">
               <a:solidFill>
                 <a:srgbClr val="000000"/>
               </a:solidFill>
@@ -2906,11 +3225,14 @@
       </p:sp>
     </p:spTree>
   </p:cSld>
+  <p:clrMapOvr>
+    <a:masterClrMapping/>
+  </p:clrMapOvr>
 </p:sldLayout>
 </file>
 
 <file path=ppt/slideLayouts/slideLayout30.xml><?xml version="1.0" encoding="utf-8"?>
-<p:sldLayout xmlns:a="http://schemas.openxmlformats.org/drawingml/2006/main" xmlns:p="http://schemas.openxmlformats.org/presentationml/2006/main" xmlns:r="http://schemas.openxmlformats.org/officeDocument/2006/relationships" xmlns:p14="http://schemas.microsoft.com/office/powerpoint/2010/main" xmlns:p15="http://schemas.microsoft.com/office/powerpoint/2012/main" xmlns:mc="http://schemas.openxmlformats.org/markup-compatibility/2006" type="objOnly" preserve="1">
+<p:sldLayout xmlns:a="http://schemas.openxmlformats.org/drawingml/2006/main" xmlns:r="http://schemas.openxmlformats.org/officeDocument/2006/relationships" xmlns:p="http://schemas.openxmlformats.org/presentationml/2006/main" type="objOnly" preserve="1">
   <p:cSld name="Centered Text">
     <p:spTree>
       <p:nvGrpSpPr>
@@ -2946,10 +3268,11 @@
           </a:prstGeom>
         </p:spPr>
         <p:txBody>
-          <a:bodyPr lIns="0" rIns="0" tIns="0" bIns="0" anchor="ctr"/>
+          <a:bodyPr lIns="0" tIns="0" rIns="0" bIns="0" anchor="ctr"/>
+          <a:lstStyle/>
           <a:p>
             <a:pPr algn="ctr"/>
-            <a:endParaRPr b="0" lang="en-US" sz="3200" spc="-1" strike="noStrike">
+            <a:endParaRPr lang="en-US" sz="3200" b="0" strike="noStrike" spc="-1">
               <a:latin typeface="Arial"/>
             </a:endParaRPr>
           </a:p>
@@ -2957,11 +3280,14 @@
       </p:sp>
     </p:spTree>
   </p:cSld>
+  <p:clrMapOvr>
+    <a:masterClrMapping/>
+  </p:clrMapOvr>
 </p:sldLayout>
 </file>
 
 <file path=ppt/slideLayouts/slideLayout31.xml><?xml version="1.0" encoding="utf-8"?>
-<p:sldLayout xmlns:a="http://schemas.openxmlformats.org/drawingml/2006/main" xmlns:p="http://schemas.openxmlformats.org/presentationml/2006/main" xmlns:r="http://schemas.openxmlformats.org/officeDocument/2006/relationships" xmlns:p14="http://schemas.microsoft.com/office/powerpoint/2010/main" xmlns:p15="http://schemas.microsoft.com/office/powerpoint/2012/main" xmlns:mc="http://schemas.openxmlformats.org/markup-compatibility/2006" type="twoObjAndObj" preserve="1">
+<p:sldLayout xmlns:a="http://schemas.openxmlformats.org/drawingml/2006/main" xmlns:r="http://schemas.openxmlformats.org/officeDocument/2006/relationships" xmlns:p="http://schemas.openxmlformats.org/presentationml/2006/main" type="twoObjAndObj" preserve="1">
   <p:cSld name="Title, 2 Content and Content">
     <p:spTree>
       <p:nvGrpSpPr>
@@ -2997,9 +3323,10 @@
           </a:prstGeom>
         </p:spPr>
         <p:txBody>
-          <a:bodyPr lIns="0" rIns="0" tIns="0" bIns="0" anchor="ctr"/>
-          <a:p>
-            <a:endParaRPr b="0" lang="en-US" sz="1800" spc="-1" strike="noStrike">
+          <a:bodyPr lIns="0" tIns="0" rIns="0" bIns="0" anchor="ctr"/>
+          <a:lstStyle/>
+          <a:p>
+            <a:endParaRPr lang="en-US" sz="1800" b="0" strike="noStrike" spc="-1">
               <a:solidFill>
                 <a:srgbClr val="000000"/>
               </a:solidFill>
@@ -3028,11 +3355,12 @@
           </a:prstGeom>
         </p:spPr>
         <p:txBody>
-          <a:bodyPr lIns="0" rIns="0" tIns="0" bIns="0">
+          <a:bodyPr lIns="0" tIns="0" rIns="0" bIns="0">
             <a:normAutofit/>
           </a:bodyPr>
-          <a:p>
-            <a:endParaRPr b="0" lang="en-US" sz="2800" spc="-1" strike="noStrike">
+          <a:lstStyle/>
+          <a:p>
+            <a:endParaRPr lang="en-US" sz="2800" b="0" strike="noStrike" spc="-1">
               <a:solidFill>
                 <a:srgbClr val="000000"/>
               </a:solidFill>
@@ -3061,11 +3389,12 @@
           </a:prstGeom>
         </p:spPr>
         <p:txBody>
-          <a:bodyPr lIns="0" rIns="0" tIns="0" bIns="0">
+          <a:bodyPr lIns="0" tIns="0" rIns="0" bIns="0">
             <a:normAutofit/>
           </a:bodyPr>
-          <a:p>
-            <a:endParaRPr b="0" lang="en-US" sz="2800" spc="-1" strike="noStrike">
+          <a:lstStyle/>
+          <a:p>
+            <a:endParaRPr lang="en-US" sz="2800" b="0" strike="noStrike" spc="-1">
               <a:solidFill>
                 <a:srgbClr val="000000"/>
               </a:solidFill>
@@ -3094,11 +3423,12 @@
           </a:prstGeom>
         </p:spPr>
         <p:txBody>
-          <a:bodyPr lIns="0" rIns="0" tIns="0" bIns="0">
+          <a:bodyPr lIns="0" tIns="0" rIns="0" bIns="0">
             <a:normAutofit/>
           </a:bodyPr>
-          <a:p>
-            <a:endParaRPr b="0" lang="en-US" sz="2800" spc="-1" strike="noStrike">
+          <a:lstStyle/>
+          <a:p>
+            <a:endParaRPr lang="en-US" sz="2800" b="0" strike="noStrike" spc="-1">
               <a:solidFill>
                 <a:srgbClr val="000000"/>
               </a:solidFill>
@@ -3109,11 +3439,14 @@
       </p:sp>
     </p:spTree>
   </p:cSld>
+  <p:clrMapOvr>
+    <a:masterClrMapping/>
+  </p:clrMapOvr>
 </p:sldLayout>
 </file>
 
 <file path=ppt/slideLayouts/slideLayout32.xml><?xml version="1.0" encoding="utf-8"?>
-<p:sldLayout xmlns:a="http://schemas.openxmlformats.org/drawingml/2006/main" xmlns:p="http://schemas.openxmlformats.org/presentationml/2006/main" xmlns:r="http://schemas.openxmlformats.org/officeDocument/2006/relationships" xmlns:p14="http://schemas.microsoft.com/office/powerpoint/2010/main" xmlns:p15="http://schemas.microsoft.com/office/powerpoint/2012/main" xmlns:mc="http://schemas.openxmlformats.org/markup-compatibility/2006" type="objAndTwoObj" preserve="1">
+<p:sldLayout xmlns:a="http://schemas.openxmlformats.org/drawingml/2006/main" xmlns:r="http://schemas.openxmlformats.org/officeDocument/2006/relationships" xmlns:p="http://schemas.openxmlformats.org/presentationml/2006/main" type="objAndTwoObj" preserve="1">
   <p:cSld name="Title Content and 2 Content">
     <p:spTree>
       <p:nvGrpSpPr>
@@ -3149,9 +3482,10 @@
           </a:prstGeom>
         </p:spPr>
         <p:txBody>
-          <a:bodyPr lIns="0" rIns="0" tIns="0" bIns="0" anchor="ctr"/>
-          <a:p>
-            <a:endParaRPr b="0" lang="en-US" sz="1800" spc="-1" strike="noStrike">
+          <a:bodyPr lIns="0" tIns="0" rIns="0" bIns="0" anchor="ctr"/>
+          <a:lstStyle/>
+          <a:p>
+            <a:endParaRPr lang="en-US" sz="1800" b="0" strike="noStrike" spc="-1">
               <a:solidFill>
                 <a:srgbClr val="000000"/>
               </a:solidFill>
@@ -3180,11 +3514,12 @@
           </a:prstGeom>
         </p:spPr>
         <p:txBody>
-          <a:bodyPr lIns="0" rIns="0" tIns="0" bIns="0">
+          <a:bodyPr lIns="0" tIns="0" rIns="0" bIns="0">
             <a:normAutofit/>
           </a:bodyPr>
-          <a:p>
-            <a:endParaRPr b="0" lang="en-US" sz="2800" spc="-1" strike="noStrike">
+          <a:lstStyle/>
+          <a:p>
+            <a:endParaRPr lang="en-US" sz="2800" b="0" strike="noStrike" spc="-1">
               <a:solidFill>
                 <a:srgbClr val="000000"/>
               </a:solidFill>
@@ -3213,11 +3548,12 @@
           </a:prstGeom>
         </p:spPr>
         <p:txBody>
-          <a:bodyPr lIns="0" rIns="0" tIns="0" bIns="0">
+          <a:bodyPr lIns="0" tIns="0" rIns="0" bIns="0">
             <a:normAutofit/>
           </a:bodyPr>
-          <a:p>
-            <a:endParaRPr b="0" lang="en-US" sz="2800" spc="-1" strike="noStrike">
+          <a:lstStyle/>
+          <a:p>
+            <a:endParaRPr lang="en-US" sz="2800" b="0" strike="noStrike" spc="-1">
               <a:solidFill>
                 <a:srgbClr val="000000"/>
               </a:solidFill>
@@ -3246,11 +3582,12 @@
           </a:prstGeom>
         </p:spPr>
         <p:txBody>
-          <a:bodyPr lIns="0" rIns="0" tIns="0" bIns="0">
+          <a:bodyPr lIns="0" tIns="0" rIns="0" bIns="0">
             <a:normAutofit/>
           </a:bodyPr>
-          <a:p>
-            <a:endParaRPr b="0" lang="en-US" sz="2800" spc="-1" strike="noStrike">
+          <a:lstStyle/>
+          <a:p>
+            <a:endParaRPr lang="en-US" sz="2800" b="0" strike="noStrike" spc="-1">
               <a:solidFill>
                 <a:srgbClr val="000000"/>
               </a:solidFill>
@@ -3261,11 +3598,14 @@
       </p:sp>
     </p:spTree>
   </p:cSld>
+  <p:clrMapOvr>
+    <a:masterClrMapping/>
+  </p:clrMapOvr>
 </p:sldLayout>
 </file>
 
 <file path=ppt/slideLayouts/slideLayout33.xml><?xml version="1.0" encoding="utf-8"?>
-<p:sldLayout xmlns:a="http://schemas.openxmlformats.org/drawingml/2006/main" xmlns:p="http://schemas.openxmlformats.org/presentationml/2006/main" xmlns:r="http://schemas.openxmlformats.org/officeDocument/2006/relationships" xmlns:p14="http://schemas.microsoft.com/office/powerpoint/2010/main" xmlns:p15="http://schemas.microsoft.com/office/powerpoint/2012/main" xmlns:mc="http://schemas.openxmlformats.org/markup-compatibility/2006" type="twoObjOverTx" preserve="1">
+<p:sldLayout xmlns:a="http://schemas.openxmlformats.org/drawingml/2006/main" xmlns:r="http://schemas.openxmlformats.org/officeDocument/2006/relationships" xmlns:p="http://schemas.openxmlformats.org/presentationml/2006/main" type="twoObjOverTx" preserve="1">
   <p:cSld name="Title, 2 Content over Content">
     <p:spTree>
       <p:nvGrpSpPr>
@@ -3301,9 +3641,10 @@
           </a:prstGeom>
         </p:spPr>
         <p:txBody>
-          <a:bodyPr lIns="0" rIns="0" tIns="0" bIns="0" anchor="ctr"/>
-          <a:p>
-            <a:endParaRPr b="0" lang="en-US" sz="1800" spc="-1" strike="noStrike">
+          <a:bodyPr lIns="0" tIns="0" rIns="0" bIns="0" anchor="ctr"/>
+          <a:lstStyle/>
+          <a:p>
+            <a:endParaRPr lang="en-US" sz="1800" b="0" strike="noStrike" spc="-1">
               <a:solidFill>
                 <a:srgbClr val="000000"/>
               </a:solidFill>
@@ -3332,11 +3673,12 @@
           </a:prstGeom>
         </p:spPr>
         <p:txBody>
-          <a:bodyPr lIns="0" rIns="0" tIns="0" bIns="0">
+          <a:bodyPr lIns="0" tIns="0" rIns="0" bIns="0">
             <a:normAutofit/>
           </a:bodyPr>
-          <a:p>
-            <a:endParaRPr b="0" lang="en-US" sz="2800" spc="-1" strike="noStrike">
+          <a:lstStyle/>
+          <a:p>
+            <a:endParaRPr lang="en-US" sz="2800" b="0" strike="noStrike" spc="-1">
               <a:solidFill>
                 <a:srgbClr val="000000"/>
               </a:solidFill>
@@ -3365,11 +3707,12 @@
           </a:prstGeom>
         </p:spPr>
         <p:txBody>
-          <a:bodyPr lIns="0" rIns="0" tIns="0" bIns="0">
+          <a:bodyPr lIns="0" tIns="0" rIns="0" bIns="0">
             <a:normAutofit/>
           </a:bodyPr>
-          <a:p>
-            <a:endParaRPr b="0" lang="en-US" sz="2800" spc="-1" strike="noStrike">
+          <a:lstStyle/>
+          <a:p>
+            <a:endParaRPr lang="en-US" sz="2800" b="0" strike="noStrike" spc="-1">
               <a:solidFill>
                 <a:srgbClr val="000000"/>
               </a:solidFill>
@@ -3398,11 +3741,12 @@
           </a:prstGeom>
         </p:spPr>
         <p:txBody>
-          <a:bodyPr lIns="0" rIns="0" tIns="0" bIns="0">
+          <a:bodyPr lIns="0" tIns="0" rIns="0" bIns="0">
             <a:normAutofit/>
           </a:bodyPr>
-          <a:p>
-            <a:endParaRPr b="0" lang="en-US" sz="2800" spc="-1" strike="noStrike">
+          <a:lstStyle/>
+          <a:p>
+            <a:endParaRPr lang="en-US" sz="2800" b="0" strike="noStrike" spc="-1">
               <a:solidFill>
                 <a:srgbClr val="000000"/>
               </a:solidFill>
@@ -3413,11 +3757,14 @@
       </p:sp>
     </p:spTree>
   </p:cSld>
+  <p:clrMapOvr>
+    <a:masterClrMapping/>
+  </p:clrMapOvr>
 </p:sldLayout>
 </file>
 
 <file path=ppt/slideLayouts/slideLayout34.xml><?xml version="1.0" encoding="utf-8"?>
-<p:sldLayout xmlns:a="http://schemas.openxmlformats.org/drawingml/2006/main" xmlns:p="http://schemas.openxmlformats.org/presentationml/2006/main" xmlns:r="http://schemas.openxmlformats.org/officeDocument/2006/relationships" xmlns:p14="http://schemas.microsoft.com/office/powerpoint/2010/main" xmlns:p15="http://schemas.microsoft.com/office/powerpoint/2012/main" xmlns:mc="http://schemas.openxmlformats.org/markup-compatibility/2006" type="objOverTx" preserve="1">
+<p:sldLayout xmlns:a="http://schemas.openxmlformats.org/drawingml/2006/main" xmlns:r="http://schemas.openxmlformats.org/officeDocument/2006/relationships" xmlns:p="http://schemas.openxmlformats.org/presentationml/2006/main" type="objOverTx" preserve="1">
   <p:cSld name="Title, Content over Content">
     <p:spTree>
       <p:nvGrpSpPr>
@@ -3453,9 +3800,10 @@
           </a:prstGeom>
         </p:spPr>
         <p:txBody>
-          <a:bodyPr lIns="0" rIns="0" tIns="0" bIns="0" anchor="ctr"/>
-          <a:p>
-            <a:endParaRPr b="0" lang="en-US" sz="1800" spc="-1" strike="noStrike">
+          <a:bodyPr lIns="0" tIns="0" rIns="0" bIns="0" anchor="ctr"/>
+          <a:lstStyle/>
+          <a:p>
+            <a:endParaRPr lang="en-US" sz="1800" b="0" strike="noStrike" spc="-1">
               <a:solidFill>
                 <a:srgbClr val="000000"/>
               </a:solidFill>
@@ -3484,11 +3832,12 @@
           </a:prstGeom>
         </p:spPr>
         <p:txBody>
-          <a:bodyPr lIns="0" rIns="0" tIns="0" bIns="0">
+          <a:bodyPr lIns="0" tIns="0" rIns="0" bIns="0">
             <a:normAutofit/>
           </a:bodyPr>
-          <a:p>
-            <a:endParaRPr b="0" lang="en-US" sz="2800" spc="-1" strike="noStrike">
+          <a:lstStyle/>
+          <a:p>
+            <a:endParaRPr lang="en-US" sz="2800" b="0" strike="noStrike" spc="-1">
               <a:solidFill>
                 <a:srgbClr val="000000"/>
               </a:solidFill>
@@ -3517,11 +3866,12 @@
           </a:prstGeom>
         </p:spPr>
         <p:txBody>
-          <a:bodyPr lIns="0" rIns="0" tIns="0" bIns="0">
+          <a:bodyPr lIns="0" tIns="0" rIns="0" bIns="0">
             <a:normAutofit/>
           </a:bodyPr>
-          <a:p>
-            <a:endParaRPr b="0" lang="en-US" sz="2800" spc="-1" strike="noStrike">
+          <a:lstStyle/>
+          <a:p>
+            <a:endParaRPr lang="en-US" sz="2800" b="0" strike="noStrike" spc="-1">
               <a:solidFill>
                 <a:srgbClr val="000000"/>
               </a:solidFill>
@@ -3532,11 +3882,14 @@
       </p:sp>
     </p:spTree>
   </p:cSld>
+  <p:clrMapOvr>
+    <a:masterClrMapping/>
+  </p:clrMapOvr>
 </p:sldLayout>
 </file>
 
 <file path=ppt/slideLayouts/slideLayout35.xml><?xml version="1.0" encoding="utf-8"?>
-<p:sldLayout xmlns:a="http://schemas.openxmlformats.org/drawingml/2006/main" xmlns:p="http://schemas.openxmlformats.org/presentationml/2006/main" xmlns:r="http://schemas.openxmlformats.org/officeDocument/2006/relationships" xmlns:p14="http://schemas.microsoft.com/office/powerpoint/2010/main" xmlns:p15="http://schemas.microsoft.com/office/powerpoint/2012/main" xmlns:mc="http://schemas.openxmlformats.org/markup-compatibility/2006" type="fourObj" preserve="1">
+<p:sldLayout xmlns:a="http://schemas.openxmlformats.org/drawingml/2006/main" xmlns:r="http://schemas.openxmlformats.org/officeDocument/2006/relationships" xmlns:p="http://schemas.openxmlformats.org/presentationml/2006/main" type="fourObj" preserve="1">
   <p:cSld name="Title, 4 Content">
     <p:spTree>
       <p:nvGrpSpPr>
@@ -3572,9 +3925,10 @@
           </a:prstGeom>
         </p:spPr>
         <p:txBody>
-          <a:bodyPr lIns="0" rIns="0" tIns="0" bIns="0" anchor="ctr"/>
-          <a:p>
-            <a:endParaRPr b="0" lang="en-US" sz="1800" spc="-1" strike="noStrike">
+          <a:bodyPr lIns="0" tIns="0" rIns="0" bIns="0" anchor="ctr"/>
+          <a:lstStyle/>
+          <a:p>
+            <a:endParaRPr lang="en-US" sz="1800" b="0" strike="noStrike" spc="-1">
               <a:solidFill>
                 <a:srgbClr val="000000"/>
               </a:solidFill>
@@ -3603,11 +3957,12 @@
           </a:prstGeom>
         </p:spPr>
         <p:txBody>
-          <a:bodyPr lIns="0" rIns="0" tIns="0" bIns="0">
+          <a:bodyPr lIns="0" tIns="0" rIns="0" bIns="0">
             <a:normAutofit/>
           </a:bodyPr>
-          <a:p>
-            <a:endParaRPr b="0" lang="en-US" sz="2800" spc="-1" strike="noStrike">
+          <a:lstStyle/>
+          <a:p>
+            <a:endParaRPr lang="en-US" sz="2800" b="0" strike="noStrike" spc="-1">
               <a:solidFill>
                 <a:srgbClr val="000000"/>
               </a:solidFill>
@@ -3636,11 +3991,12 @@
           </a:prstGeom>
         </p:spPr>
         <p:txBody>
-          <a:bodyPr lIns="0" rIns="0" tIns="0" bIns="0">
+          <a:bodyPr lIns="0" tIns="0" rIns="0" bIns="0">
             <a:normAutofit/>
           </a:bodyPr>
-          <a:p>
-            <a:endParaRPr b="0" lang="en-US" sz="2800" spc="-1" strike="noStrike">
+          <a:lstStyle/>
+          <a:p>
+            <a:endParaRPr lang="en-US" sz="2800" b="0" strike="noStrike" spc="-1">
               <a:solidFill>
                 <a:srgbClr val="000000"/>
               </a:solidFill>
@@ -3669,11 +4025,12 @@
           </a:prstGeom>
         </p:spPr>
         <p:txBody>
-          <a:bodyPr lIns="0" rIns="0" tIns="0" bIns="0">
+          <a:bodyPr lIns="0" tIns="0" rIns="0" bIns="0">
             <a:normAutofit/>
           </a:bodyPr>
-          <a:p>
-            <a:endParaRPr b="0" lang="en-US" sz="2800" spc="-1" strike="noStrike">
+          <a:lstStyle/>
+          <a:p>
+            <a:endParaRPr lang="en-US" sz="2800" b="0" strike="noStrike" spc="-1">
               <a:solidFill>
                 <a:srgbClr val="000000"/>
               </a:solidFill>
@@ -3702,11 +4059,12 @@
           </a:prstGeom>
         </p:spPr>
         <p:txBody>
-          <a:bodyPr lIns="0" rIns="0" tIns="0" bIns="0">
+          <a:bodyPr lIns="0" tIns="0" rIns="0" bIns="0">
             <a:normAutofit/>
           </a:bodyPr>
-          <a:p>
-            <a:endParaRPr b="0" lang="en-US" sz="2800" spc="-1" strike="noStrike">
+          <a:lstStyle/>
+          <a:p>
+            <a:endParaRPr lang="en-US" sz="2800" b="0" strike="noStrike" spc="-1">
               <a:solidFill>
                 <a:srgbClr val="000000"/>
               </a:solidFill>
@@ -3717,11 +4075,14 @@
       </p:sp>
     </p:spTree>
   </p:cSld>
+  <p:clrMapOvr>
+    <a:masterClrMapping/>
+  </p:clrMapOvr>
 </p:sldLayout>
 </file>
 
 <file path=ppt/slideLayouts/slideLayout36.xml><?xml version="1.0" encoding="utf-8"?>
-<p:sldLayout xmlns:a="http://schemas.openxmlformats.org/drawingml/2006/main" xmlns:p="http://schemas.openxmlformats.org/presentationml/2006/main" xmlns:r="http://schemas.openxmlformats.org/officeDocument/2006/relationships" xmlns:p14="http://schemas.microsoft.com/office/powerpoint/2010/main" xmlns:p15="http://schemas.microsoft.com/office/powerpoint/2012/main" xmlns:mc="http://schemas.openxmlformats.org/markup-compatibility/2006" type="blank" preserve="1">
+<p:sldLayout xmlns:a="http://schemas.openxmlformats.org/drawingml/2006/main" xmlns:r="http://schemas.openxmlformats.org/officeDocument/2006/relationships" xmlns:p="http://schemas.openxmlformats.org/presentationml/2006/main" type="blank" preserve="1">
   <p:cSld name="Title, 6 Content">
     <p:spTree>
       <p:nvGrpSpPr>
@@ -3757,9 +4118,10 @@
           </a:prstGeom>
         </p:spPr>
         <p:txBody>
-          <a:bodyPr lIns="0" rIns="0" tIns="0" bIns="0" anchor="ctr"/>
-          <a:p>
-            <a:endParaRPr b="0" lang="en-US" sz="1800" spc="-1" strike="noStrike">
+          <a:bodyPr lIns="0" tIns="0" rIns="0" bIns="0" anchor="ctr"/>
+          <a:lstStyle/>
+          <a:p>
+            <a:endParaRPr lang="en-US" sz="1800" b="0" strike="noStrike" spc="-1">
               <a:solidFill>
                 <a:srgbClr val="000000"/>
               </a:solidFill>
@@ -3788,11 +4150,12 @@
           </a:prstGeom>
         </p:spPr>
         <p:txBody>
-          <a:bodyPr lIns="0" rIns="0" tIns="0" bIns="0">
+          <a:bodyPr lIns="0" tIns="0" rIns="0" bIns="0">
             <a:normAutofit/>
           </a:bodyPr>
-          <a:p>
-            <a:endParaRPr b="0" lang="en-US" sz="2800" spc="-1" strike="noStrike">
+          <a:lstStyle/>
+          <a:p>
+            <a:endParaRPr lang="en-US" sz="2800" b="0" strike="noStrike" spc="-1">
               <a:solidFill>
                 <a:srgbClr val="000000"/>
               </a:solidFill>
@@ -3821,11 +4184,12 @@
           </a:prstGeom>
         </p:spPr>
         <p:txBody>
-          <a:bodyPr lIns="0" rIns="0" tIns="0" bIns="0">
+          <a:bodyPr lIns="0" tIns="0" rIns="0" bIns="0">
             <a:normAutofit/>
           </a:bodyPr>
-          <a:p>
-            <a:endParaRPr b="0" lang="en-US" sz="2800" spc="-1" strike="noStrike">
+          <a:lstStyle/>
+          <a:p>
+            <a:endParaRPr lang="en-US" sz="2800" b="0" strike="noStrike" spc="-1">
               <a:solidFill>
                 <a:srgbClr val="000000"/>
               </a:solidFill>
@@ -3854,11 +4218,12 @@
           </a:prstGeom>
         </p:spPr>
         <p:txBody>
-          <a:bodyPr lIns="0" rIns="0" tIns="0" bIns="0">
+          <a:bodyPr lIns="0" tIns="0" rIns="0" bIns="0">
             <a:normAutofit/>
           </a:bodyPr>
-          <a:p>
-            <a:endParaRPr b="0" lang="en-US" sz="2800" spc="-1" strike="noStrike">
+          <a:lstStyle/>
+          <a:p>
+            <a:endParaRPr lang="en-US" sz="2800" b="0" strike="noStrike" spc="-1">
               <a:solidFill>
                 <a:srgbClr val="000000"/>
               </a:solidFill>
@@ -3887,11 +4252,12 @@
           </a:prstGeom>
         </p:spPr>
         <p:txBody>
-          <a:bodyPr lIns="0" rIns="0" tIns="0" bIns="0">
+          <a:bodyPr lIns="0" tIns="0" rIns="0" bIns="0">
             <a:normAutofit/>
           </a:bodyPr>
-          <a:p>
-            <a:endParaRPr b="0" lang="en-US" sz="2800" spc="-1" strike="noStrike">
+          <a:lstStyle/>
+          <a:p>
+            <a:endParaRPr lang="en-US" sz="2800" b="0" strike="noStrike" spc="-1">
               <a:solidFill>
                 <a:srgbClr val="000000"/>
               </a:solidFill>
@@ -3920,11 +4286,12 @@
           </a:prstGeom>
         </p:spPr>
         <p:txBody>
-          <a:bodyPr lIns="0" rIns="0" tIns="0" bIns="0">
+          <a:bodyPr lIns="0" tIns="0" rIns="0" bIns="0">
             <a:normAutofit/>
           </a:bodyPr>
-          <a:p>
-            <a:endParaRPr b="0" lang="en-US" sz="2800" spc="-1" strike="noStrike">
+          <a:lstStyle/>
+          <a:p>
+            <a:endParaRPr lang="en-US" sz="2800" b="0" strike="noStrike" spc="-1">
               <a:solidFill>
                 <a:srgbClr val="000000"/>
               </a:solidFill>
@@ -3953,11 +4320,12 @@
           </a:prstGeom>
         </p:spPr>
         <p:txBody>
-          <a:bodyPr lIns="0" rIns="0" tIns="0" bIns="0">
+          <a:bodyPr lIns="0" tIns="0" rIns="0" bIns="0">
             <a:normAutofit/>
           </a:bodyPr>
-          <a:p>
-            <a:endParaRPr b="0" lang="en-US" sz="2800" spc="-1" strike="noStrike">
+          <a:lstStyle/>
+          <a:p>
+            <a:endParaRPr lang="en-US" sz="2800" b="0" strike="noStrike" spc="-1">
               <a:solidFill>
                 <a:srgbClr val="000000"/>
               </a:solidFill>
@@ -3968,11 +4336,14 @@
       </p:sp>
     </p:spTree>
   </p:cSld>
+  <p:clrMapOvr>
+    <a:masterClrMapping/>
+  </p:clrMapOvr>
 </p:sldLayout>
 </file>
 
 <file path=ppt/slideLayouts/slideLayout4.xml><?xml version="1.0" encoding="utf-8"?>
-<p:sldLayout xmlns:a="http://schemas.openxmlformats.org/drawingml/2006/main" xmlns:p="http://schemas.openxmlformats.org/presentationml/2006/main" xmlns:r="http://schemas.openxmlformats.org/officeDocument/2006/relationships" xmlns:p14="http://schemas.microsoft.com/office/powerpoint/2010/main" xmlns:p15="http://schemas.microsoft.com/office/powerpoint/2012/main" xmlns:mc="http://schemas.openxmlformats.org/markup-compatibility/2006" type="twoObj" preserve="1">
+<p:sldLayout xmlns:a="http://schemas.openxmlformats.org/drawingml/2006/main" xmlns:r="http://schemas.openxmlformats.org/officeDocument/2006/relationships" xmlns:p="http://schemas.openxmlformats.org/presentationml/2006/main" type="twoObj" preserve="1">
   <p:cSld name="Title, 2 Content">
     <p:spTree>
       <p:nvGrpSpPr>
@@ -4008,9 +4379,10 @@
           </a:prstGeom>
         </p:spPr>
         <p:txBody>
-          <a:bodyPr lIns="0" rIns="0" tIns="0" bIns="0" anchor="ctr"/>
-          <a:p>
-            <a:endParaRPr b="0" lang="en-US" sz="1800" spc="-1" strike="noStrike">
+          <a:bodyPr lIns="0" tIns="0" rIns="0" bIns="0" anchor="ctr"/>
+          <a:lstStyle/>
+          <a:p>
+            <a:endParaRPr lang="en-US" sz="1800" b="0" strike="noStrike" spc="-1">
               <a:solidFill>
                 <a:srgbClr val="000000"/>
               </a:solidFill>
@@ -4039,11 +4411,12 @@
           </a:prstGeom>
         </p:spPr>
         <p:txBody>
-          <a:bodyPr lIns="0" rIns="0" tIns="0" bIns="0">
+          <a:bodyPr lIns="0" tIns="0" rIns="0" bIns="0">
             <a:normAutofit/>
           </a:bodyPr>
-          <a:p>
-            <a:endParaRPr b="0" lang="en-US" sz="2800" spc="-1" strike="noStrike">
+          <a:lstStyle/>
+          <a:p>
+            <a:endParaRPr lang="en-US" sz="2800" b="0" strike="noStrike" spc="-1">
               <a:solidFill>
                 <a:srgbClr val="000000"/>
               </a:solidFill>
@@ -4072,11 +4445,12 @@
           </a:prstGeom>
         </p:spPr>
         <p:txBody>
-          <a:bodyPr lIns="0" rIns="0" tIns="0" bIns="0">
+          <a:bodyPr lIns="0" tIns="0" rIns="0" bIns="0">
             <a:normAutofit/>
           </a:bodyPr>
-          <a:p>
-            <a:endParaRPr b="0" lang="en-US" sz="2800" spc="-1" strike="noStrike">
+          <a:lstStyle/>
+          <a:p>
+            <a:endParaRPr lang="en-US" sz="2800" b="0" strike="noStrike" spc="-1">
               <a:solidFill>
                 <a:srgbClr val="000000"/>
               </a:solidFill>
@@ -4087,11 +4461,14 @@
       </p:sp>
     </p:spTree>
   </p:cSld>
+  <p:clrMapOvr>
+    <a:masterClrMapping/>
+  </p:clrMapOvr>
 </p:sldLayout>
 </file>
 
 <file path=ppt/slideLayouts/slideLayout5.xml><?xml version="1.0" encoding="utf-8"?>
-<p:sldLayout xmlns:a="http://schemas.openxmlformats.org/drawingml/2006/main" xmlns:p="http://schemas.openxmlformats.org/presentationml/2006/main" xmlns:r="http://schemas.openxmlformats.org/officeDocument/2006/relationships" xmlns:p14="http://schemas.microsoft.com/office/powerpoint/2010/main" xmlns:p15="http://schemas.microsoft.com/office/powerpoint/2012/main" xmlns:mc="http://schemas.openxmlformats.org/markup-compatibility/2006" type="titleOnly" preserve="1">
+<p:sldLayout xmlns:a="http://schemas.openxmlformats.org/drawingml/2006/main" xmlns:r="http://schemas.openxmlformats.org/officeDocument/2006/relationships" xmlns:p="http://schemas.openxmlformats.org/presentationml/2006/main" type="titleOnly" preserve="1">
   <p:cSld name="Title Only">
     <p:spTree>
       <p:nvGrpSpPr>
@@ -4127,9 +4504,10 @@
           </a:prstGeom>
         </p:spPr>
         <p:txBody>
-          <a:bodyPr lIns="0" rIns="0" tIns="0" bIns="0" anchor="ctr"/>
-          <a:p>
-            <a:endParaRPr b="0" lang="en-US" sz="1800" spc="-1" strike="noStrike">
+          <a:bodyPr lIns="0" tIns="0" rIns="0" bIns="0" anchor="ctr"/>
+          <a:lstStyle/>
+          <a:p>
+            <a:endParaRPr lang="en-US" sz="1800" b="0" strike="noStrike" spc="-1">
               <a:solidFill>
                 <a:srgbClr val="000000"/>
               </a:solidFill>
@@ -4140,11 +4518,14 @@
       </p:sp>
     </p:spTree>
   </p:cSld>
+  <p:clrMapOvr>
+    <a:masterClrMapping/>
+  </p:clrMapOvr>
 </p:sldLayout>
 </file>
 
 <file path=ppt/slideLayouts/slideLayout6.xml><?xml version="1.0" encoding="utf-8"?>
-<p:sldLayout xmlns:a="http://schemas.openxmlformats.org/drawingml/2006/main" xmlns:p="http://schemas.openxmlformats.org/presentationml/2006/main" xmlns:r="http://schemas.openxmlformats.org/officeDocument/2006/relationships" xmlns:p14="http://schemas.microsoft.com/office/powerpoint/2010/main" xmlns:p15="http://schemas.microsoft.com/office/powerpoint/2012/main" xmlns:mc="http://schemas.openxmlformats.org/markup-compatibility/2006" type="objOnly" preserve="1">
+<p:sldLayout xmlns:a="http://schemas.openxmlformats.org/drawingml/2006/main" xmlns:r="http://schemas.openxmlformats.org/officeDocument/2006/relationships" xmlns:p="http://schemas.openxmlformats.org/presentationml/2006/main" type="objOnly" preserve="1">
   <p:cSld name="Centered Text">
     <p:spTree>
       <p:nvGrpSpPr>
@@ -4180,10 +4561,11 @@
           </a:prstGeom>
         </p:spPr>
         <p:txBody>
-          <a:bodyPr lIns="0" rIns="0" tIns="0" bIns="0" anchor="ctr"/>
+          <a:bodyPr lIns="0" tIns="0" rIns="0" bIns="0" anchor="ctr"/>
+          <a:lstStyle/>
           <a:p>
             <a:pPr algn="ctr"/>
-            <a:endParaRPr b="0" lang="en-US" sz="3200" spc="-1" strike="noStrike">
+            <a:endParaRPr lang="en-US" sz="3200" b="0" strike="noStrike" spc="-1">
               <a:latin typeface="Arial"/>
             </a:endParaRPr>
           </a:p>
@@ -4191,11 +4573,14 @@
       </p:sp>
     </p:spTree>
   </p:cSld>
+  <p:clrMapOvr>
+    <a:masterClrMapping/>
+  </p:clrMapOvr>
 </p:sldLayout>
 </file>
 
 <file path=ppt/slideLayouts/slideLayout7.xml><?xml version="1.0" encoding="utf-8"?>
-<p:sldLayout xmlns:a="http://schemas.openxmlformats.org/drawingml/2006/main" xmlns:p="http://schemas.openxmlformats.org/presentationml/2006/main" xmlns:r="http://schemas.openxmlformats.org/officeDocument/2006/relationships" xmlns:p14="http://schemas.microsoft.com/office/powerpoint/2010/main" xmlns:p15="http://schemas.microsoft.com/office/powerpoint/2012/main" xmlns:mc="http://schemas.openxmlformats.org/markup-compatibility/2006" type="twoObjAndObj" preserve="1">
+<p:sldLayout xmlns:a="http://schemas.openxmlformats.org/drawingml/2006/main" xmlns:r="http://schemas.openxmlformats.org/officeDocument/2006/relationships" xmlns:p="http://schemas.openxmlformats.org/presentationml/2006/main" type="twoObjAndObj" preserve="1">
   <p:cSld name="Title, 2 Content and Content">
     <p:spTree>
       <p:nvGrpSpPr>
@@ -4231,9 +4616,10 @@
           </a:prstGeom>
         </p:spPr>
         <p:txBody>
-          <a:bodyPr lIns="0" rIns="0" tIns="0" bIns="0" anchor="ctr"/>
-          <a:p>
-            <a:endParaRPr b="0" lang="en-US" sz="1800" spc="-1" strike="noStrike">
+          <a:bodyPr lIns="0" tIns="0" rIns="0" bIns="0" anchor="ctr"/>
+          <a:lstStyle/>
+          <a:p>
+            <a:endParaRPr lang="en-US" sz="1800" b="0" strike="noStrike" spc="-1">
               <a:solidFill>
                 <a:srgbClr val="000000"/>
               </a:solidFill>
@@ -4262,11 +4648,12 @@
           </a:prstGeom>
         </p:spPr>
         <p:txBody>
-          <a:bodyPr lIns="0" rIns="0" tIns="0" bIns="0">
+          <a:bodyPr lIns="0" tIns="0" rIns="0" bIns="0">
             <a:normAutofit/>
           </a:bodyPr>
-          <a:p>
-            <a:endParaRPr b="0" lang="en-US" sz="2800" spc="-1" strike="noStrike">
+          <a:lstStyle/>
+          <a:p>
+            <a:endParaRPr lang="en-US" sz="2800" b="0" strike="noStrike" spc="-1">
               <a:solidFill>
                 <a:srgbClr val="000000"/>
               </a:solidFill>
@@ -4295,11 +4682,12 @@
           </a:prstGeom>
         </p:spPr>
         <p:txBody>
-          <a:bodyPr lIns="0" rIns="0" tIns="0" bIns="0">
+          <a:bodyPr lIns="0" tIns="0" rIns="0" bIns="0">
             <a:normAutofit/>
           </a:bodyPr>
-          <a:p>
-            <a:endParaRPr b="0" lang="en-US" sz="2800" spc="-1" strike="noStrike">
+          <a:lstStyle/>
+          <a:p>
+            <a:endParaRPr lang="en-US" sz="2800" b="0" strike="noStrike" spc="-1">
               <a:solidFill>
                 <a:srgbClr val="000000"/>
               </a:solidFill>
@@ -4328,11 +4716,12 @@
           </a:prstGeom>
         </p:spPr>
         <p:txBody>
-          <a:bodyPr lIns="0" rIns="0" tIns="0" bIns="0">
+          <a:bodyPr lIns="0" tIns="0" rIns="0" bIns="0">
             <a:normAutofit/>
           </a:bodyPr>
-          <a:p>
-            <a:endParaRPr b="0" lang="en-US" sz="2800" spc="-1" strike="noStrike">
+          <a:lstStyle/>
+          <a:p>
+            <a:endParaRPr lang="en-US" sz="2800" b="0" strike="noStrike" spc="-1">
               <a:solidFill>
                 <a:srgbClr val="000000"/>
               </a:solidFill>
@@ -4343,11 +4732,14 @@
       </p:sp>
     </p:spTree>
   </p:cSld>
+  <p:clrMapOvr>
+    <a:masterClrMapping/>
+  </p:clrMapOvr>
 </p:sldLayout>
 </file>
 
 <file path=ppt/slideLayouts/slideLayout8.xml><?xml version="1.0" encoding="utf-8"?>
-<p:sldLayout xmlns:a="http://schemas.openxmlformats.org/drawingml/2006/main" xmlns:p="http://schemas.openxmlformats.org/presentationml/2006/main" xmlns:r="http://schemas.openxmlformats.org/officeDocument/2006/relationships" xmlns:p14="http://schemas.microsoft.com/office/powerpoint/2010/main" xmlns:p15="http://schemas.microsoft.com/office/powerpoint/2012/main" xmlns:mc="http://schemas.openxmlformats.org/markup-compatibility/2006" type="objAndTwoObj" preserve="1">
+<p:sldLayout xmlns:a="http://schemas.openxmlformats.org/drawingml/2006/main" xmlns:r="http://schemas.openxmlformats.org/officeDocument/2006/relationships" xmlns:p="http://schemas.openxmlformats.org/presentationml/2006/main" type="objAndTwoObj" preserve="1">
   <p:cSld name="Title Content and 2 Content">
     <p:spTree>
       <p:nvGrpSpPr>
@@ -4383,9 +4775,10 @@
           </a:prstGeom>
         </p:spPr>
         <p:txBody>
-          <a:bodyPr lIns="0" rIns="0" tIns="0" bIns="0" anchor="ctr"/>
-          <a:p>
-            <a:endParaRPr b="0" lang="en-US" sz="1800" spc="-1" strike="noStrike">
+          <a:bodyPr lIns="0" tIns="0" rIns="0" bIns="0" anchor="ctr"/>
+          <a:lstStyle/>
+          <a:p>
+            <a:endParaRPr lang="en-US" sz="1800" b="0" strike="noStrike" spc="-1">
               <a:solidFill>
                 <a:srgbClr val="000000"/>
               </a:solidFill>
@@ -4414,11 +4807,12 @@
           </a:prstGeom>
         </p:spPr>
         <p:txBody>
-          <a:bodyPr lIns="0" rIns="0" tIns="0" bIns="0">
+          <a:bodyPr lIns="0" tIns="0" rIns="0" bIns="0">
             <a:normAutofit/>
           </a:bodyPr>
-          <a:p>
-            <a:endParaRPr b="0" lang="en-US" sz="2800" spc="-1" strike="noStrike">
+          <a:lstStyle/>
+          <a:p>
+            <a:endParaRPr lang="en-US" sz="2800" b="0" strike="noStrike" spc="-1">
               <a:solidFill>
                 <a:srgbClr val="000000"/>
               </a:solidFill>
@@ -4447,11 +4841,12 @@
           </a:prstGeom>
         </p:spPr>
         <p:txBody>
-          <a:bodyPr lIns="0" rIns="0" tIns="0" bIns="0">
+          <a:bodyPr lIns="0" tIns="0" rIns="0" bIns="0">
             <a:normAutofit/>
           </a:bodyPr>
-          <a:p>
-            <a:endParaRPr b="0" lang="en-US" sz="2800" spc="-1" strike="noStrike">
+          <a:lstStyle/>
+          <a:p>
+            <a:endParaRPr lang="en-US" sz="2800" b="0" strike="noStrike" spc="-1">
               <a:solidFill>
                 <a:srgbClr val="000000"/>
               </a:solidFill>
@@ -4480,11 +4875,12 @@
           </a:prstGeom>
         </p:spPr>
         <p:txBody>
-          <a:bodyPr lIns="0" rIns="0" tIns="0" bIns="0">
+          <a:bodyPr lIns="0" tIns="0" rIns="0" bIns="0">
             <a:normAutofit/>
           </a:bodyPr>
-          <a:p>
-            <a:endParaRPr b="0" lang="en-US" sz="2800" spc="-1" strike="noStrike">
+          <a:lstStyle/>
+          <a:p>
+            <a:endParaRPr lang="en-US" sz="2800" b="0" strike="noStrike" spc="-1">
               <a:solidFill>
                 <a:srgbClr val="000000"/>
               </a:solidFill>
@@ -4495,11 +4891,14 @@
       </p:sp>
     </p:spTree>
   </p:cSld>
+  <p:clrMapOvr>
+    <a:masterClrMapping/>
+  </p:clrMapOvr>
 </p:sldLayout>
 </file>
 
 <file path=ppt/slideLayouts/slideLayout9.xml><?xml version="1.0" encoding="utf-8"?>
-<p:sldLayout xmlns:a="http://schemas.openxmlformats.org/drawingml/2006/main" xmlns:p="http://schemas.openxmlformats.org/presentationml/2006/main" xmlns:r="http://schemas.openxmlformats.org/officeDocument/2006/relationships" xmlns:p14="http://schemas.microsoft.com/office/powerpoint/2010/main" xmlns:p15="http://schemas.microsoft.com/office/powerpoint/2012/main" xmlns:mc="http://schemas.openxmlformats.org/markup-compatibility/2006" type="twoObjOverTx" preserve="1">
+<p:sldLayout xmlns:a="http://schemas.openxmlformats.org/drawingml/2006/main" xmlns:r="http://schemas.openxmlformats.org/officeDocument/2006/relationships" xmlns:p="http://schemas.openxmlformats.org/presentationml/2006/main" type="twoObjOverTx" preserve="1">
   <p:cSld name="Title, 2 Content over Content">
     <p:spTree>
       <p:nvGrpSpPr>
@@ -4535,9 +4934,10 @@
           </a:prstGeom>
         </p:spPr>
         <p:txBody>
-          <a:bodyPr lIns="0" rIns="0" tIns="0" bIns="0" anchor="ctr"/>
-          <a:p>
-            <a:endParaRPr b="0" lang="en-US" sz="1800" spc="-1" strike="noStrike">
+          <a:bodyPr lIns="0" tIns="0" rIns="0" bIns="0" anchor="ctr"/>
+          <a:lstStyle/>
+          <a:p>
+            <a:endParaRPr lang="en-US" sz="1800" b="0" strike="noStrike" spc="-1">
               <a:solidFill>
                 <a:srgbClr val="000000"/>
               </a:solidFill>
@@ -4566,11 +4966,12 @@
           </a:prstGeom>
         </p:spPr>
         <p:txBody>
-          <a:bodyPr lIns="0" rIns="0" tIns="0" bIns="0">
+          <a:bodyPr lIns="0" tIns="0" rIns="0" bIns="0">
             <a:normAutofit/>
           </a:bodyPr>
-          <a:p>
-            <a:endParaRPr b="0" lang="en-US" sz="2800" spc="-1" strike="noStrike">
+          <a:lstStyle/>
+          <a:p>
+            <a:endParaRPr lang="en-US" sz="2800" b="0" strike="noStrike" spc="-1">
               <a:solidFill>
                 <a:srgbClr val="000000"/>
               </a:solidFill>
@@ -4599,11 +5000,12 @@
           </a:prstGeom>
         </p:spPr>
         <p:txBody>
-          <a:bodyPr lIns="0" rIns="0" tIns="0" bIns="0">
+          <a:bodyPr lIns="0" tIns="0" rIns="0" bIns="0">
             <a:normAutofit/>
           </a:bodyPr>
-          <a:p>
-            <a:endParaRPr b="0" lang="en-US" sz="2800" spc="-1" strike="noStrike">
+          <a:lstStyle/>
+          <a:p>
+            <a:endParaRPr lang="en-US" sz="2800" b="0" strike="noStrike" spc="-1">
               <a:solidFill>
                 <a:srgbClr val="000000"/>
               </a:solidFill>
@@ -4632,11 +5034,12 @@
           </a:prstGeom>
         </p:spPr>
         <p:txBody>
-          <a:bodyPr lIns="0" rIns="0" tIns="0" bIns="0">
+          <a:bodyPr lIns="0" tIns="0" rIns="0" bIns="0">
             <a:normAutofit/>
           </a:bodyPr>
-          <a:p>
-            <a:endParaRPr b="0" lang="en-US" sz="2800" spc="-1" strike="noStrike">
+          <a:lstStyle/>
+          <a:p>
+            <a:endParaRPr lang="en-US" sz="2800" b="0" strike="noStrike" spc="-1">
               <a:solidFill>
                 <a:srgbClr val="000000"/>
               </a:solidFill>
@@ -4647,17 +5050,21 @@
       </p:sp>
     </p:spTree>
   </p:cSld>
+  <p:clrMapOvr>
+    <a:masterClrMapping/>
+  </p:clrMapOvr>
 </p:sldLayout>
 </file>
 
 <file path=ppt/slideMasters/slideMaster1.xml><?xml version="1.0" encoding="utf-8"?>
-<p:sldMaster xmlns:a="http://schemas.openxmlformats.org/drawingml/2006/main" xmlns:p="http://schemas.openxmlformats.org/presentationml/2006/main" xmlns:r="http://schemas.openxmlformats.org/officeDocument/2006/relationships" xmlns:p14="http://schemas.microsoft.com/office/powerpoint/2010/main" xmlns:p15="http://schemas.microsoft.com/office/powerpoint/2012/main" xmlns:mc="http://schemas.openxmlformats.org/markup-compatibility/2006">
+<p:sldMaster xmlns:a="http://schemas.openxmlformats.org/drawingml/2006/main" xmlns:r="http://schemas.openxmlformats.org/officeDocument/2006/relationships" xmlns:p="http://schemas.openxmlformats.org/presentationml/2006/main">
   <p:cSld>
     <p:bg>
       <p:bgPr>
         <a:solidFill>
-          <a:srgbClr val="ffffff"/>
+          <a:srgbClr val="FFFFFF"/>
         </a:solidFill>
+        <a:effectLst/>
       </p:bgPr>
     </p:bg>
     <p:spTree>
@@ -4676,7 +5083,7 @@
       </p:grpSpPr>
       <p:sp>
         <p:nvSpPr>
-          <p:cNvPr id="0" name="PlaceHolder 1"/>
+          <p:cNvPr id="2" name="PlaceHolder 1"/>
           <p:cNvSpPr>
             <a:spLocks noGrp="1"/>
           </p:cNvSpPr>
@@ -4694,10 +5101,11 @@
           </a:prstGeom>
         </p:spPr>
         <p:txBody>
-          <a:bodyPr lIns="0" rIns="0" tIns="0" bIns="0" anchor="ctr"/>
+          <a:bodyPr lIns="0" tIns="0" rIns="0" bIns="0" anchor="ctr"/>
+          <a:lstStyle/>
           <a:p>
             <a:r>
-              <a:rPr b="0" lang="en-US" sz="1800" spc="-1" strike="noStrike">
+              <a:rPr lang="en-US" sz="1800" b="0" strike="noStrike" spc="-1">
                 <a:solidFill>
                   <a:srgbClr val="000000"/>
                 </a:solidFill>
@@ -4705,18 +5113,12 @@
               </a:rPr>
               <a:t>Click to edit the title text format</a:t>
             </a:r>
-            <a:endParaRPr b="0" lang="en-US" sz="1800" spc="-1" strike="noStrike">
-              <a:solidFill>
-                <a:srgbClr val="000000"/>
-              </a:solidFill>
-              <a:latin typeface="Arial"/>
-            </a:endParaRPr>
           </a:p>
         </p:txBody>
       </p:sp>
       <p:sp>
         <p:nvSpPr>
-          <p:cNvPr id="1" name="PlaceHolder 2"/>
+          <p:cNvPr id="3" name="PlaceHolder 2"/>
           <p:cNvSpPr>
             <a:spLocks noGrp="1"/>
           </p:cNvSpPr>
@@ -4734,9 +5136,10 @@
           </a:prstGeom>
         </p:spPr>
         <p:txBody>
-          <a:bodyPr lIns="0" rIns="0" tIns="0" bIns="0">
+          <a:bodyPr lIns="0" tIns="0" rIns="0" bIns="0">
             <a:normAutofit/>
           </a:bodyPr>
+          <a:lstStyle/>
           <a:p>
             <a:pPr marL="432000" indent="-324000">
               <a:spcBef>
@@ -4750,7 +5153,7 @@
               <a:buChar char=""/>
             </a:pPr>
             <a:r>
-              <a:rPr b="0" lang="en-US" sz="2800" spc="-1" strike="noStrike">
+              <a:rPr lang="en-US" sz="2800" b="0" strike="noStrike" spc="-1">
                 <a:solidFill>
                   <a:srgbClr val="000000"/>
                 </a:solidFill>
@@ -4758,15 +5161,9 @@
               </a:rPr>
               <a:t>Click to edit the outline text format</a:t>
             </a:r>
-            <a:endParaRPr b="0" lang="en-US" sz="2800" spc="-1" strike="noStrike">
-              <a:solidFill>
-                <a:srgbClr val="000000"/>
-              </a:solidFill>
-              <a:latin typeface="Arial"/>
-            </a:endParaRPr>
-          </a:p>
-          <a:p>
-            <a:pPr lvl="1" marL="864000" indent="-324000">
+          </a:p>
+          <a:p>
+            <a:pPr marL="864000" lvl="1" indent="-324000">
               <a:spcBef>
                 <a:spcPts val="1134"/>
               </a:spcBef>
@@ -4778,7 +5175,7 @@
               <a:buChar char=""/>
             </a:pPr>
             <a:r>
-              <a:rPr b="0" lang="en-US" sz="2000" spc="-1" strike="noStrike">
+              <a:rPr lang="en-US" sz="2000" b="0" strike="noStrike" spc="-1">
                 <a:solidFill>
                   <a:srgbClr val="000000"/>
                 </a:solidFill>
@@ -4786,15 +5183,9 @@
               </a:rPr>
               <a:t>Second Outline Level</a:t>
             </a:r>
-            <a:endParaRPr b="0" lang="en-US" sz="2000" spc="-1" strike="noStrike">
-              <a:solidFill>
-                <a:srgbClr val="000000"/>
-              </a:solidFill>
-              <a:latin typeface="Arial"/>
-            </a:endParaRPr>
-          </a:p>
-          <a:p>
-            <a:pPr lvl="2" marL="1296000" indent="-288000">
+          </a:p>
+          <a:p>
+            <a:pPr marL="1296000" lvl="2" indent="-288000">
               <a:spcBef>
                 <a:spcPts val="850"/>
               </a:spcBef>
@@ -4806,7 +5197,7 @@
               <a:buChar char=""/>
             </a:pPr>
             <a:r>
-              <a:rPr b="0" lang="en-US" sz="1800" spc="-1" strike="noStrike">
+              <a:rPr lang="en-US" sz="1800" b="0" strike="noStrike" spc="-1">
                 <a:solidFill>
                   <a:srgbClr val="000000"/>
                 </a:solidFill>
@@ -4814,15 +5205,9 @@
               </a:rPr>
               <a:t>Third Outline Level</a:t>
             </a:r>
-            <a:endParaRPr b="0" lang="en-US" sz="1800" spc="-1" strike="noStrike">
-              <a:solidFill>
-                <a:srgbClr val="000000"/>
-              </a:solidFill>
-              <a:latin typeface="Arial"/>
-            </a:endParaRPr>
-          </a:p>
-          <a:p>
-            <a:pPr lvl="3" marL="1728000" indent="-216000">
+          </a:p>
+          <a:p>
+            <a:pPr marL="1728000" lvl="3" indent="-216000">
               <a:spcBef>
                 <a:spcPts val="567"/>
               </a:spcBef>
@@ -4834,7 +5219,7 @@
               <a:buChar char=""/>
             </a:pPr>
             <a:r>
-              <a:rPr b="0" lang="en-US" sz="1800" spc="-1" strike="noStrike">
+              <a:rPr lang="en-US" sz="1800" b="0" strike="noStrike" spc="-1">
                 <a:solidFill>
                   <a:srgbClr val="000000"/>
                 </a:solidFill>
@@ -4842,15 +5227,9 @@
               </a:rPr>
               <a:t>Fourth Outline Level</a:t>
             </a:r>
-            <a:endParaRPr b="0" lang="en-US" sz="1800" spc="-1" strike="noStrike">
-              <a:solidFill>
-                <a:srgbClr val="000000"/>
-              </a:solidFill>
-              <a:latin typeface="Arial"/>
-            </a:endParaRPr>
-          </a:p>
-          <a:p>
-            <a:pPr lvl="4" marL="2160000" indent="-216000">
+          </a:p>
+          <a:p>
+            <a:pPr marL="2160000" lvl="4" indent="-216000">
               <a:spcBef>
                 <a:spcPts val="283"/>
               </a:spcBef>
@@ -4862,7 +5241,7 @@
               <a:buChar char=""/>
             </a:pPr>
             <a:r>
-              <a:rPr b="0" lang="en-US" sz="2000" spc="-1" strike="noStrike">
+              <a:rPr lang="en-US" sz="2000" b="0" strike="noStrike" spc="-1">
                 <a:solidFill>
                   <a:srgbClr val="000000"/>
                 </a:solidFill>
@@ -4870,15 +5249,9 @@
               </a:rPr>
               <a:t>Fifth Outline Level</a:t>
             </a:r>
-            <a:endParaRPr b="0" lang="en-US" sz="2000" spc="-1" strike="noStrike">
-              <a:solidFill>
-                <a:srgbClr val="000000"/>
-              </a:solidFill>
-              <a:latin typeface="Arial"/>
-            </a:endParaRPr>
-          </a:p>
-          <a:p>
-            <a:pPr lvl="5" marL="2592000" indent="-216000">
+          </a:p>
+          <a:p>
+            <a:pPr marL="2592000" lvl="5" indent="-216000">
               <a:spcBef>
                 <a:spcPts val="283"/>
               </a:spcBef>
@@ -4890,7 +5263,7 @@
               <a:buChar char=""/>
             </a:pPr>
             <a:r>
-              <a:rPr b="0" lang="en-US" sz="2000" spc="-1" strike="noStrike">
+              <a:rPr lang="en-US" sz="2000" b="0" strike="noStrike" spc="-1">
                 <a:solidFill>
                   <a:srgbClr val="000000"/>
                 </a:solidFill>
@@ -4898,15 +5271,9 @@
               </a:rPr>
               <a:t>Sixth Outline Level</a:t>
             </a:r>
-            <a:endParaRPr b="0" lang="en-US" sz="2000" spc="-1" strike="noStrike">
-              <a:solidFill>
-                <a:srgbClr val="000000"/>
-              </a:solidFill>
-              <a:latin typeface="Arial"/>
-            </a:endParaRPr>
-          </a:p>
-          <a:p>
-            <a:pPr lvl="6" marL="3024000" indent="-216000">
+          </a:p>
+          <a:p>
+            <a:pPr marL="3024000" lvl="6" indent="-216000">
               <a:spcBef>
                 <a:spcPts val="283"/>
               </a:spcBef>
@@ -4918,7 +5285,7 @@
               <a:buChar char=""/>
             </a:pPr>
             <a:r>
-              <a:rPr b="0" lang="en-US" sz="2000" spc="-1" strike="noStrike">
+              <a:rPr lang="en-US" sz="2000" b="0" strike="noStrike" spc="-1">
                 <a:solidFill>
                   <a:srgbClr val="000000"/>
                 </a:solidFill>
@@ -4926,43 +5293,43 @@
               </a:rPr>
               <a:t>Seventh Outline Level</a:t>
             </a:r>
-            <a:endParaRPr b="0" lang="en-US" sz="2000" spc="-1" strike="noStrike">
-              <a:solidFill>
-                <a:srgbClr val="000000"/>
-              </a:solidFill>
-              <a:latin typeface="Arial"/>
-            </a:endParaRPr>
           </a:p>
         </p:txBody>
       </p:sp>
     </p:spTree>
   </p:cSld>
-  <p:clrMap bg1="lt1" bg2="lt2" tx1="dk1" tx2="dk2" accent1="accent1" accent2="accent2" accent3="accent3" accent4="accent4" accent5="accent5" accent6="accent6" hlink="hlink" folHlink="folHlink"/>
+  <p:clrMap bg1="lt1" tx1="dk1" bg2="lt2" tx2="dk2" accent1="accent1" accent2="accent2" accent3="accent3" accent4="accent4" accent5="accent5" accent6="accent6" hlink="hlink" folHlink="folHlink"/>
   <p:sldLayoutIdLst>
-    <p:sldLayoutId id="2147483649" r:id="rId2"/>
-    <p:sldLayoutId id="2147483650" r:id="rId3"/>
-    <p:sldLayoutId id="2147483651" r:id="rId4"/>
-    <p:sldLayoutId id="2147483652" r:id="rId5"/>
-    <p:sldLayoutId id="2147483653" r:id="rId6"/>
-    <p:sldLayoutId id="2147483654" r:id="rId7"/>
-    <p:sldLayoutId id="2147483655" r:id="rId8"/>
-    <p:sldLayoutId id="2147483656" r:id="rId9"/>
-    <p:sldLayoutId id="2147483657" r:id="rId10"/>
-    <p:sldLayoutId id="2147483658" r:id="rId11"/>
-    <p:sldLayoutId id="2147483659" r:id="rId12"/>
-    <p:sldLayoutId id="2147483660" r:id="rId13"/>
+    <p:sldLayoutId id="2147483649" r:id="rId1"/>
+    <p:sldLayoutId id="2147483650" r:id="rId2"/>
+    <p:sldLayoutId id="2147483651" r:id="rId3"/>
+    <p:sldLayoutId id="2147483652" r:id="rId4"/>
+    <p:sldLayoutId id="2147483653" r:id="rId5"/>
+    <p:sldLayoutId id="2147483654" r:id="rId6"/>
+    <p:sldLayoutId id="2147483655" r:id="rId7"/>
+    <p:sldLayoutId id="2147483656" r:id="rId8"/>
+    <p:sldLayoutId id="2147483657" r:id="rId9"/>
+    <p:sldLayoutId id="2147483658" r:id="rId10"/>
+    <p:sldLayoutId id="2147483659" r:id="rId11"/>
+    <p:sldLayoutId id="2147483660" r:id="rId12"/>
   </p:sldLayoutIdLst>
+  <p:txStyles>
+    <p:titleStyle/>
+    <p:bodyStyle/>
+    <p:otherStyle/>
+  </p:txStyles>
 </p:sldMaster>
 </file>
 
 <file path=ppt/slideMasters/slideMaster2.xml><?xml version="1.0" encoding="utf-8"?>
-<p:sldMaster xmlns:a="http://schemas.openxmlformats.org/drawingml/2006/main" xmlns:p="http://schemas.openxmlformats.org/presentationml/2006/main" xmlns:r="http://schemas.openxmlformats.org/officeDocument/2006/relationships" xmlns:p14="http://schemas.microsoft.com/office/powerpoint/2010/main" xmlns:p15="http://schemas.microsoft.com/office/powerpoint/2012/main" xmlns:mc="http://schemas.openxmlformats.org/markup-compatibility/2006">
+<p:sldMaster xmlns:a="http://schemas.openxmlformats.org/drawingml/2006/main" xmlns:r="http://schemas.openxmlformats.org/officeDocument/2006/relationships" xmlns:p="http://schemas.openxmlformats.org/presentationml/2006/main">
   <p:cSld>
     <p:bg>
       <p:bgPr>
         <a:solidFill>
-          <a:srgbClr val="ffffff"/>
+          <a:srgbClr val="FFFFFF"/>
         </a:solidFill>
+        <a:effectLst/>
       </p:bgPr>
     </p:bg>
     <p:spTree>
@@ -4999,10 +5366,11 @@
           </a:prstGeom>
         </p:spPr>
         <p:txBody>
-          <a:bodyPr lIns="0" rIns="0" tIns="0" bIns="0" anchor="ctr"/>
+          <a:bodyPr lIns="0" tIns="0" rIns="0" bIns="0" anchor="ctr"/>
+          <a:lstStyle/>
           <a:p>
             <a:r>
-              <a:rPr b="0" lang="en-US" sz="1800" spc="-1" strike="noStrike">
+              <a:rPr lang="en-US" sz="1800" b="0" strike="noStrike" spc="-1">
                 <a:solidFill>
                   <a:srgbClr val="000000"/>
                 </a:solidFill>
@@ -5010,12 +5378,6 @@
               </a:rPr>
               <a:t>Click to edit the title text format</a:t>
             </a:r>
-            <a:endParaRPr b="0" lang="en-US" sz="1800" spc="-1" strike="noStrike">
-              <a:solidFill>
-                <a:srgbClr val="000000"/>
-              </a:solidFill>
-              <a:latin typeface="Arial"/>
-            </a:endParaRPr>
           </a:p>
         </p:txBody>
       </p:sp>
@@ -5039,9 +5401,10 @@
           </a:prstGeom>
         </p:spPr>
         <p:txBody>
-          <a:bodyPr lIns="0" rIns="0" tIns="0" bIns="0">
+          <a:bodyPr lIns="0" tIns="0" rIns="0" bIns="0">
             <a:normAutofit/>
           </a:bodyPr>
+          <a:lstStyle/>
           <a:p>
             <a:pPr marL="432000" indent="-324000">
               <a:spcBef>
@@ -5055,7 +5418,7 @@
               <a:buChar char=""/>
             </a:pPr>
             <a:r>
-              <a:rPr b="0" lang="en-US" sz="2800" spc="-1" strike="noStrike">
+              <a:rPr lang="en-US" sz="2800" b="0" strike="noStrike" spc="-1">
                 <a:solidFill>
                   <a:srgbClr val="000000"/>
                 </a:solidFill>
@@ -5063,15 +5426,9 @@
               </a:rPr>
               <a:t>Click to edit the outline text format</a:t>
             </a:r>
-            <a:endParaRPr b="0" lang="en-US" sz="2800" spc="-1" strike="noStrike">
-              <a:solidFill>
-                <a:srgbClr val="000000"/>
-              </a:solidFill>
-              <a:latin typeface="Arial"/>
-            </a:endParaRPr>
-          </a:p>
-          <a:p>
-            <a:pPr lvl="1" marL="864000" indent="-324000">
+          </a:p>
+          <a:p>
+            <a:pPr marL="864000" lvl="1" indent="-324000">
               <a:spcBef>
                 <a:spcPts val="1134"/>
               </a:spcBef>
@@ -5083,7 +5440,7 @@
               <a:buChar char=""/>
             </a:pPr>
             <a:r>
-              <a:rPr b="0" lang="en-US" sz="2000" spc="-1" strike="noStrike">
+              <a:rPr lang="en-US" sz="2000" b="0" strike="noStrike" spc="-1">
                 <a:solidFill>
                   <a:srgbClr val="000000"/>
                 </a:solidFill>
@@ -5091,15 +5448,9 @@
               </a:rPr>
               <a:t>Second Outline Level</a:t>
             </a:r>
-            <a:endParaRPr b="0" lang="en-US" sz="2000" spc="-1" strike="noStrike">
-              <a:solidFill>
-                <a:srgbClr val="000000"/>
-              </a:solidFill>
-              <a:latin typeface="Arial"/>
-            </a:endParaRPr>
-          </a:p>
-          <a:p>
-            <a:pPr lvl="2" marL="1296000" indent="-288000">
+          </a:p>
+          <a:p>
+            <a:pPr marL="1296000" lvl="2" indent="-288000">
               <a:spcBef>
                 <a:spcPts val="850"/>
               </a:spcBef>
@@ -5111,7 +5462,7 @@
               <a:buChar char=""/>
             </a:pPr>
             <a:r>
-              <a:rPr b="0" lang="en-US" sz="1800" spc="-1" strike="noStrike">
+              <a:rPr lang="en-US" sz="1800" b="0" strike="noStrike" spc="-1">
                 <a:solidFill>
                   <a:srgbClr val="000000"/>
                 </a:solidFill>
@@ -5119,15 +5470,9 @@
               </a:rPr>
               <a:t>Third Outline Level</a:t>
             </a:r>
-            <a:endParaRPr b="0" lang="en-US" sz="1800" spc="-1" strike="noStrike">
-              <a:solidFill>
-                <a:srgbClr val="000000"/>
-              </a:solidFill>
-              <a:latin typeface="Arial"/>
-            </a:endParaRPr>
-          </a:p>
-          <a:p>
-            <a:pPr lvl="3" marL="1728000" indent="-216000">
+          </a:p>
+          <a:p>
+            <a:pPr marL="1728000" lvl="3" indent="-216000">
               <a:spcBef>
                 <a:spcPts val="567"/>
               </a:spcBef>
@@ -5139,7 +5484,7 @@
               <a:buChar char=""/>
             </a:pPr>
             <a:r>
-              <a:rPr b="0" lang="en-US" sz="1800" spc="-1" strike="noStrike">
+              <a:rPr lang="en-US" sz="1800" b="0" strike="noStrike" spc="-1">
                 <a:solidFill>
                   <a:srgbClr val="000000"/>
                 </a:solidFill>
@@ -5147,15 +5492,9 @@
               </a:rPr>
               <a:t>Fourth Outline Level</a:t>
             </a:r>
-            <a:endParaRPr b="0" lang="en-US" sz="1800" spc="-1" strike="noStrike">
-              <a:solidFill>
-                <a:srgbClr val="000000"/>
-              </a:solidFill>
-              <a:latin typeface="Arial"/>
-            </a:endParaRPr>
-          </a:p>
-          <a:p>
-            <a:pPr lvl="4" marL="2160000" indent="-216000">
+          </a:p>
+          <a:p>
+            <a:pPr marL="2160000" lvl="4" indent="-216000">
               <a:spcBef>
                 <a:spcPts val="283"/>
               </a:spcBef>
@@ -5167,7 +5506,7 @@
               <a:buChar char=""/>
             </a:pPr>
             <a:r>
-              <a:rPr b="0" lang="en-US" sz="2000" spc="-1" strike="noStrike">
+              <a:rPr lang="en-US" sz="2000" b="0" strike="noStrike" spc="-1">
                 <a:solidFill>
                   <a:srgbClr val="000000"/>
                 </a:solidFill>
@@ -5175,15 +5514,9 @@
               </a:rPr>
               <a:t>Fifth Outline Level</a:t>
             </a:r>
-            <a:endParaRPr b="0" lang="en-US" sz="2000" spc="-1" strike="noStrike">
-              <a:solidFill>
-                <a:srgbClr val="000000"/>
-              </a:solidFill>
-              <a:latin typeface="Arial"/>
-            </a:endParaRPr>
-          </a:p>
-          <a:p>
-            <a:pPr lvl="5" marL="2592000" indent="-216000">
+          </a:p>
+          <a:p>
+            <a:pPr marL="2592000" lvl="5" indent="-216000">
               <a:spcBef>
                 <a:spcPts val="283"/>
               </a:spcBef>
@@ -5195,7 +5528,7 @@
               <a:buChar char=""/>
             </a:pPr>
             <a:r>
-              <a:rPr b="0" lang="en-US" sz="2000" spc="-1" strike="noStrike">
+              <a:rPr lang="en-US" sz="2000" b="0" strike="noStrike" spc="-1">
                 <a:solidFill>
                   <a:srgbClr val="000000"/>
                 </a:solidFill>
@@ -5203,15 +5536,9 @@
               </a:rPr>
               <a:t>Sixth Outline Level</a:t>
             </a:r>
-            <a:endParaRPr b="0" lang="en-US" sz="2000" spc="-1" strike="noStrike">
-              <a:solidFill>
-                <a:srgbClr val="000000"/>
-              </a:solidFill>
-              <a:latin typeface="Arial"/>
-            </a:endParaRPr>
-          </a:p>
-          <a:p>
-            <a:pPr lvl="6" marL="3024000" indent="-216000">
+          </a:p>
+          <a:p>
+            <a:pPr marL="3024000" lvl="6" indent="-216000">
               <a:spcBef>
                 <a:spcPts val="283"/>
               </a:spcBef>
@@ -5223,7 +5550,7 @@
               <a:buChar char=""/>
             </a:pPr>
             <a:r>
-              <a:rPr b="0" lang="en-US" sz="2000" spc="-1" strike="noStrike">
+              <a:rPr lang="en-US" sz="2000" b="0" strike="noStrike" spc="-1">
                 <a:solidFill>
                   <a:srgbClr val="000000"/>
                 </a:solidFill>
@@ -5231,46 +5558,46 @@
               </a:rPr>
               <a:t>Seventh Outline Level</a:t>
             </a:r>
-            <a:endParaRPr b="0" lang="en-US" sz="2000" spc="-1" strike="noStrike">
-              <a:solidFill>
-                <a:srgbClr val="000000"/>
-              </a:solidFill>
-              <a:latin typeface="Arial"/>
-            </a:endParaRPr>
           </a:p>
         </p:txBody>
       </p:sp>
     </p:spTree>
   </p:cSld>
-  <p:clrMap bg1="lt1" bg2="lt2" tx1="dk1" tx2="dk2" accent1="accent1" accent2="accent2" accent3="accent3" accent4="accent4" accent5="accent5" accent6="accent6" hlink="hlink" folHlink="folHlink"/>
+  <p:clrMap bg1="lt1" tx1="dk1" bg2="lt2" tx2="dk2" accent1="accent1" accent2="accent2" accent3="accent3" accent4="accent4" accent5="accent5" accent6="accent6" hlink="hlink" folHlink="folHlink"/>
   <p:sldLayoutIdLst>
-    <p:sldLayoutId id="2147483662" r:id="rId2"/>
-    <p:sldLayoutId id="2147483663" r:id="rId3"/>
-    <p:sldLayoutId id="2147483664" r:id="rId4"/>
-    <p:sldLayoutId id="2147483665" r:id="rId5"/>
-    <p:sldLayoutId id="2147483666" r:id="rId6"/>
-    <p:sldLayoutId id="2147483667" r:id="rId7"/>
-    <p:sldLayoutId id="2147483668" r:id="rId8"/>
-    <p:sldLayoutId id="2147483669" r:id="rId9"/>
-    <p:sldLayoutId id="2147483670" r:id="rId10"/>
-    <p:sldLayoutId id="2147483671" r:id="rId11"/>
-    <p:sldLayoutId id="2147483672" r:id="rId12"/>
-    <p:sldLayoutId id="2147483673" r:id="rId13"/>
+    <p:sldLayoutId id="2147483662" r:id="rId1"/>
+    <p:sldLayoutId id="2147483663" r:id="rId2"/>
+    <p:sldLayoutId id="2147483664" r:id="rId3"/>
+    <p:sldLayoutId id="2147483665" r:id="rId4"/>
+    <p:sldLayoutId id="2147483666" r:id="rId5"/>
+    <p:sldLayoutId id="2147483667" r:id="rId6"/>
+    <p:sldLayoutId id="2147483668" r:id="rId7"/>
+    <p:sldLayoutId id="2147483669" r:id="rId8"/>
+    <p:sldLayoutId id="2147483670" r:id="rId9"/>
+    <p:sldLayoutId id="2147483671" r:id="rId10"/>
+    <p:sldLayoutId id="2147483672" r:id="rId11"/>
+    <p:sldLayoutId id="2147483673" r:id="rId12"/>
   </p:sldLayoutIdLst>
+  <p:txStyles>
+    <p:titleStyle/>
+    <p:bodyStyle/>
+    <p:otherStyle/>
+  </p:txStyles>
 </p:sldMaster>
 </file>
 
 <file path=ppt/slideMasters/slideMaster3.xml><?xml version="1.0" encoding="utf-8"?>
-<p:sldMaster xmlns:a="http://schemas.openxmlformats.org/drawingml/2006/main" xmlns:p="http://schemas.openxmlformats.org/presentationml/2006/main" xmlns:r="http://schemas.openxmlformats.org/officeDocument/2006/relationships" xmlns:p14="http://schemas.microsoft.com/office/powerpoint/2010/main" xmlns:p15="http://schemas.microsoft.com/office/powerpoint/2012/main" xmlns:mc="http://schemas.openxmlformats.org/markup-compatibility/2006">
+<p:sldMaster xmlns:a="http://schemas.openxmlformats.org/drawingml/2006/main" xmlns:r="http://schemas.openxmlformats.org/officeDocument/2006/relationships" xmlns:p="http://schemas.openxmlformats.org/presentationml/2006/main">
   <p:cSld>
     <p:bg>
       <p:bgPr>
         <a:blipFill rotWithShape="0">
-          <a:blip r:embed="rId2"/>
+          <a:blip r:embed="rId14"/>
           <a:stretch>
             <a:fillRect/>
           </a:stretch>
         </a:blipFill>
+        <a:effectLst/>
       </p:bgPr>
     </p:bg>
     <p:spTree>
@@ -5289,12 +5616,12 @@
       </p:grpSpPr>
       <p:pic>
         <p:nvPicPr>
-          <p:cNvPr id="76" name="Picture 2" descr=""/>
+          <p:cNvPr id="76" name="Picture 2"/>
           <p:cNvPicPr/>
           <p:nvPr/>
         </p:nvPicPr>
         <p:blipFill>
-          <a:blip r:embed="rId3"/>
+          <a:blip r:embed="rId15"/>
           <a:stretch/>
         </p:blipFill>
         <p:spPr>
@@ -5358,9 +5685,15 @@
               </a:ln>
             </p:spPr>
             <p:style>
-              <a:lnRef idx="0"/>
-              <a:fillRef idx="0"/>
-              <a:effectRef idx="0"/>
+              <a:lnRef idx="0">
+                <a:scrgbClr r="0" g="0" b="0"/>
+              </a:lnRef>
+              <a:fillRef idx="0">
+                <a:scrgbClr r="0" g="0" b="0"/>
+              </a:fillRef>
+              <a:effectRef idx="0">
+                <a:scrgbClr r="0" g="0" b="0"/>
+              </a:effectRef>
               <a:fontRef idx="minor"/>
             </p:style>
           </p:sp>
@@ -5379,6 +5712,7 @@
                 <a:avLst/>
                 <a:gdLst/>
                 <a:ahLst/>
+                <a:cxnLst/>
                 <a:rect l="l" t="t" r="r" b="b"/>
                 <a:pathLst>
                   <a:path w="40" h="40">
@@ -5439,9 +5773,15 @@
               </a:ln>
             </p:spPr>
             <p:style>
-              <a:lnRef idx="0"/>
-              <a:fillRef idx="0"/>
-              <a:effectRef idx="0"/>
+              <a:lnRef idx="0">
+                <a:scrgbClr r="0" g="0" b="0"/>
+              </a:lnRef>
+              <a:fillRef idx="0">
+                <a:scrgbClr r="0" g="0" b="0"/>
+              </a:fillRef>
+              <a:effectRef idx="0">
+                <a:scrgbClr r="0" g="0" b="0"/>
+              </a:effectRef>
               <a:fontRef idx="minor"/>
             </p:style>
           </p:sp>
@@ -5460,6 +5800,7 @@
                 <a:avLst/>
                 <a:gdLst/>
                 <a:ahLst/>
+                <a:cxnLst/>
                 <a:rect l="l" t="t" r="r" b="b"/>
                 <a:pathLst>
                   <a:path w="40" h="40">
@@ -5520,9 +5861,15 @@
               </a:ln>
             </p:spPr>
             <p:style>
-              <a:lnRef idx="0"/>
-              <a:fillRef idx="0"/>
-              <a:effectRef idx="0"/>
+              <a:lnRef idx="0">
+                <a:scrgbClr r="0" g="0" b="0"/>
+              </a:lnRef>
+              <a:fillRef idx="0">
+                <a:scrgbClr r="0" g="0" b="0"/>
+              </a:fillRef>
+              <a:effectRef idx="0">
+                <a:scrgbClr r="0" g="0" b="0"/>
+              </a:effectRef>
               <a:fontRef idx="minor"/>
             </p:style>
           </p:sp>
@@ -5541,6 +5888,7 @@
                 <a:avLst/>
                 <a:gdLst/>
                 <a:ahLst/>
+                <a:cxnLst/>
                 <a:rect l="l" t="t" r="r" b="b"/>
                 <a:pathLst>
                   <a:path w="233" h="1141">
@@ -5575,9 +5923,15 @@
               </a:ln>
             </p:spPr>
             <p:style>
-              <a:lnRef idx="0"/>
-              <a:fillRef idx="0"/>
-              <a:effectRef idx="0"/>
+              <a:lnRef idx="0">
+                <a:scrgbClr r="0" g="0" b="0"/>
+              </a:lnRef>
+              <a:fillRef idx="0">
+                <a:scrgbClr r="0" g="0" b="0"/>
+              </a:fillRef>
+              <a:effectRef idx="0">
+                <a:scrgbClr r="0" g="0" b="0"/>
+              </a:effectRef>
               <a:fontRef idx="minor"/>
             </p:style>
           </p:sp>
@@ -5596,6 +5950,7 @@
                 <a:avLst/>
                 <a:gdLst/>
                 <a:ahLst/>
+                <a:cxnLst/>
                 <a:rect l="l" t="t" r="r" b="b"/>
                 <a:pathLst>
                   <a:path w="40" h="40">
@@ -5656,9 +6011,15 @@
               </a:ln>
             </p:spPr>
             <p:style>
-              <a:lnRef idx="0"/>
-              <a:fillRef idx="0"/>
-              <a:effectRef idx="0"/>
+              <a:lnRef idx="0">
+                <a:scrgbClr r="0" g="0" b="0"/>
+              </a:lnRef>
+              <a:fillRef idx="0">
+                <a:scrgbClr r="0" g="0" b="0"/>
+              </a:fillRef>
+              <a:effectRef idx="0">
+                <a:scrgbClr r="0" g="0" b="0"/>
+              </a:effectRef>
               <a:fontRef idx="minor"/>
             </p:style>
           </p:sp>
@@ -5677,6 +6038,7 @@
                 <a:avLst/>
                 <a:gdLst/>
                 <a:ahLst/>
+                <a:cxnLst/>
                 <a:rect l="l" t="t" r="r" b="b"/>
                 <a:pathLst>
                   <a:path w="233" h="901">
@@ -5711,9 +6073,15 @@
               </a:ln>
             </p:spPr>
             <p:style>
-              <a:lnRef idx="0"/>
-              <a:fillRef idx="0"/>
-              <a:effectRef idx="0"/>
+              <a:lnRef idx="0">
+                <a:scrgbClr r="0" g="0" b="0"/>
+              </a:lnRef>
+              <a:fillRef idx="0">
+                <a:scrgbClr r="0" g="0" b="0"/>
+              </a:fillRef>
+              <a:effectRef idx="0">
+                <a:scrgbClr r="0" g="0" b="0"/>
+              </a:effectRef>
               <a:fontRef idx="minor"/>
             </p:style>
           </p:sp>
@@ -5732,6 +6100,7 @@
                 <a:avLst/>
                 <a:gdLst/>
                 <a:ahLst/>
+                <a:cxnLst/>
                 <a:rect l="l" t="t" r="r" b="b"/>
                 <a:pathLst>
                   <a:path w="96" h="575">
@@ -5766,9 +6135,15 @@
               </a:ln>
             </p:spPr>
             <p:style>
-              <a:lnRef idx="0"/>
-              <a:fillRef idx="0"/>
-              <a:effectRef idx="0"/>
+              <a:lnRef idx="0">
+                <a:scrgbClr r="0" g="0" b="0"/>
+              </a:lnRef>
+              <a:fillRef idx="0">
+                <a:scrgbClr r="0" g="0" b="0"/>
+              </a:fillRef>
+              <a:effectRef idx="0">
+                <a:scrgbClr r="0" g="0" b="0"/>
+              </a:effectRef>
               <a:fontRef idx="minor"/>
             </p:style>
           </p:sp>
@@ -5787,6 +6162,7 @@
                 <a:avLst/>
                 <a:gdLst/>
                 <a:ahLst/>
+                <a:cxnLst/>
                 <a:rect l="l" t="t" r="r" b="b"/>
                 <a:pathLst>
                   <a:path w="40" h="40">
@@ -5847,9 +6223,15 @@
               </a:ln>
             </p:spPr>
             <p:style>
-              <a:lnRef idx="0"/>
-              <a:fillRef idx="0"/>
-              <a:effectRef idx="0"/>
+              <a:lnRef idx="0">
+                <a:scrgbClr r="0" g="0" b="0"/>
+              </a:lnRef>
+              <a:fillRef idx="0">
+                <a:scrgbClr r="0" g="0" b="0"/>
+              </a:fillRef>
+              <a:effectRef idx="0">
+                <a:scrgbClr r="0" g="0" b="0"/>
+              </a:effectRef>
               <a:fontRef idx="minor"/>
             </p:style>
           </p:sp>
@@ -5868,6 +6250,7 @@
                 <a:avLst/>
                 <a:gdLst/>
                 <a:ahLst/>
+                <a:cxnLst/>
                 <a:rect l="l" t="t" r="r" b="b"/>
                 <a:pathLst>
                   <a:path w="40" h="40">
@@ -5928,9 +6311,15 @@
               </a:ln>
             </p:spPr>
             <p:style>
-              <a:lnRef idx="0"/>
-              <a:fillRef idx="0"/>
-              <a:effectRef idx="0"/>
+              <a:lnRef idx="0">
+                <a:scrgbClr r="0" g="0" b="0"/>
+              </a:lnRef>
+              <a:fillRef idx="0">
+                <a:scrgbClr r="0" g="0" b="0"/>
+              </a:fillRef>
+              <a:effectRef idx="0">
+                <a:scrgbClr r="0" g="0" b="0"/>
+              </a:effectRef>
               <a:fontRef idx="minor"/>
             </p:style>
           </p:sp>
@@ -5949,6 +6338,7 @@
                 <a:avLst/>
                 <a:gdLst/>
                 <a:ahLst/>
+                <a:cxnLst/>
                 <a:rect l="l" t="t" r="r" b="b"/>
                 <a:pathLst>
                   <a:path w="266" h="332">
@@ -5983,9 +6373,15 @@
               </a:ln>
             </p:spPr>
             <p:style>
-              <a:lnRef idx="0"/>
-              <a:fillRef idx="0"/>
-              <a:effectRef idx="0"/>
+              <a:lnRef idx="0">
+                <a:scrgbClr r="0" g="0" b="0"/>
+              </a:lnRef>
+              <a:fillRef idx="0">
+                <a:scrgbClr r="0" g="0" b="0"/>
+              </a:fillRef>
+              <a:effectRef idx="0">
+                <a:scrgbClr r="0" g="0" b="0"/>
+              </a:effectRef>
               <a:fontRef idx="minor"/>
             </p:style>
           </p:sp>
@@ -6004,6 +6400,7 @@
                 <a:avLst/>
                 <a:gdLst/>
                 <a:ahLst/>
+                <a:cxnLst/>
                 <a:rect l="l" t="t" r="r" b="b"/>
                 <a:pathLst>
                   <a:path w="34" h="31">
@@ -6084,9 +6481,15 @@
               </a:ln>
             </p:spPr>
             <p:style>
-              <a:lnRef idx="0"/>
-              <a:fillRef idx="0"/>
-              <a:effectRef idx="0"/>
+              <a:lnRef idx="0">
+                <a:scrgbClr r="0" g="0" b="0"/>
+              </a:lnRef>
+              <a:fillRef idx="0">
+                <a:scrgbClr r="0" g="0" b="0"/>
+              </a:fillRef>
+              <a:effectRef idx="0">
+                <a:scrgbClr r="0" g="0" b="0"/>
+              </a:effectRef>
               <a:fontRef idx="minor"/>
             </p:style>
           </p:sp>
@@ -6106,14 +6509,20 @@
               </a:prstGeom>
               <a:ln>
                 <a:solidFill>
-                  <a:srgbClr val="ffffff"/>
+                  <a:srgbClr val="FFFFFF"/>
                 </a:solidFill>
               </a:ln>
             </p:spPr>
             <p:style>
-              <a:lnRef idx="0"/>
-              <a:fillRef idx="0"/>
-              <a:effectRef idx="0"/>
+              <a:lnRef idx="0">
+                <a:scrgbClr r="0" g="0" b="0"/>
+              </a:lnRef>
+              <a:fillRef idx="0">
+                <a:scrgbClr r="0" g="0" b="0"/>
+              </a:fillRef>
+              <a:effectRef idx="0">
+                <a:scrgbClr r="0" g="0" b="0"/>
+              </a:effectRef>
               <a:fontRef idx="minor"/>
             </p:style>
           </p:sp>
@@ -6132,6 +6541,7 @@
                 <a:avLst/>
                 <a:gdLst/>
                 <a:ahLst/>
+                <a:cxnLst/>
                 <a:rect l="l" t="t" r="r" b="b"/>
                 <a:pathLst>
                   <a:path w="78" h="80">
@@ -6160,9 +6570,15 @@
               </a:ln>
             </p:spPr>
             <p:style>
-              <a:lnRef idx="0"/>
-              <a:fillRef idx="0"/>
-              <a:effectRef idx="0"/>
+              <a:lnRef idx="0">
+                <a:scrgbClr r="0" g="0" b="0"/>
+              </a:lnRef>
+              <a:fillRef idx="0">
+                <a:scrgbClr r="0" g="0" b="0"/>
+              </a:fillRef>
+              <a:effectRef idx="0">
+                <a:scrgbClr r="0" g="0" b="0"/>
+              </a:effectRef>
               <a:fontRef idx="minor"/>
             </p:style>
           </p:sp>
@@ -6181,6 +6597,7 @@
                 <a:avLst/>
                 <a:gdLst/>
                 <a:ahLst/>
+                <a:cxnLst/>
                 <a:rect l="l" t="t" r="r" b="b"/>
                 <a:pathLst>
                   <a:path w="93" h="303">
@@ -6215,9 +6632,15 @@
               </a:ln>
             </p:spPr>
             <p:style>
-              <a:lnRef idx="0"/>
-              <a:fillRef idx="0"/>
-              <a:effectRef idx="0"/>
+              <a:lnRef idx="0">
+                <a:scrgbClr r="0" g="0" b="0"/>
+              </a:lnRef>
+              <a:fillRef idx="0">
+                <a:scrgbClr r="0" g="0" b="0"/>
+              </a:fillRef>
+              <a:effectRef idx="0">
+                <a:scrgbClr r="0" g="0" b="0"/>
+              </a:effectRef>
               <a:fontRef idx="minor"/>
             </p:style>
           </p:sp>
@@ -6236,6 +6659,7 @@
                 <a:avLst/>
                 <a:gdLst/>
                 <a:ahLst/>
+                <a:cxnLst/>
                 <a:rect l="l" t="t" r="r" b="b"/>
                 <a:pathLst>
                   <a:path w="90" h="300">
@@ -6270,9 +6694,15 @@
               </a:ln>
             </p:spPr>
             <p:style>
-              <a:lnRef idx="0"/>
-              <a:fillRef idx="0"/>
-              <a:effectRef idx="0"/>
+              <a:lnRef idx="0">
+                <a:scrgbClr r="0" g="0" b="0"/>
+              </a:lnRef>
+              <a:fillRef idx="0">
+                <a:scrgbClr r="0" g="0" b="0"/>
+              </a:fillRef>
+              <a:effectRef idx="0">
+                <a:scrgbClr r="0" g="0" b="0"/>
+              </a:effectRef>
               <a:fontRef idx="minor"/>
             </p:style>
           </p:sp>
@@ -6291,6 +6721,7 @@
                 <a:avLst/>
                 <a:gdLst/>
                 <a:ahLst/>
+                <a:cxnLst/>
                 <a:rect l="l" t="t" r="r" b="b"/>
                 <a:pathLst>
                   <a:path w="24" h="23">
@@ -6351,9 +6782,15 @@
               </a:ln>
             </p:spPr>
             <p:style>
-              <a:lnRef idx="0"/>
-              <a:fillRef idx="0"/>
-              <a:effectRef idx="0"/>
+              <a:lnRef idx="0">
+                <a:scrgbClr r="0" g="0" b="0"/>
+              </a:lnRef>
+              <a:fillRef idx="0">
+                <a:scrgbClr r="0" g="0" b="0"/>
+              </a:fillRef>
+              <a:effectRef idx="0">
+                <a:scrgbClr r="0" g="0" b="0"/>
+              </a:effectRef>
               <a:fontRef idx="minor"/>
             </p:style>
           </p:sp>
@@ -6377,9 +6814,15 @@
               </a:ln>
             </p:spPr>
             <p:style>
-              <a:lnRef idx="0"/>
-              <a:fillRef idx="0"/>
-              <a:effectRef idx="0"/>
+              <a:lnRef idx="0">
+                <a:scrgbClr r="0" g="0" b="0"/>
+              </a:lnRef>
+              <a:fillRef idx="0">
+                <a:scrgbClr r="0" g="0" b="0"/>
+              </a:fillRef>
+              <a:effectRef idx="0">
+                <a:scrgbClr r="0" g="0" b="0"/>
+              </a:effectRef>
               <a:fontRef idx="minor"/>
             </p:style>
           </p:sp>
@@ -6398,6 +6841,7 @@
                 <a:avLst/>
                 <a:gdLst/>
                 <a:ahLst/>
+                <a:cxnLst/>
                 <a:rect l="l" t="t" r="r" b="b"/>
                 <a:pathLst>
                   <a:path w="233" h="1135">
@@ -6435,9 +6879,15 @@
               </a:ln>
             </p:spPr>
             <p:style>
-              <a:lnRef idx="0"/>
-              <a:fillRef idx="0"/>
-              <a:effectRef idx="0"/>
+              <a:lnRef idx="0">
+                <a:scrgbClr r="0" g="0" b="0"/>
+              </a:lnRef>
+              <a:fillRef idx="0">
+                <a:scrgbClr r="0" g="0" b="0"/>
+              </a:fillRef>
+              <a:effectRef idx="0">
+                <a:scrgbClr r="0" g="0" b="0"/>
+              </a:effectRef>
               <a:fontRef idx="minor"/>
             </p:style>
           </p:sp>
@@ -6456,6 +6906,7 @@
                 <a:avLst/>
                 <a:gdLst/>
                 <a:ahLst/>
+                <a:cxnLst/>
                 <a:rect l="l" t="t" r="r" b="b"/>
                 <a:pathLst>
                   <a:path w="40" h="40">
@@ -6516,9 +6967,15 @@
               </a:ln>
             </p:spPr>
             <p:style>
-              <a:lnRef idx="0"/>
-              <a:fillRef idx="0"/>
-              <a:effectRef idx="0"/>
+              <a:lnRef idx="0">
+                <a:scrgbClr r="0" g="0" b="0"/>
+              </a:lnRef>
+              <a:fillRef idx="0">
+                <a:scrgbClr r="0" g="0" b="0"/>
+              </a:fillRef>
+              <a:effectRef idx="0">
+                <a:scrgbClr r="0" g="0" b="0"/>
+              </a:effectRef>
               <a:fontRef idx="minor"/>
             </p:style>
           </p:sp>
@@ -6537,6 +6994,7 @@
                 <a:avLst/>
                 <a:gdLst/>
                 <a:ahLst/>
+                <a:cxnLst/>
                 <a:rect l="l" t="t" r="r" b="b"/>
                 <a:pathLst>
                   <a:path w="54" h="766">
@@ -6571,9 +7029,15 @@
               </a:ln>
             </p:spPr>
             <p:style>
-              <a:lnRef idx="0"/>
-              <a:fillRef idx="0"/>
-              <a:effectRef idx="0"/>
+              <a:lnRef idx="0">
+                <a:scrgbClr r="0" g="0" b="0"/>
+              </a:lnRef>
+              <a:fillRef idx="0">
+                <a:scrgbClr r="0" g="0" b="0"/>
+              </a:fillRef>
+              <a:effectRef idx="0">
+                <a:scrgbClr r="0" g="0" b="0"/>
+              </a:effectRef>
               <a:fontRef idx="minor"/>
             </p:style>
           </p:sp>
@@ -6592,6 +7056,7 @@
                 <a:avLst/>
                 <a:gdLst/>
                 <a:ahLst/>
+                <a:cxnLst/>
                 <a:rect l="l" t="t" r="r" b="b"/>
                 <a:pathLst>
                   <a:path w="40" h="40">
@@ -6652,9 +7117,15 @@
               </a:ln>
             </p:spPr>
             <p:style>
-              <a:lnRef idx="0"/>
-              <a:fillRef idx="0"/>
-              <a:effectRef idx="0"/>
+              <a:lnRef idx="0">
+                <a:scrgbClr r="0" g="0" b="0"/>
+              </a:lnRef>
+              <a:fillRef idx="0">
+                <a:scrgbClr r="0" g="0" b="0"/>
+              </a:fillRef>
+              <a:effectRef idx="0">
+                <a:scrgbClr r="0" g="0" b="0"/>
+              </a:effectRef>
               <a:fontRef idx="minor"/>
             </p:style>
           </p:sp>
@@ -6673,6 +7144,7 @@
                 <a:avLst/>
                 <a:gdLst/>
                 <a:ahLst/>
+                <a:cxnLst/>
                 <a:rect l="l" t="t" r="r" b="b"/>
                 <a:pathLst>
                   <a:path w="236" h="898">
@@ -6710,9 +7182,15 @@
               </a:ln>
             </p:spPr>
             <p:style>
-              <a:lnRef idx="0"/>
-              <a:fillRef idx="0"/>
-              <a:effectRef idx="0"/>
+              <a:lnRef idx="0">
+                <a:scrgbClr r="0" g="0" b="0"/>
+              </a:lnRef>
+              <a:fillRef idx="0">
+                <a:scrgbClr r="0" g="0" b="0"/>
+              </a:fillRef>
+              <a:effectRef idx="0">
+                <a:scrgbClr r="0" g="0" b="0"/>
+              </a:effectRef>
               <a:fontRef idx="minor"/>
             </p:style>
           </p:sp>
@@ -6731,6 +7209,7 @@
                 <a:avLst/>
                 <a:gdLst/>
                 <a:ahLst/>
+                <a:cxnLst/>
                 <a:rect l="l" t="t" r="r" b="b"/>
                 <a:pathLst>
                   <a:path w="96" h="575">
@@ -6765,9 +7244,15 @@
               </a:ln>
             </p:spPr>
             <p:style>
-              <a:lnRef idx="0"/>
-              <a:fillRef idx="0"/>
-              <a:effectRef idx="0"/>
+              <a:lnRef idx="0">
+                <a:scrgbClr r="0" g="0" b="0"/>
+              </a:lnRef>
+              <a:fillRef idx="0">
+                <a:scrgbClr r="0" g="0" b="0"/>
+              </a:fillRef>
+              <a:effectRef idx="0">
+                <a:scrgbClr r="0" g="0" b="0"/>
+              </a:effectRef>
               <a:fontRef idx="minor"/>
             </p:style>
           </p:sp>
@@ -6786,6 +7271,7 @@
                 <a:avLst/>
                 <a:gdLst/>
                 <a:ahLst/>
+                <a:cxnLst/>
                 <a:rect l="l" t="t" r="r" b="b"/>
                 <a:pathLst>
                   <a:path w="40" h="40">
@@ -6846,9 +7332,15 @@
               </a:ln>
             </p:spPr>
             <p:style>
-              <a:lnRef idx="0"/>
-              <a:fillRef idx="0"/>
-              <a:effectRef idx="0"/>
+              <a:lnRef idx="0">
+                <a:scrgbClr r="0" g="0" b="0"/>
+              </a:lnRef>
+              <a:fillRef idx="0">
+                <a:scrgbClr r="0" g="0" b="0"/>
+              </a:fillRef>
+              <a:effectRef idx="0">
+                <a:scrgbClr r="0" g="0" b="0"/>
+              </a:effectRef>
               <a:fontRef idx="minor"/>
             </p:style>
           </p:sp>
@@ -6867,6 +7359,7 @@
                 <a:avLst/>
                 <a:gdLst/>
                 <a:ahLst/>
+                <a:cxnLst/>
                 <a:rect l="l" t="t" r="r" b="b"/>
                 <a:pathLst>
                   <a:path w="40" h="40">
@@ -6927,9 +7420,15 @@
               </a:ln>
             </p:spPr>
             <p:style>
-              <a:lnRef idx="0"/>
-              <a:fillRef idx="0"/>
-              <a:effectRef idx="0"/>
+              <a:lnRef idx="0">
+                <a:scrgbClr r="0" g="0" b="0"/>
+              </a:lnRef>
+              <a:fillRef idx="0">
+                <a:scrgbClr r="0" g="0" b="0"/>
+              </a:fillRef>
+              <a:effectRef idx="0">
+                <a:scrgbClr r="0" g="0" b="0"/>
+              </a:effectRef>
               <a:fontRef idx="minor"/>
             </p:style>
           </p:sp>
@@ -6948,6 +7447,7 @@
                 <a:avLst/>
                 <a:gdLst/>
                 <a:ahLst/>
+                <a:cxnLst/>
                 <a:rect l="l" t="t" r="r" b="b"/>
                 <a:pathLst>
                   <a:path w="263" h="326">
@@ -6985,9 +7485,15 @@
               </a:ln>
             </p:spPr>
             <p:style>
-              <a:lnRef idx="0"/>
-              <a:fillRef idx="0"/>
-              <a:effectRef idx="0"/>
+              <a:lnRef idx="0">
+                <a:scrgbClr r="0" g="0" b="0"/>
+              </a:lnRef>
+              <a:fillRef idx="0">
+                <a:scrgbClr r="0" g="0" b="0"/>
+              </a:fillRef>
+              <a:effectRef idx="0">
+                <a:scrgbClr r="0" g="0" b="0"/>
+              </a:effectRef>
               <a:fontRef idx="minor"/>
             </p:style>
           </p:sp>
@@ -7006,6 +7512,7 @@
                 <a:avLst/>
                 <a:gdLst/>
                 <a:ahLst/>
+                <a:cxnLst/>
                 <a:rect l="l" t="t" r="r" b="b"/>
                 <a:pathLst>
                   <a:path w="33" h="31">
@@ -7096,9 +7603,15 @@
               </a:ln>
             </p:spPr>
             <p:style>
-              <a:lnRef idx="0"/>
-              <a:fillRef idx="0"/>
-              <a:effectRef idx="0"/>
+              <a:lnRef idx="0">
+                <a:scrgbClr r="0" g="0" b="0"/>
+              </a:lnRef>
+              <a:fillRef idx="0">
+                <a:scrgbClr r="0" g="0" b="0"/>
+              </a:fillRef>
+              <a:effectRef idx="0">
+                <a:scrgbClr r="0" g="0" b="0"/>
+              </a:effectRef>
               <a:fontRef idx="minor"/>
             </p:style>
           </p:sp>
@@ -7132,6 +7645,7 @@
                 <a:avLst/>
                 <a:gdLst/>
                 <a:ahLst/>
+                <a:cxnLst/>
                 <a:rect l="l" t="t" r="r" b="b"/>
                 <a:pathLst>
                   <a:path w="263" h="323">
@@ -7169,9 +7683,15 @@
               </a:ln>
             </p:spPr>
             <p:style>
-              <a:lnRef idx="0"/>
-              <a:fillRef idx="0"/>
-              <a:effectRef idx="0"/>
+              <a:lnRef idx="0">
+                <a:scrgbClr r="0" g="0" b="0"/>
+              </a:lnRef>
+              <a:fillRef idx="0">
+                <a:scrgbClr r="0" g="0" b="0"/>
+              </a:fillRef>
+              <a:effectRef idx="0">
+                <a:scrgbClr r="0" g="0" b="0"/>
+              </a:effectRef>
               <a:fontRef idx="minor"/>
             </p:style>
           </p:sp>
@@ -7190,6 +7710,7 @@
                 <a:avLst/>
                 <a:gdLst/>
                 <a:ahLst/>
+                <a:cxnLst/>
                 <a:rect l="l" t="t" r="r" b="b"/>
                 <a:pathLst>
                   <a:path w="33" h="32">
@@ -7275,9 +7796,15 @@
               </a:ln>
             </p:spPr>
             <p:style>
-              <a:lnRef idx="0"/>
-              <a:fillRef idx="0"/>
-              <a:effectRef idx="0"/>
+              <a:lnRef idx="0">
+                <a:scrgbClr r="0" g="0" b="0"/>
+              </a:lnRef>
+              <a:fillRef idx="0">
+                <a:scrgbClr r="0" g="0" b="0"/>
+              </a:fillRef>
+              <a:effectRef idx="0">
+                <a:scrgbClr r="0" g="0" b="0"/>
+              </a:effectRef>
               <a:fontRef idx="minor"/>
             </p:style>
           </p:sp>
@@ -7296,6 +7823,7 @@
                 <a:avLst/>
                 <a:gdLst/>
                 <a:ahLst/>
+                <a:cxnLst/>
                 <a:rect l="l" t="t" r="r" b="b"/>
                 <a:pathLst>
                   <a:path w="40" h="40">
@@ -7356,9 +7884,15 @@
               </a:ln>
             </p:spPr>
             <p:style>
-              <a:lnRef idx="0"/>
-              <a:fillRef idx="0"/>
-              <a:effectRef idx="0"/>
+              <a:lnRef idx="0">
+                <a:scrgbClr r="0" g="0" b="0"/>
+              </a:lnRef>
+              <a:fillRef idx="0">
+                <a:scrgbClr r="0" g="0" b="0"/>
+              </a:fillRef>
+              <a:effectRef idx="0">
+                <a:scrgbClr r="0" g="0" b="0"/>
+              </a:effectRef>
               <a:fontRef idx="minor"/>
             </p:style>
           </p:sp>
@@ -7377,6 +7911,7 @@
                 <a:avLst/>
                 <a:gdLst/>
                 <a:ahLst/>
+                <a:cxnLst/>
                 <a:rect l="l" t="t" r="r" b="b"/>
                 <a:pathLst>
                   <a:path w="188" h="727">
@@ -7414,9 +7949,15 @@
               </a:ln>
             </p:spPr>
             <p:style>
-              <a:lnRef idx="0"/>
-              <a:fillRef idx="0"/>
-              <a:effectRef idx="0"/>
+              <a:lnRef idx="0">
+                <a:scrgbClr r="0" g="0" b="0"/>
+              </a:lnRef>
+              <a:fillRef idx="0">
+                <a:scrgbClr r="0" g="0" b="0"/>
+              </a:fillRef>
+              <a:effectRef idx="0">
+                <a:scrgbClr r="0" g="0" b="0"/>
+              </a:effectRef>
               <a:fontRef idx="minor"/>
             </p:style>
           </p:sp>
@@ -7435,6 +7976,7 @@
                 <a:avLst/>
                 <a:gdLst/>
                 <a:ahLst/>
+                <a:cxnLst/>
                 <a:rect l="l" t="t" r="r" b="b"/>
                 <a:pathLst>
                   <a:path w="33" h="33">
@@ -7495,9 +8037,15 @@
               </a:ln>
             </p:spPr>
             <p:style>
-              <a:lnRef idx="0"/>
-              <a:fillRef idx="0"/>
-              <a:effectRef idx="0"/>
+              <a:lnRef idx="0">
+                <a:scrgbClr r="0" g="0" b="0"/>
+              </a:lnRef>
+              <a:fillRef idx="0">
+                <a:scrgbClr r="0" g="0" b="0"/>
+              </a:fillRef>
+              <a:effectRef idx="0">
+                <a:scrgbClr r="0" g="0" b="0"/>
+              </a:effectRef>
               <a:fontRef idx="minor"/>
             </p:style>
           </p:sp>
@@ -7516,6 +8064,7 @@
                 <a:avLst/>
                 <a:gdLst/>
                 <a:ahLst/>
+                <a:cxnLst/>
                 <a:rect l="l" t="t" r="r" b="b"/>
                 <a:pathLst>
                   <a:path w="192" h="973">
@@ -7556,9 +8105,15 @@
               </a:ln>
             </p:spPr>
             <p:style>
-              <a:lnRef idx="0"/>
-              <a:fillRef idx="0"/>
-              <a:effectRef idx="0"/>
+              <a:lnRef idx="0">
+                <a:scrgbClr r="0" g="0" b="0"/>
+              </a:lnRef>
+              <a:fillRef idx="0">
+                <a:scrgbClr r="0" g="0" b="0"/>
+              </a:fillRef>
+              <a:effectRef idx="0">
+                <a:scrgbClr r="0" g="0" b="0"/>
+              </a:effectRef>
               <a:fontRef idx="minor"/>
             </p:style>
           </p:sp>
@@ -7577,6 +8132,7 @@
                 <a:avLst/>
                 <a:gdLst/>
                 <a:ahLst/>
+                <a:cxnLst/>
                 <a:rect l="l" t="t" r="r" b="b"/>
                 <a:pathLst>
                   <a:path w="40" h="40">
@@ -7637,9 +8193,15 @@
               </a:ln>
             </p:spPr>
             <p:style>
-              <a:lnRef idx="0"/>
-              <a:fillRef idx="0"/>
-              <a:effectRef idx="0"/>
+              <a:lnRef idx="0">
+                <a:scrgbClr r="0" g="0" b="0"/>
+              </a:lnRef>
+              <a:fillRef idx="0">
+                <a:scrgbClr r="0" g="0" b="0"/>
+              </a:fillRef>
+              <a:effectRef idx="0">
+                <a:scrgbClr r="0" g="0" b="0"/>
+              </a:effectRef>
               <a:fontRef idx="minor"/>
             </p:style>
           </p:sp>
@@ -7658,6 +8220,7 @@
                 <a:avLst/>
                 <a:gdLst/>
                 <a:ahLst/>
+                <a:cxnLst/>
                 <a:rect l="l" t="t" r="r" b="b"/>
                 <a:pathLst>
                   <a:path w="194" h="1135">
@@ -7698,9 +8261,15 @@
               </a:ln>
             </p:spPr>
             <p:style>
-              <a:lnRef idx="0"/>
-              <a:fillRef idx="0"/>
-              <a:effectRef idx="0"/>
+              <a:lnRef idx="0">
+                <a:scrgbClr r="0" g="0" b="0"/>
+              </a:lnRef>
+              <a:fillRef idx="0">
+                <a:scrgbClr r="0" g="0" b="0"/>
+              </a:fillRef>
+              <a:effectRef idx="0">
+                <a:scrgbClr r="0" g="0" b="0"/>
+              </a:effectRef>
               <a:fontRef idx="minor"/>
             </p:style>
           </p:sp>
@@ -7719,6 +8288,7 @@
                 <a:avLst/>
                 <a:gdLst/>
                 <a:ahLst/>
+                <a:cxnLst/>
                 <a:rect l="l" t="t" r="r" b="b"/>
                 <a:pathLst>
                   <a:path w="40" h="40">
@@ -7779,9 +8349,15 @@
               </a:ln>
             </p:spPr>
             <p:style>
-              <a:lnRef idx="0"/>
-              <a:fillRef idx="0"/>
-              <a:effectRef idx="0"/>
+              <a:lnRef idx="0">
+                <a:scrgbClr r="0" g="0" b="0"/>
+              </a:lnRef>
+              <a:fillRef idx="0">
+                <a:scrgbClr r="0" g="0" b="0"/>
+              </a:fillRef>
+              <a:effectRef idx="0">
+                <a:scrgbClr r="0" g="0" b="0"/>
+              </a:effectRef>
               <a:fontRef idx="minor"/>
             </p:style>
           </p:sp>
@@ -7805,9 +8381,15 @@
               </a:ln>
             </p:spPr>
             <p:style>
-              <a:lnRef idx="0"/>
-              <a:fillRef idx="0"/>
-              <a:effectRef idx="0"/>
+              <a:lnRef idx="0">
+                <a:scrgbClr r="0" g="0" b="0"/>
+              </a:lnRef>
+              <a:fillRef idx="0">
+                <a:scrgbClr r="0" g="0" b="0"/>
+              </a:fillRef>
+              <a:effectRef idx="0">
+                <a:scrgbClr r="0" g="0" b="0"/>
+              </a:effectRef>
               <a:fontRef idx="minor"/>
             </p:style>
           </p:sp>
@@ -7834,6 +8416,7 @@
         </p:spPr>
         <p:txBody>
           <a:bodyPr anchor="ctr"/>
+          <a:lstStyle/>
           <a:p>
             <a:pPr>
               <a:lnSpc>
@@ -7841,17 +8424,17 @@
               </a:lnSpc>
             </a:pPr>
             <a:r>
-              <a:rPr b="0" lang="en-US" sz="2980" spc="-1" strike="noStrike" cap="all">
+              <a:rPr lang="en-US" sz="2980" b="0" strike="noStrike" cap="all" spc="-1">
                 <a:solidFill>
-                  <a:srgbClr val="ffffff"/>
+                  <a:srgbClr val="FFFFFF"/>
                 </a:solidFill>
                 <a:latin typeface="Tw Cen MT"/>
               </a:rPr>
               <a:t>Click to edit Master title style</a:t>
             </a:r>
-            <a:endParaRPr b="0" lang="en-US" sz="2980" spc="-1" strike="noStrike">
+            <a:endParaRPr lang="en-US" sz="2980" b="0" strike="noStrike" spc="-1">
               <a:solidFill>
-                <a:srgbClr val="ffffff"/>
+                <a:srgbClr val="FFFFFF"/>
               </a:solidFill>
               <a:latin typeface="Tw Cen MT"/>
             </a:endParaRPr>
@@ -7879,6 +8462,7 @@
         </p:spPr>
         <p:txBody>
           <a:bodyPr/>
+          <a:lstStyle/>
           <a:p>
             <a:pPr marL="189000" indent="-188640">
               <a:lnSpc>
@@ -7888,30 +8472,24 @@
                 <a:spcPts val="828"/>
               </a:spcBef>
               <a:buClr>
-                <a:srgbClr val="ffffff"/>
+                <a:srgbClr val="FFFFFF"/>
               </a:buClr>
               <a:buSzPct val="125000"/>
               <a:buFont typeface="Arial"/>
               <a:buChar char="•"/>
             </a:pPr>
             <a:r>
-              <a:rPr b="0" lang="en-US" sz="1990" spc="-1" strike="noStrike">
+              <a:rPr lang="en-US" sz="1990" b="0" strike="noStrike" spc="-1">
                 <a:solidFill>
-                  <a:srgbClr val="ffffff"/>
+                  <a:srgbClr val="FFFFFF"/>
                 </a:solidFill>
                 <a:latin typeface="Tw Cen MT"/>
               </a:rPr>
               <a:t>Edit Master text styles</a:t>
             </a:r>
-            <a:endParaRPr b="0" lang="en-US" sz="1990" spc="-1" strike="noStrike">
-              <a:solidFill>
-                <a:srgbClr val="ffffff"/>
-              </a:solidFill>
-              <a:latin typeface="Tw Cen MT"/>
-            </a:endParaRPr>
-          </a:p>
-          <a:p>
-            <a:pPr lvl="1" marL="567000" indent="-188640">
+          </a:p>
+          <a:p>
+            <a:pPr marL="567000" lvl="1" indent="-188640">
               <a:lnSpc>
                 <a:spcPct val="120000"/>
               </a:lnSpc>
@@ -7919,30 +8497,24 @@
                 <a:spcPts val="414"/>
               </a:spcBef>
               <a:buClr>
-                <a:srgbClr val="ffffff"/>
+                <a:srgbClr val="FFFFFF"/>
               </a:buClr>
               <a:buSzPct val="125000"/>
               <a:buFont typeface="Arial"/>
               <a:buChar char="•"/>
             </a:pPr>
             <a:r>
-              <a:rPr b="0" lang="en-US" sz="1660" spc="-1" strike="noStrike">
+              <a:rPr lang="en-US" sz="1660" b="0" strike="noStrike" spc="-1">
                 <a:solidFill>
-                  <a:srgbClr val="ffffff"/>
+                  <a:srgbClr val="FFFFFF"/>
                 </a:solidFill>
                 <a:latin typeface="Tw Cen MT"/>
               </a:rPr>
               <a:t>Second level</a:t>
             </a:r>
-            <a:endParaRPr b="0" lang="en-US" sz="1660" spc="-1" strike="noStrike">
-              <a:solidFill>
-                <a:srgbClr val="ffffff"/>
-              </a:solidFill>
-              <a:latin typeface="Tw Cen MT"/>
-            </a:endParaRPr>
-          </a:p>
-          <a:p>
-            <a:pPr lvl="2" marL="945000" indent="-188640">
+          </a:p>
+          <a:p>
+            <a:pPr marL="945000" lvl="2" indent="-188640">
               <a:lnSpc>
                 <a:spcPct val="120000"/>
               </a:lnSpc>
@@ -7950,30 +8522,24 @@
                 <a:spcPts val="414"/>
               </a:spcBef>
               <a:buClr>
-                <a:srgbClr val="ffffff"/>
+                <a:srgbClr val="FFFFFF"/>
               </a:buClr>
               <a:buSzPct val="125000"/>
               <a:buFont typeface="Arial"/>
               <a:buChar char="•"/>
             </a:pPr>
             <a:r>
-              <a:rPr b="0" lang="en-US" sz="1490" spc="-1" strike="noStrike">
+              <a:rPr lang="en-US" sz="1490" b="0" strike="noStrike" spc="-1">
                 <a:solidFill>
-                  <a:srgbClr val="ffffff"/>
+                  <a:srgbClr val="FFFFFF"/>
                 </a:solidFill>
                 <a:latin typeface="Tw Cen MT"/>
               </a:rPr>
               <a:t>Third level</a:t>
             </a:r>
-            <a:endParaRPr b="0" lang="en-US" sz="1490" spc="-1" strike="noStrike">
-              <a:solidFill>
-                <a:srgbClr val="ffffff"/>
-              </a:solidFill>
-              <a:latin typeface="Tw Cen MT"/>
-            </a:endParaRPr>
-          </a:p>
-          <a:p>
-            <a:pPr lvl="3" marL="1323000" indent="-188640">
+          </a:p>
+          <a:p>
+            <a:pPr marL="1323000" lvl="3" indent="-188640">
               <a:lnSpc>
                 <a:spcPct val="120000"/>
               </a:lnSpc>
@@ -7981,30 +8547,24 @@
                 <a:spcPts val="414"/>
               </a:spcBef>
               <a:buClr>
-                <a:srgbClr val="ffffff"/>
+                <a:srgbClr val="FFFFFF"/>
               </a:buClr>
               <a:buSzPct val="125000"/>
               <a:buFont typeface="Arial"/>
               <a:buChar char="•"/>
             </a:pPr>
             <a:r>
-              <a:rPr b="0" lang="en-US" sz="1330" spc="-1" strike="noStrike">
+              <a:rPr lang="en-US" sz="1330" b="0" strike="noStrike" spc="-1">
                 <a:solidFill>
-                  <a:srgbClr val="ffffff"/>
+                  <a:srgbClr val="FFFFFF"/>
                 </a:solidFill>
                 <a:latin typeface="Tw Cen MT"/>
               </a:rPr>
               <a:t>Fourth level</a:t>
             </a:r>
-            <a:endParaRPr b="0" lang="en-US" sz="1330" spc="-1" strike="noStrike">
-              <a:solidFill>
-                <a:srgbClr val="ffffff"/>
-              </a:solidFill>
-              <a:latin typeface="Tw Cen MT"/>
-            </a:endParaRPr>
-          </a:p>
-          <a:p>
-            <a:pPr lvl="4" marL="1701000" indent="-188640">
+          </a:p>
+          <a:p>
+            <a:pPr marL="1701000" lvl="4" indent="-188640">
               <a:lnSpc>
                 <a:spcPct val="120000"/>
               </a:lnSpc>
@@ -8012,27 +8572,21 @@
                 <a:spcPts val="414"/>
               </a:spcBef>
               <a:buClr>
-                <a:srgbClr val="ffffff"/>
+                <a:srgbClr val="FFFFFF"/>
               </a:buClr>
               <a:buSzPct val="125000"/>
               <a:buFont typeface="Arial"/>
               <a:buChar char="•"/>
             </a:pPr>
             <a:r>
-              <a:rPr b="0" lang="en-US" sz="1330" spc="-1" strike="noStrike">
+              <a:rPr lang="en-US" sz="1330" b="0" strike="noStrike" spc="-1">
                 <a:solidFill>
-                  <a:srgbClr val="ffffff"/>
+                  <a:srgbClr val="FFFFFF"/>
                 </a:solidFill>
                 <a:latin typeface="Tw Cen MT"/>
               </a:rPr>
               <a:t>Fifth level</a:t>
             </a:r>
-            <a:endParaRPr b="0" lang="en-US" sz="1330" spc="-1" strike="noStrike">
-              <a:solidFill>
-                <a:srgbClr val="ffffff"/>
-              </a:solidFill>
-              <a:latin typeface="Tw Cen MT"/>
-            </a:endParaRPr>
           </a:p>
         </p:txBody>
       </p:sp>
@@ -8057,6 +8611,7 @@
         </p:spPr>
         <p:txBody>
           <a:bodyPr anchor="ctr"/>
+          <a:lstStyle/>
           <a:p>
             <a:pPr algn="r">
               <a:lnSpc>
@@ -8064,15 +8619,15 @@
               </a:lnSpc>
             </a:pPr>
             <a:fld id="{B08F985C-7C8C-486F-B956-CB8F7F5E4A3C}" type="datetime">
-              <a:rPr b="0" lang="en-US" sz="870" spc="-1" strike="noStrike">
+              <a:rPr lang="en-US" sz="870" b="0" strike="noStrike" spc="-1">
                 <a:solidFill>
-                  <a:srgbClr val="ffffff"/>
+                  <a:srgbClr val="FFFFFF"/>
                 </a:solidFill>
                 <a:latin typeface="Tw Cen MT"/>
               </a:rPr>
-              <a:t>9/25/18</a:t>
+              <a:t>25-Sep-18</a:t>
             </a:fld>
-            <a:endParaRPr b="0" lang="en-US" sz="870" spc="-1" strike="noStrike">
+            <a:endParaRPr lang="en-US" sz="870" b="0" strike="noStrike" spc="-1">
               <a:latin typeface="Times New Roman"/>
             </a:endParaRPr>
           </a:p>
@@ -8099,8 +8654,9 @@
         </p:spPr>
         <p:txBody>
           <a:bodyPr anchor="ctr"/>
-          <a:p>
-            <a:endParaRPr b="0" lang="en-US" sz="2400" spc="-1" strike="noStrike">
+          <a:lstStyle/>
+          <a:p>
+            <a:endParaRPr lang="en-US" sz="2400" b="0" strike="noStrike" spc="-1">
               <a:latin typeface="Times New Roman"/>
             </a:endParaRPr>
           </a:p>
@@ -8127,6 +8683,7 @@
         </p:spPr>
         <p:txBody>
           <a:bodyPr anchor="ctr"/>
+          <a:lstStyle/>
           <a:p>
             <a:pPr algn="r">
               <a:lnSpc>
@@ -8134,15 +8691,15 @@
               </a:lnSpc>
             </a:pPr>
             <a:fld id="{180DB498-B07B-42B2-981E-8577CDD7A866}" type="slidenum">
-              <a:rPr b="0" lang="en-US" sz="870" spc="-1" strike="noStrike">
+              <a:rPr lang="en-US" sz="870" b="0" strike="noStrike" spc="-1">
                 <a:solidFill>
-                  <a:srgbClr val="ffffff"/>
+                  <a:srgbClr val="FFFFFF"/>
                 </a:solidFill>
                 <a:latin typeface="Tw Cen MT"/>
               </a:rPr>
-              <a:t>1</a:t>
+              <a:t>‹#›</a:t>
             </a:fld>
-            <a:endParaRPr b="0" lang="en-US" sz="870" spc="-1" strike="noStrike">
+            <a:endParaRPr lang="en-US" sz="870" b="0" strike="noStrike" spc="-1">
               <a:latin typeface="Times New Roman"/>
             </a:endParaRPr>
           </a:p>
@@ -8150,26 +8707,31 @@
       </p:sp>
     </p:spTree>
   </p:cSld>
-  <p:clrMap bg1="lt1" bg2="lt2" tx1="dk1" tx2="dk2" accent1="accent1" accent2="accent2" accent3="accent3" accent4="accent4" accent5="accent5" accent6="accent6" hlink="hlink" folHlink="folHlink"/>
+  <p:clrMap bg1="lt1" tx1="dk1" bg2="lt2" tx2="dk2" accent1="accent1" accent2="accent2" accent3="accent3" accent4="accent4" accent5="accent5" accent6="accent6" hlink="hlink" folHlink="folHlink"/>
   <p:sldLayoutIdLst>
-    <p:sldLayoutId id="2147483675" r:id="rId4"/>
-    <p:sldLayoutId id="2147483676" r:id="rId5"/>
-    <p:sldLayoutId id="2147483677" r:id="rId6"/>
-    <p:sldLayoutId id="2147483678" r:id="rId7"/>
-    <p:sldLayoutId id="2147483679" r:id="rId8"/>
-    <p:sldLayoutId id="2147483680" r:id="rId9"/>
-    <p:sldLayoutId id="2147483681" r:id="rId10"/>
-    <p:sldLayoutId id="2147483682" r:id="rId11"/>
-    <p:sldLayoutId id="2147483683" r:id="rId12"/>
-    <p:sldLayoutId id="2147483684" r:id="rId13"/>
-    <p:sldLayoutId id="2147483685" r:id="rId14"/>
-    <p:sldLayoutId id="2147483686" r:id="rId15"/>
+    <p:sldLayoutId id="2147483675" r:id="rId1"/>
+    <p:sldLayoutId id="2147483676" r:id="rId2"/>
+    <p:sldLayoutId id="2147483677" r:id="rId3"/>
+    <p:sldLayoutId id="2147483678" r:id="rId4"/>
+    <p:sldLayoutId id="2147483679" r:id="rId5"/>
+    <p:sldLayoutId id="2147483680" r:id="rId6"/>
+    <p:sldLayoutId id="2147483681" r:id="rId7"/>
+    <p:sldLayoutId id="2147483682" r:id="rId8"/>
+    <p:sldLayoutId id="2147483683" r:id="rId9"/>
+    <p:sldLayoutId id="2147483684" r:id="rId10"/>
+    <p:sldLayoutId id="2147483685" r:id="rId11"/>
+    <p:sldLayoutId id="2147483686" r:id="rId12"/>
   </p:sldLayoutIdLst>
+  <p:txStyles>
+    <p:titleStyle/>
+    <p:bodyStyle/>
+    <p:otherStyle/>
+  </p:txStyles>
 </p:sldMaster>
 </file>
 
 <file path=ppt/slides/slide1.xml><?xml version="1.0" encoding="utf-8"?>
-<p:sld xmlns:a="http://schemas.openxmlformats.org/drawingml/2006/main" xmlns:p="http://schemas.openxmlformats.org/presentationml/2006/main" xmlns:r="http://schemas.openxmlformats.org/officeDocument/2006/relationships" xmlns:p14="http://schemas.microsoft.com/office/powerpoint/2010/main" xmlns:p15="http://schemas.microsoft.com/office/powerpoint/2012/main" xmlns:mc="http://schemas.openxmlformats.org/markup-compatibility/2006">
+<p:sld xmlns:a="http://schemas.openxmlformats.org/drawingml/2006/main" xmlns:r="http://schemas.openxmlformats.org/officeDocument/2006/relationships" xmlns:p="http://schemas.openxmlformats.org/presentationml/2006/main">
   <p:cSld>
     <p:spTree>
       <p:nvGrpSpPr>
@@ -8200,6 +8762,7 @@
             <a:avLst/>
             <a:gdLst/>
             <a:ahLst/>
+            <a:cxnLst/>
             <a:rect l="l" t="t" r="r" b="b"/>
             <a:pathLst>
               <a:path w="28001" h="11685">
@@ -8230,7 +8793,7 @@
             </a:pathLst>
           </a:custGeom>
           <a:blipFill rotWithShape="0">
-            <a:blip r:embed="rId1"/>
+            <a:blip r:embed="rId2"/>
             <a:stretch>
               <a:fillRect/>
             </a:stretch>
@@ -8240,9 +8803,15 @@
           </a:ln>
         </p:spPr>
         <p:style>
-          <a:lnRef idx="0"/>
-          <a:fillRef idx="0"/>
-          <a:effectRef idx="0"/>
+          <a:lnRef idx="0">
+            <a:scrgbClr r="0" g="0" b="0"/>
+          </a:lnRef>
+          <a:fillRef idx="0">
+            <a:scrgbClr r="0" g="0" b="0"/>
+          </a:fillRef>
+          <a:effectRef idx="0">
+            <a:scrgbClr r="0" g="0" b="0"/>
+          </a:effectRef>
           <a:fontRef idx="minor"/>
         </p:style>
       </p:sp>
@@ -8266,13 +8835,20 @@
           </a:ln>
         </p:spPr>
         <p:style>
-          <a:lnRef idx="0"/>
-          <a:fillRef idx="0"/>
-          <a:effectRef idx="0"/>
+          <a:lnRef idx="0">
+            <a:scrgbClr r="0" g="0" b="0"/>
+          </a:lnRef>
+          <a:fillRef idx="0">
+            <a:scrgbClr r="0" g="0" b="0"/>
+          </a:fillRef>
+          <a:effectRef idx="0">
+            <a:scrgbClr r="0" g="0" b="0"/>
+          </a:effectRef>
           <a:fontRef idx="minor"/>
         </p:style>
         <p:txBody>
-          <a:bodyPr lIns="90000" rIns="90000" tIns="45000" bIns="45000"/>
+          <a:bodyPr lIns="90000" tIns="45000" rIns="90000" bIns="45000"/>
+          <a:lstStyle/>
           <a:p>
             <a:pPr>
               <a:lnSpc>
@@ -8280,7 +8856,7 @@
               </a:lnSpc>
             </a:pPr>
             <a:r>
-              <a:rPr b="0" lang="en-US" sz="1800" spc="-1" strike="noStrike">
+              <a:rPr lang="en-US" sz="1800" b="0" strike="noStrike" spc="-1">
                 <a:solidFill>
                   <a:srgbClr val="000000"/>
                 </a:solidFill>
@@ -8289,7 +8865,7 @@
               </a:rPr>
               <a:t>By:</a:t>
             </a:r>
-            <a:endParaRPr b="0" lang="en-US" sz="1800" spc="-1" strike="noStrike">
+            <a:endParaRPr lang="en-US" sz="1800" b="0" strike="noStrike" spc="-1">
               <a:latin typeface="Arial"/>
             </a:endParaRPr>
           </a:p>
@@ -8300,7 +8876,7 @@
               </a:lnSpc>
             </a:pPr>
             <a:r>
-              <a:rPr b="0" lang="en-US" sz="1800" spc="-1" strike="noStrike">
+              <a:rPr lang="en-US" sz="1800" b="0" strike="noStrike" spc="-1">
                 <a:solidFill>
                   <a:srgbClr val="000000"/>
                 </a:solidFill>
@@ -8309,7 +8885,7 @@
               </a:rPr>
               <a:t>John Hani</a:t>
             </a:r>
-            <a:endParaRPr b="0" lang="en-US" sz="1800" spc="-1" strike="noStrike">
+            <a:endParaRPr lang="en-US" sz="1800" b="0" strike="noStrike" spc="-1">
               <a:latin typeface="Arial"/>
             </a:endParaRPr>
           </a:p>
@@ -8320,7 +8896,7 @@
               </a:lnSpc>
             </a:pPr>
             <a:r>
-              <a:rPr b="0" lang="en-US" sz="1800" spc="-1" strike="noStrike">
+              <a:rPr lang="en-US" sz="1800" b="0" strike="noStrike" spc="-1">
                 <a:solidFill>
                   <a:srgbClr val="000000"/>
                 </a:solidFill>
@@ -8329,7 +8905,7 @@
               </a:rPr>
               <a:t>Mohamed Nashaat</a:t>
             </a:r>
-            <a:endParaRPr b="0" lang="en-US" sz="1800" spc="-1" strike="noStrike">
+            <a:endParaRPr lang="en-US" sz="1800" b="0" strike="noStrike" spc="-1">
               <a:latin typeface="Arial"/>
             </a:endParaRPr>
           </a:p>
@@ -8340,7 +8916,7 @@
               </a:lnSpc>
             </a:pPr>
             <a:r>
-              <a:rPr b="0" lang="en-US" sz="1800" spc="-1" strike="noStrike">
+              <a:rPr lang="en-US" sz="1800" b="0" strike="noStrike" spc="-1">
                 <a:solidFill>
                   <a:srgbClr val="000000"/>
                 </a:solidFill>
@@ -8349,7 +8925,7 @@
               </a:rPr>
               <a:t>Mostafa Ahmed</a:t>
             </a:r>
-            <a:endParaRPr b="0" lang="en-US" sz="1800" spc="-1" strike="noStrike">
+            <a:endParaRPr lang="en-US" sz="1800" b="0" strike="noStrike" spc="-1">
               <a:latin typeface="Arial"/>
             </a:endParaRPr>
           </a:p>
@@ -8360,7 +8936,7 @@
               </a:lnSpc>
             </a:pPr>
             <a:r>
-              <a:rPr b="0" lang="en-US" sz="1800" spc="-1" strike="noStrike">
+              <a:rPr lang="en-US" sz="1800" b="0" strike="noStrike" spc="-1">
                 <a:solidFill>
                   <a:srgbClr val="000000"/>
                 </a:solidFill>
@@ -8369,7 +8945,7 @@
               </a:rPr>
               <a:t>Zeyad Emad</a:t>
             </a:r>
-            <a:endParaRPr b="0" lang="en-US" sz="1800" spc="-1" strike="noStrike">
+            <a:endParaRPr lang="en-US" sz="1800" b="0" strike="noStrike" spc="-1">
               <a:latin typeface="Arial"/>
             </a:endParaRPr>
           </a:p>
@@ -8379,7 +8955,7 @@
                 <a:spcPct val="100000"/>
               </a:lnSpc>
             </a:pPr>
-            <a:endParaRPr b="0" lang="en-US" sz="1800" spc="-1" strike="noStrike">
+            <a:endParaRPr lang="en-US" sz="1800" b="0" strike="noStrike" spc="-1">
               <a:latin typeface="Arial"/>
             </a:endParaRPr>
           </a:p>
@@ -8393,7 +8969,7 @@
         </p:nvSpPr>
         <p:spPr>
           <a:xfrm>
-            <a:off x="7384680" y="4480200"/>
+            <a:off x="4735512" y="4389120"/>
             <a:ext cx="2946600" cy="1462680"/>
           </a:xfrm>
           <a:prstGeom prst="rect">
@@ -8405,13 +8981,20 @@
           </a:ln>
         </p:spPr>
         <p:style>
-          <a:lnRef idx="0"/>
-          <a:fillRef idx="0"/>
-          <a:effectRef idx="0"/>
+          <a:lnRef idx="0">
+            <a:scrgbClr r="0" g="0" b="0"/>
+          </a:lnRef>
+          <a:fillRef idx="0">
+            <a:scrgbClr r="0" g="0" b="0"/>
+          </a:fillRef>
+          <a:effectRef idx="0">
+            <a:scrgbClr r="0" g="0" b="0"/>
+          </a:effectRef>
           <a:fontRef idx="minor"/>
         </p:style>
         <p:txBody>
-          <a:bodyPr lIns="90000" rIns="90000" tIns="45000" bIns="45000"/>
+          <a:bodyPr lIns="90000" tIns="45000" rIns="90000" bIns="45000"/>
+          <a:lstStyle/>
           <a:p>
             <a:pPr>
               <a:lnSpc>
@@ -8419,7 +9002,7 @@
               </a:lnSpc>
             </a:pPr>
             <a:r>
-              <a:rPr b="0" lang="en-US" sz="1800" spc="-1" strike="noStrike">
+              <a:rPr lang="en-US" sz="1800" b="0" strike="noStrike" spc="-1" dirty="0">
                 <a:solidFill>
                   <a:srgbClr val="000000"/>
                 </a:solidFill>
@@ -8428,7 +9011,7 @@
               </a:rPr>
               <a:t>Under supervision of :</a:t>
             </a:r>
-            <a:endParaRPr b="0" lang="en-US" sz="1800" spc="-1" strike="noStrike">
+            <a:endParaRPr lang="en-US" sz="1800" b="0" strike="noStrike" spc="-1" dirty="0">
               <a:latin typeface="Arial"/>
             </a:endParaRPr>
           </a:p>
@@ -8439,16 +9022,46 @@
               </a:lnSpc>
             </a:pPr>
             <a:r>
-              <a:rPr b="0" lang="en-US" sz="1800" spc="-1" strike="noStrike">
+              <a:rPr lang="en-US" sz="1800" b="0" strike="noStrike" spc="-1" dirty="0">
                 <a:solidFill>
                   <a:srgbClr val="000000"/>
                 </a:solidFill>
                 <a:latin typeface="Arial"/>
                 <a:ea typeface="DejaVu Sans"/>
               </a:rPr>
-              <a:t>Dr. Eslam Amer</a:t>
+              <a:t>Dr. </a:t>
             </a:r>
-            <a:endParaRPr b="0" lang="en-US" sz="1800" spc="-1" strike="noStrike">
+            <a:r>
+              <a:rPr lang="en-US" sz="1800" b="0" strike="noStrike" spc="-1" dirty="0" err="1">
+                <a:solidFill>
+                  <a:srgbClr val="000000"/>
+                </a:solidFill>
+                <a:latin typeface="Arial"/>
+                <a:ea typeface="DejaVu Sans"/>
+              </a:rPr>
+              <a:t>Eslam</a:t>
+            </a:r>
+            <a:r>
+              <a:rPr lang="en-US" sz="1800" b="0" strike="noStrike" spc="-1" dirty="0">
+                <a:solidFill>
+                  <a:srgbClr val="000000"/>
+                </a:solidFill>
+                <a:latin typeface="Arial"/>
+                <a:ea typeface="DejaVu Sans"/>
+              </a:rPr>
+              <a:t> </a:t>
+            </a:r>
+            <a:r>
+              <a:rPr lang="en-US" sz="1800" b="0" strike="noStrike" spc="-1" dirty="0" err="1">
+                <a:solidFill>
+                  <a:srgbClr val="000000"/>
+                </a:solidFill>
+                <a:latin typeface="Arial"/>
+                <a:ea typeface="DejaVu Sans"/>
+              </a:rPr>
+              <a:t>Amer</a:t>
+            </a:r>
+            <a:endParaRPr lang="en-US" sz="1800" b="0" strike="noStrike" spc="-1" dirty="0">
               <a:latin typeface="Arial"/>
             </a:endParaRPr>
           </a:p>
@@ -8459,16 +9072,46 @@
               </a:lnSpc>
             </a:pPr>
             <a:r>
-              <a:rPr b="0" lang="en-US" sz="1800" spc="-1" strike="noStrike">
+              <a:rPr lang="en-US" sz="1800" b="0" strike="noStrike" spc="-1" dirty="0">
                 <a:solidFill>
                   <a:srgbClr val="000000"/>
                 </a:solidFill>
                 <a:latin typeface="Arial"/>
                 <a:ea typeface="DejaVu Sans"/>
               </a:rPr>
-              <a:t>Eng. Menna Gamil</a:t>
+              <a:t>Eng. </a:t>
             </a:r>
-            <a:endParaRPr b="0" lang="en-US" sz="1800" spc="-1" strike="noStrike">
+            <a:r>
+              <a:rPr lang="en-US" sz="1800" b="0" strike="noStrike" spc="-1" dirty="0" err="1">
+                <a:solidFill>
+                  <a:srgbClr val="000000"/>
+                </a:solidFill>
+                <a:latin typeface="Arial"/>
+                <a:ea typeface="DejaVu Sans"/>
+              </a:rPr>
+              <a:t>Menna</a:t>
+            </a:r>
+            <a:r>
+              <a:rPr lang="en-US" sz="1800" b="0" strike="noStrike" spc="-1" dirty="0">
+                <a:solidFill>
+                  <a:srgbClr val="000000"/>
+                </a:solidFill>
+                <a:latin typeface="Arial"/>
+                <a:ea typeface="DejaVu Sans"/>
+              </a:rPr>
+              <a:t> </a:t>
+            </a:r>
+            <a:r>
+              <a:rPr lang="en-US" sz="1800" b="0" strike="noStrike" spc="-1" dirty="0" err="1">
+                <a:solidFill>
+                  <a:srgbClr val="000000"/>
+                </a:solidFill>
+                <a:latin typeface="Arial"/>
+                <a:ea typeface="DejaVu Sans"/>
+              </a:rPr>
+              <a:t>Gamil</a:t>
+            </a:r>
+            <a:endParaRPr lang="en-US" sz="1800" b="0" strike="noStrike" spc="-1" dirty="0">
               <a:latin typeface="Arial"/>
             </a:endParaRPr>
           </a:p>
@@ -8478,7 +9121,7 @@
                 <a:spcPct val="100000"/>
               </a:lnSpc>
             </a:pPr>
-            <a:endParaRPr b="0" lang="en-US" sz="1800" spc="-1" strike="noStrike">
+            <a:endParaRPr lang="en-US" sz="1800" b="0" strike="noStrike" spc="-1" dirty="0">
               <a:latin typeface="Arial"/>
             </a:endParaRPr>
           </a:p>
@@ -8504,13 +9147,20 @@
           </a:ln>
         </p:spPr>
         <p:style>
-          <a:lnRef idx="0"/>
-          <a:fillRef idx="0"/>
-          <a:effectRef idx="0"/>
+          <a:lnRef idx="0">
+            <a:scrgbClr r="0" g="0" b="0"/>
+          </a:lnRef>
+          <a:fillRef idx="0">
+            <a:scrgbClr r="0" g="0" b="0"/>
+          </a:fillRef>
+          <a:effectRef idx="0">
+            <a:scrgbClr r="0" g="0" b="0"/>
+          </a:effectRef>
           <a:fontRef idx="minor"/>
         </p:style>
         <p:txBody>
-          <a:bodyPr lIns="0" rIns="0" tIns="0" bIns="0" anchor="ctr"/>
+          <a:bodyPr lIns="0" tIns="0" rIns="0" bIns="0" anchor="ctr"/>
+          <a:lstStyle/>
           <a:p>
             <a:pPr algn="ctr">
               <a:lnSpc>
@@ -8518,23 +9168,67 @@
               </a:lnSpc>
             </a:pPr>
             <a:r>
-              <a:rPr b="0" lang="en-US" sz="4400" spc="-1" strike="noStrike">
+              <a:rPr lang="en-US" sz="4400" b="0" strike="noStrike" spc="-1">
                 <a:solidFill>
-                  <a:srgbClr val="ffffff"/>
+                  <a:srgbClr val="FFFFFF"/>
                 </a:solidFill>
                 <a:latin typeface="Arial"/>
                 <a:ea typeface="DejaVu Sans"/>
               </a:rPr>
               <a:t>Cyberbullying Detection</a:t>
             </a:r>
-            <a:endParaRPr b="0" lang="en-US" sz="4400" spc="-1" strike="noStrike">
+            <a:endParaRPr lang="en-US" sz="4400" b="0" strike="noStrike" spc="-1">
               <a:latin typeface="Arial"/>
             </a:endParaRPr>
           </a:p>
         </p:txBody>
       </p:sp>
+      <p:pic>
+        <p:nvPicPr>
+          <p:cNvPr id="8" name="Picture 2" descr="C:\wamp64\www\Graduation-Project\images\miu-logo.jpg"/>
+          <p:cNvPicPr>
+            <a:picLocks noChangeAspect="1" noChangeArrowheads="1"/>
+          </p:cNvPicPr>
+          <p:nvPr/>
+        </p:nvPicPr>
+        <p:blipFill>
+          <a:blip r:embed="rId3" cstate="print">
+            <a:extLst>
+              <a:ext uri="{28A0092B-C50C-407E-A947-70E740481C1C}">
+                <a14:useLocalDpi xmlns:a14="http://schemas.microsoft.com/office/drawing/2010/main" val="0"/>
+              </a:ext>
+            </a:extLst>
+          </a:blip>
+          <a:srcRect/>
+          <a:stretch>
+            <a:fillRect/>
+          </a:stretch>
+        </p:blipFill>
+        <p:spPr bwMode="auto">
+          <a:xfrm>
+            <a:off x="7861823" y="4586178"/>
+            <a:ext cx="1992313" cy="956963"/>
+          </a:xfrm>
+          <a:prstGeom prst="rect">
+            <a:avLst/>
+          </a:prstGeom>
+          <a:noFill/>
+          <a:extLst>
+            <a:ext uri="{909E8E84-426E-40DD-AFC4-6F175D3DCCD1}">
+              <a14:hiddenFill xmlns:a14="http://schemas.microsoft.com/office/drawing/2010/main">
+                <a:solidFill>
+                  <a:srgbClr val="FFFFFF"/>
+                </a:solidFill>
+              </a14:hiddenFill>
+            </a:ext>
+          </a:extLst>
+        </p:spPr>
+      </p:pic>
     </p:spTree>
   </p:cSld>
+  <p:clrMapOvr>
+    <a:masterClrMapping/>
+  </p:clrMapOvr>
   <p:timing>
     <p:tnLst>
       <p:par>
@@ -8543,14 +9237,14 @@
             <p:seq>
               <p:cTn id="2" dur="indefinite" nodeType="mainSeq"/>
               <p:prevCondLst>
-                <p:cond delay="0" evt="onPrev">
+                <p:cond evt="onPrev" delay="0">
                   <p:tgtEl>
                     <p:sldTgt/>
                   </p:tgtEl>
                 </p:cond>
               </p:prevCondLst>
               <p:nextCondLst>
-                <p:cond delay="0" evt="onNext">
+                <p:cond evt="onNext" delay="0">
                   <p:tgtEl>
                     <p:sldTgt/>
                   </p:tgtEl>
@@ -8566,13 +9260,14 @@
 </file>
 
 <file path=ppt/slides/slide10.xml><?xml version="1.0" encoding="utf-8"?>
-<p:sld xmlns:a="http://schemas.openxmlformats.org/drawingml/2006/main" xmlns:p="http://schemas.openxmlformats.org/presentationml/2006/main" xmlns:r="http://schemas.openxmlformats.org/officeDocument/2006/relationships" xmlns:p14="http://schemas.microsoft.com/office/powerpoint/2010/main" xmlns:p15="http://schemas.microsoft.com/office/powerpoint/2012/main" xmlns:mc="http://schemas.openxmlformats.org/markup-compatibility/2006">
+<p:sld xmlns:a="http://schemas.openxmlformats.org/drawingml/2006/main" xmlns:r="http://schemas.openxmlformats.org/officeDocument/2006/relationships" xmlns:p="http://schemas.openxmlformats.org/presentationml/2006/main">
   <p:cSld>
     <p:bg>
       <p:bgPr>
         <a:solidFill>
-          <a:srgbClr val="ffffff"/>
+          <a:srgbClr val="FFFFFF"/>
         </a:solidFill>
+        <a:effectLst/>
       </p:bgPr>
     </p:bg>
     <p:spTree>
@@ -8610,6 +9305,7 @@
         </p:spPr>
         <p:txBody>
           <a:bodyPr anchor="ctr"/>
+          <a:lstStyle/>
           <a:p>
             <a:pPr>
               <a:lnSpc>
@@ -8617,17 +9313,17 @@
               </a:lnSpc>
             </a:pPr>
             <a:r>
-              <a:rPr b="0" lang="en-US" sz="2980" spc="-1" strike="noStrike" cap="all">
+              <a:rPr lang="en-US" sz="2980" b="0" strike="noStrike" cap="all" spc="-1">
                 <a:solidFill>
-                  <a:srgbClr val="ed1c24"/>
+                  <a:srgbClr val="ED1C24"/>
                 </a:solidFill>
                 <a:latin typeface="Tw Cen MT"/>
               </a:rPr>
               <a:t>Pre-processing cont.  (normalization)</a:t>
             </a:r>
-            <a:endParaRPr b="0" lang="en-US" sz="2980" spc="-1" strike="noStrike">
+            <a:endParaRPr lang="en-US" sz="2980" b="0" strike="noStrike" spc="-1">
               <a:solidFill>
-                <a:srgbClr val="ed1c24"/>
+                <a:srgbClr val="ED1C24"/>
               </a:solidFill>
               <a:latin typeface="Tw Cen MT"/>
             </a:endParaRPr>
@@ -8700,17 +9396,23 @@
             </a:ln>
             <a:scene3d>
               <a:camera prst="orthographicFront"/>
-              <a:lightRig dir="t" rig="flat"/>
+              <a:lightRig rig="flat" dir="t"/>
             </a:scene3d>
             <a:sp3d prstMaterial="plastic">
               <a:bevelT w="88900" h="88900"/>
-              <a:bevelB prst="angle" w="88900" h="31750"/>
+              <a:bevelB w="88900" h="31750" prst="angle"/>
             </a:sp3d>
           </p:spPr>
           <p:style>
-            <a:lnRef idx="0"/>
-            <a:fillRef idx="0"/>
-            <a:effectRef idx="2"/>
+            <a:lnRef idx="0">
+              <a:scrgbClr r="0" g="0" b="0"/>
+            </a:lnRef>
+            <a:fillRef idx="0">
+              <a:scrgbClr r="0" g="0" b="0"/>
+            </a:fillRef>
+            <a:effectRef idx="2">
+              <a:scrgbClr r="0" g="0" b="0"/>
+            </a:effectRef>
             <a:fontRef idx="minor"/>
           </p:style>
         </p:sp>
@@ -8762,21 +9464,28 @@
             </a:ln>
             <a:scene3d>
               <a:camera prst="orthographicFront"/>
-              <a:lightRig dir="t" rig="flat"/>
+              <a:lightRig rig="flat" dir="t"/>
             </a:scene3d>
             <a:sp3d prstMaterial="plastic">
               <a:bevelT w="120900" h="88900"/>
-              <a:bevelB prst="angle" w="88900" h="31750"/>
+              <a:bevelB w="88900" h="31750" prst="angle"/>
             </a:sp3d>
           </p:spPr>
           <p:style>
-            <a:lnRef idx="0"/>
-            <a:fillRef idx="0"/>
-            <a:effectRef idx="2"/>
+            <a:lnRef idx="0">
+              <a:scrgbClr r="0" g="0" b="0"/>
+            </a:lnRef>
+            <a:fillRef idx="0">
+              <a:scrgbClr r="0" g="0" b="0"/>
+            </a:fillRef>
+            <a:effectRef idx="2">
+              <a:scrgbClr r="0" g="0" b="0"/>
+            </a:effectRef>
             <a:fontRef idx="minor"/>
           </p:style>
           <p:txBody>
-            <a:bodyPr lIns="106200" rIns="76320" tIns="106200" bIns="106200" anchor="ctr"/>
+            <a:bodyPr lIns="106200" tIns="106200" rIns="76320" bIns="106200" anchor="ctr"/>
+            <a:lstStyle/>
             <a:p>
               <a:pPr algn="ctr">
                 <a:lnSpc>
@@ -8787,15 +9496,15 @@
                 </a:spcAft>
               </a:pPr>
               <a:r>
-                <a:rPr b="0" lang="en-US" sz="2000" spc="-1" strike="noStrike">
+                <a:rPr lang="en-US" sz="2000" b="0" strike="noStrike" spc="-1">
                   <a:solidFill>
-                    <a:srgbClr val="ffffff"/>
+                    <a:srgbClr val="FFFFFF"/>
                   </a:solidFill>
                   <a:latin typeface="Tw Cen MT"/>
                 </a:rPr>
                 <a:t>Replace Numbers</a:t>
               </a:r>
-              <a:endParaRPr b="0" lang="en-US" sz="2000" spc="-1" strike="noStrike">
+              <a:endParaRPr lang="en-US" sz="2000" b="0" strike="noStrike" spc="-1">
                 <a:latin typeface="Arial"/>
               </a:endParaRPr>
             </a:p>
@@ -8821,15 +9530,22 @@
             </a:ln>
           </p:spPr>
           <p:style>
-            <a:lnRef idx="0"/>
-            <a:fillRef idx="0"/>
-            <a:effectRef idx="0"/>
+            <a:lnRef idx="0">
+              <a:scrgbClr r="0" g="0" b="0"/>
+            </a:lnRef>
+            <a:fillRef idx="0">
+              <a:scrgbClr r="0" g="0" b="0"/>
+            </a:fillRef>
+            <a:effectRef idx="0">
+              <a:scrgbClr r="0" g="0" b="0"/>
+            </a:effectRef>
             <a:fontRef idx="minor"/>
           </p:style>
           <p:txBody>
             <a:bodyPr tIns="91440" bIns="91440" anchor="ctr"/>
+            <a:lstStyle/>
             <a:p>
-              <a:pPr lvl="1" marL="228600" indent="-228240">
+              <a:pPr marL="228600" lvl="1" indent="-228240">
                 <a:lnSpc>
                   <a:spcPct val="90000"/>
                 </a:lnSpc>
@@ -8843,7 +9559,7 @@
                 <a:buChar char=""/>
               </a:pPr>
               <a:r>
-                <a:rPr b="0" lang="en-US" sz="2400" spc="-1" strike="noStrike">
+                <a:rPr lang="en-US" sz="2400" b="0" strike="noStrike" spc="-1">
                   <a:solidFill>
                     <a:srgbClr val="000000"/>
                   </a:solidFill>
@@ -8851,7 +9567,7 @@
                 </a:rPr>
                 <a:t>These are two test messages</a:t>
               </a:r>
-              <a:endParaRPr b="0" lang="en-US" sz="2400" spc="-1" strike="noStrike">
+              <a:endParaRPr lang="en-US" sz="2400" b="0" strike="noStrike" spc="-1">
                 <a:latin typeface="Arial"/>
               </a:endParaRPr>
             </a:p>
@@ -8909,17 +9625,23 @@
             </a:ln>
             <a:scene3d>
               <a:camera prst="orthographicFront"/>
-              <a:lightRig dir="t" rig="flat"/>
+              <a:lightRig rig="flat" dir="t"/>
             </a:scene3d>
             <a:sp3d prstMaterial="plastic">
               <a:bevelT w="88900" h="88900"/>
-              <a:bevelB prst="angle" w="88900" h="31750"/>
+              <a:bevelB w="88900" h="31750" prst="angle"/>
             </a:sp3d>
           </p:spPr>
           <p:style>
-            <a:lnRef idx="0"/>
-            <a:fillRef idx="0"/>
-            <a:effectRef idx="2"/>
+            <a:lnRef idx="0">
+              <a:scrgbClr r="0" g="0" b="0"/>
+            </a:lnRef>
+            <a:fillRef idx="0">
+              <a:scrgbClr r="0" g="0" b="0"/>
+            </a:fillRef>
+            <a:effectRef idx="2">
+              <a:scrgbClr r="0" g="0" b="0"/>
+            </a:effectRef>
             <a:fontRef idx="minor"/>
           </p:style>
         </p:sp>
@@ -8971,21 +9693,28 @@
             </a:ln>
             <a:scene3d>
               <a:camera prst="orthographicFront"/>
-              <a:lightRig dir="t" rig="flat"/>
+              <a:lightRig rig="flat" dir="t"/>
             </a:scene3d>
             <a:sp3d prstMaterial="plastic">
               <a:bevelT w="120900" h="88900"/>
-              <a:bevelB prst="angle" w="88900" h="31750"/>
+              <a:bevelB w="88900" h="31750" prst="angle"/>
             </a:sp3d>
           </p:spPr>
           <p:style>
-            <a:lnRef idx="0"/>
-            <a:fillRef idx="0"/>
-            <a:effectRef idx="2"/>
+            <a:lnRef idx="0">
+              <a:scrgbClr r="0" g="0" b="0"/>
+            </a:lnRef>
+            <a:fillRef idx="0">
+              <a:scrgbClr r="0" g="0" b="0"/>
+            </a:fillRef>
+            <a:effectRef idx="2">
+              <a:scrgbClr r="0" g="0" b="0"/>
+            </a:effectRef>
             <a:fontRef idx="minor"/>
           </p:style>
           <p:txBody>
-            <a:bodyPr lIns="111240" rIns="76320" tIns="111240" bIns="111240" anchor="ctr"/>
+            <a:bodyPr lIns="111240" tIns="111240" rIns="76320" bIns="111240" anchor="ctr"/>
+            <a:lstStyle/>
             <a:p>
               <a:pPr algn="ctr">
                 <a:lnSpc>
@@ -8996,15 +9725,15 @@
                 </a:spcAft>
               </a:pPr>
               <a:r>
-                <a:rPr b="0" lang="en-US" sz="2000" spc="-1" strike="noStrike">
+                <a:rPr lang="en-US" sz="2000" b="0" strike="noStrike" spc="-1">
                   <a:solidFill>
-                    <a:srgbClr val="ffffff"/>
+                    <a:srgbClr val="FFFFFF"/>
                   </a:solidFill>
                   <a:latin typeface="Tw Cen MT"/>
                 </a:rPr>
                 <a:t>Remove Stop Words</a:t>
               </a:r>
-              <a:endParaRPr b="0" lang="en-US" sz="2000" spc="-1" strike="noStrike">
+              <a:endParaRPr lang="en-US" sz="2000" b="0" strike="noStrike" spc="-1">
                 <a:latin typeface="Arial"/>
               </a:endParaRPr>
             </a:p>
@@ -9030,15 +9759,22 @@
             </a:ln>
           </p:spPr>
           <p:style>
-            <a:lnRef idx="0"/>
-            <a:fillRef idx="0"/>
-            <a:effectRef idx="0"/>
+            <a:lnRef idx="0">
+              <a:scrgbClr r="0" g="0" b="0"/>
+            </a:lnRef>
+            <a:fillRef idx="0">
+              <a:scrgbClr r="0" g="0" b="0"/>
+            </a:fillRef>
+            <a:effectRef idx="0">
+              <a:scrgbClr r="0" g="0" b="0"/>
+            </a:effectRef>
             <a:fontRef idx="minor"/>
           </p:style>
           <p:txBody>
             <a:bodyPr tIns="91440" bIns="91440" anchor="ctr"/>
+            <a:lstStyle/>
             <a:p>
-              <a:pPr lvl="1" marL="228600" indent="-228240">
+              <a:pPr marL="228600" lvl="1" indent="-228240">
                 <a:lnSpc>
                   <a:spcPct val="90000"/>
                 </a:lnSpc>
@@ -9052,7 +9788,7 @@
                 <a:buChar char=""/>
               </a:pPr>
               <a:r>
-                <a:rPr b="0" lang="en-US" sz="2400" spc="-1" strike="noStrike">
+                <a:rPr lang="en-US" sz="2400" b="0" strike="noStrike" spc="-1">
                   <a:solidFill>
                     <a:srgbClr val="000000"/>
                   </a:solidFill>
@@ -9060,7 +9796,7 @@
                 </a:rPr>
                 <a:t>[two , test , messages]</a:t>
               </a:r>
-              <a:endParaRPr b="0" lang="en-US" sz="2400" spc="-1" strike="noStrike">
+              <a:endParaRPr lang="en-US" sz="2400" b="0" strike="noStrike" spc="-1">
                 <a:latin typeface="Arial"/>
               </a:endParaRPr>
             </a:p>
@@ -9118,17 +9854,23 @@
             </a:ln>
             <a:scene3d>
               <a:camera prst="orthographicFront"/>
-              <a:lightRig dir="t" rig="flat"/>
+              <a:lightRig rig="flat" dir="t"/>
             </a:scene3d>
             <a:sp3d prstMaterial="plastic">
               <a:bevelT w="88900" h="88900"/>
-              <a:bevelB prst="angle" w="88900" h="31750"/>
+              <a:bevelB w="88900" h="31750" prst="angle"/>
             </a:sp3d>
           </p:spPr>
           <p:style>
-            <a:lnRef idx="0"/>
-            <a:fillRef idx="0"/>
-            <a:effectRef idx="2"/>
+            <a:lnRef idx="0">
+              <a:scrgbClr r="0" g="0" b="0"/>
+            </a:lnRef>
+            <a:fillRef idx="0">
+              <a:scrgbClr r="0" g="0" b="0"/>
+            </a:fillRef>
+            <a:effectRef idx="2">
+              <a:scrgbClr r="0" g="0" b="0"/>
+            </a:effectRef>
             <a:fontRef idx="minor"/>
           </p:style>
         </p:sp>
@@ -9180,21 +9922,28 @@
             </a:ln>
             <a:scene3d>
               <a:camera prst="orthographicFront"/>
-              <a:lightRig dir="t" rig="flat"/>
+              <a:lightRig rig="flat" dir="t"/>
             </a:scene3d>
             <a:sp3d prstMaterial="plastic">
               <a:bevelT w="120900" h="88900"/>
-              <a:bevelB prst="angle" w="88900" h="31750"/>
+              <a:bevelB w="88900" h="31750" prst="angle"/>
             </a:sp3d>
           </p:spPr>
           <p:style>
-            <a:lnRef idx="0"/>
-            <a:fillRef idx="0"/>
-            <a:effectRef idx="2"/>
+            <a:lnRef idx="0">
+              <a:scrgbClr r="0" g="0" b="0"/>
+            </a:lnRef>
+            <a:fillRef idx="0">
+              <a:scrgbClr r="0" g="0" b="0"/>
+            </a:fillRef>
+            <a:effectRef idx="2">
+              <a:scrgbClr r="0" g="0" b="0"/>
+            </a:effectRef>
             <a:fontRef idx="minor"/>
           </p:style>
           <p:txBody>
-            <a:bodyPr lIns="110520" rIns="76320" tIns="110520" bIns="110880" anchor="ctr"/>
+            <a:bodyPr lIns="110520" tIns="110520" rIns="76320" bIns="110880" anchor="ctr"/>
+            <a:lstStyle/>
             <a:p>
               <a:pPr algn="ctr">
                 <a:lnSpc>
@@ -9205,15 +9954,15 @@
                 </a:spcAft>
               </a:pPr>
               <a:r>
-                <a:rPr b="0" lang="en-US" sz="2000" spc="-1" strike="noStrike">
+                <a:rPr lang="en-US" sz="2000" b="0" strike="noStrike" spc="-1">
                   <a:solidFill>
-                    <a:srgbClr val="ffffff"/>
+                    <a:srgbClr val="FFFFFF"/>
                   </a:solidFill>
                   <a:latin typeface="Tw Cen MT"/>
                 </a:rPr>
                 <a:t>Stemming</a:t>
               </a:r>
-              <a:endParaRPr b="0" lang="en-US" sz="2000" spc="-1" strike="noStrike">
+              <a:endParaRPr lang="en-US" sz="2000" b="0" strike="noStrike" spc="-1">
                 <a:latin typeface="Arial"/>
               </a:endParaRPr>
             </a:p>
@@ -9239,15 +9988,22 @@
             </a:ln>
           </p:spPr>
           <p:style>
-            <a:lnRef idx="0"/>
-            <a:fillRef idx="0"/>
-            <a:effectRef idx="0"/>
+            <a:lnRef idx="0">
+              <a:scrgbClr r="0" g="0" b="0"/>
+            </a:lnRef>
+            <a:fillRef idx="0">
+              <a:scrgbClr r="0" g="0" b="0"/>
+            </a:fillRef>
+            <a:effectRef idx="0">
+              <a:scrgbClr r="0" g="0" b="0"/>
+            </a:effectRef>
             <a:fontRef idx="minor"/>
           </p:style>
           <p:txBody>
             <a:bodyPr tIns="91440" bIns="91440" anchor="ctr"/>
+            <a:lstStyle/>
             <a:p>
-              <a:pPr lvl="1" marL="228600" indent="-228240">
+              <a:pPr marL="228600" lvl="1" indent="-228240">
                 <a:lnSpc>
                   <a:spcPct val="90000"/>
                 </a:lnSpc>
@@ -9261,7 +10017,7 @@
                 <a:buChar char=""/>
               </a:pPr>
               <a:r>
-                <a:rPr b="0" lang="en-US" sz="2400" spc="-1" strike="noStrike">
+                <a:rPr lang="en-US" sz="2400" b="0" strike="noStrike" spc="-1">
                   <a:solidFill>
                     <a:srgbClr val="000000"/>
                   </a:solidFill>
@@ -9269,7 +10025,7 @@
                 </a:rPr>
                 <a:t>[two , test , mesg]</a:t>
               </a:r>
-              <a:endParaRPr b="0" lang="en-US" sz="2400" spc="-1" strike="noStrike">
+              <a:endParaRPr lang="en-US" sz="2400" b="0" strike="noStrike" spc="-1">
                 <a:latin typeface="Arial"/>
               </a:endParaRPr>
             </a:p>
@@ -9323,21 +10079,28 @@
             </a:ln>
             <a:scene3d>
               <a:camera prst="orthographicFront"/>
-              <a:lightRig dir="t" rig="flat"/>
+              <a:lightRig rig="flat" dir="t"/>
             </a:scene3d>
             <a:sp3d prstMaterial="plastic">
               <a:bevelT w="120900" h="88900"/>
-              <a:bevelB prst="angle" w="88900" h="31750"/>
+              <a:bevelB w="88900" h="31750" prst="angle"/>
             </a:sp3d>
           </p:spPr>
           <p:style>
-            <a:lnRef idx="0"/>
-            <a:fillRef idx="0"/>
-            <a:effectRef idx="2"/>
+            <a:lnRef idx="0">
+              <a:scrgbClr r="0" g="0" b="0"/>
+            </a:lnRef>
+            <a:fillRef idx="0">
+              <a:scrgbClr r="0" g="0" b="0"/>
+            </a:fillRef>
+            <a:effectRef idx="2">
+              <a:scrgbClr r="0" g="0" b="0"/>
+            </a:effectRef>
             <a:fontRef idx="minor"/>
           </p:style>
           <p:txBody>
-            <a:bodyPr lIns="106560" rIns="76320" tIns="106560" bIns="106920" anchor="ctr"/>
+            <a:bodyPr lIns="106560" tIns="106560" rIns="76320" bIns="106920" anchor="ctr"/>
+            <a:lstStyle/>
             <a:p>
               <a:pPr algn="ctr">
                 <a:lnSpc>
@@ -9348,15 +10111,15 @@
                 </a:spcAft>
               </a:pPr>
               <a:r>
-                <a:rPr b="0" lang="en-US" sz="2000" spc="-1" strike="noStrike">
+                <a:rPr lang="en-US" sz="2000" b="0" strike="noStrike" spc="-1">
                   <a:solidFill>
-                    <a:srgbClr val="ffffff"/>
+                    <a:srgbClr val="FFFFFF"/>
                   </a:solidFill>
                   <a:latin typeface="Tw Cen MT"/>
                 </a:rPr>
                 <a:t>Lemmatization</a:t>
               </a:r>
-              <a:endParaRPr b="0" lang="en-US" sz="2000" spc="-1" strike="noStrike">
+              <a:endParaRPr lang="en-US" sz="2000" b="0" strike="noStrike" spc="-1">
                 <a:latin typeface="Arial"/>
               </a:endParaRPr>
             </a:p>
@@ -9398,13 +10161,20 @@
           </a:ln>
         </p:spPr>
         <p:style>
-          <a:lnRef idx="0"/>
-          <a:fillRef idx="0"/>
-          <a:effectRef idx="0"/>
+          <a:lnRef idx="0">
+            <a:scrgbClr r="0" g="0" b="0"/>
+          </a:lnRef>
+          <a:fillRef idx="0">
+            <a:scrgbClr r="0" g="0" b="0"/>
+          </a:fillRef>
+          <a:effectRef idx="0">
+            <a:scrgbClr r="0" g="0" b="0"/>
+          </a:effectRef>
           <a:fontRef idx="minor"/>
         </p:style>
         <p:txBody>
-          <a:bodyPr wrap="none" lIns="90000" rIns="90000" tIns="45000" bIns="45000"/>
+          <a:bodyPr wrap="none" lIns="90000" tIns="45000" rIns="90000" bIns="45000"/>
+          <a:lstStyle/>
           <a:p>
             <a:pPr>
               <a:lnSpc>
@@ -9412,7 +10182,7 @@
               </a:lnSpc>
             </a:pPr>
             <a:r>
-              <a:rPr b="0" lang="en-US" sz="1990" spc="-1" strike="noStrike">
+              <a:rPr lang="en-US" sz="1990" b="0" strike="noStrike" spc="-1">
                 <a:solidFill>
                   <a:srgbClr val="000000"/>
                 </a:solidFill>
@@ -9420,7 +10190,7 @@
               </a:rPr>
               <a:t>These are 2 test messages</a:t>
             </a:r>
-            <a:endParaRPr b="0" lang="en-US" sz="1990" spc="-1" strike="noStrike">
+            <a:endParaRPr lang="en-US" sz="1990" b="0" strike="noStrike" spc="-1">
               <a:latin typeface="Arial"/>
             </a:endParaRPr>
           </a:p>
@@ -9428,22 +10198,25 @@
       </p:sp>
     </p:spTree>
   </p:cSld>
+  <p:clrMapOvr>
+    <a:masterClrMapping/>
+  </p:clrMapOvr>
   <p:timing>
     <p:tnLst>
       <p:par>
-        <p:cTn id="66" dur="indefinite" restart="never" nodeType="tmRoot">
+        <p:cTn id="1" dur="indefinite" restart="never" nodeType="tmRoot">
           <p:childTnLst>
             <p:seq>
-              <p:cTn id="67" dur="indefinite" nodeType="mainSeq"/>
+              <p:cTn id="2" dur="indefinite" nodeType="mainSeq"/>
               <p:prevCondLst>
-                <p:cond delay="0" evt="onPrev">
+                <p:cond evt="onPrev" delay="0">
                   <p:tgtEl>
                     <p:sldTgt/>
                   </p:tgtEl>
                 </p:cond>
               </p:prevCondLst>
               <p:nextCondLst>
-                <p:cond delay="0" evt="onNext">
+                <p:cond evt="onNext" delay="0">
                   <p:tgtEl>
                     <p:sldTgt/>
                   </p:tgtEl>
@@ -9459,13 +10232,14 @@
 </file>
 
 <file path=ppt/slides/slide11.xml><?xml version="1.0" encoding="utf-8"?>
-<p:sld xmlns:a="http://schemas.openxmlformats.org/drawingml/2006/main" xmlns:p="http://schemas.openxmlformats.org/presentationml/2006/main" xmlns:r="http://schemas.openxmlformats.org/officeDocument/2006/relationships" xmlns:p14="http://schemas.microsoft.com/office/powerpoint/2010/main" xmlns:p15="http://schemas.microsoft.com/office/powerpoint/2012/main" xmlns:mc="http://schemas.openxmlformats.org/markup-compatibility/2006">
+<p:sld xmlns:a="http://schemas.openxmlformats.org/drawingml/2006/main" xmlns:r="http://schemas.openxmlformats.org/officeDocument/2006/relationships" xmlns:p="http://schemas.openxmlformats.org/presentationml/2006/main">
   <p:cSld>
     <p:bg>
       <p:bgPr>
         <a:solidFill>
-          <a:srgbClr val="ffffff"/>
+          <a:srgbClr val="FFFFFF"/>
         </a:solidFill>
+        <a:effectLst/>
       </p:bgPr>
     </p:bg>
     <p:spTree>
@@ -9503,6 +10277,7 @@
         </p:spPr>
         <p:txBody>
           <a:bodyPr anchor="ctr"/>
+          <a:lstStyle/>
           <a:p>
             <a:pPr>
               <a:lnSpc>
@@ -9510,17 +10285,17 @@
               </a:lnSpc>
             </a:pPr>
             <a:r>
-              <a:rPr b="0" lang="en-US" sz="2980" spc="-1" strike="noStrike" cap="all">
+              <a:rPr lang="en-US" sz="2980" b="0" strike="noStrike" cap="all" spc="-1">
                 <a:solidFill>
-                  <a:srgbClr val="ed1c24"/>
+                  <a:srgbClr val="ED1C24"/>
                 </a:solidFill>
                 <a:latin typeface="Tw Cen MT"/>
               </a:rPr>
               <a:t>Feature extraction </a:t>
             </a:r>
-            <a:endParaRPr b="0" lang="en-US" sz="2980" spc="-1" strike="noStrike">
+            <a:endParaRPr lang="en-US" sz="2980" b="0" strike="noStrike" spc="-1">
               <a:solidFill>
-                <a:srgbClr val="ed1c24"/>
+                <a:srgbClr val="ED1C24"/>
               </a:solidFill>
               <a:latin typeface="Tw Cen MT"/>
             </a:endParaRPr>
@@ -9587,21 +10362,28 @@
             </a:ln>
             <a:scene3d>
               <a:camera prst="orthographicFront"/>
-              <a:lightRig dir="t" rig="flat"/>
+              <a:lightRig rig="flat" dir="t"/>
             </a:scene3d>
             <a:sp3d prstMaterial="plastic">
               <a:bevelT w="120900" h="88900"/>
-              <a:bevelB prst="angle" w="88900" h="31750"/>
+              <a:bevelB w="88900" h="31750" prst="angle"/>
             </a:sp3d>
           </p:spPr>
           <p:style>
-            <a:lnRef idx="0"/>
-            <a:fillRef idx="0"/>
-            <a:effectRef idx="2"/>
+            <a:lnRef idx="0">
+              <a:scrgbClr r="0" g="0" b="0"/>
+            </a:lnRef>
+            <a:fillRef idx="0">
+              <a:scrgbClr r="0" g="0" b="0"/>
+            </a:fillRef>
+            <a:effectRef idx="2">
+              <a:scrgbClr r="0" g="0" b="0"/>
+            </a:effectRef>
             <a:fontRef idx="minor"/>
           </p:style>
           <p:txBody>
-            <a:bodyPr lIns="137160" rIns="137160" tIns="137160" bIns="137160" anchor="ctr"/>
+            <a:bodyPr lIns="137160" tIns="137160" rIns="137160" bIns="137160" anchor="ctr"/>
+            <a:lstStyle/>
             <a:p>
               <a:pPr algn="ctr">
                 <a:lnSpc>
@@ -9612,15 +10394,15 @@
                 </a:spcAft>
               </a:pPr>
               <a:r>
-                <a:rPr b="0" lang="en-US" sz="3600" spc="-1" strike="noStrike">
+                <a:rPr lang="en-US" sz="3600" b="0" strike="noStrike" spc="-1">
                   <a:solidFill>
-                    <a:srgbClr val="ffffff"/>
+                    <a:srgbClr val="FFFFFF"/>
                   </a:solidFill>
                   <a:latin typeface="Tw Cen MT"/>
                 </a:rPr>
                 <a:t>TF-IDF</a:t>
               </a:r>
-              <a:endParaRPr b="0" lang="en-US" sz="3600" spc="-1" strike="noStrike">
+              <a:endParaRPr lang="en-US" sz="3600" b="0" strike="noStrike" spc="-1">
                 <a:latin typeface="Arial"/>
               </a:endParaRPr>
             </a:p>
@@ -9672,21 +10454,28 @@
             </a:ln>
             <a:scene3d>
               <a:camera prst="orthographicFront"/>
-              <a:lightRig dir="t" rig="flat"/>
+              <a:lightRig rig="flat" dir="t"/>
             </a:scene3d>
             <a:sp3d prstMaterial="plastic">
               <a:bevelT w="120900" h="88900"/>
-              <a:bevelB prst="angle" w="88900" h="31750"/>
+              <a:bevelB w="88900" h="31750" prst="angle"/>
             </a:sp3d>
           </p:spPr>
           <p:style>
-            <a:lnRef idx="0"/>
-            <a:fillRef idx="0"/>
-            <a:effectRef idx="2"/>
+            <a:lnRef idx="0">
+              <a:scrgbClr r="0" g="0" b="0"/>
+            </a:lnRef>
+            <a:fillRef idx="0">
+              <a:scrgbClr r="0" g="0" b="0"/>
+            </a:fillRef>
+            <a:effectRef idx="2">
+              <a:scrgbClr r="0" g="0" b="0"/>
+            </a:effectRef>
             <a:fontRef idx="minor"/>
           </p:style>
           <p:txBody>
-            <a:bodyPr lIns="137160" rIns="137160" tIns="137160" bIns="137160" anchor="ctr"/>
+            <a:bodyPr lIns="137160" tIns="137160" rIns="137160" bIns="137160" anchor="ctr"/>
+            <a:lstStyle/>
             <a:p>
               <a:pPr algn="ctr">
                 <a:lnSpc>
@@ -9697,15 +10486,15 @@
                 </a:spcAft>
               </a:pPr>
               <a:r>
-                <a:rPr b="0" lang="en-US" sz="3600" spc="-1" strike="noStrike">
+                <a:rPr lang="en-US" sz="3600" b="0" strike="noStrike" spc="-1">
                   <a:solidFill>
-                    <a:srgbClr val="ffffff"/>
+                    <a:srgbClr val="FFFFFF"/>
                   </a:solidFill>
                   <a:latin typeface="Tw Cen MT"/>
                 </a:rPr>
                 <a:t>N-Grams</a:t>
               </a:r>
-              <a:endParaRPr b="0" lang="en-US" sz="3600" spc="-1" strike="noStrike">
+              <a:endParaRPr lang="en-US" sz="3600" b="0" strike="noStrike" spc="-1">
                 <a:latin typeface="Arial"/>
               </a:endParaRPr>
             </a:p>
@@ -9757,21 +10546,28 @@
             </a:ln>
             <a:scene3d>
               <a:camera prst="orthographicFront"/>
-              <a:lightRig dir="t" rig="flat"/>
+              <a:lightRig rig="flat" dir="t"/>
             </a:scene3d>
             <a:sp3d prstMaterial="plastic">
               <a:bevelT w="120900" h="88900"/>
-              <a:bevelB prst="angle" w="88900" h="31750"/>
+              <a:bevelB w="88900" h="31750" prst="angle"/>
             </a:sp3d>
           </p:spPr>
           <p:style>
-            <a:lnRef idx="0"/>
-            <a:fillRef idx="0"/>
-            <a:effectRef idx="2"/>
+            <a:lnRef idx="0">
+              <a:scrgbClr r="0" g="0" b="0"/>
+            </a:lnRef>
+            <a:fillRef idx="0">
+              <a:scrgbClr r="0" g="0" b="0"/>
+            </a:fillRef>
+            <a:effectRef idx="2">
+              <a:scrgbClr r="0" g="0" b="0"/>
+            </a:effectRef>
             <a:fontRef idx="minor"/>
           </p:style>
           <p:txBody>
-            <a:bodyPr lIns="137160" rIns="137160" tIns="137160" bIns="137160" anchor="ctr"/>
+            <a:bodyPr lIns="137160" tIns="137160" rIns="137160" bIns="137160" anchor="ctr"/>
+            <a:lstStyle/>
             <a:p>
               <a:pPr algn="ctr">
                 <a:lnSpc>
@@ -9782,15 +10578,15 @@
                 </a:spcAft>
               </a:pPr>
               <a:r>
-                <a:rPr b="0" lang="en-US" sz="3600" spc="-1" strike="noStrike">
+                <a:rPr lang="en-US" sz="3600" b="0" strike="noStrike" spc="-1">
                   <a:solidFill>
-                    <a:srgbClr val="ffffff"/>
+                    <a:srgbClr val="FFFFFF"/>
                   </a:solidFill>
                   <a:latin typeface="Tw Cen MT"/>
                 </a:rPr>
                 <a:t>Contextual analysis</a:t>
               </a:r>
-              <a:endParaRPr b="0" lang="en-US" sz="3600" spc="-1" strike="noStrike">
+              <a:endParaRPr lang="en-US" sz="3600" b="0" strike="noStrike" spc="-1">
                 <a:latin typeface="Arial"/>
               </a:endParaRPr>
             </a:p>
@@ -9842,21 +10638,28 @@
             </a:ln>
             <a:scene3d>
               <a:camera prst="orthographicFront"/>
-              <a:lightRig dir="t" rig="flat"/>
+              <a:lightRig rig="flat" dir="t"/>
             </a:scene3d>
             <a:sp3d prstMaterial="plastic">
               <a:bevelT w="120900" h="88900"/>
-              <a:bevelB prst="angle" w="88900" h="31750"/>
+              <a:bevelB w="88900" h="31750" prst="angle"/>
             </a:sp3d>
           </p:spPr>
           <p:style>
-            <a:lnRef idx="0"/>
-            <a:fillRef idx="0"/>
-            <a:effectRef idx="2"/>
+            <a:lnRef idx="0">
+              <a:scrgbClr r="0" g="0" b="0"/>
+            </a:lnRef>
+            <a:fillRef idx="0">
+              <a:scrgbClr r="0" g="0" b="0"/>
+            </a:fillRef>
+            <a:effectRef idx="2">
+              <a:scrgbClr r="0" g="0" b="0"/>
+            </a:effectRef>
             <a:fontRef idx="minor"/>
           </p:style>
           <p:txBody>
-            <a:bodyPr lIns="137160" rIns="137160" tIns="137160" bIns="137160" anchor="ctr"/>
+            <a:bodyPr lIns="137160" tIns="137160" rIns="137160" bIns="137160" anchor="ctr"/>
+            <a:lstStyle/>
             <a:p>
               <a:pPr algn="ctr">
                 <a:lnSpc>
@@ -9867,15 +10670,15 @@
                 </a:spcAft>
               </a:pPr>
               <a:r>
-                <a:rPr b="0" lang="en-US" sz="3600" spc="-1" strike="noStrike">
+                <a:rPr lang="en-US" sz="3600" b="0" strike="noStrike" spc="-1">
                   <a:solidFill>
-                    <a:srgbClr val="ffffff"/>
+                    <a:srgbClr val="FFFFFF"/>
                   </a:solidFill>
                   <a:latin typeface="Tw Cen MT"/>
                 </a:rPr>
                 <a:t>Sentiment Analysis</a:t>
               </a:r>
-              <a:endParaRPr b="0" lang="en-US" sz="3600" spc="-1" strike="noStrike">
+              <a:endParaRPr lang="en-US" sz="3600" b="0" strike="noStrike" spc="-1">
                 <a:latin typeface="Arial"/>
               </a:endParaRPr>
             </a:p>
@@ -9899,22 +10702,25 @@
       </p:grpSp>
     </p:spTree>
   </p:cSld>
+  <p:clrMapOvr>
+    <a:masterClrMapping/>
+  </p:clrMapOvr>
   <p:timing>
     <p:tnLst>
       <p:par>
-        <p:cTn id="68" dur="indefinite" restart="never" nodeType="tmRoot">
+        <p:cTn id="1" dur="indefinite" restart="never" nodeType="tmRoot">
           <p:childTnLst>
             <p:seq>
-              <p:cTn id="69" dur="indefinite" nodeType="mainSeq"/>
+              <p:cTn id="2" dur="indefinite" nodeType="mainSeq"/>
               <p:prevCondLst>
-                <p:cond delay="0" evt="onPrev">
+                <p:cond evt="onPrev" delay="0">
                   <p:tgtEl>
                     <p:sldTgt/>
                   </p:tgtEl>
                 </p:cond>
               </p:prevCondLst>
               <p:nextCondLst>
-                <p:cond delay="0" evt="onNext">
+                <p:cond evt="onNext" delay="0">
                   <p:tgtEl>
                     <p:sldTgt/>
                   </p:tgtEl>
@@ -9930,13 +10736,14 @@
 </file>
 
 <file path=ppt/slides/slide12.xml><?xml version="1.0" encoding="utf-8"?>
-<p:sld xmlns:a="http://schemas.openxmlformats.org/drawingml/2006/main" xmlns:p="http://schemas.openxmlformats.org/presentationml/2006/main" xmlns:r="http://schemas.openxmlformats.org/officeDocument/2006/relationships" xmlns:p14="http://schemas.microsoft.com/office/powerpoint/2010/main" xmlns:p15="http://schemas.microsoft.com/office/powerpoint/2012/main" xmlns:mc="http://schemas.openxmlformats.org/markup-compatibility/2006">
+<p:sld xmlns:a="http://schemas.openxmlformats.org/drawingml/2006/main" xmlns:r="http://schemas.openxmlformats.org/officeDocument/2006/relationships" xmlns:p="http://schemas.openxmlformats.org/presentationml/2006/main">
   <p:cSld>
     <p:bg>
       <p:bgPr>
         <a:solidFill>
-          <a:srgbClr val="ffffff"/>
+          <a:srgbClr val="FFFFFF"/>
         </a:solidFill>
+        <a:effectLst/>
       </p:bgPr>
     </p:bg>
     <p:spTree>
@@ -9974,6 +10781,7 @@
         </p:spPr>
         <p:txBody>
           <a:bodyPr anchor="ctr"/>
+          <a:lstStyle/>
           <a:p>
             <a:pPr>
               <a:lnSpc>
@@ -9981,17 +10789,17 @@
               </a:lnSpc>
             </a:pPr>
             <a:r>
-              <a:rPr b="0" lang="en-US" sz="2980" spc="-1" strike="noStrike" cap="all">
+              <a:rPr lang="en-US" sz="2980" b="0" strike="noStrike" cap="all" spc="-1">
                 <a:solidFill>
-                  <a:srgbClr val="ed1c24"/>
+                  <a:srgbClr val="ED1C24"/>
                 </a:solidFill>
                 <a:latin typeface="Tw Cen MT"/>
               </a:rPr>
               <a:t>Processing</a:t>
             </a:r>
-            <a:endParaRPr b="0" lang="en-US" sz="2980" spc="-1" strike="noStrike">
+            <a:endParaRPr lang="en-US" sz="2980" b="0" strike="noStrike" spc="-1">
               <a:solidFill>
-                <a:srgbClr val="ed1c24"/>
+                <a:srgbClr val="ED1C24"/>
               </a:solidFill>
               <a:latin typeface="Tw Cen MT"/>
             </a:endParaRPr>
@@ -10027,6 +10835,7 @@
               <a:avLst/>
               <a:gdLst/>
               <a:ahLst/>
+              <a:cxnLst/>
               <a:rect l="l" t="t" r="r" b="b"/>
               <a:pathLst>
                 <a:path w="1463833" h="508107">
@@ -10060,9 +10869,15 @@
             </a:ln>
           </p:spPr>
           <p:style>
-            <a:lnRef idx="2"/>
-            <a:fillRef idx="0"/>
-            <a:effectRef idx="0"/>
+            <a:lnRef idx="2">
+              <a:scrgbClr r="0" g="0" b="0"/>
+            </a:lnRef>
+            <a:fillRef idx="0">
+              <a:scrgbClr r="0" g="0" b="0"/>
+            </a:fillRef>
+            <a:effectRef idx="0">
+              <a:scrgbClr r="0" g="0" b="0"/>
+            </a:effectRef>
             <a:fontRef idx="minor"/>
           </p:style>
         </p:sp>
@@ -10081,6 +10896,7 @@
               <a:avLst/>
               <a:gdLst/>
               <a:ahLst/>
+              <a:cxnLst/>
               <a:rect l="l" t="t" r="r" b="b"/>
               <a:pathLst>
                 <a:path w="1463833" h="508107">
@@ -10114,9 +10930,15 @@
             </a:ln>
           </p:spPr>
           <p:style>
-            <a:lnRef idx="2"/>
-            <a:fillRef idx="0"/>
-            <a:effectRef idx="0"/>
+            <a:lnRef idx="2">
+              <a:scrgbClr r="0" g="0" b="0"/>
+            </a:lnRef>
+            <a:fillRef idx="0">
+              <a:scrgbClr r="0" g="0" b="0"/>
+            </a:fillRef>
+            <a:effectRef idx="0">
+              <a:scrgbClr r="0" g="0" b="0"/>
+            </a:effectRef>
             <a:fontRef idx="minor"/>
           </p:style>
         </p:sp>
@@ -10155,13 +10977,20 @@
             </a:ln>
           </p:spPr>
           <p:style>
-            <a:lnRef idx="2"/>
-            <a:fillRef idx="0"/>
-            <a:effectRef idx="0"/>
+            <a:lnRef idx="2">
+              <a:scrgbClr r="0" g="0" b="0"/>
+            </a:lnRef>
+            <a:fillRef idx="0">
+              <a:scrgbClr r="0" g="0" b="0"/>
+            </a:fillRef>
+            <a:effectRef idx="0">
+              <a:scrgbClr r="0" g="0" b="0"/>
+            </a:effectRef>
             <a:fontRef idx="minor"/>
           </p:style>
           <p:txBody>
-            <a:bodyPr lIns="29160" rIns="29160" tIns="29160" bIns="29160" anchor="ctr"/>
+            <a:bodyPr lIns="29160" tIns="29160" rIns="29160" bIns="29160" anchor="ctr"/>
+            <a:lstStyle/>
             <a:p>
               <a:pPr algn="ctr">
                 <a:lnSpc>
@@ -10172,15 +11001,15 @@
                 </a:spcAft>
               </a:pPr>
               <a:r>
-                <a:rPr b="0" lang="en-US" sz="4600" spc="-1" strike="noStrike">
+                <a:rPr lang="en-US" sz="4600" b="0" strike="noStrike" spc="-1">
                   <a:solidFill>
-                    <a:srgbClr val="ffffff"/>
+                    <a:srgbClr val="FFFFFF"/>
                   </a:solidFill>
                   <a:latin typeface="Tw Cen MT"/>
                 </a:rPr>
                 <a:t>Classifiers</a:t>
               </a:r>
-              <a:endParaRPr b="0" lang="en-US" sz="4600" spc="-1" strike="noStrike">
+              <a:endParaRPr lang="en-US" sz="4600" b="0" strike="noStrike" spc="-1">
                 <a:latin typeface="Arial"/>
               </a:endParaRPr>
             </a:p>
@@ -10221,13 +11050,20 @@
             </a:ln>
           </p:spPr>
           <p:style>
-            <a:lnRef idx="2"/>
-            <a:fillRef idx="0"/>
-            <a:effectRef idx="0"/>
+            <a:lnRef idx="2">
+              <a:scrgbClr r="0" g="0" b="0"/>
+            </a:lnRef>
+            <a:fillRef idx="0">
+              <a:scrgbClr r="0" g="0" b="0"/>
+            </a:fillRef>
+            <a:effectRef idx="0">
+              <a:scrgbClr r="0" g="0" b="0"/>
+            </a:effectRef>
             <a:fontRef idx="minor"/>
           </p:style>
           <p:txBody>
-            <a:bodyPr lIns="29160" rIns="29160" tIns="29160" bIns="29160" anchor="ctr"/>
+            <a:bodyPr lIns="29160" tIns="29160" rIns="29160" bIns="29160" anchor="ctr"/>
+            <a:lstStyle/>
             <a:p>
               <a:pPr algn="ctr">
                 <a:lnSpc>
@@ -10238,15 +11074,15 @@
                 </a:spcAft>
               </a:pPr>
               <a:r>
-                <a:rPr b="0" lang="en-US" sz="4600" spc="-1" strike="noStrike">
+                <a:rPr lang="en-US" sz="4600" b="0" strike="noStrike" spc="-1">
                   <a:solidFill>
-                    <a:srgbClr val="ffffff"/>
+                    <a:srgbClr val="FFFFFF"/>
                   </a:solidFill>
                   <a:latin typeface="Tw Cen MT"/>
                 </a:rPr>
                 <a:t>SVM</a:t>
               </a:r>
-              <a:endParaRPr b="0" lang="en-US" sz="4600" spc="-1" strike="noStrike">
+              <a:endParaRPr lang="en-US" sz="4600" b="0" strike="noStrike" spc="-1">
                 <a:latin typeface="Arial"/>
               </a:endParaRPr>
             </a:p>
@@ -10287,13 +11123,20 @@
             </a:ln>
           </p:spPr>
           <p:style>
-            <a:lnRef idx="2"/>
-            <a:fillRef idx="0"/>
-            <a:effectRef idx="0"/>
+            <a:lnRef idx="2">
+              <a:scrgbClr r="0" g="0" b="0"/>
+            </a:lnRef>
+            <a:fillRef idx="0">
+              <a:scrgbClr r="0" g="0" b="0"/>
+            </a:fillRef>
+            <a:effectRef idx="0">
+              <a:scrgbClr r="0" g="0" b="0"/>
+            </a:effectRef>
             <a:fontRef idx="minor"/>
           </p:style>
           <p:txBody>
-            <a:bodyPr lIns="29160" rIns="29160" tIns="29160" bIns="29160" anchor="ctr"/>
+            <a:bodyPr lIns="29160" tIns="29160" rIns="29160" bIns="29160" anchor="ctr"/>
+            <a:lstStyle/>
             <a:p>
               <a:pPr algn="ctr">
                 <a:lnSpc>
@@ -10304,15 +11147,15 @@
                 </a:spcAft>
               </a:pPr>
               <a:r>
-                <a:rPr b="0" lang="en-US" sz="4600" spc="-1" strike="noStrike">
+                <a:rPr lang="en-US" sz="4600" b="0" strike="noStrike" spc="-1">
                   <a:solidFill>
-                    <a:srgbClr val="ffffff"/>
+                    <a:srgbClr val="FFFFFF"/>
                   </a:solidFill>
                   <a:latin typeface="Tw Cen MT"/>
                 </a:rPr>
                 <a:t>Random Forest</a:t>
               </a:r>
-              <a:endParaRPr b="0" lang="en-US" sz="4600" spc="-1" strike="noStrike">
+              <a:endParaRPr lang="en-US" sz="4600" b="0" strike="noStrike" spc="-1">
                 <a:latin typeface="Arial"/>
               </a:endParaRPr>
             </a:p>
@@ -10336,22 +11179,25 @@
       </p:grpSp>
     </p:spTree>
   </p:cSld>
+  <p:clrMapOvr>
+    <a:masterClrMapping/>
+  </p:clrMapOvr>
   <p:timing>
     <p:tnLst>
       <p:par>
-        <p:cTn id="70" dur="indefinite" restart="never" nodeType="tmRoot">
+        <p:cTn id="1" dur="indefinite" restart="never" nodeType="tmRoot">
           <p:childTnLst>
             <p:seq>
-              <p:cTn id="71" dur="indefinite" nodeType="mainSeq"/>
+              <p:cTn id="2" dur="indefinite" nodeType="mainSeq"/>
               <p:prevCondLst>
-                <p:cond delay="0" evt="onPrev">
+                <p:cond evt="onPrev" delay="0">
                   <p:tgtEl>
                     <p:sldTgt/>
                   </p:tgtEl>
                 </p:cond>
               </p:prevCondLst>
               <p:nextCondLst>
-                <p:cond delay="0" evt="onNext">
+                <p:cond evt="onNext" delay="0">
                   <p:tgtEl>
                     <p:sldTgt/>
                   </p:tgtEl>
@@ -10367,13 +11213,14 @@
 </file>
 
 <file path=ppt/slides/slide13.xml><?xml version="1.0" encoding="utf-8"?>
-<p:sld xmlns:a="http://schemas.openxmlformats.org/drawingml/2006/main" xmlns:p="http://schemas.openxmlformats.org/presentationml/2006/main" xmlns:r="http://schemas.openxmlformats.org/officeDocument/2006/relationships" xmlns:p14="http://schemas.microsoft.com/office/powerpoint/2010/main" xmlns:p15="http://schemas.microsoft.com/office/powerpoint/2012/main" xmlns:mc="http://schemas.openxmlformats.org/markup-compatibility/2006">
+<p:sld xmlns:a="http://schemas.openxmlformats.org/drawingml/2006/main" xmlns:r="http://schemas.openxmlformats.org/officeDocument/2006/relationships" xmlns:p="http://schemas.openxmlformats.org/presentationml/2006/main">
   <p:cSld>
     <p:bg>
       <p:bgPr>
         <a:solidFill>
-          <a:srgbClr val="ffffff"/>
+          <a:srgbClr val="FFFFFF"/>
         </a:solidFill>
+        <a:effectLst/>
       </p:bgPr>
     </p:bg>
     <p:spTree>
@@ -10411,6 +11258,7 @@
         </p:spPr>
         <p:txBody>
           <a:bodyPr anchor="ctr"/>
+          <a:lstStyle/>
           <a:p>
             <a:pPr>
               <a:lnSpc>
@@ -10418,17 +11266,17 @@
               </a:lnSpc>
             </a:pPr>
             <a:r>
-              <a:rPr b="0" lang="en-US" sz="2980" spc="-1" strike="noStrike" cap="all">
+              <a:rPr lang="en-US" sz="2980" b="0" strike="noStrike" cap="all" spc="-1">
                 <a:solidFill>
-                  <a:srgbClr val="ed1c24"/>
+                  <a:srgbClr val="ED1C24"/>
                 </a:solidFill>
                 <a:latin typeface="Tw Cen MT"/>
               </a:rPr>
               <a:t>Wrap up diagram</a:t>
             </a:r>
-            <a:endParaRPr b="0" lang="en-US" sz="2980" spc="-1" strike="noStrike">
+            <a:endParaRPr lang="en-US" sz="2980" b="0" strike="noStrike" spc="-1">
               <a:solidFill>
-                <a:srgbClr val="ed1c24"/>
+                <a:srgbClr val="ED1C24"/>
               </a:solidFill>
               <a:latin typeface="Tw Cen MT"/>
             </a:endParaRPr>
@@ -10437,12 +11285,12 @@
       </p:sp>
       <p:pic>
         <p:nvPicPr>
-          <p:cNvPr id="246" name="Content Placeholder 4" descr=""/>
+          <p:cNvPr id="246" name="Content Placeholder 4"/>
           <p:cNvPicPr/>
           <p:nvPr/>
         </p:nvPicPr>
         <p:blipFill>
-          <a:blip r:embed="rId1"/>
+          <a:blip r:embed="rId2"/>
           <a:stretch/>
         </p:blipFill>
         <p:spPr>
@@ -10460,22 +11308,25 @@
       </p:pic>
     </p:spTree>
   </p:cSld>
+  <p:clrMapOvr>
+    <a:masterClrMapping/>
+  </p:clrMapOvr>
   <p:timing>
     <p:tnLst>
       <p:par>
-        <p:cTn id="72" dur="indefinite" restart="never" nodeType="tmRoot">
+        <p:cTn id="1" dur="indefinite" restart="never" nodeType="tmRoot">
           <p:childTnLst>
             <p:seq>
-              <p:cTn id="73" dur="indefinite" nodeType="mainSeq"/>
+              <p:cTn id="2" dur="indefinite" nodeType="mainSeq"/>
               <p:prevCondLst>
-                <p:cond delay="0" evt="onPrev">
+                <p:cond evt="onPrev" delay="0">
                   <p:tgtEl>
                     <p:sldTgt/>
                   </p:tgtEl>
                 </p:cond>
               </p:prevCondLst>
               <p:nextCondLst>
-                <p:cond delay="0" evt="onNext">
+                <p:cond evt="onNext" delay="0">
                   <p:tgtEl>
                     <p:sldTgt/>
                   </p:tgtEl>
@@ -10491,7 +11342,7 @@
 </file>
 
 <file path=ppt/slides/slide14.xml><?xml version="1.0" encoding="utf-8"?>
-<p:sld xmlns:a="http://schemas.openxmlformats.org/drawingml/2006/main" xmlns:p="http://schemas.openxmlformats.org/presentationml/2006/main" xmlns:r="http://schemas.openxmlformats.org/officeDocument/2006/relationships" xmlns:p14="http://schemas.microsoft.com/office/powerpoint/2010/main" xmlns:p15="http://schemas.microsoft.com/office/powerpoint/2012/main" xmlns:mc="http://schemas.openxmlformats.org/markup-compatibility/2006">
+<p:sld xmlns:a="http://schemas.openxmlformats.org/drawingml/2006/main" xmlns:r="http://schemas.openxmlformats.org/officeDocument/2006/relationships" xmlns:p="http://schemas.openxmlformats.org/presentationml/2006/main">
   <p:cSld>
     <p:spTree>
       <p:nvGrpSpPr>
@@ -10527,13 +11378,20 @@
           </a:ln>
         </p:spPr>
         <p:style>
-          <a:lnRef idx="0"/>
-          <a:fillRef idx="0"/>
-          <a:effectRef idx="0"/>
+          <a:lnRef idx="0">
+            <a:scrgbClr r="0" g="0" b="0"/>
+          </a:lnRef>
+          <a:fillRef idx="0">
+            <a:scrgbClr r="0" g="0" b="0"/>
+          </a:fillRef>
+          <a:effectRef idx="0">
+            <a:scrgbClr r="0" g="0" b="0"/>
+          </a:effectRef>
           <a:fontRef idx="minor"/>
         </p:style>
         <p:txBody>
-          <a:bodyPr lIns="0" rIns="0" tIns="0" bIns="0" anchor="ctr"/>
+          <a:bodyPr lIns="0" tIns="0" rIns="0" bIns="0" anchor="ctr"/>
+          <a:lstStyle/>
           <a:p>
             <a:pPr algn="ctr">
               <a:lnSpc>
@@ -10541,7 +11399,7 @@
               </a:lnSpc>
             </a:pPr>
             <a:r>
-              <a:rPr b="0" lang="en-US" sz="4400" spc="-1" strike="noStrike">
+              <a:rPr lang="en-US" sz="4400" b="0" strike="noStrike" spc="-1">
                 <a:solidFill>
                   <a:srgbClr val="000000"/>
                 </a:solidFill>
@@ -10550,7 +11408,7 @@
               </a:rPr>
               <a:t>Any Questions?</a:t>
             </a:r>
-            <a:endParaRPr b="0" lang="en-US" sz="4400" spc="-1" strike="noStrike">
+            <a:endParaRPr lang="en-US" sz="4400" b="0" strike="noStrike" spc="-1">
               <a:latin typeface="Arial"/>
             </a:endParaRPr>
           </a:p>
@@ -10558,22 +11416,25 @@
       </p:sp>
     </p:spTree>
   </p:cSld>
+  <p:clrMapOvr>
+    <a:masterClrMapping/>
+  </p:clrMapOvr>
   <p:timing>
     <p:tnLst>
       <p:par>
-        <p:cTn id="74" dur="indefinite" restart="never" nodeType="tmRoot">
+        <p:cTn id="1" dur="indefinite" restart="never" nodeType="tmRoot">
           <p:childTnLst>
             <p:seq>
-              <p:cTn id="75" dur="indefinite" nodeType="mainSeq"/>
+              <p:cTn id="2" dur="indefinite" nodeType="mainSeq"/>
               <p:prevCondLst>
-                <p:cond delay="0" evt="onPrev">
+                <p:cond evt="onPrev" delay="0">
                   <p:tgtEl>
                     <p:sldTgt/>
                   </p:tgtEl>
                 </p:cond>
               </p:prevCondLst>
               <p:nextCondLst>
-                <p:cond delay="0" evt="onNext">
+                <p:cond evt="onNext" delay="0">
                   <p:tgtEl>
                     <p:sldTgt/>
                   </p:tgtEl>
@@ -10589,7 +11450,7 @@
 </file>
 
 <file path=ppt/slides/slide2.xml><?xml version="1.0" encoding="utf-8"?>
-<p:sld xmlns:a="http://schemas.openxmlformats.org/drawingml/2006/main" xmlns:p="http://schemas.openxmlformats.org/presentationml/2006/main" xmlns:r="http://schemas.openxmlformats.org/officeDocument/2006/relationships" xmlns:p14="http://schemas.microsoft.com/office/powerpoint/2010/main" xmlns:p15="http://schemas.microsoft.com/office/powerpoint/2012/main" xmlns:mc="http://schemas.openxmlformats.org/markup-compatibility/2006">
+<p:sld xmlns:a="http://schemas.openxmlformats.org/drawingml/2006/main" xmlns:r="http://schemas.openxmlformats.org/officeDocument/2006/relationships" xmlns:p="http://schemas.openxmlformats.org/presentationml/2006/main">
   <p:cSld>
     <p:spTree>
       <p:nvGrpSpPr>
@@ -10625,13 +11486,20 @@
           </a:ln>
         </p:spPr>
         <p:style>
-          <a:lnRef idx="0"/>
-          <a:fillRef idx="0"/>
-          <a:effectRef idx="0"/>
+          <a:lnRef idx="0">
+            <a:scrgbClr r="0" g="0" b="0"/>
+          </a:lnRef>
+          <a:fillRef idx="0">
+            <a:scrgbClr r="0" g="0" b="0"/>
+          </a:fillRef>
+          <a:effectRef idx="0">
+            <a:scrgbClr r="0" g="0" b="0"/>
+          </a:effectRef>
           <a:fontRef idx="minor"/>
         </p:style>
         <p:txBody>
-          <a:bodyPr lIns="0" rIns="0" tIns="0" bIns="0" anchor="ctr"/>
+          <a:bodyPr lIns="0" tIns="0" rIns="0" bIns="0" anchor="ctr"/>
+          <a:lstStyle/>
           <a:p>
             <a:pPr algn="ctr">
               <a:lnSpc>
@@ -10639,16 +11507,16 @@
               </a:lnSpc>
             </a:pPr>
             <a:r>
-              <a:rPr b="0" lang="en-US" sz="4400" spc="-1" strike="noStrike">
+              <a:rPr lang="en-US" sz="4400" b="0" strike="noStrike" spc="-1">
                 <a:solidFill>
-                  <a:srgbClr val="006d6f"/>
+                  <a:srgbClr val="006D6F"/>
                 </a:solidFill>
                 <a:latin typeface="Arial"/>
                 <a:ea typeface="DejaVu Sans"/>
               </a:rPr>
               <a:t>Agenda</a:t>
             </a:r>
-            <a:endParaRPr b="0" lang="en-US" sz="4400" spc="-1" strike="noStrike">
+            <a:endParaRPr lang="en-US" sz="4400" b="0" strike="noStrike" spc="-1">
               <a:latin typeface="Arial"/>
             </a:endParaRPr>
           </a:p>
@@ -10674,15 +11542,22 @@
           </a:ln>
         </p:spPr>
         <p:style>
-          <a:lnRef idx="0"/>
-          <a:fillRef idx="0"/>
-          <a:effectRef idx="0"/>
+          <a:lnRef idx="0">
+            <a:scrgbClr r="0" g="0" b="0"/>
+          </a:lnRef>
+          <a:fillRef idx="0">
+            <a:scrgbClr r="0" g="0" b="0"/>
+          </a:fillRef>
+          <a:effectRef idx="0">
+            <a:scrgbClr r="0" g="0" b="0"/>
+          </a:effectRef>
           <a:fontRef idx="minor"/>
         </p:style>
         <p:txBody>
-          <a:bodyPr lIns="0" rIns="0" tIns="0" bIns="0">
+          <a:bodyPr lIns="0" tIns="0" rIns="0" bIns="0">
             <a:normAutofit/>
           </a:bodyPr>
+          <a:lstStyle/>
           <a:p>
             <a:pPr marL="432000" indent="-322920">
               <a:lnSpc>
@@ -10699,7 +11574,7 @@
               <a:buChar char=""/>
             </a:pPr>
             <a:r>
-              <a:rPr b="0" lang="en-US" sz="3200" spc="-1" strike="noStrike">
+              <a:rPr lang="en-US" sz="3200" b="0" strike="noStrike" spc="-1">
                 <a:solidFill>
                   <a:srgbClr val="000000"/>
                 </a:solidFill>
@@ -10708,7 +11583,7 @@
               </a:rPr>
               <a:t>Introduction</a:t>
             </a:r>
-            <a:endParaRPr b="0" lang="en-US" sz="3200" spc="-1" strike="noStrike">
+            <a:endParaRPr lang="en-US" sz="3200" b="0" strike="noStrike" spc="-1">
               <a:latin typeface="Arial"/>
             </a:endParaRPr>
           </a:p>
@@ -10728,7 +11603,7 @@
               <a:buChar char=""/>
             </a:pPr>
             <a:r>
-              <a:rPr b="0" lang="en-US" sz="3200" spc="-1" strike="noStrike">
+              <a:rPr lang="en-US" sz="3200" b="0" strike="noStrike" spc="-1">
                 <a:solidFill>
                   <a:srgbClr val="000000"/>
                 </a:solidFill>
@@ -10737,7 +11612,7 @@
               </a:rPr>
               <a:t>Related work</a:t>
             </a:r>
-            <a:endParaRPr b="0" lang="en-US" sz="3200" spc="-1" strike="noStrike">
+            <a:endParaRPr lang="en-US" sz="3200" b="0" strike="noStrike" spc="-1">
               <a:latin typeface="Arial"/>
             </a:endParaRPr>
           </a:p>
@@ -10757,7 +11632,7 @@
               <a:buChar char=""/>
             </a:pPr>
             <a:r>
-              <a:rPr b="0" lang="en-US" sz="3200" spc="-1" strike="noStrike">
+              <a:rPr lang="en-US" sz="3200" b="0" strike="noStrike" spc="-1">
                 <a:solidFill>
                   <a:srgbClr val="000000"/>
                 </a:solidFill>
@@ -10766,7 +11641,7 @@
               </a:rPr>
               <a:t>Problem Statement</a:t>
             </a:r>
-            <a:endParaRPr b="0" lang="en-US" sz="3200" spc="-1" strike="noStrike">
+            <a:endParaRPr lang="en-US" sz="3200" b="0" strike="noStrike" spc="-1">
               <a:latin typeface="Arial"/>
             </a:endParaRPr>
           </a:p>
@@ -10786,7 +11661,7 @@
               <a:buChar char=""/>
             </a:pPr>
             <a:r>
-              <a:rPr b="0" lang="en-US" sz="3200" spc="-1" strike="noStrike">
+              <a:rPr lang="en-US" sz="3200" b="0" strike="noStrike" spc="-1">
                 <a:solidFill>
                   <a:srgbClr val="000000"/>
                 </a:solidFill>
@@ -10795,7 +11670,7 @@
               </a:rPr>
               <a:t>System overview</a:t>
             </a:r>
-            <a:endParaRPr b="0" lang="en-US" sz="3200" spc="-1" strike="noStrike">
+            <a:endParaRPr lang="en-US" sz="3200" b="0" strike="noStrike" spc="-1">
               <a:latin typeface="Arial"/>
             </a:endParaRPr>
           </a:p>
@@ -10815,7 +11690,7 @@
               <a:buChar char=""/>
             </a:pPr>
             <a:r>
-              <a:rPr b="0" lang="en-US" sz="3200" spc="-1" strike="noStrike">
+              <a:rPr lang="en-US" sz="3200" b="0" strike="noStrike" spc="-1">
                 <a:solidFill>
                   <a:srgbClr val="000000"/>
                 </a:solidFill>
@@ -10824,7 +11699,7 @@
               </a:rPr>
               <a:t>Project Deliverables</a:t>
             </a:r>
-            <a:endParaRPr b="0" lang="en-US" sz="3200" spc="-1" strike="noStrike">
+            <a:endParaRPr lang="en-US" sz="3200" b="0" strike="noStrike" spc="-1">
               <a:latin typeface="Arial"/>
             </a:endParaRPr>
           </a:p>
@@ -10832,22 +11707,25 @@
       </p:sp>
     </p:spTree>
   </p:cSld>
+  <p:clrMapOvr>
+    <a:masterClrMapping/>
+  </p:clrMapOvr>
   <p:timing>
     <p:tnLst>
       <p:par>
-        <p:cTn id="3" dur="indefinite" restart="never" nodeType="tmRoot">
+        <p:cTn id="1" dur="indefinite" restart="never" nodeType="tmRoot">
           <p:childTnLst>
             <p:seq>
-              <p:cTn id="4" dur="indefinite" nodeType="mainSeq"/>
+              <p:cTn id="2" dur="indefinite" nodeType="mainSeq"/>
               <p:prevCondLst>
-                <p:cond delay="0" evt="onPrev">
+                <p:cond evt="onPrev" delay="0">
                   <p:tgtEl>
                     <p:sldTgt/>
                   </p:tgtEl>
                 </p:cond>
               </p:prevCondLst>
               <p:nextCondLst>
-                <p:cond delay="0" evt="onNext">
+                <p:cond evt="onNext" delay="0">
                   <p:tgtEl>
                     <p:sldTgt/>
                   </p:tgtEl>
@@ -10863,7 +11741,7 @@
 </file>
 
 <file path=ppt/slides/slide3.xml><?xml version="1.0" encoding="utf-8"?>
-<p:sld xmlns:a="http://schemas.openxmlformats.org/drawingml/2006/main" xmlns:p="http://schemas.openxmlformats.org/presentationml/2006/main" xmlns:r="http://schemas.openxmlformats.org/officeDocument/2006/relationships" xmlns:p14="http://schemas.microsoft.com/office/powerpoint/2010/main" xmlns:p15="http://schemas.microsoft.com/office/powerpoint/2012/main" xmlns:mc="http://schemas.openxmlformats.org/markup-compatibility/2006">
+<p:sld xmlns:a="http://schemas.openxmlformats.org/drawingml/2006/main" xmlns:r="http://schemas.openxmlformats.org/officeDocument/2006/relationships" xmlns:p="http://schemas.openxmlformats.org/presentationml/2006/main">
   <p:cSld>
     <p:spTree>
       <p:nvGrpSpPr>
@@ -10899,13 +11777,20 @@
           </a:ln>
         </p:spPr>
         <p:style>
-          <a:lnRef idx="0"/>
-          <a:fillRef idx="0"/>
-          <a:effectRef idx="0"/>
+          <a:lnRef idx="0">
+            <a:scrgbClr r="0" g="0" b="0"/>
+          </a:lnRef>
+          <a:fillRef idx="0">
+            <a:scrgbClr r="0" g="0" b="0"/>
+          </a:fillRef>
+          <a:effectRef idx="0">
+            <a:scrgbClr r="0" g="0" b="0"/>
+          </a:effectRef>
           <a:fontRef idx="minor"/>
         </p:style>
         <p:txBody>
-          <a:bodyPr lIns="0" rIns="0" tIns="0" bIns="0" anchor="ctr"/>
+          <a:bodyPr lIns="0" tIns="0" rIns="0" bIns="0" anchor="ctr"/>
+          <a:lstStyle/>
           <a:p>
             <a:pPr>
               <a:lnSpc>
@@ -10913,16 +11798,16 @@
               </a:lnSpc>
             </a:pPr>
             <a:r>
-              <a:rPr b="0" lang="en-US" sz="4400" spc="-1" strike="noStrike">
+              <a:rPr lang="en-US" sz="4400" b="0" strike="noStrike" spc="-1">
                 <a:solidFill>
-                  <a:srgbClr val="ed1c24"/>
+                  <a:srgbClr val="ED1C24"/>
                 </a:solidFill>
                 <a:latin typeface="Arial"/>
                 <a:ea typeface="DejaVu Sans"/>
               </a:rPr>
               <a:t>Introduction</a:t>
             </a:r>
-            <a:endParaRPr b="0" lang="en-US" sz="4400" spc="-1" strike="noStrike">
+            <a:endParaRPr lang="en-US" sz="4400" b="0" strike="noStrike" spc="-1">
               <a:latin typeface="Arial"/>
             </a:endParaRPr>
           </a:p>
@@ -10936,7 +11821,7 @@
         </p:nvSpPr>
         <p:spPr>
           <a:xfrm>
-            <a:off x="-15840" y="1006560"/>
+            <a:off x="10260" y="1166714"/>
             <a:ext cx="10057320" cy="4349880"/>
           </a:xfrm>
           <a:prstGeom prst="rect">
@@ -10948,13 +11833,20 @@
           </a:ln>
         </p:spPr>
         <p:style>
-          <a:lnRef idx="0"/>
-          <a:fillRef idx="0"/>
-          <a:effectRef idx="0"/>
+          <a:lnRef idx="0">
+            <a:scrgbClr r="0" g="0" b="0"/>
+          </a:lnRef>
+          <a:fillRef idx="0">
+            <a:scrgbClr r="0" g="0" b="0"/>
+          </a:fillRef>
+          <a:effectRef idx="0">
+            <a:scrgbClr r="0" g="0" b="0"/>
+          </a:effectRef>
           <a:fontRef idx="minor"/>
         </p:style>
         <p:txBody>
-          <a:bodyPr lIns="90000" rIns="90000" tIns="45000" bIns="45000"/>
+          <a:bodyPr lIns="90000" tIns="45000" rIns="90000" bIns="45000"/>
+          <a:lstStyle/>
           <a:p>
             <a:pPr marL="228600" indent="-227160">
               <a:lnSpc>
@@ -10970,7 +11862,7 @@
               <a:buChar char="•"/>
             </a:pPr>
             <a:r>
-              <a:rPr b="0" lang="en-US" sz="2800" spc="-1" strike="noStrike">
+              <a:rPr lang="en-US" sz="2800" b="0" strike="noStrike" spc="-1" dirty="0">
                 <a:solidFill>
                   <a:srgbClr val="000000"/>
                 </a:solidFill>
@@ -10979,7 +11871,7 @@
               </a:rPr>
               <a:t>Use superior strength or influence to intimidate someone</a:t>
             </a:r>
-            <a:endParaRPr b="0" lang="en-US" sz="2800" spc="-1" strike="noStrike">
+            <a:endParaRPr lang="en-US" sz="2800" b="0" strike="noStrike" spc="-1" dirty="0">
               <a:latin typeface="Arial"/>
             </a:endParaRPr>
           </a:p>
@@ -10987,30 +11879,7 @@
       </p:sp>
       <p:pic>
         <p:nvPicPr>
-          <p:cNvPr id="172" name="Picture 1" descr=""/>
-          <p:cNvPicPr/>
-          <p:nvPr/>
-        </p:nvPicPr>
-        <p:blipFill>
-          <a:blip r:embed="rId1"/>
-          <a:stretch/>
-        </p:blipFill>
-        <p:spPr>
-          <a:xfrm>
-            <a:off x="4568040" y="1831320"/>
-            <a:ext cx="2925000" cy="1671120"/>
-          </a:xfrm>
-          <a:prstGeom prst="rect">
-            <a:avLst/>
-          </a:prstGeom>
-          <a:ln>
-            <a:noFill/>
-          </a:ln>
-        </p:spPr>
-      </p:pic>
-      <p:pic>
-        <p:nvPicPr>
-          <p:cNvPr id="173" name="Picture 2" descr=""/>
+          <p:cNvPr id="172" name="Picture 1"/>
           <p:cNvPicPr/>
           <p:nvPr/>
         </p:nvPicPr>
@@ -11020,8 +11889,8 @@
         </p:blipFill>
         <p:spPr>
           <a:xfrm>
-            <a:off x="316080" y="1831320"/>
-            <a:ext cx="2925000" cy="1518840"/>
+            <a:off x="4568040" y="1831320"/>
+            <a:ext cx="2925000" cy="1671120"/>
           </a:xfrm>
           <a:prstGeom prst="rect">
             <a:avLst/>
@@ -11033,7 +11902,7 @@
       </p:pic>
       <p:pic>
         <p:nvPicPr>
-          <p:cNvPr id="174" name="Picture 3" descr=""/>
+          <p:cNvPr id="174" name="Picture 3"/>
           <p:cNvPicPr/>
           <p:nvPr/>
         </p:nvPicPr>
@@ -11056,7 +11925,7 @@
       </p:pic>
       <p:pic>
         <p:nvPicPr>
-          <p:cNvPr id="175" name="Picture 4" descr=""/>
+          <p:cNvPr id="175" name="Picture 4"/>
           <p:cNvPicPr/>
           <p:nvPr/>
         </p:nvPicPr>
@@ -11066,8 +11935,8 @@
         </p:blipFill>
         <p:spPr>
           <a:xfrm>
-            <a:off x="331920" y="3345480"/>
-            <a:ext cx="2925000" cy="2408760"/>
+            <a:off x="653160" y="1831320"/>
+            <a:ext cx="2487252" cy="1776240"/>
           </a:xfrm>
           <a:prstGeom prst="rect">
             <a:avLst/>
@@ -11079,35 +11948,38 @@
       </p:pic>
     </p:spTree>
   </p:cSld>
+  <p:clrMapOvr>
+    <a:masterClrMapping/>
+  </p:clrMapOvr>
   <p:timing>
     <p:tnLst>
       <p:par>
-        <p:cTn id="5" dur="indefinite" restart="never" nodeType="tmRoot">
+        <p:cTn id="1" dur="indefinite" restart="never" nodeType="tmRoot">
           <p:childTnLst>
             <p:seq>
-              <p:cTn id="6" dur="indefinite" nodeType="mainSeq">
+              <p:cTn id="2" dur="indefinite" nodeType="mainSeq">
                 <p:childTnLst>
                   <p:par>
-                    <p:cTn id="7" fill="hold">
+                    <p:cTn id="3" fill="hold">
                       <p:stCondLst>
                         <p:cond delay="indefinite"/>
                       </p:stCondLst>
                       <p:childTnLst>
                         <p:par>
-                          <p:cTn id="8" fill="hold">
+                          <p:cTn id="4" fill="hold">
                             <p:stCondLst>
                               <p:cond delay="0"/>
                             </p:stCondLst>
                             <p:childTnLst>
                               <p:par>
-                                <p:cTn id="9" nodeType="clickEffect" fill="hold" presetClass="entr" presetID="2" presetSubtype="8">
+                                <p:cTn id="5" presetID="2" presetClass="entr" presetSubtype="8" fill="hold" nodeType="clickEffect">
                                   <p:stCondLst>
                                     <p:cond delay="0"/>
                                   </p:stCondLst>
                                   <p:childTnLst>
                                     <p:set>
                                       <p:cBhvr>
-                                        <p:cTn id="10" dur="1" fill="hold">
+                                        <p:cTn id="6" dur="1" fill="hold">
                                           <p:stCondLst>
                                             <p:cond delay="0"/>
                                           </p:stCondLst>
@@ -11125,7 +11997,7 @@
                                     </p:set>
                                     <p:anim calcmode="lin" valueType="num">
                                       <p:cBhvr additive="repl">
-                                        <p:cTn id="11" dur="500" fill="hold"/>
+                                        <p:cTn id="7" dur="500" fill="hold"/>
                                         <p:tgtEl>
                                           <p:spTgt spid="172"/>
                                         </p:tgtEl>
@@ -11148,7 +12020,7 @@
                                     </p:anim>
                                     <p:anim calcmode="lin" valueType="num">
                                       <p:cBhvr additive="repl">
-                                        <p:cTn id="12" dur="500" fill="hold"/>
+                                        <p:cTn id="8" dur="500" fill="hold"/>
                                         <p:tgtEl>
                                           <p:spTgt spid="172"/>
                                         </p:tgtEl>
@@ -11176,102 +12048,20 @@
                           </p:cTn>
                         </p:par>
                         <p:par>
-                          <p:cTn id="13" fill="hold">
+                          <p:cTn id="9" fill="hold">
                             <p:stCondLst>
                               <p:cond delay="500"/>
                             </p:stCondLst>
                             <p:childTnLst>
                               <p:par>
-                                <p:cTn id="14" nodeType="afterEffect" fill="hold" presetClass="entr" presetID="2" presetSubtype="8">
+                                <p:cTn id="10" presetID="2" presetClass="entr" presetSubtype="8" fill="hold" nodeType="afterEffect">
                                   <p:stCondLst>
                                     <p:cond delay="1000"/>
                                   </p:stCondLst>
                                   <p:childTnLst>
                                     <p:set>
                                       <p:cBhvr>
-                                        <p:cTn id="15" dur="1" fill="hold">
-                                          <p:stCondLst>
-                                            <p:cond delay="0"/>
-                                          </p:stCondLst>
-                                        </p:cTn>
-                                        <p:tgtEl>
-                                          <p:spTgt spid="173"/>
-                                        </p:tgtEl>
-                                        <p:attrNameLst>
-                                          <p:attrName>style.visibility</p:attrName>
-                                        </p:attrNameLst>
-                                      </p:cBhvr>
-                                      <p:to>
-                                        <p:strVal val="visible"/>
-                                      </p:to>
-                                    </p:set>
-                                    <p:anim calcmode="lin" valueType="num">
-                                      <p:cBhvr additive="repl">
-                                        <p:cTn id="16" dur="750" fill="hold"/>
-                                        <p:tgtEl>
-                                          <p:spTgt spid="173"/>
-                                        </p:tgtEl>
-                                        <p:attrNameLst>
-                                          <p:attrName>ppt_x</p:attrName>
-                                        </p:attrNameLst>
-                                      </p:cBhvr>
-                                      <p:tavLst>
-                                        <p:tav tm="0">
-                                          <p:val>
-                                            <p:strVal val="0-#ppt_w/2"/>
-                                          </p:val>
-                                        </p:tav>
-                                        <p:tav tm="100000">
-                                          <p:val>
-                                            <p:strVal val="#ppt_x"/>
-                                          </p:val>
-                                        </p:tav>
-                                      </p:tavLst>
-                                    </p:anim>
-                                    <p:anim calcmode="lin" valueType="num">
-                                      <p:cBhvr additive="repl">
-                                        <p:cTn id="17" dur="750" fill="hold"/>
-                                        <p:tgtEl>
-                                          <p:spTgt spid="173"/>
-                                        </p:tgtEl>
-                                        <p:attrNameLst>
-                                          <p:attrName>ppt_y</p:attrName>
-                                        </p:attrNameLst>
-                                      </p:cBhvr>
-                                      <p:tavLst>
-                                        <p:tav tm="0">
-                                          <p:val>
-                                            <p:strVal val="#ppt_y"/>
-                                          </p:val>
-                                        </p:tav>
-                                        <p:tav tm="100000">
-                                          <p:val>
-                                            <p:strVal val="#ppt_y"/>
-                                          </p:val>
-                                        </p:tav>
-                                      </p:tavLst>
-                                    </p:anim>
-                                  </p:childTnLst>
-                                </p:cTn>
-                              </p:par>
-                            </p:childTnLst>
-                          </p:cTn>
-                        </p:par>
-                        <p:par>
-                          <p:cTn id="18" fill="hold">
-                            <p:stCondLst>
-                              <p:cond delay="2250"/>
-                            </p:stCondLst>
-                            <p:childTnLst>
-                              <p:par>
-                                <p:cTn id="19" nodeType="afterEffect" fill="hold" presetClass="entr" presetID="2" presetSubtype="8">
-                                  <p:stCondLst>
-                                    <p:cond delay="1000"/>
-                                  </p:stCondLst>
-                                  <p:childTnLst>
-                                    <p:set>
-                                      <p:cBhvr>
-                                        <p:cTn id="20" dur="1" fill="hold">
+                                        <p:cTn id="11" dur="1" fill="hold">
                                           <p:stCondLst>
                                             <p:cond delay="0"/>
                                           </p:stCondLst>
@@ -11289,7 +12079,7 @@
                                     </p:set>
                                     <p:anim calcmode="lin" valueType="num">
                                       <p:cBhvr additive="repl">
-                                        <p:cTn id="21" dur="750" fill="hold"/>
+                                        <p:cTn id="12" dur="750" fill="hold"/>
                                         <p:tgtEl>
                                           <p:spTgt spid="175"/>
                                         </p:tgtEl>
@@ -11312,7 +12102,7 @@
                                     </p:anim>
                                     <p:anim calcmode="lin" valueType="num">
                                       <p:cBhvr additive="repl">
-                                        <p:cTn id="22" dur="750" fill="hold"/>
+                                        <p:cTn id="13" dur="750" fill="hold"/>
                                         <p:tgtEl>
                                           <p:spTgt spid="175"/>
                                         </p:tgtEl>
@@ -11340,20 +12130,20 @@
                           </p:cTn>
                         </p:par>
                         <p:par>
-                          <p:cTn id="23" fill="hold">
+                          <p:cTn id="14" fill="hold">
                             <p:stCondLst>
-                              <p:cond delay="4000"/>
+                              <p:cond delay="2250"/>
                             </p:stCondLst>
                             <p:childTnLst>
                               <p:par>
-                                <p:cTn id="24" nodeType="afterEffect" fill="hold" presetClass="entr" presetID="2" presetSubtype="8">
+                                <p:cTn id="15" presetID="2" presetClass="entr" presetSubtype="8" fill="hold" nodeType="afterEffect">
                                   <p:stCondLst>
                                     <p:cond delay="1000"/>
                                   </p:stCondLst>
                                   <p:childTnLst>
                                     <p:set>
                                       <p:cBhvr>
-                                        <p:cTn id="25" dur="1" fill="hold">
+                                        <p:cTn id="16" dur="1" fill="hold">
                                           <p:stCondLst>
                                             <p:cond delay="0"/>
                                           </p:stCondLst>
@@ -11371,7 +12161,7 @@
                                     </p:set>
                                     <p:anim calcmode="lin" valueType="num">
                                       <p:cBhvr additive="repl">
-                                        <p:cTn id="26" dur="750" fill="hold"/>
+                                        <p:cTn id="17" dur="750" fill="hold"/>
                                         <p:tgtEl>
                                           <p:spTgt spid="174"/>
                                         </p:tgtEl>
@@ -11394,7 +12184,7 @@
                                     </p:anim>
                                     <p:anim calcmode="lin" valueType="num">
                                       <p:cBhvr additive="repl">
-                                        <p:cTn id="27" dur="750" fill="hold"/>
+                                        <p:cTn id="18" dur="750" fill="hold"/>
                                         <p:tgtEl>
                                           <p:spTgt spid="174"/>
                                         </p:tgtEl>
@@ -11427,14 +12217,14 @@
                 </p:childTnLst>
               </p:cTn>
               <p:prevCondLst>
-                <p:cond delay="0" evt="onPrev">
+                <p:cond evt="onPrev" delay="0">
                   <p:tgtEl>
                     <p:sldTgt/>
                   </p:tgtEl>
                 </p:cond>
               </p:prevCondLst>
               <p:nextCondLst>
-                <p:cond delay="0" evt="onNext">
+                <p:cond evt="onNext" delay="0">
                   <p:tgtEl>
                     <p:sldTgt/>
                   </p:tgtEl>
@@ -11450,7 +12240,7 @@
 </file>
 
 <file path=ppt/slides/slide4.xml><?xml version="1.0" encoding="utf-8"?>
-<p:sld xmlns:a="http://schemas.openxmlformats.org/drawingml/2006/main" xmlns:p="http://schemas.openxmlformats.org/presentationml/2006/main" xmlns:r="http://schemas.openxmlformats.org/officeDocument/2006/relationships" xmlns:p14="http://schemas.microsoft.com/office/powerpoint/2010/main" xmlns:p15="http://schemas.microsoft.com/office/powerpoint/2012/main" xmlns:mc="http://schemas.openxmlformats.org/markup-compatibility/2006">
+<p:sld xmlns:a="http://schemas.openxmlformats.org/drawingml/2006/main" xmlns:r="http://schemas.openxmlformats.org/officeDocument/2006/relationships" xmlns:p="http://schemas.openxmlformats.org/presentationml/2006/main">
   <p:cSld>
     <p:spTree>
       <p:nvGrpSpPr>
@@ -11486,15 +12276,22 @@
           </a:ln>
         </p:spPr>
         <p:style>
-          <a:lnRef idx="0"/>
-          <a:fillRef idx="0"/>
-          <a:effectRef idx="0"/>
+          <a:lnRef idx="0">
+            <a:scrgbClr r="0" g="0" b="0"/>
+          </a:lnRef>
+          <a:fillRef idx="0">
+            <a:scrgbClr r="0" g="0" b="0"/>
+          </a:fillRef>
+          <a:effectRef idx="0">
+            <a:scrgbClr r="0" g="0" b="0"/>
+          </a:effectRef>
           <a:fontRef idx="minor"/>
         </p:style>
         <p:txBody>
-          <a:bodyPr lIns="0" rIns="0" tIns="0" bIns="0">
-            <a:normAutofit/>
+          <a:bodyPr lIns="0" tIns="0" rIns="0" bIns="0">
+            <a:normAutofit lnSpcReduction="10000"/>
           </a:bodyPr>
+          <a:lstStyle/>
           <a:p>
             <a:pPr marL="457200" indent="-456120">
               <a:lnSpc>
@@ -11507,7 +12304,7 @@
               <a:buChar char="•"/>
             </a:pPr>
             <a:r>
-              <a:rPr b="0" lang="en-US" sz="3200" spc="-1" strike="noStrike">
+              <a:rPr lang="en-US" sz="3200" b="0" strike="noStrike" spc="-1">
                 <a:solidFill>
                   <a:srgbClr val="000000"/>
                 </a:solidFill>
@@ -11516,7 +12313,7 @@
               </a:rPr>
               <a:t>Cyberbullying has been manifesting our youth for quite sometime, due to them being involved in one form of social media communication or another.</a:t>
             </a:r>
-            <a:endParaRPr b="0" lang="en-US" sz="3200" spc="-1" strike="noStrike">
+            <a:endParaRPr lang="en-US" sz="3200" b="0" strike="noStrike" spc="-1">
               <a:latin typeface="Arial"/>
             </a:endParaRPr>
           </a:p>
@@ -11526,7 +12323,7 @@
                 <a:spcPct val="100000"/>
               </a:lnSpc>
             </a:pPr>
-            <a:endParaRPr b="0" lang="en-US" sz="3200" spc="-1" strike="noStrike">
+            <a:endParaRPr lang="en-US" sz="3200" b="0" strike="noStrike" spc="-1">
               <a:latin typeface="Arial"/>
             </a:endParaRPr>
           </a:p>
@@ -11542,7 +12339,7 @@
               <a:buChar char="•"/>
             </a:pPr>
             <a:r>
-              <a:rPr b="0" lang="en-US" sz="3200" spc="-1" strike="noStrike">
+              <a:rPr lang="en-US" sz="3200" b="0" strike="noStrike" spc="-1">
                 <a:solidFill>
                   <a:srgbClr val="000000"/>
                 </a:solidFill>
@@ -11551,7 +12348,7 @@
               </a:rPr>
               <a:t>Sarcasm which the use of irony to mock or convey contempt.</a:t>
             </a:r>
-            <a:endParaRPr b="0" lang="en-US" sz="3200" spc="-1" strike="noStrike">
+            <a:endParaRPr lang="en-US" sz="3200" b="0" strike="noStrike" spc="-1">
               <a:latin typeface="Arial"/>
             </a:endParaRPr>
           </a:p>
@@ -11561,7 +12358,7 @@
                 <a:spcPct val="100000"/>
               </a:lnSpc>
             </a:pPr>
-            <a:endParaRPr b="0" lang="en-US" sz="3200" spc="-1" strike="noStrike">
+            <a:endParaRPr lang="en-US" sz="3200" b="0" strike="noStrike" spc="-1">
               <a:latin typeface="Arial"/>
             </a:endParaRPr>
           </a:p>
@@ -11569,30 +12366,7 @@
       </p:sp>
       <p:pic>
         <p:nvPicPr>
-          <p:cNvPr id="177" name="Picture 3" descr=""/>
-          <p:cNvPicPr/>
-          <p:nvPr/>
-        </p:nvPicPr>
-        <p:blipFill>
-          <a:blip r:embed="rId1"/>
-          <a:stretch/>
-        </p:blipFill>
-        <p:spPr>
-          <a:xfrm>
-            <a:off x="6869160" y="3183840"/>
-            <a:ext cx="2925000" cy="1644840"/>
-          </a:xfrm>
-          <a:prstGeom prst="rect">
-            <a:avLst/>
-          </a:prstGeom>
-          <a:ln>
-            <a:noFill/>
-          </a:ln>
-        </p:spPr>
-      </p:pic>
-      <p:pic>
-        <p:nvPicPr>
-          <p:cNvPr id="178" name="Picture 4" descr=""/>
+          <p:cNvPr id="177" name="Picture 3"/>
           <p:cNvPicPr/>
           <p:nvPr/>
         </p:nvPicPr>
@@ -11602,8 +12376,8 @@
         </p:blipFill>
         <p:spPr>
           <a:xfrm>
-            <a:off x="468360" y="3245040"/>
-            <a:ext cx="2925000" cy="1522800"/>
+            <a:off x="6869160" y="3183840"/>
+            <a:ext cx="2925000" cy="1644840"/>
           </a:xfrm>
           <a:prstGeom prst="rect">
             <a:avLst/>
@@ -11615,7 +12389,7 @@
       </p:pic>
       <p:pic>
         <p:nvPicPr>
-          <p:cNvPr id="179" name="Picture 2" descr=""/>
+          <p:cNvPr id="178" name="Picture 4"/>
           <p:cNvPicPr/>
           <p:nvPr/>
         </p:nvPicPr>
@@ -11625,8 +12399,8 @@
         </p:blipFill>
         <p:spPr>
           <a:xfrm>
-            <a:off x="3778200" y="3183840"/>
-            <a:ext cx="2708640" cy="2234520"/>
+            <a:off x="468360" y="3245040"/>
+            <a:ext cx="2925000" cy="1522800"/>
           </a:xfrm>
           <a:prstGeom prst="rect">
             <a:avLst/>
@@ -11636,37 +12410,63 @@
           </a:ln>
         </p:spPr>
       </p:pic>
+      <p:pic>
+        <p:nvPicPr>
+          <p:cNvPr id="179" name="Picture 2"/>
+          <p:cNvPicPr/>
+          <p:nvPr/>
+        </p:nvPicPr>
+        <p:blipFill>
+          <a:blip r:embed="rId4"/>
+          <a:stretch/>
+        </p:blipFill>
+        <p:spPr>
+          <a:xfrm>
+            <a:off x="3778200" y="3183840"/>
+            <a:ext cx="2708640" cy="2234520"/>
+          </a:xfrm>
+          <a:prstGeom prst="rect">
+            <a:avLst/>
+          </a:prstGeom>
+          <a:ln>
+            <a:noFill/>
+          </a:ln>
+        </p:spPr>
+      </p:pic>
     </p:spTree>
   </p:cSld>
+  <p:clrMapOvr>
+    <a:masterClrMapping/>
+  </p:clrMapOvr>
   <p:timing>
     <p:tnLst>
       <p:par>
-        <p:cTn id="28" dur="indefinite" restart="never" nodeType="tmRoot">
+        <p:cTn id="1" dur="indefinite" restart="never" nodeType="tmRoot">
           <p:childTnLst>
             <p:seq>
-              <p:cTn id="29" dur="indefinite" nodeType="mainSeq">
+              <p:cTn id="2" dur="indefinite" nodeType="mainSeq">
                 <p:childTnLst>
                   <p:par>
-                    <p:cTn id="30" fill="hold">
+                    <p:cTn id="3" fill="hold">
                       <p:stCondLst>
                         <p:cond delay="indefinite"/>
                       </p:stCondLst>
                       <p:childTnLst>
                         <p:par>
-                          <p:cTn id="31" fill="hold">
+                          <p:cTn id="4" fill="hold">
                             <p:stCondLst>
                               <p:cond delay="0"/>
                             </p:stCondLst>
                             <p:childTnLst>
                               <p:par>
-                                <p:cTn id="32" nodeType="clickEffect" fill="hold" presetClass="entr" presetID="2" presetSubtype="8">
+                                <p:cTn id="5" presetID="2" presetClass="entr" presetSubtype="8" fill="hold" nodeType="clickEffect">
                                   <p:stCondLst>
                                     <p:cond delay="0"/>
                                   </p:stCondLst>
                                   <p:childTnLst>
                                     <p:set>
                                       <p:cBhvr>
-                                        <p:cTn id="33" dur="1" fill="hold">
+                                        <p:cTn id="6" dur="1" fill="hold">
                                           <p:stCondLst>
                                             <p:cond delay="0"/>
                                           </p:stCondLst>
@@ -11688,7 +12488,7 @@
                                     </p:set>
                                     <p:anim calcmode="lin" valueType="num">
                                       <p:cBhvr additive="repl">
-                                        <p:cTn id="34" dur="500" fill="hold"/>
+                                        <p:cTn id="7" dur="500" fill="hold"/>
                                         <p:tgtEl>
                                           <p:spTgt spid="176">
                                             <p:txEl>
@@ -11715,7 +12515,7 @@
                                     </p:anim>
                                     <p:anim calcmode="lin" valueType="num">
                                       <p:cBhvr additive="repl">
-                                        <p:cTn id="35" dur="500" fill="hold"/>
+                                        <p:cTn id="8" dur="500" fill="hold"/>
                                         <p:tgtEl>
                                           <p:spTgt spid="176">
                                             <p:txEl>
@@ -11747,20 +12547,20 @@
                           </p:cTn>
                         </p:par>
                         <p:par>
-                          <p:cTn id="36" fill="hold">
+                          <p:cTn id="9" fill="hold">
                             <p:stCondLst>
                               <p:cond delay="500"/>
                             </p:stCondLst>
                             <p:childTnLst>
                               <p:par>
-                                <p:cTn id="37" nodeType="afterEffect" fill="hold" presetClass="entr" presetID="2" presetSubtype="8">
+                                <p:cTn id="10" presetID="2" presetClass="entr" presetSubtype="8" fill="hold" nodeType="afterEffect">
                                   <p:stCondLst>
-                                    <p:cond delay="1000"/>
+                                    <p:cond delay="2500"/>
                                   </p:stCondLst>
                                   <p:childTnLst>
                                     <p:set>
                                       <p:cBhvr>
-                                        <p:cTn id="38" dur="1" fill="hold">
+                                        <p:cTn id="11" dur="1" fill="hold">
                                           <p:stCondLst>
                                             <p:cond delay="0"/>
                                           </p:stCondLst>
@@ -11778,7 +12578,7 @@
                                     </p:set>
                                     <p:anim calcmode="lin" valueType="num">
                                       <p:cBhvr additive="repl">
-                                        <p:cTn id="39" dur="750" fill="hold"/>
+                                        <p:cTn id="12" dur="750" fill="hold"/>
                                         <p:tgtEl>
                                           <p:spTgt spid="178"/>
                                         </p:tgtEl>
@@ -11801,7 +12601,7 @@
                                     </p:anim>
                                     <p:anim calcmode="lin" valueType="num">
                                       <p:cBhvr additive="repl">
-                                        <p:cTn id="40" dur="750" fill="hold"/>
+                                        <p:cTn id="13" dur="750" fill="hold"/>
                                         <p:tgtEl>
                                           <p:spTgt spid="178"/>
                                         </p:tgtEl>
@@ -11829,20 +12629,20 @@
                           </p:cTn>
                         </p:par>
                         <p:par>
-                          <p:cTn id="41" fill="hold">
+                          <p:cTn id="14" fill="hold">
                             <p:stCondLst>
-                              <p:cond delay="2250"/>
+                              <p:cond delay="3750"/>
                             </p:stCondLst>
                             <p:childTnLst>
                               <p:par>
-                                <p:cTn id="42" nodeType="afterEffect" fill="hold" presetClass="entr" presetID="2" presetSubtype="8">
+                                <p:cTn id="15" presetID="2" presetClass="entr" presetSubtype="8" fill="hold" nodeType="afterEffect">
                                   <p:stCondLst>
                                     <p:cond delay="1000"/>
                                   </p:stCondLst>
                                   <p:childTnLst>
                                     <p:set>
                                       <p:cBhvr>
-                                        <p:cTn id="43" dur="1" fill="hold">
+                                        <p:cTn id="16" dur="1" fill="hold">
                                           <p:stCondLst>
                                             <p:cond delay="0"/>
                                           </p:stCondLst>
@@ -11860,7 +12660,7 @@
                                     </p:set>
                                     <p:anim calcmode="lin" valueType="num">
                                       <p:cBhvr additive="repl">
-                                        <p:cTn id="44" dur="750" fill="hold"/>
+                                        <p:cTn id="17" dur="750" fill="hold"/>
                                         <p:tgtEl>
                                           <p:spTgt spid="179"/>
                                         </p:tgtEl>
@@ -11883,7 +12683,7 @@
                                     </p:anim>
                                     <p:anim calcmode="lin" valueType="num">
                                       <p:cBhvr additive="repl">
-                                        <p:cTn id="45" dur="750" fill="hold"/>
+                                        <p:cTn id="18" dur="750" fill="hold"/>
                                         <p:tgtEl>
                                           <p:spTgt spid="179"/>
                                         </p:tgtEl>
@@ -11911,20 +12711,20 @@
                           </p:cTn>
                         </p:par>
                         <p:par>
-                          <p:cTn id="46" fill="hold">
+                          <p:cTn id="19" fill="hold">
                             <p:stCondLst>
-                              <p:cond delay="4000"/>
+                              <p:cond delay="5500"/>
                             </p:stCondLst>
                             <p:childTnLst>
                               <p:par>
-                                <p:cTn id="47" nodeType="afterEffect" fill="hold" presetClass="entr" presetID="2" presetSubtype="8">
+                                <p:cTn id="20" presetID="2" presetClass="entr" presetSubtype="8" fill="hold" nodeType="afterEffect">
                                   <p:stCondLst>
                                     <p:cond delay="1000"/>
                                   </p:stCondLst>
                                   <p:childTnLst>
                                     <p:set>
                                       <p:cBhvr>
-                                        <p:cTn id="48" dur="1" fill="hold">
+                                        <p:cTn id="21" dur="1" fill="hold">
                                           <p:stCondLst>
                                             <p:cond delay="0"/>
                                           </p:stCondLst>
@@ -11942,7 +12742,7 @@
                                     </p:set>
                                     <p:anim calcmode="lin" valueType="num">
                                       <p:cBhvr additive="repl">
-                                        <p:cTn id="49" dur="750" fill="hold"/>
+                                        <p:cTn id="22" dur="750" fill="hold"/>
                                         <p:tgtEl>
                                           <p:spTgt spid="177"/>
                                         </p:tgtEl>
@@ -11965,7 +12765,7 @@
                                     </p:anim>
                                     <p:anim calcmode="lin" valueType="num">
                                       <p:cBhvr additive="repl">
-                                        <p:cTn id="50" dur="750" fill="hold"/>
+                                        <p:cTn id="23" dur="750" fill="hold"/>
                                         <p:tgtEl>
                                           <p:spTgt spid="177"/>
                                         </p:tgtEl>
@@ -11993,20 +12793,20 @@
                           </p:cTn>
                         </p:par>
                         <p:par>
-                          <p:cTn id="51" fill="hold">
+                          <p:cTn id="24" fill="hold">
                             <p:stCondLst>
-                              <p:cond delay="5750"/>
+                              <p:cond delay="7250"/>
                             </p:stCondLst>
                             <p:childTnLst>
                               <p:par>
-                                <p:cTn id="52" nodeType="afterEffect" fill="hold" presetClass="entr" presetID="2" presetSubtype="8">
+                                <p:cTn id="25" presetID="2" presetClass="entr" presetSubtype="8" fill="hold" nodeType="afterEffect">
                                   <p:stCondLst>
                                     <p:cond delay="1000"/>
                                   </p:stCondLst>
                                   <p:childTnLst>
                                     <p:set>
                                       <p:cBhvr>
-                                        <p:cTn id="53" dur="1" fill="hold">
+                                        <p:cTn id="26" dur="1" fill="hold">
                                           <p:stCondLst>
                                             <p:cond delay="0"/>
                                           </p:stCondLst>
@@ -12028,7 +12828,7 @@
                                     </p:set>
                                     <p:anim calcmode="lin" valueType="num">
                                       <p:cBhvr additive="repl">
-                                        <p:cTn id="54" dur="750" fill="hold"/>
+                                        <p:cTn id="27" dur="750" fill="hold"/>
                                         <p:tgtEl>
                                           <p:spTgt spid="176">
                                             <p:txEl>
@@ -12055,7 +12855,7 @@
                                     </p:anim>
                                     <p:anim calcmode="lin" valueType="num">
                                       <p:cBhvr additive="repl">
-                                        <p:cTn id="55" dur="750" fill="hold"/>
+                                        <p:cTn id="28" dur="750" fill="hold"/>
                                         <p:tgtEl>
                                           <p:spTgt spid="176">
                                             <p:txEl>
@@ -12092,14 +12892,14 @@
                 </p:childTnLst>
               </p:cTn>
               <p:prevCondLst>
-                <p:cond delay="0" evt="onPrev">
+                <p:cond evt="onPrev" delay="0">
                   <p:tgtEl>
                     <p:sldTgt/>
                   </p:tgtEl>
                 </p:cond>
               </p:prevCondLst>
               <p:nextCondLst>
-                <p:cond delay="0" evt="onNext">
+                <p:cond evt="onNext" delay="0">
                   <p:tgtEl>
                     <p:sldTgt/>
                   </p:tgtEl>
@@ -12115,7 +12915,7 @@
 </file>
 
 <file path=ppt/slides/slide5.xml><?xml version="1.0" encoding="utf-8"?>
-<p:sld xmlns:a="http://schemas.openxmlformats.org/drawingml/2006/main" xmlns:p="http://schemas.openxmlformats.org/presentationml/2006/main" xmlns:r="http://schemas.openxmlformats.org/officeDocument/2006/relationships" xmlns:p14="http://schemas.microsoft.com/office/powerpoint/2010/main" xmlns:p15="http://schemas.microsoft.com/office/powerpoint/2012/main" xmlns:mc="http://schemas.openxmlformats.org/markup-compatibility/2006">
+<p:sld xmlns:a="http://schemas.openxmlformats.org/drawingml/2006/main" xmlns:r="http://schemas.openxmlformats.org/officeDocument/2006/relationships" xmlns:p="http://schemas.openxmlformats.org/presentationml/2006/main">
   <p:cSld>
     <p:spTree>
       <p:nvGrpSpPr>
@@ -12151,15 +12951,22 @@
           </a:ln>
         </p:spPr>
         <p:style>
-          <a:lnRef idx="0"/>
-          <a:fillRef idx="0"/>
-          <a:effectRef idx="0"/>
+          <a:lnRef idx="0">
+            <a:scrgbClr r="0" g="0" b="0"/>
+          </a:lnRef>
+          <a:fillRef idx="0">
+            <a:scrgbClr r="0" g="0" b="0"/>
+          </a:fillRef>
+          <a:effectRef idx="0">
+            <a:scrgbClr r="0" g="0" b="0"/>
+          </a:effectRef>
           <a:fontRef idx="minor"/>
         </p:style>
         <p:txBody>
-          <a:bodyPr lIns="0" rIns="0" tIns="0" bIns="0" anchor="ctr">
+          <a:bodyPr lIns="0" tIns="0" rIns="0" bIns="0" anchor="ctr">
             <a:normAutofit/>
           </a:bodyPr>
+          <a:lstStyle/>
           <a:p>
             <a:pPr marL="285840" indent="-284760">
               <a:lnSpc>
@@ -12172,7 +12979,7 @@
               <a:buChar char="•"/>
             </a:pPr>
             <a:r>
-              <a:rPr b="0" lang="en-US" sz="3200" spc="-1" strike="noStrike">
+              <a:rPr lang="en-US" sz="3200" b="0" strike="noStrike" spc="-1" dirty="0">
                 <a:solidFill>
                   <a:srgbClr val="000000"/>
                 </a:solidFill>
@@ -12181,9 +12988,15 @@
               </a:rPr>
               <a:t>More than 1 in 3 young people have experienced cyber threats online.</a:t>
             </a:r>
-            <a:br/>
             <a:r>
-              <a:rPr b="0" lang="en-US" sz="3200" spc="-1" strike="noStrike">
+              <a:rPr dirty="0"/>
+              <a:t/>
+            </a:r>
+            <a:br>
+              <a:rPr dirty="0"/>
+            </a:br>
+            <a:r>
+              <a:rPr lang="en-US" sz="3200" b="0" strike="noStrike" spc="-1" dirty="0">
                 <a:solidFill>
                   <a:srgbClr val="000000"/>
                 </a:solidFill>
@@ -12192,7 +13005,7 @@
               </a:rPr>
               <a:t> </a:t>
             </a:r>
-            <a:endParaRPr b="0" lang="en-US" sz="3200" spc="-1" strike="noStrike">
+            <a:endParaRPr lang="en-US" sz="3200" b="0" strike="noStrike" spc="-1" dirty="0">
               <a:latin typeface="Arial"/>
             </a:endParaRPr>
           </a:p>
@@ -12208,7 +13021,7 @@
               <a:buChar char="•"/>
             </a:pPr>
             <a:r>
-              <a:rPr b="0" lang="en-US" sz="3200" spc="-1" strike="noStrike">
+              <a:rPr lang="en-US" sz="3200" b="0" strike="noStrike" spc="-1" dirty="0">
                 <a:solidFill>
                   <a:srgbClr val="000000"/>
                 </a:solidFill>
@@ -12217,7 +13030,7 @@
               </a:rPr>
               <a:t>Over 25 percent of adolescents and teens have been bullied repeatedly through their cell phones or the Internet.</a:t>
             </a:r>
-            <a:endParaRPr b="0" lang="en-US" sz="3200" spc="-1" strike="noStrike">
+            <a:endParaRPr lang="en-US" sz="3200" b="0" strike="noStrike" spc="-1" dirty="0">
               <a:latin typeface="Arial"/>
             </a:endParaRPr>
           </a:p>
@@ -12227,7 +13040,7 @@
                 <a:spcPct val="100000"/>
               </a:lnSpc>
             </a:pPr>
-            <a:endParaRPr b="0" lang="en-US" sz="3200" spc="-1" strike="noStrike">
+            <a:endParaRPr lang="en-US" sz="3200" b="0" strike="noStrike" spc="-1" dirty="0">
               <a:latin typeface="Arial"/>
             </a:endParaRPr>
           </a:p>
@@ -12237,7 +13050,7 @@
                 <a:spcPct val="100000"/>
               </a:lnSpc>
             </a:pPr>
-            <a:endParaRPr b="0" lang="en-US" sz="3200" spc="-1" strike="noStrike">
+            <a:endParaRPr lang="en-US" sz="3200" b="0" strike="noStrike" spc="-1" dirty="0">
               <a:latin typeface="Arial"/>
             </a:endParaRPr>
           </a:p>
@@ -12263,13 +13076,20 @@
           </a:ln>
         </p:spPr>
         <p:style>
-          <a:lnRef idx="0"/>
-          <a:fillRef idx="0"/>
-          <a:effectRef idx="0"/>
+          <a:lnRef idx="0">
+            <a:scrgbClr r="0" g="0" b="0"/>
+          </a:lnRef>
+          <a:fillRef idx="0">
+            <a:scrgbClr r="0" g="0" b="0"/>
+          </a:fillRef>
+          <a:effectRef idx="0">
+            <a:scrgbClr r="0" g="0" b="0"/>
+          </a:effectRef>
           <a:fontRef idx="minor"/>
         </p:style>
         <p:txBody>
-          <a:bodyPr lIns="90000" rIns="90000" tIns="45000" bIns="45000"/>
+          <a:bodyPr lIns="90000" tIns="45000" rIns="90000" bIns="45000"/>
+          <a:lstStyle/>
           <a:p>
             <a:pPr>
               <a:lnSpc>
@@ -12277,7 +13097,7 @@
               </a:lnSpc>
             </a:pPr>
             <a:r>
-              <a:rPr b="0" lang="en-US" sz="1000" spc="-1" strike="noStrike">
+              <a:rPr lang="en-US" sz="1000" b="0" strike="noStrike" spc="-1">
                 <a:solidFill>
                   <a:srgbClr val="000000"/>
                 </a:solidFill>
@@ -12286,7 +13106,7 @@
               </a:rPr>
               <a:t>National Crime Prevention Council, “Cyberbullying”</a:t>
             </a:r>
-            <a:endParaRPr b="0" lang="en-US" sz="1000" spc="-1" strike="noStrike">
+            <a:endParaRPr lang="en-US" sz="1000" b="0" strike="noStrike" spc="-1">
               <a:latin typeface="Arial"/>
             </a:endParaRPr>
           </a:p>
@@ -12297,7 +13117,7 @@
               </a:lnSpc>
             </a:pPr>
             <a:r>
-              <a:rPr b="0" lang="en-US" sz="1000" spc="-1" strike="noStrike">
+              <a:rPr lang="en-US" sz="1000" b="0" strike="noStrike" spc="-1">
                 <a:solidFill>
                   <a:srgbClr val="000000"/>
                 </a:solidFill>
@@ -12306,7 +13126,7 @@
               </a:rPr>
               <a:t>i-SAFE Inc., “Cyber Bullying: Statistics and Tips”</a:t>
             </a:r>
-            <a:endParaRPr b="0" lang="en-US" sz="1000" spc="-1" strike="noStrike">
+            <a:endParaRPr lang="en-US" sz="1000" b="0" strike="noStrike" spc="-1">
               <a:latin typeface="Arial"/>
             </a:endParaRPr>
           </a:p>
@@ -12317,7 +13137,7 @@
               </a:lnSpc>
             </a:pPr>
             <a:r>
-              <a:rPr b="0" lang="en-US" sz="1000" spc="-1" strike="noStrike">
+              <a:rPr lang="en-US" sz="1000" b="0" strike="noStrike" spc="-1">
                 <a:solidFill>
                   <a:srgbClr val="000000"/>
                 </a:solidFill>
@@ -12326,7 +13146,7 @@
               </a:rPr>
               <a:t>Richard Webster, Harford County Examiner, “From cyber bullying to sexting: What on your kids’ cell?”</a:t>
             </a:r>
-            <a:endParaRPr b="0" lang="en-US" sz="1000" spc="-1" strike="noStrike">
+            <a:endParaRPr lang="en-US" sz="1000" b="0" strike="noStrike" spc="-1">
               <a:latin typeface="Arial"/>
             </a:endParaRPr>
           </a:p>
@@ -12334,22 +13154,25 @@
       </p:sp>
     </p:spTree>
   </p:cSld>
+  <p:clrMapOvr>
+    <a:masterClrMapping/>
+  </p:clrMapOvr>
   <p:timing>
     <p:tnLst>
       <p:par>
-        <p:cTn id="56" dur="indefinite" restart="never" nodeType="tmRoot">
+        <p:cTn id="1" dur="indefinite" restart="never" nodeType="tmRoot">
           <p:childTnLst>
             <p:seq>
-              <p:cTn id="57" dur="indefinite" nodeType="mainSeq"/>
+              <p:cTn id="2" dur="indefinite" nodeType="mainSeq"/>
               <p:prevCondLst>
-                <p:cond delay="0" evt="onPrev">
+                <p:cond evt="onPrev" delay="0">
                   <p:tgtEl>
                     <p:sldTgt/>
                   </p:tgtEl>
                 </p:cond>
               </p:prevCondLst>
               <p:nextCondLst>
-                <p:cond delay="0" evt="onNext">
+                <p:cond evt="onNext" delay="0">
                   <p:tgtEl>
                     <p:sldTgt/>
                   </p:tgtEl>
@@ -12365,7 +13188,7 @@
 </file>
 
 <file path=ppt/slides/slide6.xml><?xml version="1.0" encoding="utf-8"?>
-<p:sld xmlns:a="http://schemas.openxmlformats.org/drawingml/2006/main" xmlns:p="http://schemas.openxmlformats.org/presentationml/2006/main" xmlns:r="http://schemas.openxmlformats.org/officeDocument/2006/relationships" xmlns:p14="http://schemas.microsoft.com/office/powerpoint/2010/main" xmlns:p15="http://schemas.microsoft.com/office/powerpoint/2012/main" xmlns:mc="http://schemas.openxmlformats.org/markup-compatibility/2006">
+<p:sld xmlns:a="http://schemas.openxmlformats.org/drawingml/2006/main" xmlns:r="http://schemas.openxmlformats.org/officeDocument/2006/relationships" xmlns:p="http://schemas.openxmlformats.org/presentationml/2006/main">
   <p:cSld>
     <p:spTree>
       <p:nvGrpSpPr>
@@ -12401,13 +13224,20 @@
           </a:ln>
         </p:spPr>
         <p:style>
-          <a:lnRef idx="0"/>
-          <a:fillRef idx="0"/>
-          <a:effectRef idx="0"/>
+          <a:lnRef idx="0">
+            <a:scrgbClr r="0" g="0" b="0"/>
+          </a:lnRef>
+          <a:fillRef idx="0">
+            <a:scrgbClr r="0" g="0" b="0"/>
+          </a:fillRef>
+          <a:effectRef idx="0">
+            <a:scrgbClr r="0" g="0" b="0"/>
+          </a:effectRef>
           <a:fontRef idx="minor"/>
         </p:style>
         <p:txBody>
-          <a:bodyPr lIns="0" rIns="0" tIns="0" bIns="0" anchor="ctr"/>
+          <a:bodyPr lIns="0" tIns="0" rIns="0" bIns="0" anchor="ctr"/>
+          <a:lstStyle/>
           <a:p>
             <a:pPr algn="ctr">
               <a:lnSpc>
@@ -12415,16 +13245,16 @@
               </a:lnSpc>
             </a:pPr>
             <a:r>
-              <a:rPr b="0" lang="en-US" sz="4400" spc="-1" strike="noStrike">
+              <a:rPr lang="en-US" sz="4400" b="0" strike="noStrike" spc="-1">
                 <a:solidFill>
-                  <a:srgbClr val="ed1c24"/>
+                  <a:srgbClr val="ED1C24"/>
                 </a:solidFill>
                 <a:latin typeface="Arial"/>
                 <a:ea typeface="DejaVu Sans"/>
               </a:rPr>
               <a:t>Related Work</a:t>
             </a:r>
-            <a:endParaRPr b="0" lang="en-US" sz="4400" spc="-1" strike="noStrike">
+            <a:endParaRPr lang="en-US" sz="4400" b="0" strike="noStrike" spc="-1">
               <a:latin typeface="Arial"/>
             </a:endParaRPr>
           </a:p>
@@ -12450,9 +13280,15 @@
           </a:ln>
         </p:spPr>
         <p:style>
-          <a:lnRef idx="0"/>
-          <a:fillRef idx="0"/>
-          <a:effectRef idx="0"/>
+          <a:lnRef idx="0">
+            <a:scrgbClr r="0" g="0" b="0"/>
+          </a:lnRef>
+          <a:fillRef idx="0">
+            <a:scrgbClr r="0" g="0" b="0"/>
+          </a:fillRef>
+          <a:effectRef idx="0">
+            <a:scrgbClr r="0" g="0" b="0"/>
+          </a:effectRef>
           <a:fontRef idx="minor"/>
         </p:style>
       </p:sp>
@@ -12476,13 +13312,20 @@
           </a:ln>
         </p:spPr>
         <p:style>
-          <a:lnRef idx="0"/>
-          <a:fillRef idx="0"/>
-          <a:effectRef idx="0"/>
+          <a:lnRef idx="0">
+            <a:scrgbClr r="0" g="0" b="0"/>
+          </a:lnRef>
+          <a:fillRef idx="0">
+            <a:scrgbClr r="0" g="0" b="0"/>
+          </a:fillRef>
+          <a:effectRef idx="0">
+            <a:scrgbClr r="0" g="0" b="0"/>
+          </a:effectRef>
           <a:fontRef idx="minor"/>
         </p:style>
         <p:txBody>
-          <a:bodyPr lIns="90000" rIns="90000" tIns="45000" bIns="45000"/>
+          <a:bodyPr lIns="90000" tIns="45000" rIns="90000" bIns="45000"/>
+          <a:lstStyle/>
           <a:p>
             <a:pPr>
               <a:lnSpc>
@@ -12490,7 +13333,7 @@
               </a:lnSpc>
             </a:pPr>
             <a:r>
-              <a:rPr b="1" lang="en-US" sz="2000" spc="-1" strike="noStrike">
+              <a:rPr lang="en-US" sz="2000" b="1" strike="noStrike" spc="-1">
                 <a:solidFill>
                   <a:srgbClr val="000000"/>
                 </a:solidFill>
@@ -12499,7 +13342,7 @@
               </a:rPr>
               <a:t>Motivation</a:t>
             </a:r>
-            <a:endParaRPr b="0" lang="en-US" sz="2000" spc="-1" strike="noStrike">
+            <a:endParaRPr lang="en-US" sz="2000" b="0" strike="noStrike" spc="-1">
               <a:latin typeface="Arial"/>
             </a:endParaRPr>
           </a:p>
@@ -12525,13 +13368,20 @@
           </a:ln>
         </p:spPr>
         <p:style>
-          <a:lnRef idx="0"/>
-          <a:fillRef idx="0"/>
-          <a:effectRef idx="0"/>
+          <a:lnRef idx="0">
+            <a:scrgbClr r="0" g="0" b="0"/>
+          </a:lnRef>
+          <a:fillRef idx="0">
+            <a:scrgbClr r="0" g="0" b="0"/>
+          </a:fillRef>
+          <a:effectRef idx="0">
+            <a:scrgbClr r="0" g="0" b="0"/>
+          </a:effectRef>
           <a:fontRef idx="minor"/>
         </p:style>
         <p:txBody>
-          <a:bodyPr lIns="90000" rIns="90000" tIns="45000" bIns="45000"/>
+          <a:bodyPr lIns="90000" tIns="45000" rIns="90000" bIns="45000"/>
+          <a:lstStyle/>
           <a:p>
             <a:pPr>
               <a:lnSpc>
@@ -12539,7 +13389,7 @@
               </a:lnSpc>
             </a:pPr>
             <a:r>
-              <a:rPr b="1" lang="en-US" sz="2000" spc="-1" strike="noStrike">
+              <a:rPr lang="en-US" sz="2000" b="1" strike="noStrike" spc="-1">
                 <a:solidFill>
                   <a:srgbClr val="000000"/>
                 </a:solidFill>
@@ -12548,7 +13398,7 @@
               </a:rPr>
               <a:t>Main Problem</a:t>
             </a:r>
-            <a:endParaRPr b="0" lang="en-US" sz="2000" spc="-1" strike="noStrike">
+            <a:endParaRPr lang="en-US" sz="2000" b="0" strike="noStrike" spc="-1">
               <a:latin typeface="Arial"/>
             </a:endParaRPr>
           </a:p>
@@ -12574,13 +13424,20 @@
           </a:ln>
         </p:spPr>
         <p:style>
-          <a:lnRef idx="0"/>
-          <a:fillRef idx="0"/>
-          <a:effectRef idx="0"/>
+          <a:lnRef idx="0">
+            <a:scrgbClr r="0" g="0" b="0"/>
+          </a:lnRef>
+          <a:fillRef idx="0">
+            <a:scrgbClr r="0" g="0" b="0"/>
+          </a:fillRef>
+          <a:effectRef idx="0">
+            <a:scrgbClr r="0" g="0" b="0"/>
+          </a:effectRef>
           <a:fontRef idx="minor"/>
         </p:style>
         <p:txBody>
-          <a:bodyPr lIns="90000" rIns="90000" tIns="45000" bIns="45000"/>
+          <a:bodyPr lIns="90000" tIns="45000" rIns="90000" bIns="45000"/>
+          <a:lstStyle/>
           <a:p>
             <a:pPr>
               <a:lnSpc>
@@ -12588,7 +13445,7 @@
               </a:lnSpc>
             </a:pPr>
             <a:r>
-              <a:rPr b="1" lang="en-US" sz="2000" spc="-1" strike="noStrike">
+              <a:rPr lang="en-US" sz="2000" b="1" strike="noStrike" spc="-1">
                 <a:solidFill>
                   <a:srgbClr val="000000"/>
                 </a:solidFill>
@@ -12597,7 +13454,7 @@
               </a:rPr>
               <a:t>Contribution</a:t>
             </a:r>
-            <a:endParaRPr b="0" lang="en-US" sz="2000" spc="-1" strike="noStrike">
+            <a:endParaRPr lang="en-US" sz="2000" b="0" strike="noStrike" spc="-1">
               <a:latin typeface="Arial"/>
             </a:endParaRPr>
           </a:p>
@@ -12623,13 +13480,20 @@
           </a:ln>
         </p:spPr>
         <p:style>
-          <a:lnRef idx="0"/>
-          <a:fillRef idx="0"/>
-          <a:effectRef idx="0"/>
+          <a:lnRef idx="0">
+            <a:scrgbClr r="0" g="0" b="0"/>
+          </a:lnRef>
+          <a:fillRef idx="0">
+            <a:scrgbClr r="0" g="0" b="0"/>
+          </a:fillRef>
+          <a:effectRef idx="0">
+            <a:scrgbClr r="0" g="0" b="0"/>
+          </a:effectRef>
           <a:fontRef idx="minor"/>
         </p:style>
         <p:txBody>
-          <a:bodyPr lIns="90000" rIns="90000" tIns="45000" bIns="45000"/>
+          <a:bodyPr lIns="90000" tIns="45000" rIns="90000" bIns="45000"/>
+          <a:lstStyle/>
           <a:p>
             <a:pPr>
               <a:lnSpc>
@@ -12637,7 +13501,7 @@
               </a:lnSpc>
             </a:pPr>
             <a:r>
-              <a:rPr b="1" lang="en-US" sz="2000" spc="-1" strike="noStrike">
+              <a:rPr lang="en-US" sz="2000" b="1" strike="noStrike" spc="-1">
                 <a:solidFill>
                   <a:srgbClr val="000000"/>
                 </a:solidFill>
@@ -12646,7 +13510,7 @@
               </a:rPr>
               <a:t>Precision</a:t>
             </a:r>
-            <a:endParaRPr b="0" lang="en-US" sz="2000" spc="-1" strike="noStrike">
+            <a:endParaRPr lang="en-US" sz="2000" b="0" strike="noStrike" spc="-1">
               <a:latin typeface="Arial"/>
             </a:endParaRPr>
           </a:p>
@@ -12672,13 +13536,20 @@
           </a:ln>
         </p:spPr>
         <p:style>
-          <a:lnRef idx="0"/>
-          <a:fillRef idx="0"/>
-          <a:effectRef idx="0"/>
+          <a:lnRef idx="0">
+            <a:scrgbClr r="0" g="0" b="0"/>
+          </a:lnRef>
+          <a:fillRef idx="0">
+            <a:scrgbClr r="0" g="0" b="0"/>
+          </a:fillRef>
+          <a:effectRef idx="0">
+            <a:scrgbClr r="0" g="0" b="0"/>
+          </a:effectRef>
           <a:fontRef idx="minor"/>
         </p:style>
         <p:txBody>
-          <a:bodyPr lIns="90000" rIns="90000" tIns="45000" bIns="45000"/>
+          <a:bodyPr lIns="90000" tIns="45000" rIns="90000" bIns="45000"/>
+          <a:lstStyle/>
           <a:p>
             <a:pPr>
               <a:lnSpc>
@@ -12686,26 +13557,16 @@
               </a:lnSpc>
             </a:pPr>
             <a:r>
-              <a:rPr b="0" lang="en-US" sz="1800" spc="-1" strike="noStrike">
+              <a:rPr lang="en-US" sz="1800" b="0" strike="noStrike" spc="-1">
                 <a:solidFill>
                   <a:srgbClr val="000000"/>
                 </a:solidFill>
                 <a:latin typeface="Arial"/>
                 <a:ea typeface="DejaVu Sans"/>
               </a:rPr>
-              <a:t>  </a:t>
+              <a:t>  Most of the technical studies have focused on the detection of cyberbullying through identifying harassing comments rather than preventing the incidents by detecting the bullies.</a:t>
             </a:r>
-            <a:r>
-              <a:rPr b="0" lang="en-US" sz="1800" spc="-1" strike="noStrike">
-                <a:solidFill>
-                  <a:srgbClr val="000000"/>
-                </a:solidFill>
-                <a:latin typeface="Arial"/>
-                <a:ea typeface="DejaVu Sans"/>
-              </a:rPr>
-              <a:t>Most of the technical studies have focused on the detection of cyberbullying through identifying harassing comments rather than preventing the incidents by detecting the bullies.</a:t>
-            </a:r>
-            <a:endParaRPr b="0" lang="en-US" sz="1800" spc="-1" strike="noStrike">
+            <a:endParaRPr lang="en-US" sz="1800" b="0" strike="noStrike" spc="-1">
               <a:latin typeface="Arial"/>
             </a:endParaRPr>
           </a:p>
@@ -12731,13 +13592,20 @@
           </a:ln>
         </p:spPr>
         <p:style>
-          <a:lnRef idx="0"/>
-          <a:fillRef idx="0"/>
-          <a:effectRef idx="0"/>
+          <a:lnRef idx="0">
+            <a:scrgbClr r="0" g="0" b="0"/>
+          </a:lnRef>
+          <a:fillRef idx="0">
+            <a:scrgbClr r="0" g="0" b="0"/>
+          </a:fillRef>
+          <a:effectRef idx="0">
+            <a:scrgbClr r="0" g="0" b="0"/>
+          </a:effectRef>
           <a:fontRef idx="minor"/>
         </p:style>
         <p:txBody>
-          <a:bodyPr lIns="90000" rIns="90000" tIns="45000" bIns="45000"/>
+          <a:bodyPr lIns="90000" tIns="45000" rIns="90000" bIns="45000"/>
+          <a:lstStyle/>
           <a:p>
             <a:pPr>
               <a:lnSpc>
@@ -12745,7 +13613,7 @@
               </a:lnSpc>
             </a:pPr>
             <a:r>
-              <a:rPr b="0" lang="en-US" sz="1800" spc="-1" strike="noStrike">
+              <a:rPr lang="en-US" sz="1800" b="0" strike="noStrike" spc="-1">
                 <a:solidFill>
                   <a:srgbClr val="000000"/>
                 </a:solidFill>
@@ -12754,7 +13622,7 @@
               </a:rPr>
               <a:t>They used three machine learning methods: a Naive Bayes classiﬁer, a classiﬁer based on decision trees and Support Vector Machines (SVM) with a linear kernel</a:t>
             </a:r>
-            <a:endParaRPr b="0" lang="en-US" sz="1800" spc="-1" strike="noStrike">
+            <a:endParaRPr lang="en-US" sz="1800" b="0" strike="noStrike" spc="-1">
               <a:latin typeface="Arial"/>
             </a:endParaRPr>
           </a:p>
@@ -12780,13 +13648,20 @@
           </a:ln>
         </p:spPr>
         <p:style>
-          <a:lnRef idx="0"/>
-          <a:fillRef idx="0"/>
-          <a:effectRef idx="0"/>
+          <a:lnRef idx="0">
+            <a:scrgbClr r="0" g="0" b="0"/>
+          </a:lnRef>
+          <a:fillRef idx="0">
+            <a:scrgbClr r="0" g="0" b="0"/>
+          </a:fillRef>
+          <a:effectRef idx="0">
+            <a:scrgbClr r="0" g="0" b="0"/>
+          </a:effectRef>
           <a:fontRef idx="minor"/>
         </p:style>
         <p:txBody>
-          <a:bodyPr lIns="90000" rIns="90000" tIns="45000" bIns="45000"/>
+          <a:bodyPr lIns="90000" tIns="45000" rIns="90000" bIns="45000"/>
+          <a:lstStyle/>
           <a:p>
             <a:pPr>
               <a:lnSpc>
@@ -12794,7 +13669,7 @@
               </a:lnSpc>
             </a:pPr>
             <a:r>
-              <a:rPr b="0" lang="en-US" sz="1800" spc="-1" strike="noStrike">
+              <a:rPr lang="en-US" sz="1800" b="0" strike="noStrike" spc="-1">
                 <a:solidFill>
                   <a:srgbClr val="000000"/>
                 </a:solidFill>
@@ -12803,7 +13678,7 @@
               </a:rPr>
               <a:t>The discrimination capacity of the MCES was 0.72..</a:t>
             </a:r>
-            <a:endParaRPr b="0" lang="en-US" sz="1800" spc="-1" strike="noStrike">
+            <a:endParaRPr lang="en-US" sz="1800" b="0" strike="noStrike" spc="-1">
               <a:latin typeface="Arial"/>
             </a:endParaRPr>
           </a:p>
@@ -12829,44 +13704,39 @@
           </a:ln>
         </p:spPr>
         <p:txBody>
-          <a:bodyPr lIns="90000" rIns="90000" tIns="45000" bIns="45000"/>
+          <a:bodyPr lIns="90000" tIns="45000" rIns="90000" bIns="45000"/>
+          <a:lstStyle/>
           <a:p>
             <a:r>
-              <a:rPr b="0" lang="en-US" sz="1800" spc="-1" strike="noStrike">
+              <a:rPr lang="en-US" sz="1800" b="0" strike="noStrike" spc="-1">
                 <a:latin typeface="Arial"/>
               </a:rPr>
-              <a:t> </a:t>
+              <a:t> They focused on the detection of bully users in online social networks and the efficiency of both expert systems and machine learning models for identifying the potential bully users. </a:t>
             </a:r>
-            <a:r>
-              <a:rPr b="0" lang="en-US" sz="1800" spc="-1" strike="noStrike">
-                <a:latin typeface="Arial"/>
-              </a:rPr>
-              <a:t>They focused on the detection of bully users in online social networks and the efficiency of both expert systems and machine learning models for identifying the potential bully users. </a:t>
-            </a:r>
-            <a:endParaRPr b="0" lang="en-US" sz="1800" spc="-1" strike="noStrike">
-              <a:latin typeface="Arial"/>
-            </a:endParaRPr>
           </a:p>
         </p:txBody>
       </p:sp>
     </p:spTree>
   </p:cSld>
+  <p:clrMapOvr>
+    <a:masterClrMapping/>
+  </p:clrMapOvr>
   <p:timing>
     <p:tnLst>
       <p:par>
-        <p:cTn id="58" dur="indefinite" restart="never" nodeType="tmRoot">
+        <p:cTn id="1" dur="indefinite" restart="never" nodeType="tmRoot">
           <p:childTnLst>
             <p:seq>
-              <p:cTn id="59" dur="indefinite" nodeType="mainSeq"/>
+              <p:cTn id="2" dur="indefinite" nodeType="mainSeq"/>
               <p:prevCondLst>
-                <p:cond delay="0" evt="onPrev">
+                <p:cond evt="onPrev" delay="0">
                   <p:tgtEl>
                     <p:sldTgt/>
                   </p:tgtEl>
                 </p:cond>
               </p:prevCondLst>
               <p:nextCondLst>
-                <p:cond delay="0" evt="onNext">
+                <p:cond evt="onNext" delay="0">
                   <p:tgtEl>
                     <p:sldTgt/>
                   </p:tgtEl>
@@ -12882,7 +13752,7 @@
 </file>
 
 <file path=ppt/slides/slide7.xml><?xml version="1.0" encoding="utf-8"?>
-<p:sld xmlns:a="http://schemas.openxmlformats.org/drawingml/2006/main" xmlns:p="http://schemas.openxmlformats.org/presentationml/2006/main" xmlns:r="http://schemas.openxmlformats.org/officeDocument/2006/relationships" xmlns:p14="http://schemas.microsoft.com/office/powerpoint/2010/main" xmlns:p15="http://schemas.microsoft.com/office/powerpoint/2012/main" xmlns:mc="http://schemas.openxmlformats.org/markup-compatibility/2006">
+<p:sld xmlns:a="http://schemas.openxmlformats.org/drawingml/2006/main" xmlns:r="http://schemas.openxmlformats.org/officeDocument/2006/relationships" xmlns:p="http://schemas.openxmlformats.org/presentationml/2006/main">
   <p:cSld>
     <p:spTree>
       <p:nvGrpSpPr>
@@ -12918,13 +13788,20 @@
           </a:ln>
         </p:spPr>
         <p:style>
-          <a:lnRef idx="0"/>
-          <a:fillRef idx="0"/>
-          <a:effectRef idx="0"/>
+          <a:lnRef idx="0">
+            <a:scrgbClr r="0" g="0" b="0"/>
+          </a:lnRef>
+          <a:fillRef idx="0">
+            <a:scrgbClr r="0" g="0" b="0"/>
+          </a:fillRef>
+          <a:effectRef idx="0">
+            <a:scrgbClr r="0" g="0" b="0"/>
+          </a:effectRef>
           <a:fontRef idx="minor"/>
         </p:style>
         <p:txBody>
-          <a:bodyPr lIns="0" rIns="0" tIns="0" bIns="0" anchor="ctr"/>
+          <a:bodyPr lIns="0" tIns="0" rIns="0" bIns="0" anchor="ctr"/>
+          <a:lstStyle/>
           <a:p>
             <a:pPr algn="ctr">
               <a:lnSpc>
@@ -12932,16 +13809,16 @@
               </a:lnSpc>
             </a:pPr>
             <a:r>
-              <a:rPr b="0" lang="en-US" sz="4400" spc="-1" strike="noStrike">
+              <a:rPr lang="en-US" sz="4400" b="0" strike="noStrike" spc="-1">
                 <a:solidFill>
-                  <a:srgbClr val="ed1c24"/>
+                  <a:srgbClr val="ED1C24"/>
                 </a:solidFill>
                 <a:latin typeface="Arial"/>
                 <a:ea typeface="DejaVu Sans"/>
               </a:rPr>
               <a:t>Related Work</a:t>
             </a:r>
-            <a:endParaRPr b="0" lang="en-US" sz="4400" spc="-1" strike="noStrike">
+            <a:endParaRPr lang="en-US" sz="4400" b="0" strike="noStrike" spc="-1">
               <a:latin typeface="Arial"/>
             </a:endParaRPr>
           </a:p>
@@ -12967,9 +13844,15 @@
           </a:ln>
         </p:spPr>
         <p:style>
-          <a:lnRef idx="0"/>
-          <a:fillRef idx="0"/>
-          <a:effectRef idx="0"/>
+          <a:lnRef idx="0">
+            <a:scrgbClr r="0" g="0" b="0"/>
+          </a:lnRef>
+          <a:fillRef idx="0">
+            <a:scrgbClr r="0" g="0" b="0"/>
+          </a:fillRef>
+          <a:effectRef idx="0">
+            <a:scrgbClr r="0" g="0" b="0"/>
+          </a:effectRef>
           <a:fontRef idx="minor"/>
         </p:style>
       </p:sp>
@@ -12993,13 +13876,20 @@
           </a:ln>
         </p:spPr>
         <p:style>
-          <a:lnRef idx="0"/>
-          <a:fillRef idx="0"/>
-          <a:effectRef idx="0"/>
+          <a:lnRef idx="0">
+            <a:scrgbClr r="0" g="0" b="0"/>
+          </a:lnRef>
+          <a:fillRef idx="0">
+            <a:scrgbClr r="0" g="0" b="0"/>
+          </a:fillRef>
+          <a:effectRef idx="0">
+            <a:scrgbClr r="0" g="0" b="0"/>
+          </a:effectRef>
           <a:fontRef idx="minor"/>
         </p:style>
         <p:txBody>
-          <a:bodyPr lIns="90000" rIns="90000" tIns="45000" bIns="45000"/>
+          <a:bodyPr lIns="90000" tIns="45000" rIns="90000" bIns="45000"/>
+          <a:lstStyle/>
           <a:p>
             <a:pPr>
               <a:lnSpc>
@@ -13007,7 +13897,7 @@
               </a:lnSpc>
             </a:pPr>
             <a:r>
-              <a:rPr b="1" lang="en-US" sz="2000" spc="-1" strike="noStrike">
+              <a:rPr lang="en-US" sz="2000" b="1" strike="noStrike" spc="-1">
                 <a:solidFill>
                   <a:srgbClr val="000000"/>
                 </a:solidFill>
@@ -13016,7 +13906,7 @@
               </a:rPr>
               <a:t>Motivation</a:t>
             </a:r>
-            <a:endParaRPr b="0" lang="en-US" sz="2000" spc="-1" strike="noStrike">
+            <a:endParaRPr lang="en-US" sz="2000" b="0" strike="noStrike" spc="-1">
               <a:latin typeface="Arial"/>
             </a:endParaRPr>
           </a:p>
@@ -13042,13 +13932,20 @@
           </a:ln>
         </p:spPr>
         <p:style>
-          <a:lnRef idx="0"/>
-          <a:fillRef idx="0"/>
-          <a:effectRef idx="0"/>
+          <a:lnRef idx="0">
+            <a:scrgbClr r="0" g="0" b="0"/>
+          </a:lnRef>
+          <a:fillRef idx="0">
+            <a:scrgbClr r="0" g="0" b="0"/>
+          </a:fillRef>
+          <a:effectRef idx="0">
+            <a:scrgbClr r="0" g="0" b="0"/>
+          </a:effectRef>
           <a:fontRef idx="minor"/>
         </p:style>
         <p:txBody>
-          <a:bodyPr lIns="90000" rIns="90000" tIns="45000" bIns="45000"/>
+          <a:bodyPr lIns="90000" tIns="45000" rIns="90000" bIns="45000"/>
+          <a:lstStyle/>
           <a:p>
             <a:pPr>
               <a:lnSpc>
@@ -13056,7 +13953,7 @@
               </a:lnSpc>
             </a:pPr>
             <a:r>
-              <a:rPr b="1" lang="en-US" sz="2000" spc="-1" strike="noStrike">
+              <a:rPr lang="en-US" sz="2000" b="1" strike="noStrike" spc="-1">
                 <a:solidFill>
                   <a:srgbClr val="000000"/>
                 </a:solidFill>
@@ -13065,7 +13962,7 @@
               </a:rPr>
               <a:t>Main Problem</a:t>
             </a:r>
-            <a:endParaRPr b="0" lang="en-US" sz="2000" spc="-1" strike="noStrike">
+            <a:endParaRPr lang="en-US" sz="2000" b="0" strike="noStrike" spc="-1">
               <a:latin typeface="Arial"/>
             </a:endParaRPr>
           </a:p>
@@ -13091,13 +13988,20 @@
           </a:ln>
         </p:spPr>
         <p:style>
-          <a:lnRef idx="0"/>
-          <a:fillRef idx="0"/>
-          <a:effectRef idx="0"/>
+          <a:lnRef idx="0">
+            <a:scrgbClr r="0" g="0" b="0"/>
+          </a:lnRef>
+          <a:fillRef idx="0">
+            <a:scrgbClr r="0" g="0" b="0"/>
+          </a:fillRef>
+          <a:effectRef idx="0">
+            <a:scrgbClr r="0" g="0" b="0"/>
+          </a:effectRef>
           <a:fontRef idx="minor"/>
         </p:style>
         <p:txBody>
-          <a:bodyPr lIns="90000" rIns="90000" tIns="45000" bIns="45000"/>
+          <a:bodyPr lIns="90000" tIns="45000" rIns="90000" bIns="45000"/>
+          <a:lstStyle/>
           <a:p>
             <a:pPr>
               <a:lnSpc>
@@ -13105,7 +14009,7 @@
               </a:lnSpc>
             </a:pPr>
             <a:r>
-              <a:rPr b="1" lang="en-US" sz="2000" spc="-1" strike="noStrike">
+              <a:rPr lang="en-US" sz="2000" b="1" strike="noStrike" spc="-1">
                 <a:solidFill>
                   <a:srgbClr val="000000"/>
                 </a:solidFill>
@@ -13114,7 +14018,7 @@
               </a:rPr>
               <a:t>Contribution</a:t>
             </a:r>
-            <a:endParaRPr b="0" lang="en-US" sz="2000" spc="-1" strike="noStrike">
+            <a:endParaRPr lang="en-US" sz="2000" b="0" strike="noStrike" spc="-1">
               <a:latin typeface="Arial"/>
             </a:endParaRPr>
           </a:p>
@@ -13140,13 +14044,20 @@
           </a:ln>
         </p:spPr>
         <p:style>
-          <a:lnRef idx="0"/>
-          <a:fillRef idx="0"/>
-          <a:effectRef idx="0"/>
+          <a:lnRef idx="0">
+            <a:scrgbClr r="0" g="0" b="0"/>
+          </a:lnRef>
+          <a:fillRef idx="0">
+            <a:scrgbClr r="0" g="0" b="0"/>
+          </a:fillRef>
+          <a:effectRef idx="0">
+            <a:scrgbClr r="0" g="0" b="0"/>
+          </a:effectRef>
           <a:fontRef idx="minor"/>
         </p:style>
         <p:txBody>
-          <a:bodyPr lIns="90000" rIns="90000" tIns="45000" bIns="45000"/>
+          <a:bodyPr lIns="90000" tIns="45000" rIns="90000" bIns="45000"/>
+          <a:lstStyle/>
           <a:p>
             <a:pPr>
               <a:lnSpc>
@@ -13154,7 +14065,7 @@
               </a:lnSpc>
             </a:pPr>
             <a:r>
-              <a:rPr b="1" lang="en-US" sz="2000" spc="-1" strike="noStrike">
+              <a:rPr lang="en-US" sz="2000" b="1" strike="noStrike" spc="-1">
                 <a:solidFill>
                   <a:srgbClr val="000000"/>
                 </a:solidFill>
@@ -13163,7 +14074,7 @@
               </a:rPr>
               <a:t>Precision</a:t>
             </a:r>
-            <a:endParaRPr b="0" lang="en-US" sz="2000" spc="-1" strike="noStrike">
+            <a:endParaRPr lang="en-US" sz="2000" b="0" strike="noStrike" spc="-1">
               <a:latin typeface="Arial"/>
             </a:endParaRPr>
           </a:p>
@@ -13189,13 +14100,20 @@
           </a:ln>
         </p:spPr>
         <p:style>
-          <a:lnRef idx="0"/>
-          <a:fillRef idx="0"/>
-          <a:effectRef idx="0"/>
+          <a:lnRef idx="0">
+            <a:scrgbClr r="0" g="0" b="0"/>
+          </a:lnRef>
+          <a:fillRef idx="0">
+            <a:scrgbClr r="0" g="0" b="0"/>
+          </a:fillRef>
+          <a:effectRef idx="0">
+            <a:scrgbClr r="0" g="0" b="0"/>
+          </a:effectRef>
           <a:fontRef idx="minor"/>
         </p:style>
         <p:txBody>
-          <a:bodyPr lIns="90000" rIns="90000" tIns="45000" bIns="45000"/>
+          <a:bodyPr lIns="90000" tIns="45000" rIns="90000" bIns="45000"/>
+          <a:lstStyle/>
           <a:p>
             <a:pPr>
               <a:lnSpc>
@@ -13203,7 +14121,7 @@
               </a:lnSpc>
             </a:pPr>
             <a:r>
-              <a:rPr b="0" lang="en-US" sz="1800" spc="-1" strike="noStrike">
+              <a:rPr lang="en-US" sz="1800" b="0" strike="noStrike" spc="-1">
                 <a:solidFill>
                   <a:srgbClr val="000000"/>
                 </a:solidFill>
@@ -13212,7 +14130,7 @@
               </a:rPr>
               <a:t>There is an enormous amount of information to manually flag offensive comments or posts. So an automatic classifier that is fast and effective is needed to solve this problem.</a:t>
             </a:r>
-            <a:endParaRPr b="0" lang="en-US" sz="1800" spc="-1" strike="noStrike">
+            <a:endParaRPr lang="en-US" sz="1800" b="0" strike="noStrike" spc="-1">
               <a:latin typeface="Arial"/>
             </a:endParaRPr>
           </a:p>
@@ -13238,13 +14156,20 @@
           </a:ln>
         </p:spPr>
         <p:style>
-          <a:lnRef idx="0"/>
-          <a:fillRef idx="0"/>
-          <a:effectRef idx="0"/>
+          <a:lnRef idx="0">
+            <a:scrgbClr r="0" g="0" b="0"/>
+          </a:lnRef>
+          <a:fillRef idx="0">
+            <a:scrgbClr r="0" g="0" b="0"/>
+          </a:fillRef>
+          <a:effectRef idx="0">
+            <a:scrgbClr r="0" g="0" b="0"/>
+          </a:effectRef>
           <a:fontRef idx="minor"/>
         </p:style>
         <p:txBody>
-          <a:bodyPr lIns="90000" rIns="90000" tIns="45000" bIns="45000"/>
+          <a:bodyPr lIns="90000" tIns="45000" rIns="90000" bIns="45000"/>
+          <a:lstStyle/>
           <a:p>
             <a:pPr>
               <a:lnSpc>
@@ -13252,7 +14177,7 @@
               </a:lnSpc>
             </a:pPr>
             <a:r>
-              <a:rPr b="0" lang="en-US" sz="1800" spc="-1" strike="noStrike">
+              <a:rPr lang="en-US" sz="1800" b="0" strike="noStrike" spc="-1">
                 <a:solidFill>
                   <a:srgbClr val="000000"/>
                 </a:solidFill>
@@ -13261,7 +14186,7 @@
               </a:rPr>
               <a:t>There are challenges like: special characters in comments and the detection of insults and offensive comments</a:t>
             </a:r>
-            <a:endParaRPr b="0" lang="en-US" sz="1800" spc="-1" strike="noStrike">
+            <a:endParaRPr lang="en-US" sz="1800" b="0" strike="noStrike" spc="-1">
               <a:latin typeface="Arial"/>
             </a:endParaRPr>
           </a:p>
@@ -13287,13 +14212,20 @@
           </a:ln>
         </p:spPr>
         <p:style>
-          <a:lnRef idx="0"/>
-          <a:fillRef idx="0"/>
-          <a:effectRef idx="0"/>
+          <a:lnRef idx="0">
+            <a:scrgbClr r="0" g="0" b="0"/>
+          </a:lnRef>
+          <a:fillRef idx="0">
+            <a:scrgbClr r="0" g="0" b="0"/>
+          </a:fillRef>
+          <a:effectRef idx="0">
+            <a:scrgbClr r="0" g="0" b="0"/>
+          </a:effectRef>
           <a:fontRef idx="minor"/>
         </p:style>
         <p:txBody>
-          <a:bodyPr lIns="90000" rIns="90000" tIns="45000" bIns="45000"/>
+          <a:bodyPr lIns="90000" tIns="45000" rIns="90000" bIns="45000"/>
+          <a:lstStyle/>
           <a:p>
             <a:pPr>
               <a:lnSpc>
@@ -13301,7 +14233,7 @@
               </a:lnSpc>
             </a:pPr>
             <a:r>
-              <a:rPr b="0" lang="en-US" sz="1800" spc="-1" strike="noStrike">
+              <a:rPr lang="en-US" sz="1800" b="0" strike="noStrike" spc="-1">
                 <a:solidFill>
                   <a:srgbClr val="000000"/>
                 </a:solidFill>
@@ -13310,7 +14242,7 @@
               </a:rPr>
               <a:t>They proposed 2 new hypotheses for detecting cyberbullying and it has increased the precision by 4 percent.</a:t>
             </a:r>
-            <a:endParaRPr b="0" lang="en-US" sz="1800" spc="-1" strike="noStrike">
+            <a:endParaRPr lang="en-US" sz="1800" b="0" strike="noStrike" spc="-1">
               <a:latin typeface="Arial"/>
             </a:endParaRPr>
           </a:p>
@@ -13336,13 +14268,20 @@
           </a:ln>
         </p:spPr>
         <p:style>
-          <a:lnRef idx="0"/>
-          <a:fillRef idx="0"/>
-          <a:effectRef idx="0"/>
+          <a:lnRef idx="0">
+            <a:scrgbClr r="0" g="0" b="0"/>
+          </a:lnRef>
+          <a:fillRef idx="0">
+            <a:scrgbClr r="0" g="0" b="0"/>
+          </a:fillRef>
+          <a:effectRef idx="0">
+            <a:scrgbClr r="0" g="0" b="0"/>
+          </a:effectRef>
           <a:fontRef idx="minor"/>
         </p:style>
         <p:txBody>
-          <a:bodyPr lIns="90000" rIns="90000" tIns="45000" bIns="45000"/>
+          <a:bodyPr lIns="90000" tIns="45000" rIns="90000" bIns="45000"/>
+          <a:lstStyle/>
           <a:p>
             <a:pPr>
               <a:lnSpc>
@@ -13350,7 +14289,7 @@
               </a:lnSpc>
             </a:pPr>
             <a:r>
-              <a:rPr b="0" lang="en-US" sz="1800" spc="-1" strike="noStrike">
+              <a:rPr lang="en-US" sz="1800" b="0" strike="noStrike" spc="-1">
                 <a:solidFill>
                   <a:srgbClr val="000000"/>
                 </a:solidFill>
@@ -13359,7 +14298,7 @@
               </a:rPr>
               <a:t>70.0% precision using SVM</a:t>
             </a:r>
-            <a:endParaRPr b="0" lang="en-US" sz="1800" spc="-1" strike="noStrike">
+            <a:endParaRPr lang="en-US" sz="1800" b="0" strike="noStrike" spc="-1">
               <a:latin typeface="Arial"/>
             </a:endParaRPr>
           </a:p>
@@ -13370,7 +14309,7 @@
               </a:lnSpc>
             </a:pPr>
             <a:r>
-              <a:rPr b="0" lang="en-US" sz="1800" spc="-1" strike="noStrike">
+              <a:rPr lang="en-US" sz="1800" b="0" strike="noStrike" spc="-1">
                 <a:solidFill>
                   <a:srgbClr val="000000"/>
                 </a:solidFill>
@@ -13379,7 +14318,7 @@
               </a:rPr>
               <a:t>64.0% precision using logistic regression</a:t>
             </a:r>
-            <a:endParaRPr b="0" lang="en-US" sz="1800" spc="-1" strike="noStrike">
+            <a:endParaRPr lang="en-US" sz="1800" b="0" strike="noStrike" spc="-1">
               <a:latin typeface="Arial"/>
             </a:endParaRPr>
           </a:p>
@@ -13387,22 +14326,25 @@
       </p:sp>
     </p:spTree>
   </p:cSld>
+  <p:clrMapOvr>
+    <a:masterClrMapping/>
+  </p:clrMapOvr>
   <p:timing>
     <p:tnLst>
       <p:par>
-        <p:cTn id="60" dur="indefinite" restart="never" nodeType="tmRoot">
+        <p:cTn id="1" dur="indefinite" restart="never" nodeType="tmRoot">
           <p:childTnLst>
             <p:seq>
-              <p:cTn id="61" dur="indefinite" nodeType="mainSeq"/>
+              <p:cTn id="2" dur="indefinite" nodeType="mainSeq"/>
               <p:prevCondLst>
-                <p:cond delay="0" evt="onPrev">
+                <p:cond evt="onPrev" delay="0">
                   <p:tgtEl>
                     <p:sldTgt/>
                   </p:tgtEl>
                 </p:cond>
               </p:prevCondLst>
               <p:nextCondLst>
-                <p:cond delay="0" evt="onNext">
+                <p:cond evt="onNext" delay="0">
                   <p:tgtEl>
                     <p:sldTgt/>
                   </p:tgtEl>
@@ -13418,7 +14360,7 @@
 </file>
 
 <file path=ppt/slides/slide8.xml><?xml version="1.0" encoding="utf-8"?>
-<p:sld xmlns:a="http://schemas.openxmlformats.org/drawingml/2006/main" xmlns:p="http://schemas.openxmlformats.org/presentationml/2006/main" xmlns:r="http://schemas.openxmlformats.org/officeDocument/2006/relationships" xmlns:p14="http://schemas.microsoft.com/office/powerpoint/2010/main" xmlns:p15="http://schemas.microsoft.com/office/powerpoint/2012/main" xmlns:mc="http://schemas.openxmlformats.org/markup-compatibility/2006">
+<p:sld xmlns:a="http://schemas.openxmlformats.org/drawingml/2006/main" xmlns:r="http://schemas.openxmlformats.org/officeDocument/2006/relationships" xmlns:p="http://schemas.openxmlformats.org/presentationml/2006/main">
   <p:cSld>
     <p:spTree>
       <p:nvGrpSpPr>
@@ -13454,13 +14396,20 @@
           </a:ln>
         </p:spPr>
         <p:style>
-          <a:lnRef idx="0"/>
-          <a:fillRef idx="0"/>
-          <a:effectRef idx="0"/>
+          <a:lnRef idx="0">
+            <a:scrgbClr r="0" g="0" b="0"/>
+          </a:lnRef>
+          <a:fillRef idx="0">
+            <a:scrgbClr r="0" g="0" b="0"/>
+          </a:fillRef>
+          <a:effectRef idx="0">
+            <a:scrgbClr r="0" g="0" b="0"/>
+          </a:effectRef>
           <a:fontRef idx="minor"/>
         </p:style>
         <p:txBody>
-          <a:bodyPr lIns="0" rIns="0" tIns="0" bIns="0" anchor="ctr"/>
+          <a:bodyPr lIns="0" tIns="0" rIns="0" bIns="0" anchor="ctr"/>
+          <a:lstStyle/>
           <a:p>
             <a:pPr algn="ctr">
               <a:lnSpc>
@@ -13468,16 +14417,16 @@
               </a:lnSpc>
             </a:pPr>
             <a:r>
-              <a:rPr b="0" lang="en-US" sz="4400" spc="-1" strike="noStrike">
+              <a:rPr lang="en-US" sz="4400" b="0" strike="noStrike" spc="-1">
                 <a:solidFill>
-                  <a:srgbClr val="ed1c24"/>
+                  <a:srgbClr val="ED1C24"/>
                 </a:solidFill>
                 <a:latin typeface="Arial"/>
                 <a:ea typeface="DejaVu Sans"/>
               </a:rPr>
               <a:t>Problem Statement</a:t>
             </a:r>
-            <a:endParaRPr b="0" lang="en-US" sz="4400" spc="-1" strike="noStrike">
+            <a:endParaRPr lang="en-US" sz="4400" b="0" strike="noStrike" spc="-1">
               <a:latin typeface="Arial"/>
             </a:endParaRPr>
           </a:p>
@@ -13503,9 +14452,15 @@
           </a:ln>
         </p:spPr>
         <p:style>
-          <a:lnRef idx="0"/>
-          <a:fillRef idx="0"/>
-          <a:effectRef idx="0"/>
+          <a:lnRef idx="0">
+            <a:scrgbClr r="0" g="0" b="0"/>
+          </a:lnRef>
+          <a:fillRef idx="0">
+            <a:scrgbClr r="0" g="0" b="0"/>
+          </a:fillRef>
+          <a:effectRef idx="0">
+            <a:scrgbClr r="0" g="0" b="0"/>
+          </a:effectRef>
           <a:fontRef idx="minor"/>
         </p:style>
       </p:sp>
@@ -13529,7 +14484,8 @@
           </a:ln>
         </p:spPr>
         <p:txBody>
-          <a:bodyPr lIns="90000" rIns="90000" tIns="45000" bIns="45000"/>
+          <a:bodyPr lIns="90000" tIns="45000" rIns="90000" bIns="45000"/>
+          <a:lstStyle/>
           <a:p>
             <a:pPr marL="216000" indent="-216000">
               <a:buClr>
@@ -13540,14 +14496,11 @@
               <a:buChar char=""/>
             </a:pPr>
             <a:r>
-              <a:rPr b="0" lang="en-US" sz="1800" spc="-1" strike="noStrike">
+              <a:rPr lang="en-US" sz="1800" b="0" strike="noStrike" spc="-1">
                 <a:latin typeface="Arial"/>
               </a:rPr>
               <a:t>Data in the internet nowadays are too huge to be monitored manually by humans to detect cyberbullying.</a:t>
             </a:r>
-            <a:endParaRPr b="0" lang="en-US" sz="1800" spc="-1" strike="noStrike">
-              <a:latin typeface="Arial"/>
-            </a:endParaRPr>
           </a:p>
           <a:p>
             <a:pPr marL="216000" indent="-216000">
@@ -13558,7 +14511,7 @@
               <a:buFont typeface="Wingdings" charset="2"/>
               <a:buChar char=""/>
             </a:pPr>
-            <a:endParaRPr b="0" lang="en-US" sz="1800" spc="-1" strike="noStrike">
+            <a:endParaRPr lang="en-US" sz="1800" b="0" strike="noStrike" spc="-1">
               <a:latin typeface="Arial"/>
             </a:endParaRPr>
           </a:p>
@@ -13572,14 +14525,11 @@
               <a:buChar char=""/>
             </a:pPr>
             <a:r>
-              <a:rPr b="0" lang="en-US" sz="1800" spc="-1" strike="noStrike">
+              <a:rPr lang="en-US" sz="1800" b="0" strike="noStrike" spc="-1">
                 <a:latin typeface="Arial"/>
               </a:rPr>
               <a:t>In previous cyberbullying detection frameworks there has been a problem in detecting false positive cyberbullyings cases. </a:t>
             </a:r>
-            <a:endParaRPr b="0" lang="en-US" sz="1800" spc="-1" strike="noStrike">
-              <a:latin typeface="Arial"/>
-            </a:endParaRPr>
           </a:p>
           <a:p>
             <a:pPr marL="216000" indent="-216000">
@@ -13590,7 +14540,7 @@
               <a:buFont typeface="Wingdings" charset="2"/>
               <a:buChar char=""/>
             </a:pPr>
-            <a:endParaRPr b="0" lang="en-US" sz="1800" spc="-1" strike="noStrike">
+            <a:endParaRPr lang="en-US" sz="1800" b="0" strike="noStrike" spc="-1">
               <a:latin typeface="Arial"/>
             </a:endParaRPr>
           </a:p>
@@ -13604,14 +14554,11 @@
               <a:buChar char=""/>
             </a:pPr>
             <a:r>
-              <a:rPr b="0" lang="en-US" sz="1800" spc="-1" strike="noStrike">
+              <a:rPr lang="en-US" sz="1800" b="0" strike="noStrike" spc="-1">
                 <a:latin typeface="Arial"/>
               </a:rPr>
               <a:t>So we aim to Enhance the accuracy of cyberbullying detection using natural language processing and contextual analysis. </a:t>
             </a:r>
-            <a:endParaRPr b="0" lang="en-US" sz="1800" spc="-1" strike="noStrike">
-              <a:latin typeface="Arial"/>
-            </a:endParaRPr>
           </a:p>
           <a:p>
             <a:pPr marL="216000" indent="-216000">
@@ -13625,7 +14572,7 @@
               <a:buFont typeface="Wingdings" charset="2"/>
               <a:buChar char=""/>
             </a:pPr>
-            <a:endParaRPr b="0" lang="en-US" sz="1800" spc="-1" strike="noStrike">
+            <a:endParaRPr lang="en-US" sz="1800" b="0" strike="noStrike" spc="-1">
               <a:latin typeface="Arial"/>
             </a:endParaRPr>
           </a:p>
@@ -13639,33 +14586,24 @@
               <a:buChar char=""/>
             </a:pPr>
             <a:r>
-              <a:rPr b="0" lang="en-US" sz="1800" spc="-1" strike="noStrike">
+              <a:rPr lang="en-US" sz="1800" b="0" strike="noStrike" spc="-1">
                 <a:latin typeface="Arial"/>
               </a:rPr>
-              <a:t> </a:t>
+              <a:t> In cyberbullying detection frameworks they cant detect sarcasm so we aim to detect sarcasm along with cyberbullying.</a:t>
             </a:r>
-            <a:r>
-              <a:rPr b="0" lang="en-US" sz="1800" spc="-1" strike="noStrike">
-                <a:latin typeface="Arial"/>
-              </a:rPr>
-              <a:t>In cyberbullying detection frameworks they cant detect sarcasm so we aim to detect sarcasm along with cyberbullying.</a:t>
-            </a:r>
-            <a:endParaRPr b="0" lang="en-US" sz="1800" spc="-1" strike="noStrike">
-              <a:latin typeface="Arial"/>
-            </a:endParaRPr>
-          </a:p>
-          <a:p>
-            <a:endParaRPr b="0" lang="en-US" sz="1800" spc="-1" strike="noStrike">
-              <a:latin typeface="Arial"/>
-            </a:endParaRPr>
-          </a:p>
-          <a:p>
-            <a:endParaRPr b="0" lang="en-US" sz="1800" spc="-1" strike="noStrike">
-              <a:latin typeface="Arial"/>
-            </a:endParaRPr>
-          </a:p>
-          <a:p>
-            <a:endParaRPr b="0" lang="en-US" sz="1800" spc="-1" strike="noStrike">
+          </a:p>
+          <a:p>
+            <a:endParaRPr lang="en-US" sz="1800" b="0" strike="noStrike" spc="-1">
+              <a:latin typeface="Arial"/>
+            </a:endParaRPr>
+          </a:p>
+          <a:p>
+            <a:endParaRPr lang="en-US" sz="1800" b="0" strike="noStrike" spc="-1">
+              <a:latin typeface="Arial"/>
+            </a:endParaRPr>
+          </a:p>
+          <a:p>
+            <a:endParaRPr lang="en-US" sz="1800" b="0" strike="noStrike" spc="-1">
               <a:latin typeface="Arial"/>
             </a:endParaRPr>
           </a:p>
@@ -13673,22 +14611,25 @@
       </p:sp>
     </p:spTree>
   </p:cSld>
+  <p:clrMapOvr>
+    <a:masterClrMapping/>
+  </p:clrMapOvr>
   <p:timing>
     <p:tnLst>
       <p:par>
-        <p:cTn id="62" dur="indefinite" restart="never" nodeType="tmRoot">
+        <p:cTn id="1" dur="indefinite" restart="never" nodeType="tmRoot">
           <p:childTnLst>
             <p:seq>
-              <p:cTn id="63" dur="indefinite" nodeType="mainSeq"/>
+              <p:cTn id="2" dur="indefinite" nodeType="mainSeq"/>
               <p:prevCondLst>
-                <p:cond delay="0" evt="onPrev">
+                <p:cond evt="onPrev" delay="0">
                   <p:tgtEl>
                     <p:sldTgt/>
                   </p:tgtEl>
                 </p:cond>
               </p:prevCondLst>
               <p:nextCondLst>
-                <p:cond delay="0" evt="onNext">
+                <p:cond evt="onNext" delay="0">
                   <p:tgtEl>
                     <p:sldTgt/>
                   </p:tgtEl>
@@ -13704,13 +14645,14 @@
 </file>
 
 <file path=ppt/slides/slide9.xml><?xml version="1.0" encoding="utf-8"?>
-<p:sld xmlns:a="http://schemas.openxmlformats.org/drawingml/2006/main" xmlns:p="http://schemas.openxmlformats.org/presentationml/2006/main" xmlns:r="http://schemas.openxmlformats.org/officeDocument/2006/relationships" xmlns:p14="http://schemas.microsoft.com/office/powerpoint/2010/main" xmlns:p15="http://schemas.microsoft.com/office/powerpoint/2012/main" xmlns:mc="http://schemas.openxmlformats.org/markup-compatibility/2006">
+<p:sld xmlns:a="http://schemas.openxmlformats.org/drawingml/2006/main" xmlns:r="http://schemas.openxmlformats.org/officeDocument/2006/relationships" xmlns:p="http://schemas.openxmlformats.org/presentationml/2006/main">
   <p:cSld>
     <p:bg>
       <p:bgPr>
         <a:solidFill>
-          <a:srgbClr val="ffffff"/>
+          <a:srgbClr val="FFFFFF"/>
         </a:solidFill>
+        <a:effectLst/>
       </p:bgPr>
     </p:bg>
     <p:spTree>
@@ -13748,6 +14690,7 @@
         </p:spPr>
         <p:txBody>
           <a:bodyPr anchor="ctr"/>
+          <a:lstStyle/>
           <a:p>
             <a:pPr>
               <a:lnSpc>
@@ -13755,17 +14698,17 @@
               </a:lnSpc>
             </a:pPr>
             <a:r>
-              <a:rPr b="0" lang="en-US" sz="2980" spc="-1" strike="noStrike" cap="all">
+              <a:rPr lang="en-US" sz="2980" b="0" strike="noStrike" cap="all" spc="-1">
                 <a:solidFill>
-                  <a:srgbClr val="ed1c24"/>
+                  <a:srgbClr val="ED1C24"/>
                 </a:solidFill>
                 <a:latin typeface="Tw Cen MT"/>
               </a:rPr>
               <a:t>Pre-processing text  (Noise Removal)</a:t>
             </a:r>
-            <a:endParaRPr b="0" lang="en-US" sz="2980" spc="-1" strike="noStrike">
+            <a:endParaRPr lang="en-US" sz="2980" b="0" strike="noStrike" spc="-1">
               <a:solidFill>
-                <a:srgbClr val="ed1c24"/>
+                <a:srgbClr val="ED1C24"/>
               </a:solidFill>
               <a:latin typeface="Tw Cen MT"/>
             </a:endParaRPr>
@@ -13834,21 +14777,28 @@
             </a:ln>
             <a:scene3d>
               <a:camera prst="orthographicFront"/>
-              <a:lightRig dir="t" rig="flat"/>
+              <a:lightRig rig="flat" dir="t"/>
             </a:scene3d>
             <a:sp3d prstMaterial="plastic">
               <a:bevelT w="120900" h="88900"/>
-              <a:bevelB prst="angle" w="88900" h="31750"/>
+              <a:bevelB w="88900" h="31750" prst="angle"/>
             </a:sp3d>
           </p:spPr>
           <p:style>
-            <a:lnRef idx="0"/>
-            <a:fillRef idx="0"/>
-            <a:effectRef idx="2"/>
+            <a:lnRef idx="0">
+              <a:scrgbClr r="0" g="0" b="0"/>
+            </a:lnRef>
+            <a:fillRef idx="0">
+              <a:scrgbClr r="0" g="0" b="0"/>
+            </a:fillRef>
+            <a:effectRef idx="2">
+              <a:scrgbClr r="0" g="0" b="0"/>
+            </a:effectRef>
             <a:fontRef idx="minor"/>
           </p:style>
           <p:txBody>
-            <a:bodyPr lIns="83520" rIns="64800" tIns="83520" bIns="83880" anchor="ctr"/>
+            <a:bodyPr lIns="83520" tIns="83520" rIns="64800" bIns="83880" anchor="ctr"/>
+            <a:lstStyle/>
             <a:p>
               <a:pPr>
                 <a:lnSpc>
@@ -13859,20 +14809,20 @@
                 </a:spcAft>
               </a:pPr>
               <a:r>
-                <a:rPr b="0" lang="en-US" sz="1700" spc="-1" strike="noStrike">
+                <a:rPr lang="en-US" sz="1700" b="0" strike="noStrike" spc="-1">
                   <a:solidFill>
-                    <a:srgbClr val="ffffff"/>
+                    <a:srgbClr val="FFFFFF"/>
                   </a:solidFill>
                   <a:latin typeface="Tw Cen MT"/>
                 </a:rPr>
                 <a:t>Strip HTML</a:t>
               </a:r>
-              <a:endParaRPr b="0" lang="en-US" sz="1700" spc="-1" strike="noStrike">
+              <a:endParaRPr lang="en-US" sz="1700" b="0" strike="noStrike" spc="-1">
                 <a:latin typeface="Arial"/>
               </a:endParaRPr>
             </a:p>
             <a:p>
-              <a:pPr lvl="1" marL="114480" indent="-114120">
+              <a:pPr marL="114480" lvl="1" indent="-114120">
                 <a:lnSpc>
                   <a:spcPct val="90000"/>
                 </a:lnSpc>
@@ -13880,30 +14830,21 @@
                   <a:spcPts val="196"/>
                 </a:spcAft>
                 <a:buClr>
-                  <a:srgbClr val="ffffff"/>
+                  <a:srgbClr val="FFFFFF"/>
                 </a:buClr>
                 <a:buFont typeface="Symbol" charset="2"/>
                 <a:buChar char=""/>
               </a:pPr>
               <a:r>
-                <a:rPr b="0" lang="en-US" sz="1300" spc="-1" strike="noStrike">
+                <a:rPr lang="en-US" sz="1300" b="0" strike="noStrike" spc="-1">
                   <a:solidFill>
-                    <a:srgbClr val="ffffff"/>
+                    <a:srgbClr val="FFFFFF"/>
                   </a:solidFill>
                   <a:latin typeface="Tw Cen MT"/>
                 </a:rPr>
-                <a:t>	</a:t>
+                <a:t>	THIS IS A TEST MESSAGE \n</a:t>
               </a:r>
-              <a:r>
-                <a:rPr b="0" lang="en-US" sz="1300" spc="-1" strike="noStrike">
-                  <a:solidFill>
-                    <a:srgbClr val="ffffff"/>
-                  </a:solidFill>
-                  <a:latin typeface="Tw Cen MT"/>
-                </a:rPr>
-                <a:t>THIS IS A TEST MESSAGE \n</a:t>
-              </a:r>
-              <a:endParaRPr b="0" lang="en-US" sz="1300" spc="-1" strike="noStrike">
+              <a:endParaRPr lang="en-US" sz="1300" b="0" strike="noStrike" spc="-1">
                 <a:latin typeface="Arial"/>
               </a:endParaRPr>
             </a:p>
@@ -13957,21 +14898,28 @@
             </a:ln>
             <a:scene3d>
               <a:camera prst="orthographicFront"/>
-              <a:lightRig dir="t" rig="flat"/>
+              <a:lightRig rig="flat" dir="t"/>
             </a:scene3d>
             <a:sp3d prstMaterial="plastic">
               <a:bevelT w="120900" h="88900"/>
-              <a:bevelB prst="angle" w="88900" h="31750"/>
+              <a:bevelB w="88900" h="31750" prst="angle"/>
             </a:sp3d>
           </p:spPr>
           <p:style>
-            <a:lnRef idx="0"/>
-            <a:fillRef idx="0"/>
-            <a:effectRef idx="2"/>
+            <a:lnRef idx="0">
+              <a:scrgbClr r="0" g="0" b="0"/>
+            </a:lnRef>
+            <a:fillRef idx="0">
+              <a:scrgbClr r="0" g="0" b="0"/>
+            </a:fillRef>
+            <a:effectRef idx="2">
+              <a:scrgbClr r="0" g="0" b="0"/>
+            </a:effectRef>
             <a:fontRef idx="minor"/>
           </p:style>
           <p:txBody>
-            <a:bodyPr lIns="83520" rIns="64800" tIns="83520" bIns="83880" anchor="ctr"/>
+            <a:bodyPr lIns="83520" tIns="83520" rIns="64800" bIns="83880" anchor="ctr"/>
+            <a:lstStyle/>
             <a:p>
               <a:pPr>
                 <a:lnSpc>
@@ -13982,20 +14930,20 @@
                 </a:spcAft>
               </a:pPr>
               <a:r>
-                <a:rPr b="0" lang="en-US" sz="1700" spc="-1" strike="noStrike">
+                <a:rPr lang="en-US" sz="1700" b="0" strike="noStrike" spc="-1">
                   <a:solidFill>
-                    <a:srgbClr val="ffffff"/>
+                    <a:srgbClr val="FFFFFF"/>
                   </a:solidFill>
                   <a:latin typeface="Tw Cen MT"/>
                 </a:rPr>
                 <a:t>Remove Encoding Parts</a:t>
               </a:r>
-              <a:endParaRPr b="0" lang="en-US" sz="1700" spc="-1" strike="noStrike">
+              <a:endParaRPr lang="en-US" sz="1700" b="0" strike="noStrike" spc="-1">
                 <a:latin typeface="Arial"/>
               </a:endParaRPr>
             </a:p>
             <a:p>
-              <a:pPr lvl="1" marL="114480" indent="-114120">
+              <a:pPr marL="114480" lvl="1" indent="-114120">
                 <a:lnSpc>
                   <a:spcPct val="90000"/>
                 </a:lnSpc>
@@ -14003,30 +14951,21 @@
                   <a:spcPts val="196"/>
                 </a:spcAft>
                 <a:buClr>
-                  <a:srgbClr val="ffffff"/>
+                  <a:srgbClr val="FFFFFF"/>
                 </a:buClr>
                 <a:buFont typeface="Symbol" charset="2"/>
                 <a:buChar char=""/>
               </a:pPr>
               <a:r>
-                <a:rPr b="0" lang="en-US" sz="1300" spc="-1" strike="noStrike">
+                <a:rPr lang="en-US" sz="1300" b="0" strike="noStrike" spc="-1">
                   <a:solidFill>
-                    <a:srgbClr val="ffffff"/>
+                    <a:srgbClr val="FFFFFF"/>
                   </a:solidFill>
                   <a:latin typeface="Tw Cen MT"/>
                 </a:rPr>
-                <a:t>	</a:t>
+                <a:t>	THIS IS A TEST MESSAGE</a:t>
               </a:r>
-              <a:r>
-                <a:rPr b="0" lang="en-US" sz="1300" spc="-1" strike="noStrike">
-                  <a:solidFill>
-                    <a:srgbClr val="ffffff"/>
-                  </a:solidFill>
-                  <a:latin typeface="Tw Cen MT"/>
-                </a:rPr>
-                <a:t>THIS IS A TEST MESSAGE</a:t>
-              </a:r>
-              <a:endParaRPr b="0" lang="en-US" sz="1300" spc="-1" strike="noStrike">
+              <a:endParaRPr lang="en-US" sz="1300" b="0" strike="noStrike" spc="-1">
                 <a:latin typeface="Arial"/>
               </a:endParaRPr>
             </a:p>
@@ -14080,21 +15019,28 @@
             </a:ln>
             <a:scene3d>
               <a:camera prst="orthographicFront"/>
-              <a:lightRig dir="t" rig="flat"/>
+              <a:lightRig rig="flat" dir="t"/>
             </a:scene3d>
             <a:sp3d prstMaterial="plastic">
               <a:bevelT w="120900" h="88900"/>
-              <a:bevelB prst="angle" w="88900" h="31750"/>
+              <a:bevelB w="88900" h="31750" prst="angle"/>
             </a:sp3d>
           </p:spPr>
           <p:style>
-            <a:lnRef idx="0"/>
-            <a:fillRef idx="0"/>
-            <a:effectRef idx="2"/>
+            <a:lnRef idx="0">
+              <a:scrgbClr r="0" g="0" b="0"/>
+            </a:lnRef>
+            <a:fillRef idx="0">
+              <a:scrgbClr r="0" g="0" b="0"/>
+            </a:fillRef>
+            <a:effectRef idx="2">
+              <a:scrgbClr r="0" g="0" b="0"/>
+            </a:effectRef>
             <a:fontRef idx="minor"/>
           </p:style>
           <p:txBody>
-            <a:bodyPr lIns="83520" rIns="64800" tIns="83520" bIns="83880" anchor="ctr"/>
+            <a:bodyPr lIns="83520" tIns="83520" rIns="64800" bIns="83880" anchor="ctr"/>
+            <a:lstStyle/>
             <a:p>
               <a:pPr>
                 <a:lnSpc>
@@ -14105,20 +15051,20 @@
                 </a:spcAft>
               </a:pPr>
               <a:r>
-                <a:rPr b="0" lang="en-US" sz="1700" spc="-1" strike="noStrike">
+                <a:rPr lang="en-US" sz="1700" b="0" strike="noStrike" spc="-1">
                   <a:solidFill>
-                    <a:srgbClr val="ffffff"/>
+                    <a:srgbClr val="FFFFFF"/>
                   </a:solidFill>
                   <a:latin typeface="Tw Cen MT"/>
                 </a:rPr>
                 <a:t>Lower Text</a:t>
               </a:r>
-              <a:endParaRPr b="0" lang="en-US" sz="1700" spc="-1" strike="noStrike">
+              <a:endParaRPr lang="en-US" sz="1700" b="0" strike="noStrike" spc="-1">
                 <a:latin typeface="Arial"/>
               </a:endParaRPr>
             </a:p>
             <a:p>
-              <a:pPr lvl="1" marL="114480" indent="-114120">
+              <a:pPr marL="114480" lvl="1" indent="-114120">
                 <a:lnSpc>
                   <a:spcPct val="90000"/>
                 </a:lnSpc>
@@ -14126,30 +15072,21 @@
                   <a:spcPts val="196"/>
                 </a:spcAft>
                 <a:buClr>
-                  <a:srgbClr val="ffffff"/>
+                  <a:srgbClr val="FFFFFF"/>
                 </a:buClr>
                 <a:buFont typeface="Symbol" charset="2"/>
                 <a:buChar char=""/>
               </a:pPr>
               <a:r>
-                <a:rPr b="0" lang="en-US" sz="1300" spc="-1" strike="noStrike">
+                <a:rPr lang="en-US" sz="1300" b="0" strike="noStrike" spc="-1">
                   <a:solidFill>
-                    <a:srgbClr val="ffffff"/>
+                    <a:srgbClr val="FFFFFF"/>
                   </a:solidFill>
                   <a:latin typeface="Tw Cen MT"/>
                 </a:rPr>
-                <a:t>	</a:t>
+                <a:t>	this is a test message</a:t>
               </a:r>
-              <a:r>
-                <a:rPr b="0" lang="en-US" sz="1300" spc="-1" strike="noStrike">
-                  <a:solidFill>
-                    <a:srgbClr val="ffffff"/>
-                  </a:solidFill>
-                  <a:latin typeface="Tw Cen MT"/>
-                </a:rPr>
-                <a:t>this is a test message</a:t>
-              </a:r>
-              <a:endParaRPr b="0" lang="en-US" sz="1300" spc="-1" strike="noStrike">
+              <a:endParaRPr lang="en-US" sz="1300" b="0" strike="noStrike" spc="-1">
                 <a:latin typeface="Arial"/>
               </a:endParaRPr>
             </a:p>
@@ -14203,21 +15140,28 @@
             </a:ln>
             <a:scene3d>
               <a:camera prst="orthographicFront"/>
-              <a:lightRig dir="t" rig="flat"/>
+              <a:lightRig rig="flat" dir="t"/>
             </a:scene3d>
             <a:sp3d prstMaterial="plastic">
               <a:bevelT w="120900" h="88900"/>
-              <a:bevelB prst="angle" w="88900" h="31750"/>
+              <a:bevelB w="88900" h="31750" prst="angle"/>
             </a:sp3d>
           </p:spPr>
           <p:style>
-            <a:lnRef idx="0"/>
-            <a:fillRef idx="0"/>
-            <a:effectRef idx="2"/>
+            <a:lnRef idx="0">
+              <a:scrgbClr r="0" g="0" b="0"/>
+            </a:lnRef>
+            <a:fillRef idx="0">
+              <a:scrgbClr r="0" g="0" b="0"/>
+            </a:fillRef>
+            <a:effectRef idx="2">
+              <a:scrgbClr r="0" g="0" b="0"/>
+            </a:effectRef>
             <a:fontRef idx="minor"/>
           </p:style>
           <p:txBody>
-            <a:bodyPr lIns="83520" rIns="64800" tIns="83520" bIns="83880" anchor="ctr"/>
+            <a:bodyPr lIns="83520" tIns="83520" rIns="64800" bIns="83880" anchor="ctr"/>
+            <a:lstStyle/>
             <a:p>
               <a:pPr>
                 <a:lnSpc>
@@ -14228,20 +15172,20 @@
                 </a:spcAft>
               </a:pPr>
               <a:r>
-                <a:rPr b="0" lang="en-US" sz="1700" spc="-1" strike="noStrike">
+                <a:rPr lang="en-US" sz="1700" b="0" strike="noStrike" spc="-1">
                   <a:solidFill>
-                    <a:srgbClr val="ffffff"/>
+                    <a:srgbClr val="FFFFFF"/>
                   </a:solidFill>
                   <a:latin typeface="Tw Cen MT"/>
                 </a:rPr>
                 <a:t>Tokenize Text</a:t>
               </a:r>
-              <a:endParaRPr b="0" lang="en-US" sz="1700" spc="-1" strike="noStrike">
+              <a:endParaRPr lang="en-US" sz="1700" b="0" strike="noStrike" spc="-1">
                 <a:latin typeface="Arial"/>
               </a:endParaRPr>
             </a:p>
             <a:p>
-              <a:pPr lvl="1" marL="114480" indent="-114120">
+              <a:pPr marL="114480" lvl="1" indent="-114120">
                 <a:lnSpc>
                   <a:spcPct val="90000"/>
                 </a:lnSpc>
@@ -14249,30 +15193,21 @@
                   <a:spcPts val="196"/>
                 </a:spcAft>
                 <a:buClr>
-                  <a:srgbClr val="ffffff"/>
+                  <a:srgbClr val="FFFFFF"/>
                 </a:buClr>
                 <a:buFont typeface="Symbol" charset="2"/>
                 <a:buChar char=""/>
               </a:pPr>
               <a:r>
-                <a:rPr b="0" lang="en-US" sz="1300" spc="-1" strike="noStrike">
+                <a:rPr lang="en-US" sz="1300" b="0" strike="noStrike" spc="-1">
                   <a:solidFill>
-                    <a:srgbClr val="ffffff"/>
+                    <a:srgbClr val="FFFFFF"/>
                   </a:solidFill>
                   <a:latin typeface="Tw Cen MT"/>
                 </a:rPr>
-                <a:t>	</a:t>
+                <a:t>	[this , is , a , test , message]</a:t>
               </a:r>
-              <a:r>
-                <a:rPr b="0" lang="en-US" sz="1300" spc="-1" strike="noStrike">
-                  <a:solidFill>
-                    <a:srgbClr val="ffffff"/>
-                  </a:solidFill>
-                  <a:latin typeface="Tw Cen MT"/>
-                </a:rPr>
-                <a:t>[this , is , a , test , message]</a:t>
-              </a:r>
-              <a:endParaRPr b="0" lang="en-US" sz="1300" spc="-1" strike="noStrike">
+              <a:endParaRPr lang="en-US" sz="1300" b="0" strike="noStrike" spc="-1">
                 <a:latin typeface="Arial"/>
               </a:endParaRPr>
             </a:p>
@@ -14320,16 +15255,22 @@
             </a:ln>
             <a:scene3d>
               <a:camera prst="orthographicFront"/>
-              <a:lightRig dir="t" rig="flat"/>
+              <a:lightRig rig="flat" dir="t"/>
             </a:scene3d>
-            <a:sp3d extrusionH="12700" z="190500" prstMaterial="plastic">
+            <a:sp3d z="190500" extrusionH="12700" prstMaterial="plastic">
               <a:bevelT w="50800" h="50800"/>
             </a:sp3d>
           </p:spPr>
           <p:style>
-            <a:lnRef idx="1"/>
-            <a:fillRef idx="0"/>
-            <a:effectRef idx="2"/>
+            <a:lnRef idx="1">
+              <a:scrgbClr r="0" g="0" b="0"/>
+            </a:lnRef>
+            <a:fillRef idx="0">
+              <a:scrgbClr r="0" g="0" b="0"/>
+            </a:fillRef>
+            <a:effectRef idx="2">
+              <a:scrgbClr r="0" g="0" b="0"/>
+            </a:effectRef>
             <a:fontRef idx="minor"/>
           </p:style>
         </p:sp>
@@ -14375,16 +15316,22 @@
             </a:ln>
             <a:scene3d>
               <a:camera prst="orthographicFront"/>
-              <a:lightRig dir="t" rig="flat"/>
+              <a:lightRig rig="flat" dir="t"/>
             </a:scene3d>
-            <a:sp3d extrusionH="12700" z="190500" prstMaterial="plastic">
+            <a:sp3d z="190500" extrusionH="12700" prstMaterial="plastic">
               <a:bevelT w="50800" h="50800"/>
             </a:sp3d>
           </p:spPr>
           <p:style>
-            <a:lnRef idx="1"/>
-            <a:fillRef idx="0"/>
-            <a:effectRef idx="2"/>
+            <a:lnRef idx="1">
+              <a:scrgbClr r="0" g="0" b="0"/>
+            </a:lnRef>
+            <a:fillRef idx="0">
+              <a:scrgbClr r="0" g="0" b="0"/>
+            </a:fillRef>
+            <a:effectRef idx="2">
+              <a:scrgbClr r="0" g="0" b="0"/>
+            </a:effectRef>
             <a:fontRef idx="minor"/>
           </p:style>
         </p:sp>
@@ -14430,16 +15377,22 @@
             </a:ln>
             <a:scene3d>
               <a:camera prst="orthographicFront"/>
-              <a:lightRig dir="t" rig="flat"/>
+              <a:lightRig rig="flat" dir="t"/>
             </a:scene3d>
-            <a:sp3d extrusionH="12700" z="190500" prstMaterial="plastic">
+            <a:sp3d z="190500" extrusionH="12700" prstMaterial="plastic">
               <a:bevelT w="50800" h="50800"/>
             </a:sp3d>
           </p:spPr>
           <p:style>
-            <a:lnRef idx="1"/>
-            <a:fillRef idx="0"/>
-            <a:effectRef idx="2"/>
+            <a:lnRef idx="1">
+              <a:scrgbClr r="0" g="0" b="0"/>
+            </a:lnRef>
+            <a:fillRef idx="0">
+              <a:scrgbClr r="0" g="0" b="0"/>
+            </a:fillRef>
+            <a:effectRef idx="2">
+              <a:scrgbClr r="0" g="0" b="0"/>
+            </a:effectRef>
             <a:fontRef idx="minor"/>
           </p:style>
         </p:sp>
@@ -14479,13 +15432,20 @@
           </a:ln>
         </p:spPr>
         <p:style>
-          <a:lnRef idx="0"/>
-          <a:fillRef idx="0"/>
-          <a:effectRef idx="0"/>
+          <a:lnRef idx="0">
+            <a:scrgbClr r="0" g="0" b="0"/>
+          </a:lnRef>
+          <a:fillRef idx="0">
+            <a:scrgbClr r="0" g="0" b="0"/>
+          </a:fillRef>
+          <a:effectRef idx="0">
+            <a:scrgbClr r="0" g="0" b="0"/>
+          </a:effectRef>
           <a:fontRef idx="minor"/>
         </p:style>
         <p:txBody>
-          <a:bodyPr wrap="none" lIns="90000" rIns="90000" tIns="45000" bIns="45000"/>
+          <a:bodyPr wrap="none" lIns="90000" tIns="45000" rIns="90000" bIns="45000"/>
+          <a:lstStyle/>
           <a:p>
             <a:pPr>
               <a:lnSpc>
@@ -14493,7 +15453,7 @@
               </a:lnSpc>
             </a:pPr>
             <a:r>
-              <a:rPr b="0" lang="en-US" sz="1990" spc="-1" strike="noStrike">
+              <a:rPr lang="en-US" sz="1990" b="0" strike="noStrike" spc="-1">
                 <a:solidFill>
                   <a:srgbClr val="000000"/>
                 </a:solidFill>
@@ -14501,7 +15461,7 @@
               </a:rPr>
               <a:t>&lt;h1&gt;THIS IS A TEST MESSAGE \N&lt;/h1&gt;</a:t>
             </a:r>
-            <a:endParaRPr b="0" lang="en-US" sz="1990" spc="-1" strike="noStrike">
+            <a:endParaRPr lang="en-US" sz="1990" b="0" strike="noStrike" spc="-1">
               <a:latin typeface="Arial"/>
             </a:endParaRPr>
           </a:p>
@@ -14509,22 +15469,25 @@
       </p:sp>
     </p:spTree>
   </p:cSld>
+  <p:clrMapOvr>
+    <a:masterClrMapping/>
+  </p:clrMapOvr>
   <p:timing>
     <p:tnLst>
       <p:par>
-        <p:cTn id="64" dur="indefinite" restart="never" nodeType="tmRoot">
+        <p:cTn id="1" dur="indefinite" restart="never" nodeType="tmRoot">
           <p:childTnLst>
             <p:seq>
-              <p:cTn id="65" dur="indefinite" nodeType="mainSeq"/>
+              <p:cTn id="2" dur="indefinite" nodeType="mainSeq"/>
               <p:prevCondLst>
-                <p:cond delay="0" evt="onPrev">
+                <p:cond evt="onPrev" delay="0">
                   <p:tgtEl>
                     <p:sldTgt/>
                   </p:tgtEl>
                 </p:cond>
               </p:prevCondLst>
               <p:nextCondLst>
-                <p:cond delay="0" evt="onNext">
+                <p:cond evt="onNext" delay="0">
                   <p:tgtEl>
                     <p:sldTgt/>
                   </p:tgtEl>
@@ -14550,31 +15513,31 @@
         <a:sysClr val="window" lastClr="FFFFFF"/>
       </a:lt1>
       <a:dk2>
-        <a:srgbClr val="1f497d"/>
+        <a:srgbClr val="1F497D"/>
       </a:dk2>
       <a:lt2>
-        <a:srgbClr val="eeece1"/>
+        <a:srgbClr val="EEECE1"/>
       </a:lt2>
       <a:accent1>
-        <a:srgbClr val="4f81bd"/>
+        <a:srgbClr val="4F81BD"/>
       </a:accent1>
       <a:accent2>
-        <a:srgbClr val="c0504d"/>
+        <a:srgbClr val="C0504D"/>
       </a:accent2>
       <a:accent3>
-        <a:srgbClr val="9bbb59"/>
+        <a:srgbClr val="9BBB59"/>
       </a:accent3>
       <a:accent4>
-        <a:srgbClr val="8064a2"/>
+        <a:srgbClr val="8064A2"/>
       </a:accent4>
       <a:accent5>
-        <a:srgbClr val="4bacc6"/>
+        <a:srgbClr val="4BACC6"/>
       </a:accent5>
       <a:accent6>
-        <a:srgbClr val="f79646"/>
+        <a:srgbClr val="F79646"/>
       </a:accent6>
       <a:hlink>
-        <a:srgbClr val="0000ff"/>
+        <a:srgbClr val="0000FF"/>
       </a:hlink>
       <a:folHlink>
         <a:srgbClr val="800080"/>
@@ -14759,6 +15722,8 @@
       </a:bgFillStyleLst>
     </a:fmtScheme>
   </a:themeElements>
+  <a:objectDefaults/>
+  <a:extraClrSchemeLst/>
 </a:theme>
 </file>
 
@@ -14773,31 +15738,31 @@
         <a:sysClr val="window" lastClr="FFFFFF"/>
       </a:lt1>
       <a:dk2>
-        <a:srgbClr val="1f497d"/>
+        <a:srgbClr val="1F497D"/>
       </a:dk2>
       <a:lt2>
-        <a:srgbClr val="eeece1"/>
+        <a:srgbClr val="EEECE1"/>
       </a:lt2>
       <a:accent1>
-        <a:srgbClr val="4f81bd"/>
+        <a:srgbClr val="4F81BD"/>
       </a:accent1>
       <a:accent2>
-        <a:srgbClr val="c0504d"/>
+        <a:srgbClr val="C0504D"/>
       </a:accent2>
       <a:accent3>
-        <a:srgbClr val="9bbb59"/>
+        <a:srgbClr val="9BBB59"/>
       </a:accent3>
       <a:accent4>
-        <a:srgbClr val="8064a2"/>
+        <a:srgbClr val="8064A2"/>
       </a:accent4>
       <a:accent5>
-        <a:srgbClr val="4bacc6"/>
+        <a:srgbClr val="4BACC6"/>
       </a:accent5>
       <a:accent6>
-        <a:srgbClr val="f79646"/>
+        <a:srgbClr val="F79646"/>
       </a:accent6>
       <a:hlink>
-        <a:srgbClr val="0000ff"/>
+        <a:srgbClr val="0000FF"/>
       </a:hlink>
       <a:folHlink>
         <a:srgbClr val="800080"/>
@@ -14982,6 +15947,8 @@
       </a:bgFillStyleLst>
     </a:fmtScheme>
   </a:themeElements>
+  <a:objectDefaults/>
+  <a:extraClrSchemeLst/>
 </a:theme>
 </file>
 
@@ -14996,31 +15963,31 @@
         <a:sysClr val="window" lastClr="FFFFFF"/>
       </a:lt1>
       <a:dk2>
-        <a:srgbClr val="1f497d"/>
+        <a:srgbClr val="1F497D"/>
       </a:dk2>
       <a:lt2>
-        <a:srgbClr val="eeece1"/>
+        <a:srgbClr val="EEECE1"/>
       </a:lt2>
       <a:accent1>
-        <a:srgbClr val="4f81bd"/>
+        <a:srgbClr val="4F81BD"/>
       </a:accent1>
       <a:accent2>
-        <a:srgbClr val="c0504d"/>
+        <a:srgbClr val="C0504D"/>
       </a:accent2>
       <a:accent3>
-        <a:srgbClr val="9bbb59"/>
+        <a:srgbClr val="9BBB59"/>
       </a:accent3>
       <a:accent4>
-        <a:srgbClr val="8064a2"/>
+        <a:srgbClr val="8064A2"/>
       </a:accent4>
       <a:accent5>
-        <a:srgbClr val="4bacc6"/>
+        <a:srgbClr val="4BACC6"/>
       </a:accent5>
       <a:accent6>
-        <a:srgbClr val="f79646"/>
+        <a:srgbClr val="F79646"/>
       </a:accent6>
       <a:hlink>
-        <a:srgbClr val="0000ff"/>
+        <a:srgbClr val="0000FF"/>
       </a:hlink>
       <a:folHlink>
         <a:srgbClr val="800080"/>
@@ -15205,6 +16172,8 @@
       </a:bgFillStyleLst>
     </a:fmtScheme>
   </a:themeElements>
+  <a:objectDefaults/>
+  <a:extraClrSchemeLst/>
 </a:theme>
 </file>
 
@@ -15219,31 +16188,31 @@
         <a:sysClr val="window" lastClr="FFFFFF"/>
       </a:lt1>
       <a:dk2>
-        <a:srgbClr val="1f497d"/>
+        <a:srgbClr val="1F497D"/>
       </a:dk2>
       <a:lt2>
-        <a:srgbClr val="eeece1"/>
+        <a:srgbClr val="EEECE1"/>
       </a:lt2>
       <a:accent1>
-        <a:srgbClr val="4f81bd"/>
+        <a:srgbClr val="4F81BD"/>
       </a:accent1>
       <a:accent2>
-        <a:srgbClr val="c0504d"/>
+        <a:srgbClr val="C0504D"/>
       </a:accent2>
       <a:accent3>
-        <a:srgbClr val="9bbb59"/>
+        <a:srgbClr val="9BBB59"/>
       </a:accent3>
       <a:accent4>
-        <a:srgbClr val="8064a2"/>
+        <a:srgbClr val="8064A2"/>
       </a:accent4>
       <a:accent5>
-        <a:srgbClr val="4bacc6"/>
+        <a:srgbClr val="4BACC6"/>
       </a:accent5>
       <a:accent6>
-        <a:srgbClr val="f79646"/>
+        <a:srgbClr val="F79646"/>
       </a:accent6>
       <a:hlink>
-        <a:srgbClr val="0000ff"/>
+        <a:srgbClr val="0000FF"/>
       </a:hlink>
       <a:folHlink>
         <a:srgbClr val="800080"/>
@@ -15428,5 +16397,7 @@
       </a:bgFillStyleLst>
     </a:fmtScheme>
   </a:themeElements>
+  <a:objectDefaults/>
+  <a:extraClrSchemeLst/>
 </a:theme>
 </file>
--- a/Graduation Proposal/Cyberbullypresentation_Final.pptx
+++ b/Graduation Proposal/Cyberbullypresentation_Final.pptx
@@ -127,6 +127,11 @@
       </a:defRPr>
     </a:lvl9pPr>
   </p:defaultTextStyle>
+  <p:extLst>
+    <p:ext uri="{EFAFB233-063F-42B5-8137-9DF3F51BA10A}">
+      <p15:sldGuideLst xmlns:p15="http://schemas.microsoft.com/office/powerpoint/2012/main"/>
+    </p:ext>
+  </p:extLst>
 </p:presentation>
 </file>
 
@@ -17856,8 +17861,12 @@
           <a:lstStyle/>
           <a:p>
             <a:r>
+              <a:rPr lang="en-US" smtClean="0"/>
+              <a:t>In </a:t>
+            </a:r>
+            <a:r>
               <a:rPr lang="en-US" dirty="0"/>
-              <a:t>In previous cyberbullying detection papers </a:t>
+              <a:t>previous cyberbullying detection papers </a:t>
             </a:r>
             <a:r>
               <a:rPr lang="en-US" dirty="0" smtClean="0"/>
@@ -17876,12 +17885,12 @@
               <a:t>cases. The accuracy in these papers is not high enough and could be improved. Sarcasm which is type of </a:t>
             </a:r>
             <a:r>
-              <a:rPr lang="en-US" dirty="0" err="1"/>
-              <a:t>cyberbulling</a:t>
+              <a:rPr lang="en-US" dirty="0" smtClean="0"/>
+              <a:t>cyberbullying </a:t>
             </a:r>
             <a:r>
               <a:rPr lang="en-US" dirty="0"/>
-              <a:t> is not detected in these papers.</a:t>
+              <a:t>is not detected in these papers.</a:t>
             </a:r>
           </a:p>
           <a:p>

--- a/Graduation Proposal/Cyberbullypresentation_Final.pptx
+++ b/Graduation Proposal/Cyberbullypresentation_Final.pptx
@@ -7,7 +7,7 @@
     <p:sldMasterId id="2147483674" r:id="rId3"/>
   </p:sldMasterIdLst>
   <p:notesMasterIdLst>
-    <p:notesMasterId r:id="rId23"/>
+    <p:notesMasterId r:id="rId24"/>
   </p:notesMasterIdLst>
   <p:sldIdLst>
     <p:sldId id="256" r:id="rId4"/>
@@ -29,6 +29,7 @@
     <p:sldId id="272" r:id="rId20"/>
     <p:sldId id="273" r:id="rId21"/>
     <p:sldId id="274" r:id="rId22"/>
+    <p:sldId id="275" r:id="rId23"/>
   </p:sldIdLst>
   <p:sldSz cx="10080625" cy="5670550"/>
   <p:notesSz cx="7772400" cy="10058400"/>
@@ -14379,13 +14380,18 @@
             <p:ph type="subTitle"/>
           </p:nvPr>
         </p:nvSpPr>
-        <p:spPr/>
+        <p:spPr>
+          <a:xfrm>
+            <a:off x="504000" y="1967331"/>
+            <a:ext cx="9072000" cy="946440"/>
+          </a:xfrm>
+        </p:spPr>
         <p:txBody>
           <a:bodyPr/>
           <a:lstStyle/>
           <a:p>
             <a:r>
-              <a:rPr lang="en-US" dirty="0"/>
+              <a:rPr lang="en-US" sz="1600" dirty="0"/>
               <a:t>LIWC (Linguistic Inquiry and Word Count) is a text analysis program available for purchase. It calculates the degree to which various categories of words are used in a text, and can process texts ranging from e-mails to speeches, poems and transcribed natural language in either plain text or Word formats</a:t>
             </a:r>
           </a:p>
@@ -14715,6 +14721,141 @@
       </p:par>
     </p:tnLst>
   </p:timing>
+</p:sld>
+</file>
+
+<file path=ppt/slides/slide20.xml><?xml version="1.0" encoding="utf-8"?>
+<p:sld xmlns:a="http://schemas.openxmlformats.org/drawingml/2006/main" xmlns:r="http://schemas.openxmlformats.org/officeDocument/2006/relationships" xmlns:p="http://schemas.openxmlformats.org/presentationml/2006/main">
+  <p:cSld>
+    <p:spTree>
+      <p:nvGrpSpPr>
+        <p:cNvPr id="1" name=""/>
+        <p:cNvGrpSpPr/>
+        <p:nvPr/>
+      </p:nvGrpSpPr>
+      <p:grpSpPr>
+        <a:xfrm>
+          <a:off x="0" y="0"/>
+          <a:ext cx="0" cy="0"/>
+          <a:chOff x="0" y="0"/>
+          <a:chExt cx="0" cy="0"/>
+        </a:xfrm>
+      </p:grpSpPr>
+      <p:sp>
+        <p:nvSpPr>
+          <p:cNvPr id="2" name="Title 1"/>
+          <p:cNvSpPr>
+            <a:spLocks noGrp="1"/>
+          </p:cNvSpPr>
+          <p:nvPr>
+            <p:ph type="title"/>
+          </p:nvPr>
+        </p:nvSpPr>
+        <p:spPr/>
+        <p:txBody>
+          <a:bodyPr/>
+          <a:lstStyle/>
+          <a:p>
+            <a:endParaRPr lang="en-US"/>
+          </a:p>
+        </p:txBody>
+      </p:sp>
+      <p:sp>
+        <p:nvSpPr>
+          <p:cNvPr id="3" name="Subtitle 2"/>
+          <p:cNvSpPr>
+            <a:spLocks noGrp="1"/>
+          </p:cNvSpPr>
+          <p:nvPr>
+            <p:ph type="subTitle"/>
+          </p:nvPr>
+        </p:nvSpPr>
+        <p:spPr/>
+        <p:txBody>
+          <a:bodyPr>
+            <a:normAutofit fontScale="40000" lnSpcReduction="20000"/>
+          </a:bodyPr>
+          <a:lstStyle/>
+          <a:p>
+            <a:r>
+              <a:rPr lang="en-US" dirty="0"/>
+              <a:t>The TF*IDF algorithm is used to weigh a keyword in any content and assign the importance to that keyword based on the number of times it appears in the document. LIWC has been used to efficiently classify words in the text with many categories and give us the effect of these words on the sentence. Capturing second person pronoun there are many methods that capture pronouns we only need to extract the second person pronouns.  Sentiment analysis aims to determine the attitude of a speaker, writer, or other subject with respect to some topic or the overall contextual polarity or emotional reaction to a document, interaction, or event </a:t>
+            </a:r>
+          </a:p>
+          <a:p>
+            <a:r>
+              <a:rPr lang="en-US" dirty="0"/>
+              <a:t>In previous cyberbullying detection papers there has been a problem in detecting false positive cyberbullying's cases. The accuracy in these papers is not high enough and could be improved. Sarcasm which is type of cyberbullying is not detected in these papers.</a:t>
+            </a:r>
+          </a:p>
+          <a:p>
+            <a:endParaRPr lang="en-US" dirty="0"/>
+          </a:p>
+          <a:p>
+            <a:r>
+              <a:rPr lang="en-US" dirty="0"/>
+              <a:t>	Aggression: Swear words (damn, piss, fuck)</a:t>
+            </a:r>
+          </a:p>
+          <a:p>
+            <a:r>
+              <a:rPr lang="en-US" dirty="0"/>
+              <a:t>	Affective processes (happy, cried, abandon)</a:t>
+            </a:r>
+          </a:p>
+          <a:p>
+            <a:r>
+              <a:rPr lang="en-US" dirty="0"/>
+              <a:t>	Anxiety (worried, nervous)</a:t>
+            </a:r>
+          </a:p>
+          <a:p>
+            <a:r>
+              <a:rPr lang="en-US" dirty="0"/>
+              <a:t>	Anger (hate, kill, annoyed)</a:t>
+            </a:r>
+          </a:p>
+          <a:p>
+            <a:r>
+              <a:rPr lang="en-US" dirty="0"/>
+              <a:t>	Sadness (crying, grief, sad)</a:t>
+            </a:r>
+          </a:p>
+          <a:p>
+            <a:r>
+              <a:rPr lang="en-US" dirty="0"/>
+              <a:t>	Positive emotion (love, nice, sweet)</a:t>
+            </a:r>
+          </a:p>
+          <a:p>
+            <a:r>
+              <a:rPr lang="en-US" dirty="0"/>
+              <a:t>	Negative emotion (</a:t>
+            </a:r>
+            <a:r>
+              <a:rPr lang="en-US" dirty="0" err="1"/>
+              <a:t>hur</a:t>
+            </a:r>
+            <a:r>
+              <a:rPr lang="en-US" dirty="0"/>
+              <a:t>, ugly, nasty)</a:t>
+            </a:r>
+          </a:p>
+          <a:p>
+            <a:endParaRPr lang="en-US" dirty="0"/>
+          </a:p>
+        </p:txBody>
+      </p:sp>
+    </p:spTree>
+    <p:extLst>
+      <p:ext uri="{BB962C8B-B14F-4D97-AF65-F5344CB8AC3E}">
+        <p14:creationId xmlns:p14="http://schemas.microsoft.com/office/powerpoint/2010/main" val="1478593652"/>
+      </p:ext>
+    </p:extLst>
+  </p:cSld>
+  <p:clrMapOvr>
+    <a:masterClrMapping/>
+  </p:clrMapOvr>
 </p:sld>
 </file>
 
